--- a/tutorial/Nomad Bootcamp.pptx
+++ b/tutorial/Nomad Bootcamp.pptx
@@ -5,7 +5,7 @@
     <p:sldMasterId id="2147483648" r:id="rId1"/>
   </p:sldMasterIdLst>
   <p:notesMasterIdLst>
-    <p:notesMasterId r:id="rId11"/>
+    <p:notesMasterId r:id="rId13"/>
   </p:notesMasterIdLst>
   <p:sldIdLst>
     <p:sldId id="256" r:id="rId2"/>
@@ -14,9 +14,11 @@
     <p:sldId id="264" r:id="rId5"/>
     <p:sldId id="267" r:id="rId6"/>
     <p:sldId id="258" r:id="rId7"/>
-    <p:sldId id="261" r:id="rId8"/>
-    <p:sldId id="259" r:id="rId9"/>
+    <p:sldId id="259" r:id="rId8"/>
+    <p:sldId id="261" r:id="rId9"/>
     <p:sldId id="268" r:id="rId10"/>
+    <p:sldId id="270" r:id="rId11"/>
+    <p:sldId id="269" r:id="rId12"/>
   </p:sldIdLst>
   <p:sldSz cx="12192000" cy="6858000"/>
   <p:notesSz cx="6858000" cy="9144000"/>
@@ -115,6 +117,11 @@
       </a:defRPr>
     </a:lvl9pPr>
   </p:defaultTextStyle>
+  <p:extLst>
+    <p:ext uri="{EFAFB233-063F-42B5-8137-9DF3F51BA10A}">
+      <p15:sldGuideLst xmlns:p15="http://schemas.microsoft.com/office/powerpoint/2012/main"/>
+    </p:ext>
+  </p:extLst>
 </p:presentation>
 </file>
 
@@ -200,7 +207,7 @@
           <a:p>
             <a:fld id="{EB77A74B-FAF8-47A5-87AC-B1BD182C0A0E}" type="datetimeFigureOut">
               <a:rPr lang="en-US" smtClean="0"/>
-              <a:t>2/25/2019</a:t>
+              <a:t>3/6/2019</a:t>
             </a:fld>
             <a:endParaRPr lang="en-US"/>
           </a:p>
@@ -788,7 +795,7 @@
           <a:p>
             <a:fld id="{B9AB83B5-296D-4126-8B45-4FCD773400CF}" type="datetimeFigureOut">
               <a:rPr lang="en-US" smtClean="0"/>
-              <a:t>2/25/2019</a:t>
+              <a:t>3/6/2019</a:t>
             </a:fld>
             <a:endParaRPr lang="en-US"/>
           </a:p>
@@ -986,7 +993,7 @@
           <a:p>
             <a:fld id="{B9AB83B5-296D-4126-8B45-4FCD773400CF}" type="datetimeFigureOut">
               <a:rPr lang="en-US" smtClean="0"/>
-              <a:t>2/25/2019</a:t>
+              <a:t>3/6/2019</a:t>
             </a:fld>
             <a:endParaRPr lang="en-US"/>
           </a:p>
@@ -1194,7 +1201,7 @@
           <a:p>
             <a:fld id="{B9AB83B5-296D-4126-8B45-4FCD773400CF}" type="datetimeFigureOut">
               <a:rPr lang="en-US" smtClean="0"/>
-              <a:t>2/25/2019</a:t>
+              <a:t>3/6/2019</a:t>
             </a:fld>
             <a:endParaRPr lang="en-US"/>
           </a:p>
@@ -1392,7 +1399,7 @@
           <a:p>
             <a:fld id="{B9AB83B5-296D-4126-8B45-4FCD773400CF}" type="datetimeFigureOut">
               <a:rPr lang="en-US" smtClean="0"/>
-              <a:t>2/25/2019</a:t>
+              <a:t>3/6/2019</a:t>
             </a:fld>
             <a:endParaRPr lang="en-US"/>
           </a:p>
@@ -1667,7 +1674,7 @@
           <a:p>
             <a:fld id="{B9AB83B5-296D-4126-8B45-4FCD773400CF}" type="datetimeFigureOut">
               <a:rPr lang="en-US" smtClean="0"/>
-              <a:t>2/25/2019</a:t>
+              <a:t>3/6/2019</a:t>
             </a:fld>
             <a:endParaRPr lang="en-US"/>
           </a:p>
@@ -1932,7 +1939,7 @@
           <a:p>
             <a:fld id="{B9AB83B5-296D-4126-8B45-4FCD773400CF}" type="datetimeFigureOut">
               <a:rPr lang="en-US" smtClean="0"/>
-              <a:t>2/25/2019</a:t>
+              <a:t>3/6/2019</a:t>
             </a:fld>
             <a:endParaRPr lang="en-US"/>
           </a:p>
@@ -2344,7 +2351,7 @@
           <a:p>
             <a:fld id="{B9AB83B5-296D-4126-8B45-4FCD773400CF}" type="datetimeFigureOut">
               <a:rPr lang="en-US" smtClean="0"/>
-              <a:t>2/25/2019</a:t>
+              <a:t>3/6/2019</a:t>
             </a:fld>
             <a:endParaRPr lang="en-US"/>
           </a:p>
@@ -2485,7 +2492,7 @@
           <a:p>
             <a:fld id="{B9AB83B5-296D-4126-8B45-4FCD773400CF}" type="datetimeFigureOut">
               <a:rPr lang="en-US" smtClean="0"/>
-              <a:t>2/25/2019</a:t>
+              <a:t>3/6/2019</a:t>
             </a:fld>
             <a:endParaRPr lang="en-US"/>
           </a:p>
@@ -2598,7 +2605,7 @@
           <a:p>
             <a:fld id="{B9AB83B5-296D-4126-8B45-4FCD773400CF}" type="datetimeFigureOut">
               <a:rPr lang="en-US" smtClean="0"/>
-              <a:t>2/25/2019</a:t>
+              <a:t>3/6/2019</a:t>
             </a:fld>
             <a:endParaRPr lang="en-US"/>
           </a:p>
@@ -2909,7 +2916,7 @@
           <a:p>
             <a:fld id="{B9AB83B5-296D-4126-8B45-4FCD773400CF}" type="datetimeFigureOut">
               <a:rPr lang="en-US" smtClean="0"/>
-              <a:t>2/25/2019</a:t>
+              <a:t>3/6/2019</a:t>
             </a:fld>
             <a:endParaRPr lang="en-US"/>
           </a:p>
@@ -3197,7 +3204,7 @@
           <a:p>
             <a:fld id="{B9AB83B5-296D-4126-8B45-4FCD773400CF}" type="datetimeFigureOut">
               <a:rPr lang="en-US" smtClean="0"/>
-              <a:t>2/25/2019</a:t>
+              <a:t>3/6/2019</a:t>
             </a:fld>
             <a:endParaRPr lang="en-US"/>
           </a:p>
@@ -3438,7 +3445,7 @@
           <a:p>
             <a:fld id="{B9AB83B5-296D-4126-8B45-4FCD773400CF}" type="datetimeFigureOut">
               <a:rPr lang="en-US" smtClean="0"/>
-              <a:t>2/25/2019</a:t>
+              <a:t>3/6/2019</a:t>
             </a:fld>
             <a:endParaRPr lang="en-US"/>
           </a:p>
@@ -3932,6 +3939,387 @@
 </p:sld>
 </file>
 
+<file path=ppt/slides/slide10.xml><?xml version="1.0" encoding="utf-8"?>
+<p:sld xmlns:a="http://schemas.openxmlformats.org/drawingml/2006/main" xmlns:r="http://schemas.openxmlformats.org/officeDocument/2006/relationships" xmlns:p="http://schemas.openxmlformats.org/presentationml/2006/main">
+  <p:cSld>
+    <p:spTree>
+      <p:nvGrpSpPr>
+        <p:cNvPr id="1" name=""/>
+        <p:cNvGrpSpPr/>
+        <p:nvPr/>
+      </p:nvGrpSpPr>
+      <p:grpSpPr>
+        <a:xfrm>
+          <a:off x="0" y="0"/>
+          <a:ext cx="0" cy="0"/>
+          <a:chOff x="0" y="0"/>
+          <a:chExt cx="0" cy="0"/>
+        </a:xfrm>
+      </p:grpSpPr>
+      <p:sp>
+        <p:nvSpPr>
+          <p:cNvPr id="2" name="Title 1">
+            <a:extLst>
+              <a:ext uri="{FF2B5EF4-FFF2-40B4-BE49-F238E27FC236}">
+                <a16:creationId xmlns:a16="http://schemas.microsoft.com/office/drawing/2014/main" id="{42E6FE64-2A95-4A31-A4C3-8CDAF2BB942D}"/>
+              </a:ext>
+            </a:extLst>
+          </p:cNvPr>
+          <p:cNvSpPr>
+            <a:spLocks noGrp="1"/>
+          </p:cNvSpPr>
+          <p:nvPr>
+            <p:ph type="title"/>
+          </p:nvPr>
+        </p:nvSpPr>
+        <p:spPr/>
+        <p:txBody>
+          <a:bodyPr/>
+          <a:lstStyle/>
+          <a:p>
+            <a:r>
+              <a:rPr lang="en-US" dirty="0"/>
+              <a:t>Limitations</a:t>
+            </a:r>
+          </a:p>
+        </p:txBody>
+      </p:sp>
+      <p:sp>
+        <p:nvSpPr>
+          <p:cNvPr id="3" name="Content Placeholder 2">
+            <a:extLst>
+              <a:ext uri="{FF2B5EF4-FFF2-40B4-BE49-F238E27FC236}">
+                <a16:creationId xmlns:a16="http://schemas.microsoft.com/office/drawing/2014/main" id="{146D6FED-C20E-4521-B21C-9260059D15FB}"/>
+              </a:ext>
+            </a:extLst>
+          </p:cNvPr>
+          <p:cNvSpPr>
+            <a:spLocks noGrp="1"/>
+          </p:cNvSpPr>
+          <p:nvPr>
+            <p:ph idx="1"/>
+          </p:nvPr>
+        </p:nvSpPr>
+        <p:spPr/>
+        <p:txBody>
+          <a:bodyPr/>
+          <a:lstStyle/>
+          <a:p>
+            <a:r>
+              <a:rPr lang="en-US" dirty="0"/>
+              <a:t>DAGs/Trees/Arbitrary Graphs</a:t>
+            </a:r>
+          </a:p>
+        </p:txBody>
+      </p:sp>
+    </p:spTree>
+    <p:extLst>
+      <p:ext uri="{BB962C8B-B14F-4D97-AF65-F5344CB8AC3E}">
+        <p14:creationId xmlns:p14="http://schemas.microsoft.com/office/powerpoint/2010/main" val="2016342584"/>
+      </p:ext>
+    </p:extLst>
+  </p:cSld>
+  <p:clrMapOvr>
+    <a:masterClrMapping/>
+  </p:clrMapOvr>
+</p:sld>
+</file>
+
+<file path=ppt/slides/slide11.xml><?xml version="1.0" encoding="utf-8"?>
+<p:sld xmlns:a="http://schemas.openxmlformats.org/drawingml/2006/main" xmlns:r="http://schemas.openxmlformats.org/officeDocument/2006/relationships" xmlns:p="http://schemas.openxmlformats.org/presentationml/2006/main">
+  <p:cSld>
+    <p:spTree>
+      <p:nvGrpSpPr>
+        <p:cNvPr id="1" name=""/>
+        <p:cNvGrpSpPr/>
+        <p:nvPr/>
+      </p:nvGrpSpPr>
+      <p:grpSpPr>
+        <a:xfrm>
+          <a:off x="0" y="0"/>
+          <a:ext cx="0" cy="0"/>
+          <a:chOff x="0" y="0"/>
+          <a:chExt cx="0" cy="0"/>
+        </a:xfrm>
+      </p:grpSpPr>
+      <p:sp>
+        <p:nvSpPr>
+          <p:cNvPr id="2" name="Title 1">
+            <a:extLst>
+              <a:ext uri="{FF2B5EF4-FFF2-40B4-BE49-F238E27FC236}">
+                <a16:creationId xmlns:a16="http://schemas.microsoft.com/office/drawing/2014/main" id="{072ECC6E-4889-48F7-B136-32B00A8E98E2}"/>
+              </a:ext>
+            </a:extLst>
+          </p:cNvPr>
+          <p:cNvSpPr>
+            <a:spLocks noGrp="1"/>
+          </p:cNvSpPr>
+          <p:nvPr>
+            <p:ph type="title"/>
+          </p:nvPr>
+        </p:nvSpPr>
+        <p:spPr/>
+        <p:txBody>
+          <a:bodyPr/>
+          <a:lstStyle/>
+          <a:p>
+            <a:r>
+              <a:rPr lang="en-US" dirty="0"/>
+              <a:t>Problems During tutorial</a:t>
+            </a:r>
+          </a:p>
+        </p:txBody>
+      </p:sp>
+      <p:sp>
+        <p:nvSpPr>
+          <p:cNvPr id="3" name="Content Placeholder 2">
+            <a:extLst>
+              <a:ext uri="{FF2B5EF4-FFF2-40B4-BE49-F238E27FC236}">
+                <a16:creationId xmlns:a16="http://schemas.microsoft.com/office/drawing/2014/main" id="{156CA470-3BAD-4AFF-9A0E-210A2EF8C2B3}"/>
+              </a:ext>
+            </a:extLst>
+          </p:cNvPr>
+          <p:cNvSpPr>
+            <a:spLocks noGrp="1"/>
+          </p:cNvSpPr>
+          <p:nvPr>
+            <p:ph idx="1"/>
+          </p:nvPr>
+        </p:nvSpPr>
+        <p:spPr/>
+        <p:txBody>
+          <a:bodyPr>
+            <a:normAutofit fontScale="25000" lnSpcReduction="20000"/>
+          </a:bodyPr>
+          <a:lstStyle/>
+          <a:p>
+            <a:r>
+              <a:rPr lang="en-US" dirty="0"/>
+              <a:t>Mac </a:t>
+            </a:r>
+            <a:r>
+              <a:rPr lang="en-US" dirty="0" err="1"/>
+              <a:t>OSx</a:t>
+            </a:r>
+            <a:r>
+              <a:rPr lang="en-US" dirty="0"/>
+              <a:t> – Brew install problems</a:t>
+            </a:r>
+          </a:p>
+          <a:p>
+            <a:pPr lvl="1"/>
+            <a:r>
+              <a:rPr lang="en-US" dirty="0"/>
+              <a:t>Fix: Run the Graphical UI first</a:t>
+            </a:r>
+          </a:p>
+          <a:p>
+            <a:pPr lvl="1"/>
+            <a:r>
+              <a:rPr lang="en-US" dirty="0"/>
+              <a:t>Brew install md5sha1sum</a:t>
+            </a:r>
+          </a:p>
+          <a:p>
+            <a:pPr lvl="1"/>
+            <a:r>
+              <a:rPr lang="en-US" dirty="0" err="1"/>
+              <a:t>Bashrc</a:t>
+            </a:r>
+            <a:r>
+              <a:rPr lang="en-US" dirty="0"/>
+              <a:t> belongs somewhere else in mac</a:t>
+            </a:r>
+          </a:p>
+          <a:p>
+            <a:r>
+              <a:rPr lang="en-US" dirty="0" err="1"/>
+              <a:t>Explaination</a:t>
+            </a:r>
+            <a:r>
+              <a:rPr lang="en-US" dirty="0"/>
+              <a:t> of docker and </a:t>
+            </a:r>
+            <a:r>
+              <a:rPr lang="en-US" dirty="0" err="1"/>
+              <a:t>kubernetes</a:t>
+            </a:r>
+            <a:r>
+              <a:rPr lang="en-US" dirty="0"/>
+              <a:t> – what are pods</a:t>
+            </a:r>
+          </a:p>
+          <a:p>
+            <a:r>
+              <a:rPr lang="en-US" dirty="0"/>
+              <a:t>Move clean to the end</a:t>
+            </a:r>
+          </a:p>
+          <a:p>
+            <a:r>
+              <a:rPr lang="en-US" dirty="0" err="1"/>
+              <a:t>Bashrc</a:t>
+            </a:r>
+            <a:r>
+              <a:rPr lang="en-US" dirty="0"/>
+              <a:t> remove </a:t>
+            </a:r>
+          </a:p>
+          <a:p>
+            <a:r>
+              <a:rPr lang="en-US" dirty="0"/>
+              <a:t>Outputs along with the code insets</a:t>
+            </a:r>
+          </a:p>
+          <a:p>
+            <a:r>
+              <a:rPr lang="en-US" dirty="0"/>
+              <a:t>Add shebang to </a:t>
+            </a:r>
+            <a:r>
+              <a:rPr lang="en-US" dirty="0" err="1"/>
+              <a:t>sh</a:t>
+            </a:r>
+            <a:endParaRPr lang="en-US" dirty="0"/>
+          </a:p>
+          <a:p>
+            <a:r>
+              <a:rPr lang="en-US" dirty="0"/>
+              <a:t>Commit with +x</a:t>
+            </a:r>
+          </a:p>
+          <a:p>
+            <a:r>
+              <a:rPr lang="en-US" dirty="0"/>
+              <a:t>Expected output for </a:t>
+            </a:r>
+            <a:r>
+              <a:rPr lang="en-US" dirty="0" err="1"/>
+              <a:t>kubectl</a:t>
+            </a:r>
+            <a:r>
+              <a:rPr lang="en-US" dirty="0"/>
+              <a:t> describe pod</a:t>
+            </a:r>
+          </a:p>
+          <a:p>
+            <a:r>
+              <a:rPr lang="en-US" dirty="0"/>
+              <a:t>Break main nomad script into blocks and explain each bit</a:t>
+            </a:r>
+          </a:p>
+          <a:p>
+            <a:r>
+              <a:rPr lang="en-US" dirty="0"/>
+              <a:t>Put a warning for the time taken to submit the task</a:t>
+            </a:r>
+          </a:p>
+          <a:p>
+            <a:r>
+              <a:rPr lang="en-US" dirty="0"/>
+              <a:t>Put </a:t>
+            </a:r>
+            <a:r>
+              <a:rPr lang="en-US" dirty="0" err="1"/>
+              <a:t>acomment</a:t>
+            </a:r>
+            <a:r>
+              <a:rPr lang="en-US" dirty="0"/>
+              <a:t> for global </a:t>
+            </a:r>
+          </a:p>
+          <a:p>
+            <a:r>
+              <a:rPr lang="en-US" dirty="0"/>
+              <a:t>Make Kubernetes assign the same name to pods</a:t>
+            </a:r>
+          </a:p>
+          <a:p>
+            <a:r>
+              <a:rPr lang="en-US" dirty="0"/>
+              <a:t>Put comment where to run the command</a:t>
+            </a:r>
+          </a:p>
+          <a:p>
+            <a:r>
+              <a:rPr lang="en-US" dirty="0"/>
+              <a:t>Change instruction to point to last operator of the pipeline</a:t>
+            </a:r>
+          </a:p>
+          <a:p>
+            <a:r>
+              <a:rPr lang="en-US" dirty="0"/>
+              <a:t>Better nomenclature for nodes</a:t>
+            </a:r>
+          </a:p>
+          <a:p>
+            <a:r>
+              <a:rPr lang="en-US" dirty="0"/>
+              <a:t>Remove - Python 3 or above</a:t>
+            </a:r>
+          </a:p>
+          <a:p>
+            <a:r>
+              <a:rPr lang="en-US" dirty="0"/>
+              <a:t>Disclaimer: Cleanup if you don’t care about docker anymore</a:t>
+            </a:r>
+          </a:p>
+          <a:p>
+            <a:r>
+              <a:rPr lang="en-US" dirty="0"/>
+              <a:t>Pre-pull images</a:t>
+            </a:r>
+          </a:p>
+          <a:p>
+            <a:r>
+              <a:rPr lang="en-US" dirty="0"/>
+              <a:t>Nomad – Issues on </a:t>
+            </a:r>
+            <a:r>
+              <a:rPr lang="en-US" dirty="0" err="1"/>
+              <a:t>Github</a:t>
+            </a:r>
+            <a:r>
+              <a:rPr lang="en-US" dirty="0"/>
+              <a:t> for feedback</a:t>
+            </a:r>
+          </a:p>
+          <a:p>
+            <a:r>
+              <a:rPr lang="en-US" dirty="0"/>
+              <a:t>Limitations – Topologies </a:t>
+            </a:r>
+          </a:p>
+          <a:p>
+            <a:r>
+              <a:rPr lang="en-US" dirty="0"/>
+              <a:t>Overall vision</a:t>
+            </a:r>
+          </a:p>
+          <a:p>
+            <a:r>
+              <a:rPr lang="en-US" dirty="0"/>
+              <a:t>Synchronous tutorial</a:t>
+            </a:r>
+          </a:p>
+          <a:p>
+            <a:endParaRPr lang="en-US" dirty="0"/>
+          </a:p>
+        </p:txBody>
+      </p:sp>
+    </p:spTree>
+    <p:extLst>
+      <p:ext uri="{BB962C8B-B14F-4D97-AF65-F5344CB8AC3E}">
+        <p14:creationId xmlns:p14="http://schemas.microsoft.com/office/powerpoint/2010/main" val="2794574360"/>
+      </p:ext>
+    </p:extLst>
+  </p:cSld>
+  <p:clrMapOvr>
+    <a:masterClrMapping/>
+  </p:clrMapOvr>
+</p:sld>
+</file>
+
 <file path=ppt/slides/slide2.xml><?xml version="1.0" encoding="utf-8"?>
 <p:sld xmlns:a="http://schemas.openxmlformats.org/drawingml/2006/main" xmlns:r="http://schemas.openxmlformats.org/officeDocument/2006/relationships" xmlns:p="http://schemas.openxmlformats.org/presentationml/2006/main">
   <p:cSld>
@@ -3998,7 +4386,7 @@
         </p:nvSpPr>
         <p:spPr>
           <a:xfrm>
-            <a:off x="838200" y="1214926"/>
+            <a:off x="838200" y="1240982"/>
             <a:ext cx="10515600" cy="474916"/>
           </a:xfrm>
           <a:prstGeom prst="rect">
@@ -4111,7 +4499,7 @@
           <a:p>
             <a:pPr algn="ctr"/>
             <a:r>
-              <a:rPr lang="en-US" b="1" dirty="0"/>
+              <a:rPr lang="en-US" dirty="0"/>
               <a:t>Traffic Surveillance</a:t>
             </a:r>
           </a:p>
@@ -4213,7 +4601,7 @@
           <a:p>
             <a:pPr algn="ctr"/>
             <a:r>
-              <a:rPr lang="en-US" b="1" dirty="0"/>
+              <a:rPr lang="en-US" dirty="0"/>
               <a:t>Video Capture</a:t>
             </a:r>
           </a:p>
@@ -4348,7 +4736,7 @@
           <a:p>
             <a:pPr algn="ctr"/>
             <a:r>
-              <a:rPr lang="en-US" b="1" dirty="0"/>
+              <a:rPr lang="en-US" dirty="0"/>
               <a:t>Pre-processing</a:t>
             </a:r>
           </a:p>
@@ -4384,7 +4772,7 @@
           <a:p>
             <a:pPr algn="ctr"/>
             <a:r>
-              <a:rPr lang="en-US" b="1" dirty="0"/>
+              <a:rPr lang="en-US" dirty="0"/>
               <a:t>Inference</a:t>
             </a:r>
           </a:p>
@@ -4554,7 +4942,7 @@
           <a:p>
             <a:pPr algn="ctr"/>
             <a:r>
-              <a:rPr lang="en-US" b="1" dirty="0"/>
+              <a:rPr lang="en-US" dirty="0"/>
               <a:t>Realtime Translation</a:t>
             </a:r>
           </a:p>
@@ -4590,7 +4978,7 @@
           <a:p>
             <a:pPr algn="ctr"/>
             <a:r>
-              <a:rPr lang="en-US" sz="7200" b="1" dirty="0"/>
+              <a:rPr lang="en-US" sz="7200" dirty="0"/>
               <a:t>=</a:t>
             </a:r>
           </a:p>
@@ -4662,7 +5050,7 @@
           <a:p>
             <a:pPr algn="ctr"/>
             <a:r>
-              <a:rPr lang="en-US" b="1" dirty="0"/>
+              <a:rPr lang="en-US" dirty="0"/>
               <a:t>Audio Capture</a:t>
             </a:r>
           </a:p>
@@ -4743,7 +5131,7 @@
           <a:p>
             <a:pPr algn="ctr"/>
             <a:r>
-              <a:rPr lang="en-US" b="1" dirty="0"/>
+              <a:rPr lang="en-US" dirty="0"/>
               <a:t>Resampling/Transform</a:t>
             </a:r>
           </a:p>
@@ -4779,7 +5167,7 @@
           <a:p>
             <a:pPr algn="ctr"/>
             <a:r>
-              <a:rPr lang="en-US" b="1" dirty="0"/>
+              <a:rPr lang="en-US" dirty="0"/>
               <a:t>Inference</a:t>
             </a:r>
           </a:p>
@@ -4929,6 +5317,682 @@
   <p:clrMapOvr>
     <a:masterClrMapping/>
   </p:clrMapOvr>
+  <p:timing>
+    <p:tnLst>
+      <p:par>
+        <p:cTn id="1" dur="indefinite" restart="never" nodeType="tmRoot">
+          <p:childTnLst>
+            <p:seq concurrent="1" nextAc="seek">
+              <p:cTn id="2" dur="indefinite" nodeType="mainSeq">
+                <p:childTnLst>
+                  <p:par>
+                    <p:cTn id="3" fill="hold">
+                      <p:stCondLst>
+                        <p:cond delay="indefinite"/>
+                      </p:stCondLst>
+                      <p:childTnLst>
+                        <p:par>
+                          <p:cTn id="4" fill="hold">
+                            <p:stCondLst>
+                              <p:cond delay="0"/>
+                            </p:stCondLst>
+                            <p:childTnLst>
+                              <p:par>
+                                <p:cTn id="5" presetID="1" presetClass="entr" presetSubtype="0" fill="hold" nodeType="clickEffect">
+                                  <p:stCondLst>
+                                    <p:cond delay="0"/>
+                                  </p:stCondLst>
+                                  <p:childTnLst>
+                                    <p:set>
+                                      <p:cBhvr>
+                                        <p:cTn id="6" dur="1" fill="hold">
+                                          <p:stCondLst>
+                                            <p:cond delay="0"/>
+                                          </p:stCondLst>
+                                        </p:cTn>
+                                        <p:tgtEl>
+                                          <p:spTgt spid="1026"/>
+                                        </p:tgtEl>
+                                        <p:attrNameLst>
+                                          <p:attrName>style.visibility</p:attrName>
+                                        </p:attrNameLst>
+                                      </p:cBhvr>
+                                      <p:to>
+                                        <p:strVal val="visible"/>
+                                      </p:to>
+                                    </p:set>
+                                  </p:childTnLst>
+                                </p:cTn>
+                              </p:par>
+                              <p:par>
+                                <p:cTn id="7" presetID="1" presetClass="entr" presetSubtype="0" fill="hold" grpId="0" nodeType="withEffect">
+                                  <p:stCondLst>
+                                    <p:cond delay="0"/>
+                                  </p:stCondLst>
+                                  <p:childTnLst>
+                                    <p:set>
+                                      <p:cBhvr>
+                                        <p:cTn id="8" dur="1" fill="hold">
+                                          <p:stCondLst>
+                                            <p:cond delay="0"/>
+                                          </p:stCondLst>
+                                        </p:cTn>
+                                        <p:tgtEl>
+                                          <p:spTgt spid="9"/>
+                                        </p:tgtEl>
+                                        <p:attrNameLst>
+                                          <p:attrName>style.visibility</p:attrName>
+                                        </p:attrNameLst>
+                                      </p:cBhvr>
+                                      <p:to>
+                                        <p:strVal val="visible"/>
+                                      </p:to>
+                                    </p:set>
+                                  </p:childTnLst>
+                                </p:cTn>
+                              </p:par>
+                              <p:par>
+                                <p:cTn id="9" presetID="1" presetClass="entr" presetSubtype="0" fill="hold" grpId="0" nodeType="withEffect">
+                                  <p:stCondLst>
+                                    <p:cond delay="0"/>
+                                  </p:stCondLst>
+                                  <p:childTnLst>
+                                    <p:set>
+                                      <p:cBhvr>
+                                        <p:cTn id="10" dur="1" fill="hold">
+                                          <p:stCondLst>
+                                            <p:cond delay="0"/>
+                                          </p:stCondLst>
+                                        </p:cTn>
+                                        <p:tgtEl>
+                                          <p:spTgt spid="39"/>
+                                        </p:tgtEl>
+                                        <p:attrNameLst>
+                                          <p:attrName>style.visibility</p:attrName>
+                                        </p:attrNameLst>
+                                      </p:cBhvr>
+                                      <p:to>
+                                        <p:strVal val="visible"/>
+                                      </p:to>
+                                    </p:set>
+                                  </p:childTnLst>
+                                </p:cTn>
+                              </p:par>
+                              <p:par>
+                                <p:cTn id="11" presetID="1" presetClass="entr" presetSubtype="0" fill="hold" nodeType="withEffect">
+                                  <p:stCondLst>
+                                    <p:cond delay="0"/>
+                                  </p:stCondLst>
+                                  <p:childTnLst>
+                                    <p:set>
+                                      <p:cBhvr>
+                                        <p:cTn id="12" dur="1" fill="hold">
+                                          <p:stCondLst>
+                                            <p:cond delay="0"/>
+                                          </p:stCondLst>
+                                        </p:cTn>
+                                        <p:tgtEl>
+                                          <p:spTgt spid="42"/>
+                                        </p:tgtEl>
+                                        <p:attrNameLst>
+                                          <p:attrName>style.visibility</p:attrName>
+                                        </p:attrNameLst>
+                                      </p:cBhvr>
+                                      <p:to>
+                                        <p:strVal val="visible"/>
+                                      </p:to>
+                                    </p:set>
+                                  </p:childTnLst>
+                                </p:cTn>
+                              </p:par>
+                              <p:par>
+                                <p:cTn id="13" presetID="1" presetClass="entr" presetSubtype="0" fill="hold" grpId="0" nodeType="withEffect">
+                                  <p:stCondLst>
+                                    <p:cond delay="0"/>
+                                  </p:stCondLst>
+                                  <p:childTnLst>
+                                    <p:set>
+                                      <p:cBhvr>
+                                        <p:cTn id="14" dur="1" fill="hold">
+                                          <p:stCondLst>
+                                            <p:cond delay="0"/>
+                                          </p:stCondLst>
+                                        </p:cTn>
+                                        <p:tgtEl>
+                                          <p:spTgt spid="43"/>
+                                        </p:tgtEl>
+                                        <p:attrNameLst>
+                                          <p:attrName>style.visibility</p:attrName>
+                                        </p:attrNameLst>
+                                      </p:cBhvr>
+                                      <p:to>
+                                        <p:strVal val="visible"/>
+                                      </p:to>
+                                    </p:set>
+                                  </p:childTnLst>
+                                </p:cTn>
+                              </p:par>
+                              <p:par>
+                                <p:cTn id="15" presetID="1" presetClass="entr" presetSubtype="0" fill="hold" nodeType="withEffect">
+                                  <p:stCondLst>
+                                    <p:cond delay="0"/>
+                                  </p:stCondLst>
+                                  <p:childTnLst>
+                                    <p:set>
+                                      <p:cBhvr>
+                                        <p:cTn id="16" dur="1" fill="hold">
+                                          <p:stCondLst>
+                                            <p:cond delay="0"/>
+                                          </p:stCondLst>
+                                        </p:cTn>
+                                        <p:tgtEl>
+                                          <p:spTgt spid="45"/>
+                                        </p:tgtEl>
+                                        <p:attrNameLst>
+                                          <p:attrName>style.visibility</p:attrName>
+                                        </p:attrNameLst>
+                                      </p:cBhvr>
+                                      <p:to>
+                                        <p:strVal val="visible"/>
+                                      </p:to>
+                                    </p:set>
+                                  </p:childTnLst>
+                                </p:cTn>
+                              </p:par>
+                              <p:par>
+                                <p:cTn id="17" presetID="1" presetClass="entr" presetSubtype="0" fill="hold" nodeType="withEffect">
+                                  <p:stCondLst>
+                                    <p:cond delay="0"/>
+                                  </p:stCondLst>
+                                  <p:childTnLst>
+                                    <p:set>
+                                      <p:cBhvr>
+                                        <p:cTn id="18" dur="1" fill="hold">
+                                          <p:stCondLst>
+                                            <p:cond delay="0"/>
+                                          </p:stCondLst>
+                                        </p:cTn>
+                                        <p:tgtEl>
+                                          <p:spTgt spid="1028"/>
+                                        </p:tgtEl>
+                                        <p:attrNameLst>
+                                          <p:attrName>style.visibility</p:attrName>
+                                        </p:attrNameLst>
+                                      </p:cBhvr>
+                                      <p:to>
+                                        <p:strVal val="visible"/>
+                                      </p:to>
+                                    </p:set>
+                                  </p:childTnLst>
+                                </p:cTn>
+                              </p:par>
+                              <p:par>
+                                <p:cTn id="19" presetID="1" presetClass="entr" presetSubtype="0" fill="hold" grpId="0" nodeType="withEffect">
+                                  <p:stCondLst>
+                                    <p:cond delay="0"/>
+                                  </p:stCondLst>
+                                  <p:childTnLst>
+                                    <p:set>
+                                      <p:cBhvr>
+                                        <p:cTn id="20" dur="1" fill="hold">
+                                          <p:stCondLst>
+                                            <p:cond delay="0"/>
+                                          </p:stCondLst>
+                                        </p:cTn>
+                                        <p:tgtEl>
+                                          <p:spTgt spid="46"/>
+                                        </p:tgtEl>
+                                        <p:attrNameLst>
+                                          <p:attrName>style.visibility</p:attrName>
+                                        </p:attrNameLst>
+                                      </p:cBhvr>
+                                      <p:to>
+                                        <p:strVal val="visible"/>
+                                      </p:to>
+                                    </p:set>
+                                  </p:childTnLst>
+                                </p:cTn>
+                              </p:par>
+                              <p:par>
+                                <p:cTn id="21" presetID="1" presetClass="entr" presetSubtype="0" fill="hold" grpId="0" nodeType="withEffect">
+                                  <p:stCondLst>
+                                    <p:cond delay="0"/>
+                                  </p:stCondLst>
+                                  <p:childTnLst>
+                                    <p:set>
+                                      <p:cBhvr>
+                                        <p:cTn id="22" dur="1" fill="hold">
+                                          <p:stCondLst>
+                                            <p:cond delay="0"/>
+                                          </p:stCondLst>
+                                        </p:cTn>
+                                        <p:tgtEl>
+                                          <p:spTgt spid="48"/>
+                                        </p:tgtEl>
+                                        <p:attrNameLst>
+                                          <p:attrName>style.visibility</p:attrName>
+                                        </p:attrNameLst>
+                                      </p:cBhvr>
+                                      <p:to>
+                                        <p:strVal val="visible"/>
+                                      </p:to>
+                                    </p:set>
+                                  </p:childTnLst>
+                                </p:cTn>
+                              </p:par>
+                              <p:par>
+                                <p:cTn id="23" presetID="1" presetClass="entr" presetSubtype="0" fill="hold" grpId="0" nodeType="withEffect">
+                                  <p:stCondLst>
+                                    <p:cond delay="0"/>
+                                  </p:stCondLst>
+                                  <p:childTnLst>
+                                    <p:set>
+                                      <p:cBhvr>
+                                        <p:cTn id="24" dur="1" fill="hold">
+                                          <p:stCondLst>
+                                            <p:cond delay="0"/>
+                                          </p:stCondLst>
+                                        </p:cTn>
+                                        <p:tgtEl>
+                                          <p:spTgt spid="10"/>
+                                        </p:tgtEl>
+                                        <p:attrNameLst>
+                                          <p:attrName>style.visibility</p:attrName>
+                                        </p:attrNameLst>
+                                      </p:cBhvr>
+                                      <p:to>
+                                        <p:strVal val="visible"/>
+                                      </p:to>
+                                    </p:set>
+                                  </p:childTnLst>
+                                </p:cTn>
+                              </p:par>
+                              <p:par>
+                                <p:cTn id="25" presetID="1" presetClass="entr" presetSubtype="0" fill="hold" grpId="0" nodeType="withEffect">
+                                  <p:stCondLst>
+                                    <p:cond delay="0"/>
+                                  </p:stCondLst>
+                                  <p:childTnLst>
+                                    <p:set>
+                                      <p:cBhvr>
+                                        <p:cTn id="26" dur="1" fill="hold">
+                                          <p:stCondLst>
+                                            <p:cond delay="0"/>
+                                          </p:stCondLst>
+                                        </p:cTn>
+                                        <p:tgtEl>
+                                          <p:spTgt spid="49"/>
+                                        </p:tgtEl>
+                                        <p:attrNameLst>
+                                          <p:attrName>style.visibility</p:attrName>
+                                        </p:attrNameLst>
+                                      </p:cBhvr>
+                                      <p:to>
+                                        <p:strVal val="visible"/>
+                                      </p:to>
+                                    </p:set>
+                                  </p:childTnLst>
+                                </p:cTn>
+                              </p:par>
+                            </p:childTnLst>
+                          </p:cTn>
+                        </p:par>
+                      </p:childTnLst>
+                    </p:cTn>
+                  </p:par>
+                  <p:par>
+                    <p:cTn id="27" fill="hold">
+                      <p:stCondLst>
+                        <p:cond delay="indefinite"/>
+                      </p:stCondLst>
+                      <p:childTnLst>
+                        <p:par>
+                          <p:cTn id="28" fill="hold">
+                            <p:stCondLst>
+                              <p:cond delay="0"/>
+                            </p:stCondLst>
+                            <p:childTnLst>
+                              <p:par>
+                                <p:cTn id="29" presetID="1" presetClass="entr" presetSubtype="0" fill="hold" nodeType="clickEffect">
+                                  <p:stCondLst>
+                                    <p:cond delay="0"/>
+                                  </p:stCondLst>
+                                  <p:childTnLst>
+                                    <p:set>
+                                      <p:cBhvr>
+                                        <p:cTn id="30" dur="1" fill="hold">
+                                          <p:stCondLst>
+                                            <p:cond delay="0"/>
+                                          </p:stCondLst>
+                                        </p:cTn>
+                                        <p:tgtEl>
+                                          <p:spTgt spid="13"/>
+                                        </p:tgtEl>
+                                        <p:attrNameLst>
+                                          <p:attrName>style.visibility</p:attrName>
+                                        </p:attrNameLst>
+                                      </p:cBhvr>
+                                      <p:to>
+                                        <p:strVal val="visible"/>
+                                      </p:to>
+                                    </p:set>
+                                  </p:childTnLst>
+                                </p:cTn>
+                              </p:par>
+                              <p:par>
+                                <p:cTn id="31" presetID="1" presetClass="entr" presetSubtype="0" fill="hold" grpId="0" nodeType="withEffect">
+                                  <p:stCondLst>
+                                    <p:cond delay="0"/>
+                                  </p:stCondLst>
+                                  <p:childTnLst>
+                                    <p:set>
+                                      <p:cBhvr>
+                                        <p:cTn id="32" dur="1" fill="hold">
+                                          <p:stCondLst>
+                                            <p:cond delay="0"/>
+                                          </p:stCondLst>
+                                        </p:cTn>
+                                        <p:tgtEl>
+                                          <p:spTgt spid="51"/>
+                                        </p:tgtEl>
+                                        <p:attrNameLst>
+                                          <p:attrName>style.visibility</p:attrName>
+                                        </p:attrNameLst>
+                                      </p:cBhvr>
+                                      <p:to>
+                                        <p:strVal val="visible"/>
+                                      </p:to>
+                                    </p:set>
+                                  </p:childTnLst>
+                                </p:cTn>
+                              </p:par>
+                              <p:par>
+                                <p:cTn id="33" presetID="1" presetClass="entr" presetSubtype="0" fill="hold" grpId="0" nodeType="withEffect">
+                                  <p:stCondLst>
+                                    <p:cond delay="0"/>
+                                  </p:stCondLst>
+                                  <p:childTnLst>
+                                    <p:set>
+                                      <p:cBhvr>
+                                        <p:cTn id="34" dur="1" fill="hold">
+                                          <p:stCondLst>
+                                            <p:cond delay="0"/>
+                                          </p:stCondLst>
+                                        </p:cTn>
+                                        <p:tgtEl>
+                                          <p:spTgt spid="52"/>
+                                        </p:tgtEl>
+                                        <p:attrNameLst>
+                                          <p:attrName>style.visibility</p:attrName>
+                                        </p:attrNameLst>
+                                      </p:cBhvr>
+                                      <p:to>
+                                        <p:strVal val="visible"/>
+                                      </p:to>
+                                    </p:set>
+                                  </p:childTnLst>
+                                </p:cTn>
+                              </p:par>
+                              <p:par>
+                                <p:cTn id="35" presetID="1" presetClass="entr" presetSubtype="0" fill="hold" nodeType="withEffect">
+                                  <p:stCondLst>
+                                    <p:cond delay="0"/>
+                                  </p:stCondLst>
+                                  <p:childTnLst>
+                                    <p:set>
+                                      <p:cBhvr>
+                                        <p:cTn id="36" dur="1" fill="hold">
+                                          <p:stCondLst>
+                                            <p:cond delay="0"/>
+                                          </p:stCondLst>
+                                        </p:cTn>
+                                        <p:tgtEl>
+                                          <p:spTgt spid="15"/>
+                                        </p:tgtEl>
+                                        <p:attrNameLst>
+                                          <p:attrName>style.visibility</p:attrName>
+                                        </p:attrNameLst>
+                                      </p:cBhvr>
+                                      <p:to>
+                                        <p:strVal val="visible"/>
+                                      </p:to>
+                                    </p:set>
+                                  </p:childTnLst>
+                                </p:cTn>
+                              </p:par>
+                              <p:par>
+                                <p:cTn id="37" presetID="1" presetClass="entr" presetSubtype="0" fill="hold" grpId="0" nodeType="withEffect">
+                                  <p:stCondLst>
+                                    <p:cond delay="0"/>
+                                  </p:stCondLst>
+                                  <p:childTnLst>
+                                    <p:set>
+                                      <p:cBhvr>
+                                        <p:cTn id="38" dur="1" fill="hold">
+                                          <p:stCondLst>
+                                            <p:cond delay="0"/>
+                                          </p:stCondLst>
+                                        </p:cTn>
+                                        <p:tgtEl>
+                                          <p:spTgt spid="53"/>
+                                        </p:tgtEl>
+                                        <p:attrNameLst>
+                                          <p:attrName>style.visibility</p:attrName>
+                                        </p:attrNameLst>
+                                      </p:cBhvr>
+                                      <p:to>
+                                        <p:strVal val="visible"/>
+                                      </p:to>
+                                    </p:set>
+                                  </p:childTnLst>
+                                </p:cTn>
+                              </p:par>
+                              <p:par>
+                                <p:cTn id="39" presetID="1" presetClass="entr" presetSubtype="0" fill="hold" nodeType="withEffect">
+                                  <p:stCondLst>
+                                    <p:cond delay="0"/>
+                                  </p:stCondLst>
+                                  <p:childTnLst>
+                                    <p:set>
+                                      <p:cBhvr>
+                                        <p:cTn id="40" dur="1" fill="hold">
+                                          <p:stCondLst>
+                                            <p:cond delay="0"/>
+                                          </p:stCondLst>
+                                        </p:cTn>
+                                        <p:tgtEl>
+                                          <p:spTgt spid="55"/>
+                                        </p:tgtEl>
+                                        <p:attrNameLst>
+                                          <p:attrName>style.visibility</p:attrName>
+                                        </p:attrNameLst>
+                                      </p:cBhvr>
+                                      <p:to>
+                                        <p:strVal val="visible"/>
+                                      </p:to>
+                                    </p:set>
+                                  </p:childTnLst>
+                                </p:cTn>
+                              </p:par>
+                              <p:par>
+                                <p:cTn id="41" presetID="1" presetClass="entr" presetSubtype="0" fill="hold" grpId="0" nodeType="withEffect">
+                                  <p:stCondLst>
+                                    <p:cond delay="0"/>
+                                  </p:stCondLst>
+                                  <p:childTnLst>
+                                    <p:set>
+                                      <p:cBhvr>
+                                        <p:cTn id="42" dur="1" fill="hold">
+                                          <p:stCondLst>
+                                            <p:cond delay="0"/>
+                                          </p:stCondLst>
+                                        </p:cTn>
+                                        <p:tgtEl>
+                                          <p:spTgt spid="56"/>
+                                        </p:tgtEl>
+                                        <p:attrNameLst>
+                                          <p:attrName>style.visibility</p:attrName>
+                                        </p:attrNameLst>
+                                      </p:cBhvr>
+                                      <p:to>
+                                        <p:strVal val="visible"/>
+                                      </p:to>
+                                    </p:set>
+                                  </p:childTnLst>
+                                </p:cTn>
+                              </p:par>
+                              <p:par>
+                                <p:cTn id="43" presetID="1" presetClass="entr" presetSubtype="0" fill="hold" grpId="0" nodeType="withEffect">
+                                  <p:stCondLst>
+                                    <p:cond delay="0"/>
+                                  </p:stCondLst>
+                                  <p:childTnLst>
+                                    <p:set>
+                                      <p:cBhvr>
+                                        <p:cTn id="44" dur="1" fill="hold">
+                                          <p:stCondLst>
+                                            <p:cond delay="0"/>
+                                          </p:stCondLst>
+                                        </p:cTn>
+                                        <p:tgtEl>
+                                          <p:spTgt spid="57"/>
+                                        </p:tgtEl>
+                                        <p:attrNameLst>
+                                          <p:attrName>style.visibility</p:attrName>
+                                        </p:attrNameLst>
+                                      </p:cBhvr>
+                                      <p:to>
+                                        <p:strVal val="visible"/>
+                                      </p:to>
+                                    </p:set>
+                                  </p:childTnLst>
+                                </p:cTn>
+                              </p:par>
+                              <p:par>
+                                <p:cTn id="45" presetID="1" presetClass="entr" presetSubtype="0" fill="hold" grpId="0" nodeType="withEffect">
+                                  <p:stCondLst>
+                                    <p:cond delay="0"/>
+                                  </p:stCondLst>
+                                  <p:childTnLst>
+                                    <p:set>
+                                      <p:cBhvr>
+                                        <p:cTn id="46" dur="1" fill="hold">
+                                          <p:stCondLst>
+                                            <p:cond delay="0"/>
+                                          </p:stCondLst>
+                                        </p:cTn>
+                                        <p:tgtEl>
+                                          <p:spTgt spid="58"/>
+                                        </p:tgtEl>
+                                        <p:attrNameLst>
+                                          <p:attrName>style.visibility</p:attrName>
+                                        </p:attrNameLst>
+                                      </p:cBhvr>
+                                      <p:to>
+                                        <p:strVal val="visible"/>
+                                      </p:to>
+                                    </p:set>
+                                  </p:childTnLst>
+                                </p:cTn>
+                              </p:par>
+                              <p:par>
+                                <p:cTn id="47" presetID="1" presetClass="entr" presetSubtype="0" fill="hold" grpId="0" nodeType="withEffect">
+                                  <p:stCondLst>
+                                    <p:cond delay="0"/>
+                                  </p:stCondLst>
+                                  <p:childTnLst>
+                                    <p:set>
+                                      <p:cBhvr>
+                                        <p:cTn id="48" dur="1" fill="hold">
+                                          <p:stCondLst>
+                                            <p:cond delay="0"/>
+                                          </p:stCondLst>
+                                        </p:cTn>
+                                        <p:tgtEl>
+                                          <p:spTgt spid="59"/>
+                                        </p:tgtEl>
+                                        <p:attrNameLst>
+                                          <p:attrName>style.visibility</p:attrName>
+                                        </p:attrNameLst>
+                                      </p:cBhvr>
+                                      <p:to>
+                                        <p:strVal val="visible"/>
+                                      </p:to>
+                                    </p:set>
+                                  </p:childTnLst>
+                                </p:cTn>
+                              </p:par>
+                              <p:par>
+                                <p:cTn id="49" presetID="1" presetClass="entr" presetSubtype="0" fill="hold" nodeType="withEffect">
+                                  <p:stCondLst>
+                                    <p:cond delay="0"/>
+                                  </p:stCondLst>
+                                  <p:childTnLst>
+                                    <p:set>
+                                      <p:cBhvr>
+                                        <p:cTn id="50" dur="1" fill="hold">
+                                          <p:stCondLst>
+                                            <p:cond delay="0"/>
+                                          </p:stCondLst>
+                                        </p:cTn>
+                                        <p:tgtEl>
+                                          <p:spTgt spid="17"/>
+                                        </p:tgtEl>
+                                        <p:attrNameLst>
+                                          <p:attrName>style.visibility</p:attrName>
+                                        </p:attrNameLst>
+                                      </p:cBhvr>
+                                      <p:to>
+                                        <p:strVal val="visible"/>
+                                      </p:to>
+                                    </p:set>
+                                  </p:childTnLst>
+                                </p:cTn>
+                              </p:par>
+                            </p:childTnLst>
+                          </p:cTn>
+                        </p:par>
+                      </p:childTnLst>
+                    </p:cTn>
+                  </p:par>
+                </p:childTnLst>
+              </p:cTn>
+              <p:prevCondLst>
+                <p:cond evt="onPrev" delay="0">
+                  <p:tgtEl>
+                    <p:sldTgt/>
+                  </p:tgtEl>
+                </p:cond>
+              </p:prevCondLst>
+              <p:nextCondLst>
+                <p:cond evt="onNext" delay="0">
+                  <p:tgtEl>
+                    <p:sldTgt/>
+                  </p:tgtEl>
+                </p:cond>
+              </p:nextCondLst>
+            </p:seq>
+          </p:childTnLst>
+        </p:cTn>
+      </p:par>
+    </p:tnLst>
+    <p:bldLst>
+      <p:bldP spid="9" grpId="0"/>
+      <p:bldP spid="39" grpId="0"/>
+      <p:bldP spid="43" grpId="0"/>
+      <p:bldP spid="46" grpId="0"/>
+      <p:bldP spid="48" grpId="0"/>
+      <p:bldP spid="10" grpId="0" animBg="1"/>
+      <p:bldP spid="49" grpId="0" animBg="1"/>
+      <p:bldP spid="51" grpId="0"/>
+      <p:bldP spid="52" grpId="0"/>
+      <p:bldP spid="53" grpId="0"/>
+      <p:bldP spid="56" grpId="0"/>
+      <p:bldP spid="57" grpId="0"/>
+      <p:bldP spid="58" grpId="0" animBg="1"/>
+      <p:bldP spid="59" grpId="0" animBg="1"/>
+    </p:bldLst>
+  </p:timing>
 </p:sld>
 </file>
 
@@ -5807,6 +6871,183 @@
   <p:clrMapOvr>
     <a:masterClrMapping/>
   </p:clrMapOvr>
+  <p:timing>
+    <p:tnLst>
+      <p:par>
+        <p:cTn id="1" dur="indefinite" restart="never" nodeType="tmRoot">
+          <p:childTnLst>
+            <p:seq concurrent="1" nextAc="seek">
+              <p:cTn id="2" dur="indefinite" nodeType="mainSeq">
+                <p:childTnLst>
+                  <p:par>
+                    <p:cTn id="3" fill="hold">
+                      <p:stCondLst>
+                        <p:cond delay="indefinite"/>
+                      </p:stCondLst>
+                      <p:childTnLst>
+                        <p:par>
+                          <p:cTn id="4" fill="hold">
+                            <p:stCondLst>
+                              <p:cond delay="0"/>
+                            </p:stCondLst>
+                            <p:childTnLst>
+                              <p:par>
+                                <p:cTn id="5" presetID="1" presetClass="entr" presetSubtype="0" fill="hold" nodeType="clickEffect">
+                                  <p:stCondLst>
+                                    <p:cond delay="0"/>
+                                  </p:stCondLst>
+                                  <p:childTnLst>
+                                    <p:set>
+                                      <p:cBhvr>
+                                        <p:cTn id="6" dur="1" fill="hold">
+                                          <p:stCondLst>
+                                            <p:cond delay="0"/>
+                                          </p:stCondLst>
+                                        </p:cTn>
+                                        <p:tgtEl>
+                                          <p:spTgt spid="23"/>
+                                        </p:tgtEl>
+                                        <p:attrNameLst>
+                                          <p:attrName>style.visibility</p:attrName>
+                                        </p:attrNameLst>
+                                      </p:cBhvr>
+                                      <p:to>
+                                        <p:strVal val="visible"/>
+                                      </p:to>
+                                    </p:set>
+                                  </p:childTnLst>
+                                </p:cTn>
+                              </p:par>
+                              <p:par>
+                                <p:cTn id="7" presetID="1" presetClass="entr" presetSubtype="0" fill="hold" nodeType="withEffect">
+                                  <p:stCondLst>
+                                    <p:cond delay="0"/>
+                                  </p:stCondLst>
+                                  <p:childTnLst>
+                                    <p:set>
+                                      <p:cBhvr>
+                                        <p:cTn id="8" dur="1" fill="hold">
+                                          <p:stCondLst>
+                                            <p:cond delay="0"/>
+                                          </p:stCondLst>
+                                        </p:cTn>
+                                        <p:tgtEl>
+                                          <p:spTgt spid="24"/>
+                                        </p:tgtEl>
+                                        <p:attrNameLst>
+                                          <p:attrName>style.visibility</p:attrName>
+                                        </p:attrNameLst>
+                                      </p:cBhvr>
+                                      <p:to>
+                                        <p:strVal val="visible"/>
+                                      </p:to>
+                                    </p:set>
+                                  </p:childTnLst>
+                                </p:cTn>
+                              </p:par>
+                            </p:childTnLst>
+                          </p:cTn>
+                        </p:par>
+                      </p:childTnLst>
+                    </p:cTn>
+                  </p:par>
+                  <p:par>
+                    <p:cTn id="9" fill="hold">
+                      <p:stCondLst>
+                        <p:cond delay="indefinite"/>
+                      </p:stCondLst>
+                      <p:childTnLst>
+                        <p:par>
+                          <p:cTn id="10" fill="hold">
+                            <p:stCondLst>
+                              <p:cond delay="0"/>
+                            </p:stCondLst>
+                            <p:childTnLst>
+                              <p:par>
+                                <p:cTn id="11" presetID="1" presetClass="entr" presetSubtype="0" fill="hold" nodeType="clickEffect">
+                                  <p:stCondLst>
+                                    <p:cond delay="0"/>
+                                  </p:stCondLst>
+                                  <p:childTnLst>
+                                    <p:set>
+                                      <p:cBhvr>
+                                        <p:cTn id="12" dur="1" fill="hold">
+                                          <p:stCondLst>
+                                            <p:cond delay="0"/>
+                                          </p:stCondLst>
+                                        </p:cTn>
+                                        <p:tgtEl>
+                                          <p:spTgt spid="4"/>
+                                        </p:tgtEl>
+                                        <p:attrNameLst>
+                                          <p:attrName>style.visibility</p:attrName>
+                                        </p:attrNameLst>
+                                      </p:cBhvr>
+                                      <p:to>
+                                        <p:strVal val="visible"/>
+                                      </p:to>
+                                    </p:set>
+                                  </p:childTnLst>
+                                </p:cTn>
+                              </p:par>
+                              <p:par>
+                                <p:cTn id="13" presetID="1" presetClass="entr" presetSubtype="0" fill="hold" grpId="0" nodeType="withEffect">
+                                  <p:stCondLst>
+                                    <p:cond delay="0"/>
+                                  </p:stCondLst>
+                                  <p:childTnLst>
+                                    <p:set>
+                                      <p:cBhvr>
+                                        <p:cTn id="14" dur="1" fill="hold">
+                                          <p:stCondLst>
+                                            <p:cond delay="0"/>
+                                          </p:stCondLst>
+                                        </p:cTn>
+                                        <p:tgtEl>
+                                          <p:spTgt spid="3"/>
+                                        </p:tgtEl>
+                                        <p:attrNameLst>
+                                          <p:attrName>style.visibility</p:attrName>
+                                        </p:attrNameLst>
+                                      </p:cBhvr>
+                                      <p:to>
+                                        <p:strVal val="visible"/>
+                                      </p:to>
+                                    </p:set>
+                                  </p:childTnLst>
+                                </p:cTn>
+                              </p:par>
+                            </p:childTnLst>
+                          </p:cTn>
+                        </p:par>
+                      </p:childTnLst>
+                    </p:cTn>
+                  </p:par>
+                </p:childTnLst>
+              </p:cTn>
+              <p:prevCondLst>
+                <p:cond evt="onPrev" delay="0">
+                  <p:tgtEl>
+                    <p:sldTgt/>
+                  </p:tgtEl>
+                </p:cond>
+              </p:prevCondLst>
+              <p:nextCondLst>
+                <p:cond evt="onNext" delay="0">
+                  <p:tgtEl>
+                    <p:sldTgt/>
+                  </p:tgtEl>
+                </p:cond>
+              </p:nextCondLst>
+            </p:seq>
+          </p:childTnLst>
+        </p:cTn>
+      </p:par>
+    </p:tnLst>
+    <p:bldLst>
+      <p:bldP spid="3" grpId="0"/>
+    </p:bldLst>
+  </p:timing>
 </p:sld>
 </file>
 
@@ -5855,7 +7096,7 @@
           <a:p>
             <a:r>
               <a:rPr lang="en-US" dirty="0"/>
-              <a:t>Heterogenous Infrastructure</a:t>
+              <a:t>But the Infrastructure is diverse</a:t>
             </a:r>
           </a:p>
         </p:txBody>
@@ -6567,7 +7808,7 @@
           <a:p>
             <a:r>
               <a:rPr lang="en-US" sz="2800" b="1" dirty="0"/>
-              <a:t>Diverse device and network capabilities</a:t>
+              <a:t>Heterogenous device and network capabilities</a:t>
             </a:r>
           </a:p>
         </p:txBody>
@@ -6857,6 +8098,723 @@
   <p:clrMapOvr>
     <a:masterClrMapping/>
   </p:clrMapOvr>
+  <p:timing>
+    <p:tnLst>
+      <p:par>
+        <p:cTn id="1" dur="indefinite" restart="never" nodeType="tmRoot">
+          <p:childTnLst>
+            <p:seq concurrent="1" nextAc="seek">
+              <p:cTn id="2" dur="indefinite" nodeType="mainSeq">
+                <p:childTnLst>
+                  <p:par>
+                    <p:cTn id="3" fill="hold">
+                      <p:stCondLst>
+                        <p:cond delay="indefinite"/>
+                      </p:stCondLst>
+                      <p:childTnLst>
+                        <p:par>
+                          <p:cTn id="4" fill="hold">
+                            <p:stCondLst>
+                              <p:cond delay="0"/>
+                            </p:stCondLst>
+                            <p:childTnLst>
+                              <p:par>
+                                <p:cTn id="5" presetID="9" presetClass="emph" presetSubtype="0" grpId="0" nodeType="clickEffect">
+                                  <p:stCondLst>
+                                    <p:cond delay="0"/>
+                                  </p:stCondLst>
+                                  <p:childTnLst>
+                                    <p:set>
+                                      <p:cBhvr>
+                                        <p:cTn id="6" dur="indefinite"/>
+                                        <p:tgtEl>
+                                          <p:spTgt spid="12"/>
+                                        </p:tgtEl>
+                                        <p:attrNameLst>
+                                          <p:attrName>style.opacity</p:attrName>
+                                        </p:attrNameLst>
+                                      </p:cBhvr>
+                                      <p:to>
+                                        <p:strVal val="0.75"/>
+                                      </p:to>
+                                    </p:set>
+                                    <p:animEffect filter="image" prLst="opacity: 0.75">
+                                      <p:cBhvr rctx="IE">
+                                        <p:cTn id="7" dur="indefinite"/>
+                                        <p:tgtEl>
+                                          <p:spTgt spid="12"/>
+                                        </p:tgtEl>
+                                      </p:cBhvr>
+                                    </p:animEffect>
+                                  </p:childTnLst>
+                                </p:cTn>
+                              </p:par>
+                              <p:par>
+                                <p:cTn id="8" presetID="9" presetClass="emph" presetSubtype="0" nodeType="withEffect">
+                                  <p:stCondLst>
+                                    <p:cond delay="0"/>
+                                  </p:stCondLst>
+                                  <p:childTnLst>
+                                    <p:set>
+                                      <p:cBhvr>
+                                        <p:cTn id="9" dur="indefinite"/>
+                                        <p:tgtEl>
+                                          <p:spTgt spid="26"/>
+                                        </p:tgtEl>
+                                        <p:attrNameLst>
+                                          <p:attrName>style.opacity</p:attrName>
+                                        </p:attrNameLst>
+                                      </p:cBhvr>
+                                      <p:to>
+                                        <p:strVal val="0.75"/>
+                                      </p:to>
+                                    </p:set>
+                                    <p:animEffect filter="image" prLst="opacity: 0.75">
+                                      <p:cBhvr rctx="IE">
+                                        <p:cTn id="10" dur="indefinite"/>
+                                        <p:tgtEl>
+                                          <p:spTgt spid="26"/>
+                                        </p:tgtEl>
+                                      </p:cBhvr>
+                                    </p:animEffect>
+                                  </p:childTnLst>
+                                </p:cTn>
+                              </p:par>
+                              <p:par>
+                                <p:cTn id="11" presetID="9" presetClass="emph" presetSubtype="0" nodeType="withEffect">
+                                  <p:stCondLst>
+                                    <p:cond delay="0"/>
+                                  </p:stCondLst>
+                                  <p:childTnLst>
+                                    <p:set>
+                                      <p:cBhvr>
+                                        <p:cTn id="12" dur="indefinite"/>
+                                        <p:tgtEl>
+                                          <p:spTgt spid="28"/>
+                                        </p:tgtEl>
+                                        <p:attrNameLst>
+                                          <p:attrName>style.opacity</p:attrName>
+                                        </p:attrNameLst>
+                                      </p:cBhvr>
+                                      <p:to>
+                                        <p:strVal val="0.75"/>
+                                      </p:to>
+                                    </p:set>
+                                    <p:animEffect filter="image" prLst="opacity: 0.75">
+                                      <p:cBhvr rctx="IE">
+                                        <p:cTn id="13" dur="indefinite"/>
+                                        <p:tgtEl>
+                                          <p:spTgt spid="28"/>
+                                        </p:tgtEl>
+                                      </p:cBhvr>
+                                    </p:animEffect>
+                                  </p:childTnLst>
+                                </p:cTn>
+                              </p:par>
+                              <p:par>
+                                <p:cTn id="14" presetID="9" presetClass="emph" presetSubtype="0" nodeType="withEffect">
+                                  <p:stCondLst>
+                                    <p:cond delay="0"/>
+                                  </p:stCondLst>
+                                  <p:childTnLst>
+                                    <p:set>
+                                      <p:cBhvr>
+                                        <p:cTn id="15" dur="indefinite"/>
+                                        <p:tgtEl>
+                                          <p:spTgt spid="29"/>
+                                        </p:tgtEl>
+                                        <p:attrNameLst>
+                                          <p:attrName>style.opacity</p:attrName>
+                                        </p:attrNameLst>
+                                      </p:cBhvr>
+                                      <p:to>
+                                        <p:strVal val="0.75"/>
+                                      </p:to>
+                                    </p:set>
+                                    <p:animEffect filter="image" prLst="opacity: 0.75">
+                                      <p:cBhvr rctx="IE">
+                                        <p:cTn id="16" dur="indefinite"/>
+                                        <p:tgtEl>
+                                          <p:spTgt spid="29"/>
+                                        </p:tgtEl>
+                                      </p:cBhvr>
+                                    </p:animEffect>
+                                  </p:childTnLst>
+                                </p:cTn>
+                              </p:par>
+                              <p:par>
+                                <p:cTn id="17" presetID="9" presetClass="emph" presetSubtype="0" nodeType="withEffect">
+                                  <p:stCondLst>
+                                    <p:cond delay="0"/>
+                                  </p:stCondLst>
+                                  <p:childTnLst>
+                                    <p:set>
+                                      <p:cBhvr>
+                                        <p:cTn id="18" dur="indefinite"/>
+                                        <p:tgtEl>
+                                          <p:spTgt spid="31"/>
+                                        </p:tgtEl>
+                                        <p:attrNameLst>
+                                          <p:attrName>style.opacity</p:attrName>
+                                        </p:attrNameLst>
+                                      </p:cBhvr>
+                                      <p:to>
+                                        <p:strVal val="0.75"/>
+                                      </p:to>
+                                    </p:set>
+                                    <p:animEffect filter="image" prLst="opacity: 0.75">
+                                      <p:cBhvr rctx="IE">
+                                        <p:cTn id="19" dur="indefinite"/>
+                                        <p:tgtEl>
+                                          <p:spTgt spid="31"/>
+                                        </p:tgtEl>
+                                      </p:cBhvr>
+                                    </p:animEffect>
+                                  </p:childTnLst>
+                                </p:cTn>
+                              </p:par>
+                              <p:par>
+                                <p:cTn id="20" presetID="9" presetClass="emph" presetSubtype="0" nodeType="withEffect">
+                                  <p:stCondLst>
+                                    <p:cond delay="0"/>
+                                  </p:stCondLst>
+                                  <p:childTnLst>
+                                    <p:set>
+                                      <p:cBhvr>
+                                        <p:cTn id="21" dur="indefinite"/>
+                                        <p:tgtEl>
+                                          <p:spTgt spid="33"/>
+                                        </p:tgtEl>
+                                        <p:attrNameLst>
+                                          <p:attrName>style.opacity</p:attrName>
+                                        </p:attrNameLst>
+                                      </p:cBhvr>
+                                      <p:to>
+                                        <p:strVal val="0.75"/>
+                                      </p:to>
+                                    </p:set>
+                                    <p:animEffect filter="image" prLst="opacity: 0.75">
+                                      <p:cBhvr rctx="IE">
+                                        <p:cTn id="22" dur="indefinite"/>
+                                        <p:tgtEl>
+                                          <p:spTgt spid="33"/>
+                                        </p:tgtEl>
+                                      </p:cBhvr>
+                                    </p:animEffect>
+                                  </p:childTnLst>
+                                </p:cTn>
+                              </p:par>
+                              <p:par>
+                                <p:cTn id="23" presetID="9" presetClass="emph" presetSubtype="0" grpId="0" nodeType="withEffect">
+                                  <p:stCondLst>
+                                    <p:cond delay="0"/>
+                                  </p:stCondLst>
+                                  <p:childTnLst>
+                                    <p:set>
+                                      <p:cBhvr>
+                                        <p:cTn id="24" dur="indefinite"/>
+                                        <p:tgtEl>
+                                          <p:spTgt spid="34"/>
+                                        </p:tgtEl>
+                                        <p:attrNameLst>
+                                          <p:attrName>style.opacity</p:attrName>
+                                        </p:attrNameLst>
+                                      </p:cBhvr>
+                                      <p:to>
+                                        <p:strVal val="0.75"/>
+                                      </p:to>
+                                    </p:set>
+                                    <p:animEffect filter="image" prLst="opacity: 0.75">
+                                      <p:cBhvr rctx="IE">
+                                        <p:cTn id="25" dur="indefinite"/>
+                                        <p:tgtEl>
+                                          <p:spTgt spid="34"/>
+                                        </p:tgtEl>
+                                      </p:cBhvr>
+                                    </p:animEffect>
+                                  </p:childTnLst>
+                                </p:cTn>
+                              </p:par>
+                              <p:par>
+                                <p:cTn id="26" presetID="9" presetClass="emph" presetSubtype="0" grpId="0" nodeType="withEffect">
+                                  <p:stCondLst>
+                                    <p:cond delay="0"/>
+                                  </p:stCondLst>
+                                  <p:childTnLst>
+                                    <p:set>
+                                      <p:cBhvr>
+                                        <p:cTn id="27" dur="indefinite"/>
+                                        <p:tgtEl>
+                                          <p:spTgt spid="35"/>
+                                        </p:tgtEl>
+                                        <p:attrNameLst>
+                                          <p:attrName>style.opacity</p:attrName>
+                                        </p:attrNameLst>
+                                      </p:cBhvr>
+                                      <p:to>
+                                        <p:strVal val="0.75"/>
+                                      </p:to>
+                                    </p:set>
+                                    <p:animEffect filter="image" prLst="opacity: 0.75">
+                                      <p:cBhvr rctx="IE">
+                                        <p:cTn id="28" dur="indefinite"/>
+                                        <p:tgtEl>
+                                          <p:spTgt spid="35"/>
+                                        </p:tgtEl>
+                                      </p:cBhvr>
+                                    </p:animEffect>
+                                  </p:childTnLst>
+                                </p:cTn>
+                              </p:par>
+                              <p:par>
+                                <p:cTn id="29" presetID="9" presetClass="emph" presetSubtype="0" nodeType="withEffect">
+                                  <p:stCondLst>
+                                    <p:cond delay="0"/>
+                                  </p:stCondLst>
+                                  <p:childTnLst>
+                                    <p:set>
+                                      <p:cBhvr>
+                                        <p:cTn id="30" dur="indefinite"/>
+                                        <p:tgtEl>
+                                          <p:spTgt spid="37"/>
+                                        </p:tgtEl>
+                                        <p:attrNameLst>
+                                          <p:attrName>style.opacity</p:attrName>
+                                        </p:attrNameLst>
+                                      </p:cBhvr>
+                                      <p:to>
+                                        <p:strVal val="0.75"/>
+                                      </p:to>
+                                    </p:set>
+                                    <p:animEffect filter="image" prLst="opacity: 0.75">
+                                      <p:cBhvr rctx="IE">
+                                        <p:cTn id="31" dur="indefinite"/>
+                                        <p:tgtEl>
+                                          <p:spTgt spid="37"/>
+                                        </p:tgtEl>
+                                      </p:cBhvr>
+                                    </p:animEffect>
+                                  </p:childTnLst>
+                                </p:cTn>
+                              </p:par>
+                              <p:par>
+                                <p:cTn id="32" presetID="9" presetClass="emph" presetSubtype="0" nodeType="withEffect">
+                                  <p:stCondLst>
+                                    <p:cond delay="0"/>
+                                  </p:stCondLst>
+                                  <p:childTnLst>
+                                    <p:set>
+                                      <p:cBhvr>
+                                        <p:cTn id="33" dur="indefinite"/>
+                                        <p:tgtEl>
+                                          <p:spTgt spid="38"/>
+                                        </p:tgtEl>
+                                        <p:attrNameLst>
+                                          <p:attrName>style.opacity</p:attrName>
+                                        </p:attrNameLst>
+                                      </p:cBhvr>
+                                      <p:to>
+                                        <p:strVal val="0.75"/>
+                                      </p:to>
+                                    </p:set>
+                                    <p:animEffect filter="image" prLst="opacity: 0.75">
+                                      <p:cBhvr rctx="IE">
+                                        <p:cTn id="34" dur="indefinite"/>
+                                        <p:tgtEl>
+                                          <p:spTgt spid="38"/>
+                                        </p:tgtEl>
+                                      </p:cBhvr>
+                                    </p:animEffect>
+                                  </p:childTnLst>
+                                </p:cTn>
+                              </p:par>
+                              <p:par>
+                                <p:cTn id="35" presetID="9" presetClass="emph" presetSubtype="0" nodeType="withEffect">
+                                  <p:stCondLst>
+                                    <p:cond delay="0"/>
+                                  </p:stCondLst>
+                                  <p:childTnLst>
+                                    <p:set>
+                                      <p:cBhvr>
+                                        <p:cTn id="36" dur="indefinite"/>
+                                        <p:tgtEl>
+                                          <p:spTgt spid="41"/>
+                                        </p:tgtEl>
+                                        <p:attrNameLst>
+                                          <p:attrName>style.opacity</p:attrName>
+                                        </p:attrNameLst>
+                                      </p:cBhvr>
+                                      <p:to>
+                                        <p:strVal val="0.75"/>
+                                      </p:to>
+                                    </p:set>
+                                    <p:animEffect filter="image" prLst="opacity: 0.75">
+                                      <p:cBhvr rctx="IE">
+                                        <p:cTn id="37" dur="indefinite"/>
+                                        <p:tgtEl>
+                                          <p:spTgt spid="41"/>
+                                        </p:tgtEl>
+                                      </p:cBhvr>
+                                    </p:animEffect>
+                                  </p:childTnLst>
+                                </p:cTn>
+                              </p:par>
+                              <p:par>
+                                <p:cTn id="38" presetID="9" presetClass="emph" presetSubtype="0" nodeType="withEffect">
+                                  <p:stCondLst>
+                                    <p:cond delay="0"/>
+                                  </p:stCondLst>
+                                  <p:childTnLst>
+                                    <p:set>
+                                      <p:cBhvr>
+                                        <p:cTn id="39" dur="indefinite"/>
+                                        <p:tgtEl>
+                                          <p:spTgt spid="44"/>
+                                        </p:tgtEl>
+                                        <p:attrNameLst>
+                                          <p:attrName>style.opacity</p:attrName>
+                                        </p:attrNameLst>
+                                      </p:cBhvr>
+                                      <p:to>
+                                        <p:strVal val="0.75"/>
+                                      </p:to>
+                                    </p:set>
+                                    <p:animEffect filter="image" prLst="opacity: 0.75">
+                                      <p:cBhvr rctx="IE">
+                                        <p:cTn id="40" dur="indefinite"/>
+                                        <p:tgtEl>
+                                          <p:spTgt spid="44"/>
+                                        </p:tgtEl>
+                                      </p:cBhvr>
+                                    </p:animEffect>
+                                  </p:childTnLst>
+                                </p:cTn>
+                              </p:par>
+                              <p:par>
+                                <p:cTn id="41" presetID="9" presetClass="emph" presetSubtype="0" nodeType="withEffect">
+                                  <p:stCondLst>
+                                    <p:cond delay="0"/>
+                                  </p:stCondLst>
+                                  <p:childTnLst>
+                                    <p:set>
+                                      <p:cBhvr>
+                                        <p:cTn id="42" dur="indefinite"/>
+                                        <p:tgtEl>
+                                          <p:spTgt spid="47"/>
+                                        </p:tgtEl>
+                                        <p:attrNameLst>
+                                          <p:attrName>style.opacity</p:attrName>
+                                        </p:attrNameLst>
+                                      </p:cBhvr>
+                                      <p:to>
+                                        <p:strVal val="0.75"/>
+                                      </p:to>
+                                    </p:set>
+                                    <p:animEffect filter="image" prLst="opacity: 0.75">
+                                      <p:cBhvr rctx="IE">
+                                        <p:cTn id="43" dur="indefinite"/>
+                                        <p:tgtEl>
+                                          <p:spTgt spid="47"/>
+                                        </p:tgtEl>
+                                      </p:cBhvr>
+                                    </p:animEffect>
+                                  </p:childTnLst>
+                                </p:cTn>
+                              </p:par>
+                              <p:par>
+                                <p:cTn id="44" presetID="9" presetClass="emph" presetSubtype="0" nodeType="withEffect">
+                                  <p:stCondLst>
+                                    <p:cond delay="0"/>
+                                  </p:stCondLst>
+                                  <p:childTnLst>
+                                    <p:set>
+                                      <p:cBhvr>
+                                        <p:cTn id="45" dur="indefinite"/>
+                                        <p:tgtEl>
+                                          <p:spTgt spid="50"/>
+                                        </p:tgtEl>
+                                        <p:attrNameLst>
+                                          <p:attrName>style.opacity</p:attrName>
+                                        </p:attrNameLst>
+                                      </p:cBhvr>
+                                      <p:to>
+                                        <p:strVal val="0.75"/>
+                                      </p:to>
+                                    </p:set>
+                                    <p:animEffect filter="image" prLst="opacity: 0.75">
+                                      <p:cBhvr rctx="IE">
+                                        <p:cTn id="46" dur="indefinite"/>
+                                        <p:tgtEl>
+                                          <p:spTgt spid="50"/>
+                                        </p:tgtEl>
+                                      </p:cBhvr>
+                                    </p:animEffect>
+                                  </p:childTnLst>
+                                </p:cTn>
+                              </p:par>
+                              <p:par>
+                                <p:cTn id="47" presetID="9" presetClass="emph" presetSubtype="0" nodeType="withEffect">
+                                  <p:stCondLst>
+                                    <p:cond delay="0"/>
+                                  </p:stCondLst>
+                                  <p:childTnLst>
+                                    <p:set>
+                                      <p:cBhvr>
+                                        <p:cTn id="48" dur="indefinite"/>
+                                        <p:tgtEl>
+                                          <p:spTgt spid="4"/>
+                                        </p:tgtEl>
+                                        <p:attrNameLst>
+                                          <p:attrName>style.opacity</p:attrName>
+                                        </p:attrNameLst>
+                                      </p:cBhvr>
+                                      <p:to>
+                                        <p:strVal val="0.75"/>
+                                      </p:to>
+                                    </p:set>
+                                    <p:animEffect filter="image" prLst="opacity: 0.75">
+                                      <p:cBhvr rctx="IE">
+                                        <p:cTn id="49" dur="indefinite"/>
+                                        <p:tgtEl>
+                                          <p:spTgt spid="4"/>
+                                        </p:tgtEl>
+                                      </p:cBhvr>
+                                    </p:animEffect>
+                                  </p:childTnLst>
+                                </p:cTn>
+                              </p:par>
+                              <p:par>
+                                <p:cTn id="50" presetID="9" presetClass="emph" presetSubtype="0" nodeType="withEffect">
+                                  <p:stCondLst>
+                                    <p:cond delay="0"/>
+                                  </p:stCondLst>
+                                  <p:childTnLst>
+                                    <p:set>
+                                      <p:cBhvr>
+                                        <p:cTn id="51" dur="indefinite"/>
+                                        <p:tgtEl>
+                                          <p:spTgt spid="7"/>
+                                        </p:tgtEl>
+                                        <p:attrNameLst>
+                                          <p:attrName>style.opacity</p:attrName>
+                                        </p:attrNameLst>
+                                      </p:cBhvr>
+                                      <p:to>
+                                        <p:strVal val="0.75"/>
+                                      </p:to>
+                                    </p:set>
+                                    <p:animEffect filter="image" prLst="opacity: 0.75">
+                                      <p:cBhvr rctx="IE">
+                                        <p:cTn id="52" dur="indefinite"/>
+                                        <p:tgtEl>
+                                          <p:spTgt spid="7"/>
+                                        </p:tgtEl>
+                                      </p:cBhvr>
+                                    </p:animEffect>
+                                  </p:childTnLst>
+                                </p:cTn>
+                              </p:par>
+                              <p:par>
+                                <p:cTn id="53" presetID="9" presetClass="emph" presetSubtype="0" nodeType="withEffect">
+                                  <p:stCondLst>
+                                    <p:cond delay="0"/>
+                                  </p:stCondLst>
+                                  <p:childTnLst>
+                                    <p:set>
+                                      <p:cBhvr>
+                                        <p:cTn id="54" dur="indefinite"/>
+                                        <p:tgtEl>
+                                          <p:spTgt spid="27"/>
+                                        </p:tgtEl>
+                                        <p:attrNameLst>
+                                          <p:attrName>style.opacity</p:attrName>
+                                        </p:attrNameLst>
+                                      </p:cBhvr>
+                                      <p:to>
+                                        <p:strVal val="0.75"/>
+                                      </p:to>
+                                    </p:set>
+                                    <p:animEffect filter="image" prLst="opacity: 0.75">
+                                      <p:cBhvr rctx="IE">
+                                        <p:cTn id="55" dur="indefinite"/>
+                                        <p:tgtEl>
+                                          <p:spTgt spid="27"/>
+                                        </p:tgtEl>
+                                      </p:cBhvr>
+                                    </p:animEffect>
+                                  </p:childTnLst>
+                                </p:cTn>
+                              </p:par>
+                              <p:par>
+                                <p:cTn id="56" presetID="9" presetClass="emph" presetSubtype="0" grpId="0" nodeType="withEffect">
+                                  <p:stCondLst>
+                                    <p:cond delay="0"/>
+                                  </p:stCondLst>
+                                  <p:childTnLst>
+                                    <p:set>
+                                      <p:cBhvr>
+                                        <p:cTn id="57" dur="indefinite"/>
+                                        <p:tgtEl>
+                                          <p:spTgt spid="25"/>
+                                        </p:tgtEl>
+                                        <p:attrNameLst>
+                                          <p:attrName>style.opacity</p:attrName>
+                                        </p:attrNameLst>
+                                      </p:cBhvr>
+                                      <p:to>
+                                        <p:strVal val="0.75"/>
+                                      </p:to>
+                                    </p:set>
+                                    <p:animEffect filter="image" prLst="opacity: 0.75">
+                                      <p:cBhvr rctx="IE">
+                                        <p:cTn id="58" dur="indefinite"/>
+                                        <p:tgtEl>
+                                          <p:spTgt spid="25"/>
+                                        </p:tgtEl>
+                                      </p:cBhvr>
+                                    </p:animEffect>
+                                  </p:childTnLst>
+                                </p:cTn>
+                              </p:par>
+                              <p:par>
+                                <p:cTn id="59" presetID="9" presetClass="emph" presetSubtype="0" nodeType="withEffect">
+                                  <p:stCondLst>
+                                    <p:cond delay="0"/>
+                                  </p:stCondLst>
+                                  <p:childTnLst>
+                                    <p:set>
+                                      <p:cBhvr>
+                                        <p:cTn id="60" dur="indefinite"/>
+                                        <p:tgtEl>
+                                          <p:spTgt spid="5"/>
+                                        </p:tgtEl>
+                                        <p:attrNameLst>
+                                          <p:attrName>style.opacity</p:attrName>
+                                        </p:attrNameLst>
+                                      </p:cBhvr>
+                                      <p:to>
+                                        <p:strVal val="0.75"/>
+                                      </p:to>
+                                    </p:set>
+                                    <p:animEffect filter="image" prLst="opacity: 0.75">
+                                      <p:cBhvr rctx="IE">
+                                        <p:cTn id="61" dur="indefinite"/>
+                                        <p:tgtEl>
+                                          <p:spTgt spid="5"/>
+                                        </p:tgtEl>
+                                      </p:cBhvr>
+                                    </p:animEffect>
+                                  </p:childTnLst>
+                                </p:cTn>
+                              </p:par>
+                              <p:par>
+                                <p:cTn id="62" presetID="1" presetClass="entr" presetSubtype="0" fill="hold" grpId="0" nodeType="withEffect">
+                                  <p:stCondLst>
+                                    <p:cond delay="0"/>
+                                  </p:stCondLst>
+                                  <p:childTnLst>
+                                    <p:set>
+                                      <p:cBhvr>
+                                        <p:cTn id="63" dur="1" fill="hold">
+                                          <p:stCondLst>
+                                            <p:cond delay="0"/>
+                                          </p:stCondLst>
+                                        </p:cTn>
+                                        <p:tgtEl>
+                                          <p:spTgt spid="24"/>
+                                        </p:tgtEl>
+                                        <p:attrNameLst>
+                                          <p:attrName>style.visibility</p:attrName>
+                                        </p:attrNameLst>
+                                      </p:cBhvr>
+                                      <p:to>
+                                        <p:strVal val="visible"/>
+                                      </p:to>
+                                    </p:set>
+                                  </p:childTnLst>
+                                </p:cTn>
+                              </p:par>
+                            </p:childTnLst>
+                          </p:cTn>
+                        </p:par>
+                      </p:childTnLst>
+                    </p:cTn>
+                  </p:par>
+                  <p:par>
+                    <p:cTn id="64" fill="hold">
+                      <p:stCondLst>
+                        <p:cond delay="indefinite"/>
+                      </p:stCondLst>
+                      <p:childTnLst>
+                        <p:par>
+                          <p:cTn id="65" fill="hold">
+                            <p:stCondLst>
+                              <p:cond delay="0"/>
+                            </p:stCondLst>
+                            <p:childTnLst>
+                              <p:par>
+                                <p:cTn id="66" presetID="1" presetClass="entr" presetSubtype="0" fill="hold" grpId="0" nodeType="clickEffect">
+                                  <p:stCondLst>
+                                    <p:cond delay="0"/>
+                                  </p:stCondLst>
+                                  <p:childTnLst>
+                                    <p:set>
+                                      <p:cBhvr>
+                                        <p:cTn id="67" dur="1" fill="hold">
+                                          <p:stCondLst>
+                                            <p:cond delay="0"/>
+                                          </p:stCondLst>
+                                        </p:cTn>
+                                        <p:tgtEl>
+                                          <p:spTgt spid="23"/>
+                                        </p:tgtEl>
+                                        <p:attrNameLst>
+                                          <p:attrName>style.visibility</p:attrName>
+                                        </p:attrNameLst>
+                                      </p:cBhvr>
+                                      <p:to>
+                                        <p:strVal val="visible"/>
+                                      </p:to>
+                                    </p:set>
+                                  </p:childTnLst>
+                                </p:cTn>
+                              </p:par>
+                            </p:childTnLst>
+                          </p:cTn>
+                        </p:par>
+                      </p:childTnLst>
+                    </p:cTn>
+                  </p:par>
+                </p:childTnLst>
+              </p:cTn>
+              <p:prevCondLst>
+                <p:cond evt="onPrev" delay="0">
+                  <p:tgtEl>
+                    <p:sldTgt/>
+                  </p:tgtEl>
+                </p:cond>
+              </p:prevCondLst>
+              <p:nextCondLst>
+                <p:cond evt="onNext" delay="0">
+                  <p:tgtEl>
+                    <p:sldTgt/>
+                  </p:tgtEl>
+                </p:cond>
+              </p:nextCondLst>
+            </p:seq>
+          </p:childTnLst>
+        </p:cTn>
+      </p:par>
+    </p:tnLst>
+    <p:bldLst>
+      <p:bldP spid="12" grpId="0"/>
+      <p:bldP spid="34" grpId="0"/>
+      <p:bldP spid="35" grpId="0"/>
+      <p:bldP spid="23" grpId="0" animBg="1"/>
+      <p:bldP spid="24" grpId="0" animBg="1"/>
+      <p:bldP spid="25" grpId="0"/>
+    </p:bldLst>
+  </p:timing>
 </p:sld>
 </file>
 
@@ -8094,7 +10052,7 @@
         <p:spPr>
           <a:xfrm>
             <a:off x="8730740" y="2024798"/>
-            <a:ext cx="2123145" cy="369332"/>
+            <a:ext cx="2079737" cy="369332"/>
           </a:xfrm>
           <a:prstGeom prst="rect">
             <a:avLst/>
@@ -8114,7 +10072,7 @@
           <a:p>
             <a:r>
               <a:rPr lang="en-US" b="1" dirty="0"/>
-              <a:t>Partitioned Program</a:t>
+              <a:t>Partitioned Pipeline</a:t>
             </a:r>
             <a:endParaRPr lang="en-US" dirty="0"/>
           </a:p>
@@ -8171,6 +10129,427 @@
   <p:clrMapOvr>
     <a:masterClrMapping/>
   </p:clrMapOvr>
+  <p:timing>
+    <p:tnLst>
+      <p:par>
+        <p:cTn id="1" dur="indefinite" restart="never" nodeType="tmRoot">
+          <p:childTnLst>
+            <p:seq concurrent="1" nextAc="seek">
+              <p:cTn id="2" dur="indefinite" nodeType="mainSeq">
+                <p:childTnLst>
+                  <p:par>
+                    <p:cTn id="3" fill="hold">
+                      <p:stCondLst>
+                        <p:cond delay="indefinite"/>
+                      </p:stCondLst>
+                      <p:childTnLst>
+                        <p:par>
+                          <p:cTn id="4" fill="hold">
+                            <p:stCondLst>
+                              <p:cond delay="0"/>
+                            </p:stCondLst>
+                            <p:childTnLst>
+                              <p:par>
+                                <p:cTn id="5" presetID="1" presetClass="entr" presetSubtype="0" fill="hold" nodeType="clickEffect">
+                                  <p:stCondLst>
+                                    <p:cond delay="0"/>
+                                  </p:stCondLst>
+                                  <p:childTnLst>
+                                    <p:set>
+                                      <p:cBhvr>
+                                        <p:cTn id="6" dur="1" fill="hold">
+                                          <p:stCondLst>
+                                            <p:cond delay="0"/>
+                                          </p:stCondLst>
+                                        </p:cTn>
+                                        <p:tgtEl>
+                                          <p:spTgt spid="36"/>
+                                        </p:tgtEl>
+                                        <p:attrNameLst>
+                                          <p:attrName>style.visibility</p:attrName>
+                                        </p:attrNameLst>
+                                      </p:cBhvr>
+                                      <p:to>
+                                        <p:strVal val="visible"/>
+                                      </p:to>
+                                    </p:set>
+                                  </p:childTnLst>
+                                </p:cTn>
+                              </p:par>
+                              <p:par>
+                                <p:cTn id="7" presetID="1" presetClass="entr" presetSubtype="0" fill="hold" nodeType="withEffect">
+                                  <p:stCondLst>
+                                    <p:cond delay="0"/>
+                                  </p:stCondLst>
+                                  <p:childTnLst>
+                                    <p:set>
+                                      <p:cBhvr>
+                                        <p:cTn id="8" dur="1" fill="hold">
+                                          <p:stCondLst>
+                                            <p:cond delay="0"/>
+                                          </p:stCondLst>
+                                        </p:cTn>
+                                        <p:tgtEl>
+                                          <p:spTgt spid="46"/>
+                                        </p:tgtEl>
+                                        <p:attrNameLst>
+                                          <p:attrName>style.visibility</p:attrName>
+                                        </p:attrNameLst>
+                                      </p:cBhvr>
+                                      <p:to>
+                                        <p:strVal val="visible"/>
+                                      </p:to>
+                                    </p:set>
+                                  </p:childTnLst>
+                                </p:cTn>
+                              </p:par>
+                              <p:par>
+                                <p:cTn id="9" presetID="1" presetClass="entr" presetSubtype="0" fill="hold" nodeType="withEffect">
+                                  <p:stCondLst>
+                                    <p:cond delay="0"/>
+                                  </p:stCondLst>
+                                  <p:childTnLst>
+                                    <p:set>
+                                      <p:cBhvr>
+                                        <p:cTn id="10" dur="1" fill="hold">
+                                          <p:stCondLst>
+                                            <p:cond delay="0"/>
+                                          </p:stCondLst>
+                                        </p:cTn>
+                                        <p:tgtEl>
+                                          <p:spTgt spid="25"/>
+                                        </p:tgtEl>
+                                        <p:attrNameLst>
+                                          <p:attrName>style.visibility</p:attrName>
+                                        </p:attrNameLst>
+                                      </p:cBhvr>
+                                      <p:to>
+                                        <p:strVal val="visible"/>
+                                      </p:to>
+                                    </p:set>
+                                  </p:childTnLst>
+                                </p:cTn>
+                              </p:par>
+                              <p:par>
+                                <p:cTn id="11" presetID="1" presetClass="entr" presetSubtype="0" fill="hold" nodeType="withEffect">
+                                  <p:stCondLst>
+                                    <p:cond delay="0"/>
+                                  </p:stCondLst>
+                                  <p:childTnLst>
+                                    <p:set>
+                                      <p:cBhvr>
+                                        <p:cTn id="12" dur="1" fill="hold">
+                                          <p:stCondLst>
+                                            <p:cond delay="0"/>
+                                          </p:stCondLst>
+                                        </p:cTn>
+                                        <p:tgtEl>
+                                          <p:spTgt spid="48"/>
+                                        </p:tgtEl>
+                                        <p:attrNameLst>
+                                          <p:attrName>style.visibility</p:attrName>
+                                        </p:attrNameLst>
+                                      </p:cBhvr>
+                                      <p:to>
+                                        <p:strVal val="visible"/>
+                                      </p:to>
+                                    </p:set>
+                                  </p:childTnLst>
+                                </p:cTn>
+                              </p:par>
+                              <p:par>
+                                <p:cTn id="13" presetID="1" presetClass="entr" presetSubtype="0" fill="hold" nodeType="withEffect">
+                                  <p:stCondLst>
+                                    <p:cond delay="0"/>
+                                  </p:stCondLst>
+                                  <p:childTnLst>
+                                    <p:set>
+                                      <p:cBhvr>
+                                        <p:cTn id="14" dur="1" fill="hold">
+                                          <p:stCondLst>
+                                            <p:cond delay="0"/>
+                                          </p:stCondLst>
+                                        </p:cTn>
+                                        <p:tgtEl>
+                                          <p:spTgt spid="45"/>
+                                        </p:tgtEl>
+                                        <p:attrNameLst>
+                                          <p:attrName>style.visibility</p:attrName>
+                                        </p:attrNameLst>
+                                      </p:cBhvr>
+                                      <p:to>
+                                        <p:strVal val="visible"/>
+                                      </p:to>
+                                    </p:set>
+                                  </p:childTnLst>
+                                </p:cTn>
+                              </p:par>
+                              <p:par>
+                                <p:cTn id="15" presetID="1" presetClass="entr" presetSubtype="0" fill="hold" nodeType="withEffect">
+                                  <p:stCondLst>
+                                    <p:cond delay="0"/>
+                                  </p:stCondLst>
+                                  <p:childTnLst>
+                                    <p:set>
+                                      <p:cBhvr>
+                                        <p:cTn id="16" dur="1" fill="hold">
+                                          <p:stCondLst>
+                                            <p:cond delay="0"/>
+                                          </p:stCondLst>
+                                        </p:cTn>
+                                        <p:tgtEl>
+                                          <p:spTgt spid="43"/>
+                                        </p:tgtEl>
+                                        <p:attrNameLst>
+                                          <p:attrName>style.visibility</p:attrName>
+                                        </p:attrNameLst>
+                                      </p:cBhvr>
+                                      <p:to>
+                                        <p:strVal val="visible"/>
+                                      </p:to>
+                                    </p:set>
+                                  </p:childTnLst>
+                                </p:cTn>
+                              </p:par>
+                              <p:par>
+                                <p:cTn id="17" presetID="1" presetClass="entr" presetSubtype="0" fill="hold" nodeType="withEffect">
+                                  <p:stCondLst>
+                                    <p:cond delay="0"/>
+                                  </p:stCondLst>
+                                  <p:childTnLst>
+                                    <p:set>
+                                      <p:cBhvr>
+                                        <p:cTn id="18" dur="1" fill="hold">
+                                          <p:stCondLst>
+                                            <p:cond delay="0"/>
+                                          </p:stCondLst>
+                                        </p:cTn>
+                                        <p:tgtEl>
+                                          <p:spTgt spid="40"/>
+                                        </p:tgtEl>
+                                        <p:attrNameLst>
+                                          <p:attrName>style.visibility</p:attrName>
+                                        </p:attrNameLst>
+                                      </p:cBhvr>
+                                      <p:to>
+                                        <p:strVal val="visible"/>
+                                      </p:to>
+                                    </p:set>
+                                  </p:childTnLst>
+                                </p:cTn>
+                              </p:par>
+                              <p:par>
+                                <p:cTn id="19" presetID="1" presetClass="entr" presetSubtype="0" fill="hold" nodeType="withEffect">
+                                  <p:stCondLst>
+                                    <p:cond delay="0"/>
+                                  </p:stCondLst>
+                                  <p:childTnLst>
+                                    <p:set>
+                                      <p:cBhvr>
+                                        <p:cTn id="20" dur="1" fill="hold">
+                                          <p:stCondLst>
+                                            <p:cond delay="0"/>
+                                          </p:stCondLst>
+                                        </p:cTn>
+                                        <p:tgtEl>
+                                          <p:spTgt spid="39"/>
+                                        </p:tgtEl>
+                                        <p:attrNameLst>
+                                          <p:attrName>style.visibility</p:attrName>
+                                        </p:attrNameLst>
+                                      </p:cBhvr>
+                                      <p:to>
+                                        <p:strVal val="visible"/>
+                                      </p:to>
+                                    </p:set>
+                                  </p:childTnLst>
+                                </p:cTn>
+                              </p:par>
+                              <p:par>
+                                <p:cTn id="21" presetID="1" presetClass="entr" presetSubtype="0" fill="hold" nodeType="withEffect">
+                                  <p:stCondLst>
+                                    <p:cond delay="0"/>
+                                  </p:stCondLst>
+                                  <p:childTnLst>
+                                    <p:set>
+                                      <p:cBhvr>
+                                        <p:cTn id="22" dur="1" fill="hold">
+                                          <p:stCondLst>
+                                            <p:cond delay="0"/>
+                                          </p:stCondLst>
+                                        </p:cTn>
+                                        <p:tgtEl>
+                                          <p:spTgt spid="42"/>
+                                        </p:tgtEl>
+                                        <p:attrNameLst>
+                                          <p:attrName>style.visibility</p:attrName>
+                                        </p:attrNameLst>
+                                      </p:cBhvr>
+                                      <p:to>
+                                        <p:strVal val="visible"/>
+                                      </p:to>
+                                    </p:set>
+                                  </p:childTnLst>
+                                </p:cTn>
+                              </p:par>
+                              <p:par>
+                                <p:cTn id="23" presetID="1" presetClass="entr" presetSubtype="0" fill="hold" grpId="0" nodeType="withEffect">
+                                  <p:stCondLst>
+                                    <p:cond delay="0"/>
+                                  </p:stCondLst>
+                                  <p:childTnLst>
+                                    <p:set>
+                                      <p:cBhvr>
+                                        <p:cTn id="24" dur="1" fill="hold">
+                                          <p:stCondLst>
+                                            <p:cond delay="0"/>
+                                          </p:stCondLst>
+                                        </p:cTn>
+                                        <p:tgtEl>
+                                          <p:spTgt spid="49"/>
+                                        </p:tgtEl>
+                                        <p:attrNameLst>
+                                          <p:attrName>style.visibility</p:attrName>
+                                        </p:attrNameLst>
+                                      </p:cBhvr>
+                                      <p:to>
+                                        <p:strVal val="visible"/>
+                                      </p:to>
+                                    </p:set>
+                                  </p:childTnLst>
+                                </p:cTn>
+                              </p:par>
+                            </p:childTnLst>
+                          </p:cTn>
+                        </p:par>
+                      </p:childTnLst>
+                    </p:cTn>
+                  </p:par>
+                  <p:par>
+                    <p:cTn id="25" fill="hold">
+                      <p:stCondLst>
+                        <p:cond delay="indefinite"/>
+                      </p:stCondLst>
+                      <p:childTnLst>
+                        <p:par>
+                          <p:cTn id="26" fill="hold">
+                            <p:stCondLst>
+                              <p:cond delay="0"/>
+                            </p:stCondLst>
+                            <p:childTnLst>
+                              <p:par>
+                                <p:cTn id="27" presetID="1" presetClass="entr" presetSubtype="0" fill="hold" nodeType="clickEffect">
+                                  <p:stCondLst>
+                                    <p:cond delay="0"/>
+                                  </p:stCondLst>
+                                  <p:childTnLst>
+                                    <p:set>
+                                      <p:cBhvr>
+                                        <p:cTn id="28" dur="1" fill="hold">
+                                          <p:stCondLst>
+                                            <p:cond delay="0"/>
+                                          </p:stCondLst>
+                                        </p:cTn>
+                                        <p:tgtEl>
+                                          <p:spTgt spid="7"/>
+                                        </p:tgtEl>
+                                        <p:attrNameLst>
+                                          <p:attrName>style.visibility</p:attrName>
+                                        </p:attrNameLst>
+                                      </p:cBhvr>
+                                      <p:to>
+                                        <p:strVal val="visible"/>
+                                      </p:to>
+                                    </p:set>
+                                  </p:childTnLst>
+                                </p:cTn>
+                              </p:par>
+                              <p:par>
+                                <p:cTn id="29" presetID="1" presetClass="entr" presetSubtype="0" fill="hold" nodeType="withEffect">
+                                  <p:stCondLst>
+                                    <p:cond delay="0"/>
+                                  </p:stCondLst>
+                                  <p:childTnLst>
+                                    <p:set>
+                                      <p:cBhvr>
+                                        <p:cTn id="30" dur="1" fill="hold">
+                                          <p:stCondLst>
+                                            <p:cond delay="0"/>
+                                          </p:stCondLst>
+                                        </p:cTn>
+                                        <p:tgtEl>
+                                          <p:spTgt spid="6"/>
+                                        </p:tgtEl>
+                                        <p:attrNameLst>
+                                          <p:attrName>style.visibility</p:attrName>
+                                        </p:attrNameLst>
+                                      </p:cBhvr>
+                                      <p:to>
+                                        <p:strVal val="visible"/>
+                                      </p:to>
+                                    </p:set>
+                                  </p:childTnLst>
+                                </p:cTn>
+                              </p:par>
+                              <p:par>
+                                <p:cTn id="31" presetID="1" presetClass="entr" presetSubtype="0" fill="hold" grpId="0" nodeType="withEffect">
+                                  <p:stCondLst>
+                                    <p:cond delay="0"/>
+                                  </p:stCondLst>
+                                  <p:childTnLst>
+                                    <p:set>
+                                      <p:cBhvr>
+                                        <p:cTn id="32" dur="1" fill="hold">
+                                          <p:stCondLst>
+                                            <p:cond delay="0"/>
+                                          </p:stCondLst>
+                                        </p:cTn>
+                                        <p:tgtEl>
+                                          <p:spTgt spid="52"/>
+                                        </p:tgtEl>
+                                        <p:attrNameLst>
+                                          <p:attrName>style.visibility</p:attrName>
+                                        </p:attrNameLst>
+                                      </p:cBhvr>
+                                      <p:to>
+                                        <p:strVal val="visible"/>
+                                      </p:to>
+                                    </p:set>
+                                  </p:childTnLst>
+                                </p:cTn>
+                              </p:par>
+                            </p:childTnLst>
+                          </p:cTn>
+                        </p:par>
+                      </p:childTnLst>
+                    </p:cTn>
+                  </p:par>
+                </p:childTnLst>
+              </p:cTn>
+              <p:prevCondLst>
+                <p:cond evt="onPrev" delay="0">
+                  <p:tgtEl>
+                    <p:sldTgt/>
+                  </p:tgtEl>
+                </p:cond>
+              </p:prevCondLst>
+              <p:nextCondLst>
+                <p:cond evt="onNext" delay="0">
+                  <p:tgtEl>
+                    <p:sldTgt/>
+                  </p:tgtEl>
+                </p:cond>
+              </p:nextCondLst>
+            </p:seq>
+          </p:childTnLst>
+        </p:cTn>
+      </p:par>
+    </p:tnLst>
+    <p:bldLst>
+      <p:bldP spid="49" grpId="0" animBg="1"/>
+      <p:bldP spid="52" grpId="0" animBg="1"/>
+    </p:bldLst>
+  </p:timing>
 </p:sld>
 </file>
 
@@ -8214,45 +10593,433 @@
           <a:p>
             <a:r>
               <a:rPr lang="en-US" dirty="0"/>
-              <a:t>Nomad Features</a:t>
+              <a:t>What Nomad can do for you</a:t>
             </a:r>
           </a:p>
         </p:txBody>
       </p:sp>
       <p:sp>
         <p:nvSpPr>
-          <p:cNvPr id="3" name="Content Placeholder 2">
+          <p:cNvPr id="6" name="Rectangle: Rounded Corners 5">
             <a:extLst>
               <a:ext uri="{FF2B5EF4-FFF2-40B4-BE49-F238E27FC236}">
-                <a16:creationId xmlns:a16="http://schemas.microsoft.com/office/drawing/2014/main" id="{3BD3F554-415D-4F09-A657-8B71B72486AC}"/>
+                <a16:creationId xmlns:a16="http://schemas.microsoft.com/office/drawing/2014/main" id="{3451DCB4-4589-478D-8937-B0B203B0DCB3}"/>
               </a:ext>
             </a:extLst>
           </p:cNvPr>
-          <p:cNvSpPr>
-            <a:spLocks noGrp="1"/>
+          <p:cNvSpPr/>
+          <p:nvPr/>
+        </p:nvSpPr>
+        <p:spPr>
+          <a:xfrm>
+            <a:off x="1005142" y="1690689"/>
+            <a:ext cx="5090858" cy="4802186"/>
+          </a:xfrm>
+          <a:prstGeom prst="roundRect">
+            <a:avLst>
+              <a:gd name="adj" fmla="val 2879"/>
+            </a:avLst>
+          </a:prstGeom>
+          <a:solidFill>
+            <a:schemeClr val="accent2">
+              <a:lumMod val="20000"/>
+              <a:lumOff val="80000"/>
+            </a:schemeClr>
+          </a:solidFill>
+        </p:spPr>
+        <p:style>
+          <a:lnRef idx="2">
+            <a:schemeClr val="accent1">
+              <a:shade val="50000"/>
+            </a:schemeClr>
+          </a:lnRef>
+          <a:fillRef idx="1">
+            <a:schemeClr val="accent1"/>
+          </a:fillRef>
+          <a:effectRef idx="0">
+            <a:schemeClr val="accent1"/>
+          </a:effectRef>
+          <a:fontRef idx="minor">
+            <a:schemeClr val="lt1"/>
+          </a:fontRef>
+        </p:style>
+        <p:txBody>
+          <a:bodyPr rtlCol="0" anchor="ctr"/>
+          <a:lstStyle/>
+          <a:p>
+            <a:pPr algn="ctr"/>
+            <a:endParaRPr lang="en-US" dirty="0"/>
+          </a:p>
+        </p:txBody>
+      </p:sp>
+      <p:sp>
+        <p:nvSpPr>
+          <p:cNvPr id="7" name="Rectangle: Rounded Corners 6">
+            <a:extLst>
+              <a:ext uri="{FF2B5EF4-FFF2-40B4-BE49-F238E27FC236}">
+                <a16:creationId xmlns:a16="http://schemas.microsoft.com/office/drawing/2014/main" id="{3E60B803-5C0B-4A01-A3C0-2D6FB2BE07D7}"/>
+              </a:ext>
+            </a:extLst>
+          </p:cNvPr>
+          <p:cNvSpPr/>
+          <p:nvPr/>
+        </p:nvSpPr>
+        <p:spPr>
+          <a:xfrm>
+            <a:off x="6429884" y="1690687"/>
+            <a:ext cx="5090858" cy="4802187"/>
+          </a:xfrm>
+          <a:prstGeom prst="roundRect">
+            <a:avLst>
+              <a:gd name="adj" fmla="val 2879"/>
+            </a:avLst>
+          </a:prstGeom>
+          <a:solidFill>
+            <a:schemeClr val="accent5">
+              <a:lumMod val="20000"/>
+              <a:lumOff val="80000"/>
+            </a:schemeClr>
+          </a:solidFill>
+        </p:spPr>
+        <p:style>
+          <a:lnRef idx="2">
+            <a:schemeClr val="accent1">
+              <a:shade val="50000"/>
+            </a:schemeClr>
+          </a:lnRef>
+          <a:fillRef idx="1">
+            <a:schemeClr val="accent1"/>
+          </a:fillRef>
+          <a:effectRef idx="0">
+            <a:schemeClr val="accent1"/>
+          </a:effectRef>
+          <a:fontRef idx="minor">
+            <a:schemeClr val="lt1"/>
+          </a:fontRef>
+        </p:style>
+        <p:txBody>
+          <a:bodyPr rtlCol="0" anchor="ctr"/>
+          <a:lstStyle/>
+          <a:p>
+            <a:pPr algn="ctr"/>
+            <a:endParaRPr lang="en-US"/>
+          </a:p>
+        </p:txBody>
+      </p:sp>
+      <p:sp>
+        <p:nvSpPr>
+          <p:cNvPr id="8" name="Title 1">
+            <a:extLst>
+              <a:ext uri="{FF2B5EF4-FFF2-40B4-BE49-F238E27FC236}">
+                <a16:creationId xmlns:a16="http://schemas.microsoft.com/office/drawing/2014/main" id="{16079E83-C522-4A22-BFFC-E0D46663D92D}"/>
+              </a:ext>
+            </a:extLst>
+          </p:cNvPr>
+          <p:cNvSpPr txBox="1">
+            <a:spLocks/>
           </p:cNvSpPr>
-          <p:nvPr>
-            <p:ph idx="1"/>
-          </p:nvPr>
+          <p:nvPr/>
         </p:nvSpPr>
-        <p:spPr/>
+        <p:spPr>
+          <a:xfrm>
+            <a:off x="1005142" y="1816331"/>
+            <a:ext cx="5090858" cy="647664"/>
+          </a:xfrm>
+          <a:prstGeom prst="rect">
+            <a:avLst/>
+          </a:prstGeom>
+        </p:spPr>
         <p:txBody>
-          <a:bodyPr/>
-          <a:lstStyle/>
-          <a:p>
-            <a:r>
-              <a:rPr lang="en-US" dirty="0"/>
-              <a:t>Partition pipelines easily</a:t>
-            </a:r>
-          </a:p>
-          <a:p>
-            <a:r>
-              <a:rPr lang="en-US" dirty="0"/>
-              <a:t>Automatic scheduling</a:t>
-            </a:r>
-          </a:p>
-          <a:p>
-            <a:endParaRPr lang="en-US" dirty="0"/>
+          <a:bodyPr vert="horz" lIns="91440" tIns="45720" rIns="91440" bIns="45720" rtlCol="0" anchor="ctr">
+            <a:normAutofit/>
+          </a:bodyPr>
+          <a:lstStyle>
+            <a:lvl1pPr algn="l" defTabSz="914400" rtl="0" eaLnBrk="1" latinLnBrk="0" hangingPunct="1">
+              <a:lnSpc>
+                <a:spcPct val="90000"/>
+              </a:lnSpc>
+              <a:spcBef>
+                <a:spcPct val="0"/>
+              </a:spcBef>
+              <a:buNone/>
+              <a:defRPr sz="4400" kern="1200">
+                <a:solidFill>
+                  <a:schemeClr val="tx1"/>
+                </a:solidFill>
+                <a:latin typeface="+mj-lt"/>
+                <a:ea typeface="+mj-ea"/>
+                <a:cs typeface="+mj-cs"/>
+              </a:defRPr>
+            </a:lvl1pPr>
+          </a:lstStyle>
+          <a:p>
+            <a:pPr algn="ctr"/>
+            <a:r>
+              <a:rPr lang="en-US" sz="2800" b="1" dirty="0"/>
+              <a:t>Easy pipeline partitioning</a:t>
+            </a:r>
+          </a:p>
+        </p:txBody>
+      </p:sp>
+      <p:sp>
+        <p:nvSpPr>
+          <p:cNvPr id="9" name="Title 1">
+            <a:extLst>
+              <a:ext uri="{FF2B5EF4-FFF2-40B4-BE49-F238E27FC236}">
+                <a16:creationId xmlns:a16="http://schemas.microsoft.com/office/drawing/2014/main" id="{0C06BE30-8F8C-4528-8835-0BD16308D1DD}"/>
+              </a:ext>
+            </a:extLst>
+          </p:cNvPr>
+          <p:cNvSpPr txBox="1">
+            <a:spLocks/>
+          </p:cNvSpPr>
+          <p:nvPr/>
+        </p:nvSpPr>
+        <p:spPr>
+          <a:xfrm>
+            <a:off x="6429884" y="1816331"/>
+            <a:ext cx="5090858" cy="647664"/>
+          </a:xfrm>
+          <a:prstGeom prst="rect">
+            <a:avLst/>
+          </a:prstGeom>
+        </p:spPr>
+        <p:txBody>
+          <a:bodyPr vert="horz" lIns="91440" tIns="45720" rIns="91440" bIns="45720" rtlCol="0" anchor="ctr">
+            <a:normAutofit/>
+          </a:bodyPr>
+          <a:lstStyle>
+            <a:lvl1pPr algn="l" defTabSz="914400" rtl="0" eaLnBrk="1" latinLnBrk="0" hangingPunct="1">
+              <a:lnSpc>
+                <a:spcPct val="90000"/>
+              </a:lnSpc>
+              <a:spcBef>
+                <a:spcPct val="0"/>
+              </a:spcBef>
+              <a:buNone/>
+              <a:defRPr sz="4400" kern="1200">
+                <a:solidFill>
+                  <a:schemeClr val="tx1"/>
+                </a:solidFill>
+                <a:latin typeface="+mj-lt"/>
+                <a:ea typeface="+mj-ea"/>
+                <a:cs typeface="+mj-cs"/>
+              </a:defRPr>
+            </a:lvl1pPr>
+          </a:lstStyle>
+          <a:p>
+            <a:pPr algn="ctr"/>
+            <a:r>
+              <a:rPr lang="en-US" sz="2800" b="1" dirty="0"/>
+              <a:t>Intelligent Scheduling</a:t>
+            </a:r>
+          </a:p>
+        </p:txBody>
+      </p:sp>
+      <p:sp>
+        <p:nvSpPr>
+          <p:cNvPr id="10" name="Title 1">
+            <a:extLst>
+              <a:ext uri="{FF2B5EF4-FFF2-40B4-BE49-F238E27FC236}">
+                <a16:creationId xmlns:a16="http://schemas.microsoft.com/office/drawing/2014/main" id="{BE82C31B-B71F-43D2-949A-B3DCF951483B}"/>
+              </a:ext>
+            </a:extLst>
+          </p:cNvPr>
+          <p:cNvSpPr txBox="1">
+            <a:spLocks/>
+          </p:cNvSpPr>
+          <p:nvPr/>
+        </p:nvSpPr>
+        <p:spPr>
+          <a:xfrm>
+            <a:off x="1130785" y="2589637"/>
+            <a:ext cx="4839572" cy="3720420"/>
+          </a:xfrm>
+          <a:prstGeom prst="rect">
+            <a:avLst/>
+          </a:prstGeom>
+        </p:spPr>
+        <p:txBody>
+          <a:bodyPr vert="horz" lIns="91440" tIns="45720" rIns="91440" bIns="45720" rtlCol="0" anchor="t">
+            <a:normAutofit fontScale="92500" lnSpcReduction="20000"/>
+          </a:bodyPr>
+          <a:lstStyle>
+            <a:lvl1pPr algn="l" defTabSz="914400" rtl="0" eaLnBrk="1" latinLnBrk="0" hangingPunct="1">
+              <a:lnSpc>
+                <a:spcPct val="90000"/>
+              </a:lnSpc>
+              <a:spcBef>
+                <a:spcPct val="0"/>
+              </a:spcBef>
+              <a:buNone/>
+              <a:defRPr sz="4400" kern="1200">
+                <a:solidFill>
+                  <a:schemeClr val="tx1"/>
+                </a:solidFill>
+                <a:latin typeface="+mj-lt"/>
+                <a:ea typeface="+mj-ea"/>
+                <a:cs typeface="+mj-cs"/>
+              </a:defRPr>
+            </a:lvl1pPr>
+          </a:lstStyle>
+          <a:p>
+            <a:pPr marL="457200" indent="-457200">
+              <a:lnSpc>
+                <a:spcPct val="150000"/>
+              </a:lnSpc>
+              <a:buFont typeface="Arial" panose="020B0604020202020204" pitchFamily="34" charset="0"/>
+              <a:buChar char="•"/>
+            </a:pPr>
+            <a:r>
+              <a:rPr lang="en-US" sz="2800" dirty="0"/>
+              <a:t>Define operators as python methods</a:t>
+            </a:r>
+          </a:p>
+          <a:p>
+            <a:pPr marL="457200" indent="-457200">
+              <a:lnSpc>
+                <a:spcPct val="150000"/>
+              </a:lnSpc>
+              <a:buFont typeface="Arial" panose="020B0604020202020204" pitchFamily="34" charset="0"/>
+              <a:buChar char="•"/>
+            </a:pPr>
+            <a:r>
+              <a:rPr lang="en-US" sz="2800" dirty="0"/>
+              <a:t>Run across architectures</a:t>
+            </a:r>
+          </a:p>
+          <a:p>
+            <a:pPr marL="457200" indent="-457200">
+              <a:lnSpc>
+                <a:spcPct val="150000"/>
+              </a:lnSpc>
+              <a:buFont typeface="Arial" panose="020B0604020202020204" pitchFamily="34" charset="0"/>
+              <a:buChar char="•"/>
+            </a:pPr>
+            <a:r>
+              <a:rPr lang="en-US" sz="2800" dirty="0"/>
+              <a:t>Manage dependencies with custom container images</a:t>
+            </a:r>
+          </a:p>
+          <a:p>
+            <a:pPr marL="457200" indent="-457200">
+              <a:lnSpc>
+                <a:spcPct val="150000"/>
+              </a:lnSpc>
+              <a:buFont typeface="Arial" panose="020B0604020202020204" pitchFamily="34" charset="0"/>
+              <a:buChar char="•"/>
+            </a:pPr>
+            <a:r>
+              <a:rPr lang="en-US" sz="2800" dirty="0"/>
+              <a:t>Isolation in multi-tenant environments </a:t>
+            </a:r>
+          </a:p>
+        </p:txBody>
+      </p:sp>
+      <p:sp>
+        <p:nvSpPr>
+          <p:cNvPr id="11" name="Title 1">
+            <a:extLst>
+              <a:ext uri="{FF2B5EF4-FFF2-40B4-BE49-F238E27FC236}">
+                <a16:creationId xmlns:a16="http://schemas.microsoft.com/office/drawing/2014/main" id="{0A19F617-9F69-465B-8C34-BDA9438384AA}"/>
+              </a:ext>
+            </a:extLst>
+          </p:cNvPr>
+          <p:cNvSpPr txBox="1">
+            <a:spLocks/>
+          </p:cNvSpPr>
+          <p:nvPr/>
+        </p:nvSpPr>
+        <p:spPr>
+          <a:xfrm>
+            <a:off x="6555527" y="2589637"/>
+            <a:ext cx="4839572" cy="3720420"/>
+          </a:xfrm>
+          <a:prstGeom prst="rect">
+            <a:avLst/>
+          </a:prstGeom>
+        </p:spPr>
+        <p:txBody>
+          <a:bodyPr vert="horz" lIns="91440" tIns="45720" rIns="91440" bIns="45720" rtlCol="0" anchor="t">
+            <a:normAutofit/>
+          </a:bodyPr>
+          <a:lstStyle>
+            <a:lvl1pPr algn="l" defTabSz="914400" rtl="0" eaLnBrk="1" latinLnBrk="0" hangingPunct="1">
+              <a:lnSpc>
+                <a:spcPct val="90000"/>
+              </a:lnSpc>
+              <a:spcBef>
+                <a:spcPct val="0"/>
+              </a:spcBef>
+              <a:buNone/>
+              <a:defRPr sz="4400" kern="1200">
+                <a:solidFill>
+                  <a:schemeClr val="tx1"/>
+                </a:solidFill>
+                <a:latin typeface="+mj-lt"/>
+                <a:ea typeface="+mj-ea"/>
+                <a:cs typeface="+mj-cs"/>
+              </a:defRPr>
+            </a:lvl1pPr>
+          </a:lstStyle>
+          <a:p>
+            <a:pPr marL="457200" indent="-457200">
+              <a:lnSpc>
+                <a:spcPct val="150000"/>
+              </a:lnSpc>
+              <a:buFont typeface="Arial" panose="020B0604020202020204" pitchFamily="34" charset="0"/>
+              <a:buChar char="•"/>
+            </a:pPr>
+            <a:r>
+              <a:rPr lang="en-US" sz="2800" dirty="0"/>
+              <a:t>Nomad profiles your infrastructures and pipelines</a:t>
+            </a:r>
+          </a:p>
+          <a:p>
+            <a:pPr marL="457200" indent="-457200">
+              <a:lnSpc>
+                <a:spcPct val="150000"/>
+              </a:lnSpc>
+              <a:buFont typeface="Arial" panose="020B0604020202020204" pitchFamily="34" charset="0"/>
+              <a:buChar char="•"/>
+            </a:pPr>
+            <a:r>
+              <a:rPr lang="en-US" sz="2800" dirty="0"/>
+              <a:t>Optimizes the end-to-end latency of your pipeline</a:t>
+            </a:r>
+          </a:p>
+          <a:p>
+            <a:pPr marL="457200" indent="-457200">
+              <a:lnSpc>
+                <a:spcPct val="150000"/>
+              </a:lnSpc>
+              <a:buFont typeface="Arial" panose="020B0604020202020204" pitchFamily="34" charset="0"/>
+              <a:buChar char="•"/>
+            </a:pPr>
+            <a:r>
+              <a:rPr lang="en-US" sz="2800" dirty="0"/>
+              <a:t>Fault-tolerance coming soon!</a:t>
+            </a:r>
+          </a:p>
+          <a:p>
+            <a:pPr marL="457200" indent="-457200">
+              <a:lnSpc>
+                <a:spcPct val="150000"/>
+              </a:lnSpc>
+              <a:buFont typeface="Arial" panose="020B0604020202020204" pitchFamily="34" charset="0"/>
+              <a:buChar char="•"/>
+            </a:pPr>
+            <a:endParaRPr lang="en-US" sz="2800" dirty="0"/>
+          </a:p>
+          <a:p>
+            <a:pPr marL="457200" indent="-457200">
+              <a:lnSpc>
+                <a:spcPct val="150000"/>
+              </a:lnSpc>
+              <a:buFont typeface="Arial" panose="020B0604020202020204" pitchFamily="34" charset="0"/>
+              <a:buChar char="•"/>
+            </a:pPr>
+            <a:endParaRPr lang="en-US" sz="2800" dirty="0"/>
           </a:p>
         </p:txBody>
       </p:sp>
@@ -8270,6 +11037,1935 @@
 </file>
 
 <file path=ppt/slides/slide7.xml><?xml version="1.0" encoding="utf-8"?>
+<p:sld xmlns:a="http://schemas.openxmlformats.org/drawingml/2006/main" xmlns:r="http://schemas.openxmlformats.org/officeDocument/2006/relationships" xmlns:p="http://schemas.openxmlformats.org/presentationml/2006/main">
+  <p:cSld>
+    <p:spTree>
+      <p:nvGrpSpPr>
+        <p:cNvPr id="1" name=""/>
+        <p:cNvGrpSpPr/>
+        <p:nvPr/>
+      </p:nvGrpSpPr>
+      <p:grpSpPr>
+        <a:xfrm>
+          <a:off x="0" y="0"/>
+          <a:ext cx="0" cy="0"/>
+          <a:chOff x="0" y="0"/>
+          <a:chExt cx="0" cy="0"/>
+        </a:xfrm>
+      </p:grpSpPr>
+      <p:sp>
+        <p:nvSpPr>
+          <p:cNvPr id="2" name="Title 1">
+            <a:extLst>
+              <a:ext uri="{FF2B5EF4-FFF2-40B4-BE49-F238E27FC236}">
+                <a16:creationId xmlns:a16="http://schemas.microsoft.com/office/drawing/2014/main" id="{458EF2CD-DF73-4C86-BAC3-9CA6192C52E3}"/>
+              </a:ext>
+            </a:extLst>
+          </p:cNvPr>
+          <p:cNvSpPr>
+            <a:spLocks noGrp="1"/>
+          </p:cNvSpPr>
+          <p:nvPr>
+            <p:ph type="title"/>
+          </p:nvPr>
+        </p:nvSpPr>
+        <p:spPr>
+          <a:xfrm>
+            <a:off x="838200" y="211019"/>
+            <a:ext cx="10515600" cy="1325563"/>
+          </a:xfrm>
+        </p:spPr>
+        <p:txBody>
+          <a:bodyPr/>
+          <a:lstStyle/>
+          <a:p>
+            <a:r>
+              <a:rPr lang="en-US" dirty="0"/>
+              <a:t>Nomad Programming Model</a:t>
+            </a:r>
+          </a:p>
+        </p:txBody>
+      </p:sp>
+      <p:sp>
+        <p:nvSpPr>
+          <p:cNvPr id="4" name="Rectangle 1">
+            <a:extLst>
+              <a:ext uri="{FF2B5EF4-FFF2-40B4-BE49-F238E27FC236}">
+                <a16:creationId xmlns:a16="http://schemas.microsoft.com/office/drawing/2014/main" id="{C69C063C-B467-41A9-95F0-78FF4173121B}"/>
+              </a:ext>
+            </a:extLst>
+          </p:cNvPr>
+          <p:cNvSpPr>
+            <a:spLocks noChangeArrowheads="1"/>
+          </p:cNvSpPr>
+          <p:nvPr/>
+        </p:nvSpPr>
+        <p:spPr bwMode="auto">
+          <a:xfrm>
+            <a:off x="5875020" y="1407111"/>
+            <a:ext cx="6073140" cy="5262979"/>
+          </a:xfrm>
+          <a:prstGeom prst="rect">
+            <a:avLst/>
+          </a:prstGeom>
+          <a:solidFill>
+            <a:srgbClr val="2B2B2B"/>
+          </a:solidFill>
+          <a:ln>
+            <a:noFill/>
+          </a:ln>
+          <a:effectLst/>
+          <a:extLst>
+            <a:ext uri="{91240B29-F687-4F45-9708-019B960494DF}">
+              <a14:hiddenLine xmlns:a14="http://schemas.microsoft.com/office/drawing/2010/main" w="9525">
+                <a:solidFill>
+                  <a:schemeClr val="tx1"/>
+                </a:solidFill>
+                <a:miter lim="800000"/>
+                <a:headEnd/>
+                <a:tailEnd/>
+              </a14:hiddenLine>
+            </a:ext>
+            <a:ext uri="{AF507438-7753-43E0-B8FC-AC1667EBCBE1}">
+              <a14:hiddenEffects xmlns:a14="http://schemas.microsoft.com/office/drawing/2010/main">
+                <a:effectLst>
+                  <a:outerShdw dist="35921" dir="2700000" algn="ctr" rotWithShape="0">
+                    <a:schemeClr val="bg2"/>
+                  </a:outerShdw>
+                </a:effectLst>
+              </a14:hiddenEffects>
+            </a:ext>
+          </a:extLst>
+        </p:spPr>
+        <p:txBody>
+          <a:bodyPr vert="horz" wrap="square" lIns="91440" tIns="45720" rIns="91440" bIns="45720" numCol="1" anchor="ctr" anchorCtr="0" compatLnSpc="1">
+            <a:prstTxWarp prst="textNoShape">
+              <a:avLst/>
+            </a:prstTxWarp>
+            <a:spAutoFit/>
+          </a:bodyPr>
+          <a:lstStyle/>
+          <a:p>
+            <a:pPr lvl="0" eaLnBrk="0" fontAlgn="base" hangingPunct="0">
+              <a:spcBef>
+                <a:spcPct val="0"/>
+              </a:spcBef>
+              <a:spcAft>
+                <a:spcPct val="0"/>
+              </a:spcAft>
+            </a:pPr>
+            <a:r>
+              <a:rPr kumimoji="0" lang="en-US" altLang="en-US" sz="1400" b="0" i="0" u="none" strike="noStrike" cap="none" normalizeH="0" baseline="0" dirty="0">
+                <a:ln>
+                  <a:noFill/>
+                </a:ln>
+                <a:solidFill>
+                  <a:srgbClr val="CC7832"/>
+                </a:solidFill>
+                <a:effectLst/>
+                <a:latin typeface="Courier New" panose="02070309020205020404" pitchFamily="49" charset="0"/>
+                <a:cs typeface="Courier New" panose="02070309020205020404" pitchFamily="49" charset="0"/>
+              </a:rPr>
+              <a:t>import nomad</a:t>
+            </a:r>
+            <a:br>
+              <a:rPr kumimoji="0" lang="en-US" altLang="en-US" sz="1400" b="0" i="0" u="none" strike="noStrike" cap="none" normalizeH="0" baseline="0" dirty="0">
+                <a:ln>
+                  <a:noFill/>
+                </a:ln>
+                <a:solidFill>
+                  <a:srgbClr val="A9B7C6"/>
+                </a:solidFill>
+                <a:effectLst/>
+                <a:latin typeface="Courier New" panose="02070309020205020404" pitchFamily="49" charset="0"/>
+                <a:cs typeface="Courier New" panose="02070309020205020404" pitchFamily="49" charset="0"/>
+              </a:rPr>
+            </a:br>
+            <a:br>
+              <a:rPr kumimoji="0" lang="en-US" altLang="en-US" sz="1400" b="0" i="0" u="none" strike="noStrike" cap="none" normalizeH="0" baseline="0" dirty="0">
+                <a:ln>
+                  <a:noFill/>
+                </a:ln>
+                <a:solidFill>
+                  <a:srgbClr val="A9B7C6"/>
+                </a:solidFill>
+                <a:effectLst/>
+                <a:latin typeface="Courier New" panose="02070309020205020404" pitchFamily="49" charset="0"/>
+                <a:cs typeface="Courier New" panose="02070309020205020404" pitchFamily="49" charset="0"/>
+              </a:rPr>
+            </a:br>
+            <a:r>
+              <a:rPr kumimoji="0" lang="en-US" altLang="en-US" sz="1400" b="0" i="0" u="none" strike="noStrike" cap="none" normalizeH="0" baseline="0" dirty="0">
+                <a:ln>
+                  <a:noFill/>
+                </a:ln>
+                <a:solidFill>
+                  <a:srgbClr val="CC7832"/>
+                </a:solidFill>
+                <a:effectLst/>
+                <a:latin typeface="Courier New" panose="02070309020205020404" pitchFamily="49" charset="0"/>
+                <a:cs typeface="Courier New" panose="02070309020205020404" pitchFamily="49" charset="0"/>
+              </a:rPr>
+              <a:t>def </a:t>
+            </a:r>
+            <a:r>
+              <a:rPr kumimoji="0" lang="en-US" altLang="en-US" sz="1400" b="0" i="0" u="none" strike="noStrike" cap="none" normalizeH="0" baseline="0" dirty="0" err="1">
+                <a:ln>
+                  <a:noFill/>
+                </a:ln>
+                <a:solidFill>
+                  <a:srgbClr val="FFC66D"/>
+                </a:solidFill>
+                <a:effectLst/>
+                <a:latin typeface="Courier New" panose="02070309020205020404" pitchFamily="49" charset="0"/>
+                <a:cs typeface="Courier New" panose="02070309020205020404" pitchFamily="49" charset="0"/>
+              </a:rPr>
+              <a:t>read_sensor</a:t>
+            </a:r>
+            <a:r>
+              <a:rPr kumimoji="0" lang="en-US" altLang="en-US" sz="1400" b="0" i="0" u="none" strike="noStrike" cap="none" normalizeH="0" baseline="0" dirty="0">
+                <a:ln>
+                  <a:noFill/>
+                </a:ln>
+                <a:solidFill>
+                  <a:srgbClr val="A9B7C6"/>
+                </a:solidFill>
+                <a:effectLst/>
+                <a:latin typeface="Courier New" panose="02070309020205020404" pitchFamily="49" charset="0"/>
+                <a:cs typeface="Courier New" panose="02070309020205020404" pitchFamily="49" charset="0"/>
+              </a:rPr>
+              <a:t>():</a:t>
+            </a:r>
+            <a:br>
+              <a:rPr kumimoji="0" lang="en-US" altLang="en-US" sz="1400" b="0" i="0" u="none" strike="noStrike" cap="none" normalizeH="0" baseline="0" dirty="0">
+                <a:ln>
+                  <a:noFill/>
+                </a:ln>
+                <a:solidFill>
+                  <a:srgbClr val="A9B7C6"/>
+                </a:solidFill>
+                <a:effectLst/>
+                <a:latin typeface="Courier New" panose="02070309020205020404" pitchFamily="49" charset="0"/>
+                <a:cs typeface="Courier New" panose="02070309020205020404" pitchFamily="49" charset="0"/>
+              </a:rPr>
+            </a:br>
+            <a:r>
+              <a:rPr kumimoji="0" lang="en-US" altLang="en-US" sz="1400" b="0" i="0" u="none" strike="noStrike" cap="none" normalizeH="0" baseline="0" dirty="0">
+                <a:ln>
+                  <a:noFill/>
+                </a:ln>
+                <a:solidFill>
+                  <a:srgbClr val="A9B7C6"/>
+                </a:solidFill>
+                <a:effectLst/>
+                <a:latin typeface="Courier New" panose="02070309020205020404" pitchFamily="49" charset="0"/>
+                <a:cs typeface="Courier New" panose="02070309020205020404" pitchFamily="49" charset="0"/>
+              </a:rPr>
+              <a:t>    </a:t>
+            </a:r>
+            <a:r>
+              <a:rPr kumimoji="0" lang="en-US" altLang="en-US" sz="1400" b="0" i="0" u="none" strike="noStrike" cap="none" normalizeH="0" baseline="0" dirty="0">
+                <a:ln>
+                  <a:noFill/>
+                </a:ln>
+                <a:solidFill>
+                  <a:srgbClr val="CC7832"/>
+                </a:solidFill>
+                <a:effectLst/>
+                <a:latin typeface="Courier New" panose="02070309020205020404" pitchFamily="49" charset="0"/>
+                <a:cs typeface="Courier New" panose="02070309020205020404" pitchFamily="49" charset="0"/>
+              </a:rPr>
+              <a:t>import </a:t>
+            </a:r>
+            <a:r>
+              <a:rPr kumimoji="0" lang="en-US" altLang="en-US" sz="1400" b="0" i="0" u="none" strike="noStrike" cap="none" normalizeH="0" baseline="0" dirty="0">
+                <a:ln>
+                  <a:noFill/>
+                </a:ln>
+                <a:solidFill>
+                  <a:srgbClr val="A9B7C6"/>
+                </a:solidFill>
+                <a:effectLst/>
+                <a:latin typeface="Courier New" panose="02070309020205020404" pitchFamily="49" charset="0"/>
+                <a:cs typeface="Courier New" panose="02070309020205020404" pitchFamily="49" charset="0"/>
+              </a:rPr>
+              <a:t>random</a:t>
+            </a:r>
+            <a:br>
+              <a:rPr kumimoji="0" lang="en-US" altLang="en-US" sz="1400" b="0" i="0" u="none" strike="noStrike" cap="none" normalizeH="0" baseline="0" dirty="0">
+                <a:ln>
+                  <a:noFill/>
+                </a:ln>
+                <a:solidFill>
+                  <a:srgbClr val="A9B7C6"/>
+                </a:solidFill>
+                <a:effectLst/>
+                <a:latin typeface="Courier New" panose="02070309020205020404" pitchFamily="49" charset="0"/>
+                <a:cs typeface="Courier New" panose="02070309020205020404" pitchFamily="49" charset="0"/>
+              </a:rPr>
+            </a:br>
+            <a:r>
+              <a:rPr kumimoji="0" lang="en-US" altLang="en-US" sz="1400" b="0" i="0" u="none" strike="noStrike" cap="none" normalizeH="0" baseline="0" dirty="0">
+                <a:ln>
+                  <a:noFill/>
+                </a:ln>
+                <a:solidFill>
+                  <a:srgbClr val="A9B7C6"/>
+                </a:solidFill>
+                <a:effectLst/>
+                <a:latin typeface="Courier New" panose="02070309020205020404" pitchFamily="49" charset="0"/>
+                <a:cs typeface="Courier New" panose="02070309020205020404" pitchFamily="49" charset="0"/>
+              </a:rPr>
+              <a:t>    </a:t>
+            </a:r>
+            <a:r>
+              <a:rPr kumimoji="0" lang="en-US" altLang="en-US" sz="1400" b="0" i="0" u="none" strike="noStrike" cap="none" normalizeH="0" baseline="0" dirty="0">
+                <a:ln>
+                  <a:noFill/>
+                </a:ln>
+                <a:solidFill>
+                  <a:srgbClr val="CC7832"/>
+                </a:solidFill>
+                <a:effectLst/>
+                <a:latin typeface="Courier New" panose="02070309020205020404" pitchFamily="49" charset="0"/>
+                <a:cs typeface="Courier New" panose="02070309020205020404" pitchFamily="49" charset="0"/>
+              </a:rPr>
+              <a:t>return </a:t>
+            </a:r>
+            <a:r>
+              <a:rPr kumimoji="0" lang="en-US" altLang="en-US" sz="1400" b="0" i="0" u="none" strike="noStrike" cap="none" normalizeH="0" baseline="0" dirty="0" err="1">
+                <a:ln>
+                  <a:noFill/>
+                </a:ln>
+                <a:solidFill>
+                  <a:srgbClr val="A9B7C6"/>
+                </a:solidFill>
+                <a:effectLst/>
+                <a:latin typeface="Courier New" panose="02070309020205020404" pitchFamily="49" charset="0"/>
+                <a:cs typeface="Courier New" panose="02070309020205020404" pitchFamily="49" charset="0"/>
+              </a:rPr>
+              <a:t>random.get_image</a:t>
+            </a:r>
+            <a:r>
+              <a:rPr kumimoji="0" lang="en-US" altLang="en-US" sz="1400" b="0" i="0" u="none" strike="noStrike" cap="none" normalizeH="0" baseline="0" dirty="0">
+                <a:ln>
+                  <a:noFill/>
+                </a:ln>
+                <a:solidFill>
+                  <a:srgbClr val="A9B7C6"/>
+                </a:solidFill>
+                <a:effectLst/>
+                <a:latin typeface="Courier New" panose="02070309020205020404" pitchFamily="49" charset="0"/>
+                <a:cs typeface="Courier New" panose="02070309020205020404" pitchFamily="49" charset="0"/>
+              </a:rPr>
+              <a:t>()</a:t>
+            </a:r>
+            <a:br>
+              <a:rPr kumimoji="0" lang="en-US" altLang="en-US" sz="1400" b="0" i="0" u="none" strike="noStrike" cap="none" normalizeH="0" baseline="0" dirty="0">
+                <a:ln>
+                  <a:noFill/>
+                </a:ln>
+                <a:solidFill>
+                  <a:srgbClr val="A9B7C6"/>
+                </a:solidFill>
+                <a:effectLst/>
+                <a:latin typeface="Courier New" panose="02070309020205020404" pitchFamily="49" charset="0"/>
+                <a:cs typeface="Courier New" panose="02070309020205020404" pitchFamily="49" charset="0"/>
+              </a:rPr>
+            </a:br>
+            <a:br>
+              <a:rPr kumimoji="0" lang="en-US" altLang="en-US" sz="1400" b="0" i="0" u="none" strike="noStrike" cap="none" normalizeH="0" baseline="0" dirty="0">
+                <a:ln>
+                  <a:noFill/>
+                </a:ln>
+                <a:solidFill>
+                  <a:srgbClr val="A9B7C6"/>
+                </a:solidFill>
+                <a:effectLst/>
+                <a:latin typeface="Courier New" panose="02070309020205020404" pitchFamily="49" charset="0"/>
+                <a:cs typeface="Courier New" panose="02070309020205020404" pitchFamily="49" charset="0"/>
+              </a:rPr>
+            </a:br>
+            <a:r>
+              <a:rPr kumimoji="0" lang="en-US" altLang="en-US" sz="1400" b="0" i="0" u="none" strike="noStrike" cap="none" normalizeH="0" baseline="0" dirty="0">
+                <a:ln>
+                  <a:noFill/>
+                </a:ln>
+                <a:solidFill>
+                  <a:srgbClr val="CC7832"/>
+                </a:solidFill>
+                <a:effectLst/>
+                <a:latin typeface="Courier New" panose="02070309020205020404" pitchFamily="49" charset="0"/>
+                <a:cs typeface="Courier New" panose="02070309020205020404" pitchFamily="49" charset="0"/>
+              </a:rPr>
+              <a:t>def </a:t>
+            </a:r>
+            <a:r>
+              <a:rPr kumimoji="0" lang="en-US" altLang="en-US" sz="1400" b="0" i="0" u="none" strike="noStrike" cap="none" normalizeH="0" baseline="0" dirty="0">
+                <a:ln>
+                  <a:noFill/>
+                </a:ln>
+                <a:solidFill>
+                  <a:srgbClr val="FFC66D"/>
+                </a:solidFill>
+                <a:effectLst/>
+                <a:latin typeface="Courier New" panose="02070309020205020404" pitchFamily="49" charset="0"/>
+                <a:cs typeface="Courier New" panose="02070309020205020404" pitchFamily="49" charset="0"/>
+              </a:rPr>
+              <a:t>preprocess</a:t>
+            </a:r>
+            <a:r>
+              <a:rPr kumimoji="0" lang="en-US" altLang="en-US" sz="1400" b="0" i="0" u="none" strike="noStrike" cap="none" normalizeH="0" baseline="0" dirty="0">
+                <a:ln>
+                  <a:noFill/>
+                </a:ln>
+                <a:solidFill>
+                  <a:srgbClr val="A9B7C6"/>
+                </a:solidFill>
+                <a:effectLst/>
+                <a:latin typeface="Courier New" panose="02070309020205020404" pitchFamily="49" charset="0"/>
+                <a:cs typeface="Courier New" panose="02070309020205020404" pitchFamily="49" charset="0"/>
+              </a:rPr>
+              <a:t>(x):</a:t>
+            </a:r>
+            <a:br>
+              <a:rPr kumimoji="0" lang="en-US" altLang="en-US" sz="1400" b="0" i="0" u="none" strike="noStrike" cap="none" normalizeH="0" baseline="0" dirty="0">
+                <a:ln>
+                  <a:noFill/>
+                </a:ln>
+                <a:solidFill>
+                  <a:srgbClr val="A9B7C6"/>
+                </a:solidFill>
+                <a:effectLst/>
+                <a:latin typeface="Courier New" panose="02070309020205020404" pitchFamily="49" charset="0"/>
+                <a:cs typeface="Courier New" panose="02070309020205020404" pitchFamily="49" charset="0"/>
+              </a:rPr>
+            </a:br>
+            <a:r>
+              <a:rPr kumimoji="0" lang="en-US" altLang="en-US" sz="1400" b="0" i="0" u="none" strike="noStrike" cap="none" normalizeH="0" baseline="0" dirty="0">
+                <a:ln>
+                  <a:noFill/>
+                </a:ln>
+                <a:solidFill>
+                  <a:srgbClr val="A9B7C6"/>
+                </a:solidFill>
+                <a:effectLst/>
+                <a:latin typeface="Courier New" panose="02070309020205020404" pitchFamily="49" charset="0"/>
+                <a:cs typeface="Courier New" panose="02070309020205020404" pitchFamily="49" charset="0"/>
+              </a:rPr>
+              <a:t>    </a:t>
+            </a:r>
+            <a:r>
+              <a:rPr kumimoji="0" lang="en-US" altLang="en-US" sz="1400" b="0" i="0" u="none" strike="noStrike" cap="none" normalizeH="0" baseline="0" dirty="0">
+                <a:ln>
+                  <a:noFill/>
+                </a:ln>
+                <a:solidFill>
+                  <a:srgbClr val="CC7832"/>
+                </a:solidFill>
+                <a:effectLst/>
+                <a:latin typeface="Courier New" panose="02070309020205020404" pitchFamily="49" charset="0"/>
+                <a:cs typeface="Courier New" panose="02070309020205020404" pitchFamily="49" charset="0"/>
+              </a:rPr>
+              <a:t>import </a:t>
+            </a:r>
+            <a:r>
+              <a:rPr kumimoji="0" lang="en-US" altLang="en-US" sz="1400" b="0" i="0" u="none" strike="noStrike" cap="none" normalizeH="0" baseline="0" dirty="0">
+                <a:ln>
+                  <a:noFill/>
+                </a:ln>
+                <a:solidFill>
+                  <a:srgbClr val="A9B7C6"/>
+                </a:solidFill>
+                <a:effectLst/>
+                <a:latin typeface="Courier New" panose="02070309020205020404" pitchFamily="49" charset="0"/>
+                <a:cs typeface="Courier New" panose="02070309020205020404" pitchFamily="49" charset="0"/>
+              </a:rPr>
+              <a:t>cv2</a:t>
+            </a:r>
+            <a:br>
+              <a:rPr kumimoji="0" lang="en-US" altLang="en-US" sz="1400" b="0" i="0" u="none" strike="noStrike" cap="none" normalizeH="0" baseline="0" dirty="0">
+                <a:ln>
+                  <a:noFill/>
+                </a:ln>
+                <a:solidFill>
+                  <a:srgbClr val="A9B7C6"/>
+                </a:solidFill>
+                <a:effectLst/>
+                <a:latin typeface="Courier New" panose="02070309020205020404" pitchFamily="49" charset="0"/>
+                <a:cs typeface="Courier New" panose="02070309020205020404" pitchFamily="49" charset="0"/>
+              </a:rPr>
+            </a:br>
+            <a:r>
+              <a:rPr kumimoji="0" lang="en-US" altLang="en-US" sz="1400" b="0" i="0" u="none" strike="noStrike" cap="none" normalizeH="0" baseline="0" dirty="0">
+                <a:ln>
+                  <a:noFill/>
+                </a:ln>
+                <a:solidFill>
+                  <a:srgbClr val="A9B7C6"/>
+                </a:solidFill>
+                <a:effectLst/>
+                <a:latin typeface="Courier New" panose="02070309020205020404" pitchFamily="49" charset="0"/>
+                <a:cs typeface="Courier New" panose="02070309020205020404" pitchFamily="49" charset="0"/>
+              </a:rPr>
+              <a:t>    </a:t>
+            </a:r>
+            <a:r>
+              <a:rPr kumimoji="0" lang="en-US" altLang="en-US" sz="1400" b="0" i="0" u="none" strike="noStrike" cap="none" normalizeH="0" baseline="0" dirty="0" err="1">
+                <a:ln>
+                  <a:noFill/>
+                </a:ln>
+                <a:solidFill>
+                  <a:srgbClr val="A9B7C6"/>
+                </a:solidFill>
+                <a:effectLst/>
+                <a:latin typeface="Courier New" panose="02070309020205020404" pitchFamily="49" charset="0"/>
+                <a:cs typeface="Courier New" panose="02070309020205020404" pitchFamily="49" charset="0"/>
+              </a:rPr>
+              <a:t>new_image</a:t>
+            </a:r>
+            <a:r>
+              <a:rPr kumimoji="0" lang="en-US" altLang="en-US" sz="1400" b="0" i="0" u="none" strike="noStrike" cap="none" normalizeH="0" baseline="0" dirty="0">
+                <a:ln>
+                  <a:noFill/>
+                </a:ln>
+                <a:solidFill>
+                  <a:srgbClr val="A9B7C6"/>
+                </a:solidFill>
+                <a:effectLst/>
+                <a:latin typeface="Courier New" panose="02070309020205020404" pitchFamily="49" charset="0"/>
+                <a:cs typeface="Courier New" panose="02070309020205020404" pitchFamily="49" charset="0"/>
+              </a:rPr>
+              <a:t> = cv2.resize(x)</a:t>
+            </a:r>
+            <a:br>
+              <a:rPr kumimoji="0" lang="en-US" altLang="en-US" sz="1400" b="0" i="0" u="none" strike="noStrike" cap="none" normalizeH="0" baseline="0" dirty="0">
+                <a:ln>
+                  <a:noFill/>
+                </a:ln>
+                <a:solidFill>
+                  <a:srgbClr val="A9B7C6"/>
+                </a:solidFill>
+                <a:effectLst/>
+                <a:latin typeface="Courier New" panose="02070309020205020404" pitchFamily="49" charset="0"/>
+                <a:cs typeface="Courier New" panose="02070309020205020404" pitchFamily="49" charset="0"/>
+              </a:rPr>
+            </a:br>
+            <a:r>
+              <a:rPr kumimoji="0" lang="en-US" altLang="en-US" sz="1400" b="0" i="0" u="none" strike="noStrike" cap="none" normalizeH="0" baseline="0" dirty="0">
+                <a:ln>
+                  <a:noFill/>
+                </a:ln>
+                <a:solidFill>
+                  <a:srgbClr val="A9B7C6"/>
+                </a:solidFill>
+                <a:effectLst/>
+                <a:latin typeface="Courier New" panose="02070309020205020404" pitchFamily="49" charset="0"/>
+                <a:cs typeface="Courier New" panose="02070309020205020404" pitchFamily="49" charset="0"/>
+              </a:rPr>
+              <a:t>    </a:t>
+            </a:r>
+            <a:r>
+              <a:rPr kumimoji="0" lang="en-US" altLang="en-US" sz="1400" b="0" i="0" u="none" strike="noStrike" cap="none" normalizeH="0" baseline="0" dirty="0">
+                <a:ln>
+                  <a:noFill/>
+                </a:ln>
+                <a:solidFill>
+                  <a:srgbClr val="CC7832"/>
+                </a:solidFill>
+                <a:effectLst/>
+                <a:latin typeface="Courier New" panose="02070309020205020404" pitchFamily="49" charset="0"/>
+                <a:cs typeface="Courier New" panose="02070309020205020404" pitchFamily="49" charset="0"/>
+              </a:rPr>
+              <a:t>return </a:t>
+            </a:r>
+            <a:r>
+              <a:rPr kumimoji="0" lang="en-US" altLang="en-US" sz="1400" b="0" i="0" u="none" strike="noStrike" cap="none" normalizeH="0" baseline="0" dirty="0" err="1">
+                <a:ln>
+                  <a:noFill/>
+                </a:ln>
+                <a:solidFill>
+                  <a:srgbClr val="A9B7C6"/>
+                </a:solidFill>
+                <a:effectLst/>
+                <a:latin typeface="Courier New" panose="02070309020205020404" pitchFamily="49" charset="0"/>
+                <a:cs typeface="Courier New" panose="02070309020205020404" pitchFamily="49" charset="0"/>
+              </a:rPr>
+              <a:t>new_image</a:t>
+            </a:r>
+            <a:br>
+              <a:rPr kumimoji="0" lang="en-US" altLang="en-US" sz="1400" b="0" i="0" u="none" strike="noStrike" cap="none" normalizeH="0" baseline="0" dirty="0">
+                <a:ln>
+                  <a:noFill/>
+                </a:ln>
+                <a:solidFill>
+                  <a:srgbClr val="A9B7C6"/>
+                </a:solidFill>
+                <a:effectLst/>
+                <a:latin typeface="Courier New" panose="02070309020205020404" pitchFamily="49" charset="0"/>
+                <a:cs typeface="Courier New" panose="02070309020205020404" pitchFamily="49" charset="0"/>
+              </a:rPr>
+            </a:br>
+            <a:br>
+              <a:rPr kumimoji="0" lang="en-US" altLang="en-US" sz="1400" b="0" i="0" u="none" strike="noStrike" cap="none" normalizeH="0" baseline="0" dirty="0">
+                <a:ln>
+                  <a:noFill/>
+                </a:ln>
+                <a:solidFill>
+                  <a:srgbClr val="A9B7C6"/>
+                </a:solidFill>
+                <a:effectLst/>
+                <a:latin typeface="Courier New" panose="02070309020205020404" pitchFamily="49" charset="0"/>
+                <a:cs typeface="Courier New" panose="02070309020205020404" pitchFamily="49" charset="0"/>
+              </a:rPr>
+            </a:br>
+            <a:r>
+              <a:rPr kumimoji="0" lang="en-US" altLang="en-US" sz="1400" b="0" i="0" u="none" strike="noStrike" cap="none" normalizeH="0" baseline="0" dirty="0">
+                <a:ln>
+                  <a:noFill/>
+                </a:ln>
+                <a:solidFill>
+                  <a:srgbClr val="CC7832"/>
+                </a:solidFill>
+                <a:effectLst/>
+                <a:latin typeface="Courier New" panose="02070309020205020404" pitchFamily="49" charset="0"/>
+                <a:cs typeface="Courier New" panose="02070309020205020404" pitchFamily="49" charset="0"/>
+              </a:rPr>
+              <a:t>def </a:t>
+            </a:r>
+            <a:r>
+              <a:rPr kumimoji="0" lang="en-US" altLang="en-US" sz="1400" b="0" i="0" u="none" strike="noStrike" cap="none" normalizeH="0" baseline="0" dirty="0" err="1">
+                <a:ln>
+                  <a:noFill/>
+                </a:ln>
+                <a:solidFill>
+                  <a:srgbClr val="FFC66D"/>
+                </a:solidFill>
+                <a:effectLst/>
+                <a:latin typeface="Courier New" panose="02070309020205020404" pitchFamily="49" charset="0"/>
+                <a:cs typeface="Courier New" panose="02070309020205020404" pitchFamily="49" charset="0"/>
+              </a:rPr>
+              <a:t>run_nnet</a:t>
+            </a:r>
+            <a:r>
+              <a:rPr kumimoji="0" lang="en-US" altLang="en-US" sz="1400" b="0" i="0" u="none" strike="noStrike" cap="none" normalizeH="0" baseline="0" dirty="0">
+                <a:ln>
+                  <a:noFill/>
+                </a:ln>
+                <a:solidFill>
+                  <a:srgbClr val="A9B7C6"/>
+                </a:solidFill>
+                <a:effectLst/>
+                <a:latin typeface="Courier New" panose="02070309020205020404" pitchFamily="49" charset="0"/>
+                <a:cs typeface="Courier New" panose="02070309020205020404" pitchFamily="49" charset="0"/>
+              </a:rPr>
+              <a:t>(x):</a:t>
+            </a:r>
+            <a:br>
+              <a:rPr kumimoji="0" lang="en-US" altLang="en-US" sz="1400" b="0" i="0" u="none" strike="noStrike" cap="none" normalizeH="0" baseline="0" dirty="0">
+                <a:ln>
+                  <a:noFill/>
+                </a:ln>
+                <a:solidFill>
+                  <a:srgbClr val="A9B7C6"/>
+                </a:solidFill>
+                <a:effectLst/>
+                <a:latin typeface="Courier New" panose="02070309020205020404" pitchFamily="49" charset="0"/>
+                <a:cs typeface="Courier New" panose="02070309020205020404" pitchFamily="49" charset="0"/>
+              </a:rPr>
+            </a:br>
+            <a:r>
+              <a:rPr kumimoji="0" lang="en-US" altLang="en-US" sz="1400" b="0" i="0" u="none" strike="noStrike" cap="none" normalizeH="0" baseline="0" dirty="0">
+                <a:ln>
+                  <a:noFill/>
+                </a:ln>
+                <a:solidFill>
+                  <a:srgbClr val="A9B7C6"/>
+                </a:solidFill>
+                <a:effectLst/>
+                <a:latin typeface="Courier New" panose="02070309020205020404" pitchFamily="49" charset="0"/>
+                <a:cs typeface="Courier New" panose="02070309020205020404" pitchFamily="49" charset="0"/>
+              </a:rPr>
+              <a:t>    </a:t>
+            </a:r>
+            <a:r>
+              <a:rPr kumimoji="0" lang="en-US" altLang="en-US" sz="1400" b="0" i="0" u="none" strike="noStrike" cap="none" normalizeH="0" baseline="0" dirty="0">
+                <a:ln>
+                  <a:noFill/>
+                </a:ln>
+                <a:solidFill>
+                  <a:srgbClr val="CC7832"/>
+                </a:solidFill>
+                <a:effectLst/>
+                <a:latin typeface="Courier New" panose="02070309020205020404" pitchFamily="49" charset="0"/>
+                <a:cs typeface="Courier New" panose="02070309020205020404" pitchFamily="49" charset="0"/>
+              </a:rPr>
+              <a:t>import </a:t>
+            </a:r>
+            <a:r>
+              <a:rPr kumimoji="0" lang="en-US" altLang="en-US" sz="1400" b="0" i="0" u="none" strike="noStrike" cap="none" normalizeH="0" baseline="0" dirty="0" err="1">
+                <a:ln>
+                  <a:noFill/>
+                </a:ln>
+                <a:solidFill>
+                  <a:srgbClr val="A9B7C6"/>
+                </a:solidFill>
+                <a:effectLst/>
+                <a:latin typeface="Courier New" panose="02070309020205020404" pitchFamily="49" charset="0"/>
+                <a:cs typeface="Courier New" panose="02070309020205020404" pitchFamily="49" charset="0"/>
+              </a:rPr>
+              <a:t>nnet_model</a:t>
+            </a:r>
+            <a:br>
+              <a:rPr kumimoji="0" lang="en-US" altLang="en-US" sz="1400" b="0" i="0" u="none" strike="noStrike" cap="none" normalizeH="0" baseline="0" dirty="0">
+                <a:ln>
+                  <a:noFill/>
+                </a:ln>
+                <a:solidFill>
+                  <a:srgbClr val="A9B7C6"/>
+                </a:solidFill>
+                <a:effectLst/>
+                <a:latin typeface="Courier New" panose="02070309020205020404" pitchFamily="49" charset="0"/>
+                <a:cs typeface="Courier New" panose="02070309020205020404" pitchFamily="49" charset="0"/>
+              </a:rPr>
+            </a:br>
+            <a:r>
+              <a:rPr kumimoji="0" lang="en-US" altLang="en-US" sz="1400" b="0" i="0" u="none" strike="noStrike" cap="none" normalizeH="0" baseline="0" dirty="0">
+                <a:ln>
+                  <a:noFill/>
+                </a:ln>
+                <a:solidFill>
+                  <a:srgbClr val="A9B7C6"/>
+                </a:solidFill>
+                <a:effectLst/>
+                <a:latin typeface="Courier New" panose="02070309020205020404" pitchFamily="49" charset="0"/>
+                <a:cs typeface="Courier New" panose="02070309020205020404" pitchFamily="49" charset="0"/>
+              </a:rPr>
+              <a:t>    </a:t>
+            </a:r>
+            <a:r>
+              <a:rPr kumimoji="0" lang="en-US" altLang="en-US" sz="1400" b="0" i="0" u="none" strike="noStrike" cap="none" normalizeH="0" baseline="0" dirty="0" err="1">
+                <a:ln>
+                  <a:noFill/>
+                </a:ln>
+                <a:solidFill>
+                  <a:srgbClr val="A9B7C6"/>
+                </a:solidFill>
+                <a:effectLst/>
+                <a:latin typeface="Courier New" panose="02070309020205020404" pitchFamily="49" charset="0"/>
+                <a:cs typeface="Courier New" panose="02070309020205020404" pitchFamily="49" charset="0"/>
+              </a:rPr>
+              <a:t>nnet_model.run</a:t>
+            </a:r>
+            <a:r>
+              <a:rPr kumimoji="0" lang="en-US" altLang="en-US" sz="1400" b="0" i="0" u="none" strike="noStrike" cap="none" normalizeH="0" baseline="0" dirty="0">
+                <a:ln>
+                  <a:noFill/>
+                </a:ln>
+                <a:solidFill>
+                  <a:srgbClr val="A9B7C6"/>
+                </a:solidFill>
+                <a:effectLst/>
+                <a:latin typeface="Courier New" panose="02070309020205020404" pitchFamily="49" charset="0"/>
+                <a:cs typeface="Courier New" panose="02070309020205020404" pitchFamily="49" charset="0"/>
+              </a:rPr>
+              <a:t>(x)</a:t>
+            </a:r>
+            <a:br>
+              <a:rPr kumimoji="0" lang="en-US" altLang="en-US" sz="1400" b="0" i="0" u="none" strike="noStrike" cap="none" normalizeH="0" baseline="0" dirty="0">
+                <a:ln>
+                  <a:noFill/>
+                </a:ln>
+                <a:solidFill>
+                  <a:srgbClr val="A9B7C6"/>
+                </a:solidFill>
+                <a:effectLst/>
+                <a:latin typeface="Courier New" panose="02070309020205020404" pitchFamily="49" charset="0"/>
+                <a:cs typeface="Courier New" panose="02070309020205020404" pitchFamily="49" charset="0"/>
+              </a:rPr>
+            </a:br>
+            <a:br>
+              <a:rPr kumimoji="0" lang="en-US" altLang="en-US" sz="1400" b="0" i="0" u="none" strike="noStrike" cap="none" normalizeH="0" baseline="0" dirty="0">
+                <a:ln>
+                  <a:noFill/>
+                </a:ln>
+                <a:solidFill>
+                  <a:srgbClr val="A9B7C6"/>
+                </a:solidFill>
+                <a:effectLst/>
+                <a:latin typeface="Courier New" panose="02070309020205020404" pitchFamily="49" charset="0"/>
+                <a:cs typeface="Courier New" panose="02070309020205020404" pitchFamily="49" charset="0"/>
+              </a:rPr>
+            </a:br>
+            <a:r>
+              <a:rPr kumimoji="0" lang="en-US" altLang="en-US" sz="1400" b="0" i="0" u="none" strike="noStrike" cap="none" normalizeH="0" baseline="0" dirty="0">
+                <a:ln>
+                  <a:noFill/>
+                </a:ln>
+                <a:solidFill>
+                  <a:srgbClr val="CC7832"/>
+                </a:solidFill>
+                <a:effectLst/>
+                <a:latin typeface="Courier New" panose="02070309020205020404" pitchFamily="49" charset="0"/>
+                <a:cs typeface="Courier New" panose="02070309020205020404" pitchFamily="49" charset="0"/>
+              </a:rPr>
+              <a:t>def </a:t>
+            </a:r>
+            <a:r>
+              <a:rPr kumimoji="0" lang="en-US" altLang="en-US" sz="1400" b="0" i="0" u="none" strike="noStrike" cap="none" normalizeH="0" baseline="0" dirty="0" err="1">
+                <a:ln>
+                  <a:noFill/>
+                </a:ln>
+                <a:solidFill>
+                  <a:srgbClr val="FFC66D"/>
+                </a:solidFill>
+                <a:effectLst/>
+                <a:latin typeface="Courier New" panose="02070309020205020404" pitchFamily="49" charset="0"/>
+                <a:cs typeface="Courier New" panose="02070309020205020404" pitchFamily="49" charset="0"/>
+              </a:rPr>
+              <a:t>write_result</a:t>
+            </a:r>
+            <a:r>
+              <a:rPr kumimoji="0" lang="en-US" altLang="en-US" sz="1400" b="0" i="0" u="none" strike="noStrike" cap="none" normalizeH="0" baseline="0" dirty="0">
+                <a:ln>
+                  <a:noFill/>
+                </a:ln>
+                <a:solidFill>
+                  <a:srgbClr val="A9B7C6"/>
+                </a:solidFill>
+                <a:effectLst/>
+                <a:latin typeface="Courier New" panose="02070309020205020404" pitchFamily="49" charset="0"/>
+                <a:cs typeface="Courier New" panose="02070309020205020404" pitchFamily="49" charset="0"/>
+              </a:rPr>
+              <a:t>(x):</a:t>
+            </a:r>
+            <a:br>
+              <a:rPr kumimoji="0" lang="en-US" altLang="en-US" sz="1400" b="0" i="0" u="none" strike="noStrike" cap="none" normalizeH="0" baseline="0" dirty="0">
+                <a:ln>
+                  <a:noFill/>
+                </a:ln>
+                <a:solidFill>
+                  <a:srgbClr val="A9B7C6"/>
+                </a:solidFill>
+                <a:effectLst/>
+                <a:latin typeface="Courier New" panose="02070309020205020404" pitchFamily="49" charset="0"/>
+                <a:cs typeface="Courier New" panose="02070309020205020404" pitchFamily="49" charset="0"/>
+              </a:rPr>
+            </a:br>
+            <a:r>
+              <a:rPr kumimoji="0" lang="en-US" altLang="en-US" sz="1400" b="0" i="0" u="none" strike="noStrike" cap="none" normalizeH="0" baseline="0" dirty="0">
+                <a:ln>
+                  <a:noFill/>
+                </a:ln>
+                <a:solidFill>
+                  <a:srgbClr val="A9B7C6"/>
+                </a:solidFill>
+                <a:effectLst/>
+                <a:latin typeface="Courier New" panose="02070309020205020404" pitchFamily="49" charset="0"/>
+                <a:cs typeface="Courier New" panose="02070309020205020404" pitchFamily="49" charset="0"/>
+              </a:rPr>
+              <a:t>    </a:t>
+            </a:r>
+            <a:r>
+              <a:rPr kumimoji="0" lang="en-US" altLang="en-US" sz="1400" b="0" i="0" u="none" strike="noStrike" cap="none" normalizeH="0" baseline="0" dirty="0">
+                <a:ln>
+                  <a:noFill/>
+                </a:ln>
+                <a:solidFill>
+                  <a:srgbClr val="CC7832"/>
+                </a:solidFill>
+                <a:effectLst/>
+                <a:latin typeface="Courier New" panose="02070309020205020404" pitchFamily="49" charset="0"/>
+                <a:cs typeface="Courier New" panose="02070309020205020404" pitchFamily="49" charset="0"/>
+              </a:rPr>
+              <a:t>import </a:t>
+            </a:r>
+            <a:r>
+              <a:rPr kumimoji="0" lang="en-US" altLang="en-US" sz="1400" b="0" i="0" u="none" strike="noStrike" cap="none" normalizeH="0" baseline="0" dirty="0" err="1">
+                <a:ln>
+                  <a:noFill/>
+                </a:ln>
+                <a:solidFill>
+                  <a:srgbClr val="A9B7C6"/>
+                </a:solidFill>
+                <a:effectLst/>
+                <a:latin typeface="Courier New" panose="02070309020205020404" pitchFamily="49" charset="0"/>
+                <a:cs typeface="Courier New" panose="02070309020205020404" pitchFamily="49" charset="0"/>
+              </a:rPr>
+              <a:t>redis</a:t>
+            </a:r>
+            <a:br>
+              <a:rPr kumimoji="0" lang="en-US" altLang="en-US" sz="1400" b="0" i="0" u="none" strike="noStrike" cap="none" normalizeH="0" baseline="0" dirty="0">
+                <a:ln>
+                  <a:noFill/>
+                </a:ln>
+                <a:solidFill>
+                  <a:srgbClr val="A9B7C6"/>
+                </a:solidFill>
+                <a:effectLst/>
+                <a:latin typeface="Courier New" panose="02070309020205020404" pitchFamily="49" charset="0"/>
+                <a:cs typeface="Courier New" panose="02070309020205020404" pitchFamily="49" charset="0"/>
+              </a:rPr>
+            </a:br>
+            <a:r>
+              <a:rPr kumimoji="0" lang="en-US" altLang="en-US" sz="1400" b="0" i="0" u="none" strike="noStrike" cap="none" normalizeH="0" baseline="0" dirty="0">
+                <a:ln>
+                  <a:noFill/>
+                </a:ln>
+                <a:solidFill>
+                  <a:srgbClr val="A9B7C6"/>
+                </a:solidFill>
+                <a:effectLst/>
+                <a:latin typeface="Courier New" panose="02070309020205020404" pitchFamily="49" charset="0"/>
+                <a:cs typeface="Courier New" panose="02070309020205020404" pitchFamily="49" charset="0"/>
+              </a:rPr>
+              <a:t>    </a:t>
+            </a:r>
+            <a:r>
+              <a:rPr kumimoji="0" lang="en-US" altLang="en-US" sz="1400" b="0" i="0" u="none" strike="noStrike" cap="none" normalizeH="0" baseline="0" dirty="0" err="1">
+                <a:ln>
+                  <a:noFill/>
+                </a:ln>
+                <a:solidFill>
+                  <a:srgbClr val="A9B7C6"/>
+                </a:solidFill>
+                <a:effectLst/>
+                <a:latin typeface="Courier New" panose="02070309020205020404" pitchFamily="49" charset="0"/>
+                <a:cs typeface="Courier New" panose="02070309020205020404" pitchFamily="49" charset="0"/>
+              </a:rPr>
+              <a:t>redis.write</a:t>
+            </a:r>
+            <a:r>
+              <a:rPr kumimoji="0" lang="en-US" altLang="en-US" sz="1400" b="0" i="0" u="none" strike="noStrike" cap="none" normalizeH="0" baseline="0" dirty="0">
+                <a:ln>
+                  <a:noFill/>
+                </a:ln>
+                <a:solidFill>
+                  <a:srgbClr val="A9B7C6"/>
+                </a:solidFill>
+                <a:effectLst/>
+                <a:latin typeface="Courier New" panose="02070309020205020404" pitchFamily="49" charset="0"/>
+                <a:cs typeface="Courier New" panose="02070309020205020404" pitchFamily="49" charset="0"/>
+              </a:rPr>
+              <a:t>(</a:t>
+            </a:r>
+            <a:r>
+              <a:rPr kumimoji="0" lang="en-US" altLang="en-US" sz="1400" b="0" i="0" u="none" strike="noStrike" cap="none" normalizeH="0" baseline="0" dirty="0">
+                <a:ln>
+                  <a:noFill/>
+                </a:ln>
+                <a:solidFill>
+                  <a:srgbClr val="6A8759"/>
+                </a:solidFill>
+                <a:effectLst/>
+                <a:latin typeface="Courier New" panose="02070309020205020404" pitchFamily="49" charset="0"/>
+                <a:cs typeface="Courier New" panose="02070309020205020404" pitchFamily="49" charset="0"/>
+              </a:rPr>
+              <a:t>"result"</a:t>
+            </a:r>
+            <a:r>
+              <a:rPr kumimoji="0" lang="en-US" altLang="en-US" sz="1400" b="0" i="0" u="none" strike="noStrike" cap="none" normalizeH="0" baseline="0" dirty="0">
+                <a:ln>
+                  <a:noFill/>
+                </a:ln>
+                <a:solidFill>
+                  <a:srgbClr val="CC7832"/>
+                </a:solidFill>
+                <a:effectLst/>
+                <a:latin typeface="Courier New" panose="02070309020205020404" pitchFamily="49" charset="0"/>
+                <a:cs typeface="Courier New" panose="02070309020205020404" pitchFamily="49" charset="0"/>
+              </a:rPr>
+              <a:t>, </a:t>
+            </a:r>
+            <a:r>
+              <a:rPr kumimoji="0" lang="en-US" altLang="en-US" sz="1400" b="0" i="0" u="none" strike="noStrike" cap="none" normalizeH="0" baseline="0" dirty="0">
+                <a:ln>
+                  <a:noFill/>
+                </a:ln>
+                <a:solidFill>
+                  <a:srgbClr val="A9B7C6"/>
+                </a:solidFill>
+                <a:effectLst/>
+                <a:latin typeface="Courier New" panose="02070309020205020404" pitchFamily="49" charset="0"/>
+                <a:cs typeface="Courier New" panose="02070309020205020404" pitchFamily="49" charset="0"/>
+              </a:rPr>
+              <a:t>x)</a:t>
+            </a:r>
+            <a:br>
+              <a:rPr kumimoji="0" lang="en-US" altLang="en-US" sz="1400" b="0" i="0" u="none" strike="noStrike" cap="none" normalizeH="0" baseline="0" dirty="0">
+                <a:ln>
+                  <a:noFill/>
+                </a:ln>
+                <a:solidFill>
+                  <a:srgbClr val="A9B7C6"/>
+                </a:solidFill>
+                <a:effectLst/>
+                <a:latin typeface="Courier New" panose="02070309020205020404" pitchFamily="49" charset="0"/>
+                <a:cs typeface="Courier New" panose="02070309020205020404" pitchFamily="49" charset="0"/>
+              </a:rPr>
+            </a:br>
+            <a:br>
+              <a:rPr kumimoji="0" lang="en-US" altLang="en-US" sz="1400" b="0" i="0" u="none" strike="noStrike" cap="none" normalizeH="0" baseline="0" dirty="0">
+                <a:ln>
+                  <a:noFill/>
+                </a:ln>
+                <a:solidFill>
+                  <a:srgbClr val="A9B7C6"/>
+                </a:solidFill>
+                <a:effectLst/>
+                <a:latin typeface="Courier New" panose="02070309020205020404" pitchFamily="49" charset="0"/>
+                <a:cs typeface="Courier New" panose="02070309020205020404" pitchFamily="49" charset="0"/>
+              </a:rPr>
+            </a:br>
+            <a:r>
+              <a:rPr kumimoji="0" lang="en-US" altLang="en-US" sz="1400" b="0" i="0" u="none" strike="noStrike" cap="none" normalizeH="0" baseline="0" dirty="0" err="1">
+                <a:ln>
+                  <a:noFill/>
+                </a:ln>
+                <a:solidFill>
+                  <a:srgbClr val="A9B7C6"/>
+                </a:solidFill>
+                <a:effectLst/>
+                <a:latin typeface="Courier New" panose="02070309020205020404" pitchFamily="49" charset="0"/>
+                <a:cs typeface="Courier New" panose="02070309020205020404" pitchFamily="49" charset="0"/>
+              </a:rPr>
+              <a:t>fns</a:t>
+            </a:r>
+            <a:r>
+              <a:rPr kumimoji="0" lang="en-US" altLang="en-US" sz="1400" b="0" i="0" u="none" strike="noStrike" cap="none" normalizeH="0" baseline="0" dirty="0">
+                <a:ln>
+                  <a:noFill/>
+                </a:ln>
+                <a:solidFill>
+                  <a:srgbClr val="A9B7C6"/>
+                </a:solidFill>
+                <a:effectLst/>
+                <a:latin typeface="Courier New" panose="02070309020205020404" pitchFamily="49" charset="0"/>
+                <a:cs typeface="Courier New" panose="02070309020205020404" pitchFamily="49" charset="0"/>
+              </a:rPr>
+              <a:t> = [</a:t>
+            </a:r>
+            <a:r>
+              <a:rPr kumimoji="0" lang="en-US" altLang="en-US" sz="1400" b="0" i="0" u="none" strike="noStrike" cap="none" normalizeH="0" baseline="0" dirty="0" err="1">
+                <a:ln>
+                  <a:noFill/>
+                </a:ln>
+                <a:solidFill>
+                  <a:srgbClr val="A9B7C6"/>
+                </a:solidFill>
+                <a:effectLst/>
+                <a:latin typeface="Courier New" panose="02070309020205020404" pitchFamily="49" charset="0"/>
+                <a:cs typeface="Courier New" panose="02070309020205020404" pitchFamily="49" charset="0"/>
+              </a:rPr>
+              <a:t>read_sensor</a:t>
+            </a:r>
+            <a:r>
+              <a:rPr kumimoji="0" lang="en-US" altLang="en-US" sz="1400" b="0" i="0" u="none" strike="noStrike" cap="none" normalizeH="0" baseline="0" dirty="0">
+                <a:ln>
+                  <a:noFill/>
+                </a:ln>
+                <a:solidFill>
+                  <a:srgbClr val="CC7832"/>
+                </a:solidFill>
+                <a:effectLst/>
+                <a:latin typeface="Courier New" panose="02070309020205020404" pitchFamily="49" charset="0"/>
+                <a:cs typeface="Courier New" panose="02070309020205020404" pitchFamily="49" charset="0"/>
+              </a:rPr>
+              <a:t>, </a:t>
+            </a:r>
+            <a:r>
+              <a:rPr kumimoji="0" lang="en-US" altLang="en-US" sz="1400" b="0" i="0" u="none" strike="noStrike" cap="none" normalizeH="0" baseline="0" dirty="0">
+                <a:ln>
+                  <a:noFill/>
+                </a:ln>
+                <a:solidFill>
+                  <a:srgbClr val="A9B7C6"/>
+                </a:solidFill>
+                <a:effectLst/>
+                <a:latin typeface="Courier New" panose="02070309020205020404" pitchFamily="49" charset="0"/>
+                <a:cs typeface="Courier New" panose="02070309020205020404" pitchFamily="49" charset="0"/>
+              </a:rPr>
+              <a:t>preprocess</a:t>
+            </a:r>
+            <a:r>
+              <a:rPr kumimoji="0" lang="en-US" altLang="en-US" sz="1400" b="0" i="0" u="none" strike="noStrike" cap="none" normalizeH="0" baseline="0" dirty="0">
+                <a:ln>
+                  <a:noFill/>
+                </a:ln>
+                <a:solidFill>
+                  <a:srgbClr val="CC7832"/>
+                </a:solidFill>
+                <a:effectLst/>
+                <a:latin typeface="Courier New" panose="02070309020205020404" pitchFamily="49" charset="0"/>
+                <a:cs typeface="Courier New" panose="02070309020205020404" pitchFamily="49" charset="0"/>
+              </a:rPr>
+              <a:t>, </a:t>
+            </a:r>
+            <a:r>
+              <a:rPr kumimoji="0" lang="en-US" altLang="en-US" sz="1400" b="0" i="0" u="none" strike="noStrike" cap="none" normalizeH="0" baseline="0" dirty="0" err="1">
+                <a:ln>
+                  <a:noFill/>
+                </a:ln>
+                <a:solidFill>
+                  <a:srgbClr val="A9B7C6"/>
+                </a:solidFill>
+                <a:effectLst/>
+                <a:latin typeface="Courier New" panose="02070309020205020404" pitchFamily="49" charset="0"/>
+                <a:cs typeface="Courier New" panose="02070309020205020404" pitchFamily="49" charset="0"/>
+              </a:rPr>
+              <a:t>run_nnet</a:t>
+            </a:r>
+            <a:r>
+              <a:rPr kumimoji="0" lang="en-US" altLang="en-US" sz="1400" b="0" i="0" u="none" strike="noStrike" cap="none" normalizeH="0" baseline="0" dirty="0">
+                <a:ln>
+                  <a:noFill/>
+                </a:ln>
+                <a:solidFill>
+                  <a:srgbClr val="CC7832"/>
+                </a:solidFill>
+                <a:effectLst/>
+                <a:latin typeface="Courier New" panose="02070309020205020404" pitchFamily="49" charset="0"/>
+                <a:cs typeface="Courier New" panose="02070309020205020404" pitchFamily="49" charset="0"/>
+              </a:rPr>
+              <a:t>, </a:t>
+            </a:r>
+            <a:r>
+              <a:rPr kumimoji="0" lang="en-US" altLang="en-US" sz="1400" b="0" i="0" u="none" strike="noStrike" cap="none" normalizeH="0" baseline="0" dirty="0" err="1">
+                <a:ln>
+                  <a:noFill/>
+                </a:ln>
+                <a:solidFill>
+                  <a:srgbClr val="A9B7C6"/>
+                </a:solidFill>
+                <a:effectLst/>
+                <a:latin typeface="Courier New" panose="02070309020205020404" pitchFamily="49" charset="0"/>
+                <a:cs typeface="Courier New" panose="02070309020205020404" pitchFamily="49" charset="0"/>
+              </a:rPr>
+              <a:t>write_result</a:t>
+            </a:r>
+            <a:r>
+              <a:rPr kumimoji="0" lang="en-US" altLang="en-US" sz="1400" b="0" i="0" u="none" strike="noStrike" cap="none" normalizeH="0" baseline="0" dirty="0">
+                <a:ln>
+                  <a:noFill/>
+                </a:ln>
+                <a:solidFill>
+                  <a:srgbClr val="A9B7C6"/>
+                </a:solidFill>
+                <a:effectLst/>
+                <a:latin typeface="Courier New" panose="02070309020205020404" pitchFamily="49" charset="0"/>
+                <a:cs typeface="Courier New" panose="02070309020205020404" pitchFamily="49" charset="0"/>
+              </a:rPr>
+              <a:t>]</a:t>
+            </a:r>
+            <a:br>
+              <a:rPr kumimoji="0" lang="en-US" altLang="en-US" sz="1400" b="0" i="0" u="none" strike="noStrike" cap="none" normalizeH="0" baseline="0" dirty="0">
+                <a:ln>
+                  <a:noFill/>
+                </a:ln>
+                <a:solidFill>
+                  <a:srgbClr val="A9B7C6"/>
+                </a:solidFill>
+                <a:effectLst/>
+                <a:latin typeface="Courier New" panose="02070309020205020404" pitchFamily="49" charset="0"/>
+                <a:cs typeface="Courier New" panose="02070309020205020404" pitchFamily="49" charset="0"/>
+              </a:rPr>
+            </a:br>
+            <a:br>
+              <a:rPr kumimoji="0" lang="en-US" altLang="en-US" sz="1400" b="0" i="0" u="none" strike="noStrike" cap="none" normalizeH="0" baseline="0" dirty="0">
+                <a:ln>
+                  <a:noFill/>
+                </a:ln>
+                <a:solidFill>
+                  <a:srgbClr val="A9B7C6"/>
+                </a:solidFill>
+                <a:effectLst/>
+                <a:latin typeface="Courier New" panose="02070309020205020404" pitchFamily="49" charset="0"/>
+                <a:cs typeface="Courier New" panose="02070309020205020404" pitchFamily="49" charset="0"/>
+              </a:rPr>
+            </a:br>
+            <a:r>
+              <a:rPr kumimoji="0" lang="en-US" altLang="en-US" sz="1400" b="0" i="0" u="none" strike="noStrike" cap="none" normalizeH="0" baseline="0" dirty="0">
+                <a:ln>
+                  <a:noFill/>
+                </a:ln>
+                <a:solidFill>
+                  <a:srgbClr val="A9B7C6"/>
+                </a:solidFill>
+                <a:effectLst/>
+                <a:latin typeface="Courier New" panose="02070309020205020404" pitchFamily="49" charset="0"/>
+                <a:cs typeface="Courier New" panose="02070309020205020404" pitchFamily="49" charset="0"/>
+              </a:rPr>
+              <a:t>start = </a:t>
+            </a:r>
+            <a:r>
+              <a:rPr kumimoji="0" lang="en-US" altLang="en-US" sz="1400" b="0" i="0" u="none" strike="noStrike" cap="none" normalizeH="0" baseline="0" dirty="0">
+                <a:ln>
+                  <a:noFill/>
+                </a:ln>
+                <a:solidFill>
+                  <a:srgbClr val="6A8759"/>
+                </a:solidFill>
+                <a:effectLst/>
+                <a:latin typeface="Courier New" panose="02070309020205020404" pitchFamily="49" charset="0"/>
+                <a:cs typeface="Courier New" panose="02070309020205020404" pitchFamily="49" charset="0"/>
+              </a:rPr>
+              <a:t>"</a:t>
+            </a:r>
+            <a:r>
+              <a:rPr kumimoji="0" lang="en-US" altLang="en-US" sz="1400" b="0" i="0" u="none" strike="noStrike" cap="none" normalizeH="0" baseline="0" dirty="0" err="1">
+                <a:ln>
+                  <a:noFill/>
+                </a:ln>
+                <a:solidFill>
+                  <a:srgbClr val="6A8759"/>
+                </a:solidFill>
+                <a:effectLst/>
+                <a:latin typeface="Courier New" panose="02070309020205020404" pitchFamily="49" charset="0"/>
+                <a:cs typeface="Courier New" panose="02070309020205020404" pitchFamily="49" charset="0"/>
+              </a:rPr>
+              <a:t>my_edge</a:t>
+            </a:r>
+            <a:r>
+              <a:rPr kumimoji="0" lang="en-US" altLang="en-US" sz="1400" b="0" i="0" u="none" strike="noStrike" cap="none" normalizeH="0" baseline="0" dirty="0">
+                <a:ln>
+                  <a:noFill/>
+                </a:ln>
+                <a:solidFill>
+                  <a:srgbClr val="6A8759"/>
+                </a:solidFill>
+                <a:effectLst/>
+                <a:latin typeface="Courier New" panose="02070309020205020404" pitchFamily="49" charset="0"/>
+                <a:cs typeface="Courier New" panose="02070309020205020404" pitchFamily="49" charset="0"/>
+              </a:rPr>
+              <a:t>"</a:t>
+            </a:r>
+            <a:br>
+              <a:rPr kumimoji="0" lang="en-US" altLang="en-US" sz="1400" b="0" i="0" u="none" strike="noStrike" cap="none" normalizeH="0" baseline="0" dirty="0">
+                <a:ln>
+                  <a:noFill/>
+                </a:ln>
+                <a:solidFill>
+                  <a:srgbClr val="6A8759"/>
+                </a:solidFill>
+                <a:effectLst/>
+                <a:latin typeface="Courier New" panose="02070309020205020404" pitchFamily="49" charset="0"/>
+                <a:cs typeface="Courier New" panose="02070309020205020404" pitchFamily="49" charset="0"/>
+              </a:rPr>
+            </a:br>
+            <a:r>
+              <a:rPr kumimoji="0" lang="en-US" altLang="en-US" sz="1400" b="0" i="0" u="none" strike="noStrike" cap="none" normalizeH="0" baseline="0" dirty="0">
+                <a:ln>
+                  <a:noFill/>
+                </a:ln>
+                <a:solidFill>
+                  <a:srgbClr val="A9B7C6"/>
+                </a:solidFill>
+                <a:effectLst/>
+                <a:latin typeface="Courier New" panose="02070309020205020404" pitchFamily="49" charset="0"/>
+                <a:cs typeface="Courier New" panose="02070309020205020404" pitchFamily="49" charset="0"/>
+              </a:rPr>
+              <a:t>end = </a:t>
+            </a:r>
+            <a:r>
+              <a:rPr kumimoji="0" lang="en-US" altLang="en-US" sz="1400" b="0" i="0" u="none" strike="noStrike" cap="none" normalizeH="0" baseline="0" dirty="0">
+                <a:ln>
+                  <a:noFill/>
+                </a:ln>
+                <a:solidFill>
+                  <a:srgbClr val="6A8759"/>
+                </a:solidFill>
+                <a:effectLst/>
+                <a:latin typeface="Courier New" panose="02070309020205020404" pitchFamily="49" charset="0"/>
+                <a:cs typeface="Courier New" panose="02070309020205020404" pitchFamily="49" charset="0"/>
+              </a:rPr>
+              <a:t>"</a:t>
+            </a:r>
+            <a:r>
+              <a:rPr kumimoji="0" lang="en-US" altLang="en-US" sz="1400" b="0" i="0" u="none" strike="noStrike" cap="none" normalizeH="0" baseline="0" dirty="0" err="1">
+                <a:ln>
+                  <a:noFill/>
+                </a:ln>
+                <a:solidFill>
+                  <a:srgbClr val="6A8759"/>
+                </a:solidFill>
+                <a:effectLst/>
+                <a:latin typeface="Courier New" panose="02070309020205020404" pitchFamily="49" charset="0"/>
+                <a:cs typeface="Courier New" panose="02070309020205020404" pitchFamily="49" charset="0"/>
+              </a:rPr>
+              <a:t>my_cloud</a:t>
+            </a:r>
+            <a:r>
+              <a:rPr kumimoji="0" lang="en-US" altLang="en-US" sz="1400" b="0" i="0" u="none" strike="noStrike" cap="none" normalizeH="0" baseline="0" dirty="0">
+                <a:ln>
+                  <a:noFill/>
+                </a:ln>
+                <a:solidFill>
+                  <a:srgbClr val="6A8759"/>
+                </a:solidFill>
+                <a:effectLst/>
+                <a:latin typeface="Courier New" panose="02070309020205020404" pitchFamily="49" charset="0"/>
+                <a:cs typeface="Courier New" panose="02070309020205020404" pitchFamily="49" charset="0"/>
+              </a:rPr>
+              <a:t>"</a:t>
+            </a:r>
+            <a:br>
+              <a:rPr kumimoji="0" lang="en-US" altLang="en-US" sz="1400" b="0" i="0" u="none" strike="noStrike" cap="none" normalizeH="0" baseline="0" dirty="0">
+                <a:ln>
+                  <a:noFill/>
+                </a:ln>
+                <a:solidFill>
+                  <a:srgbClr val="6A8759"/>
+                </a:solidFill>
+                <a:effectLst/>
+                <a:latin typeface="Courier New" panose="02070309020205020404" pitchFamily="49" charset="0"/>
+                <a:cs typeface="Courier New" panose="02070309020205020404" pitchFamily="49" charset="0"/>
+              </a:rPr>
+            </a:br>
+            <a:r>
+              <a:rPr kumimoji="0" lang="en-US" altLang="en-US" sz="1400" b="0" i="0" u="none" strike="noStrike" cap="none" normalizeH="0" baseline="0" dirty="0" err="1">
+                <a:ln>
+                  <a:noFill/>
+                </a:ln>
+                <a:solidFill>
+                  <a:srgbClr val="CC7832"/>
+                </a:solidFill>
+                <a:effectLst/>
+                <a:latin typeface="Courier New" panose="02070309020205020404" pitchFamily="49" charset="0"/>
+                <a:cs typeface="Courier New" panose="02070309020205020404" pitchFamily="49" charset="0"/>
+              </a:rPr>
+              <a:t>nomad</a:t>
+            </a:r>
+            <a:r>
+              <a:rPr kumimoji="0" lang="en-US" altLang="en-US" sz="1400" b="0" i="0" u="none" strike="noStrike" cap="none" normalizeH="0" baseline="0" dirty="0" err="1">
+                <a:ln>
+                  <a:noFill/>
+                </a:ln>
+                <a:solidFill>
+                  <a:srgbClr val="6A8759"/>
+                </a:solidFill>
+                <a:effectLst/>
+                <a:latin typeface="Courier New" panose="02070309020205020404" pitchFamily="49" charset="0"/>
+                <a:cs typeface="Courier New" panose="02070309020205020404" pitchFamily="49" charset="0"/>
+              </a:rPr>
+              <a:t>.</a:t>
+            </a:r>
+            <a:r>
+              <a:rPr kumimoji="0" lang="en-US" altLang="en-US" sz="1400" b="0" i="0" u="none" strike="noStrike" cap="none" normalizeH="0" baseline="0" dirty="0" err="1">
+                <a:ln>
+                  <a:noFill/>
+                </a:ln>
+                <a:solidFill>
+                  <a:srgbClr val="A9B7C6"/>
+                </a:solidFill>
+                <a:effectLst/>
+                <a:latin typeface="Courier New" panose="02070309020205020404" pitchFamily="49" charset="0"/>
+                <a:cs typeface="Courier New" panose="02070309020205020404" pitchFamily="49" charset="0"/>
+              </a:rPr>
+              <a:t>submit_pipeline</a:t>
+            </a:r>
+            <a:r>
+              <a:rPr kumimoji="0" lang="en-US" altLang="en-US" sz="1400" b="0" i="0" u="none" strike="noStrike" cap="none" normalizeH="0" baseline="0" dirty="0">
+                <a:ln>
+                  <a:noFill/>
+                </a:ln>
+                <a:solidFill>
+                  <a:srgbClr val="A9B7C6"/>
+                </a:solidFill>
+                <a:effectLst/>
+                <a:latin typeface="Courier New" panose="02070309020205020404" pitchFamily="49" charset="0"/>
+                <a:cs typeface="Courier New" panose="02070309020205020404" pitchFamily="49" charset="0"/>
+              </a:rPr>
+              <a:t>(</a:t>
+            </a:r>
+            <a:r>
+              <a:rPr kumimoji="0" lang="en-US" altLang="en-US" sz="1400" b="0" i="0" u="none" strike="noStrike" cap="none" normalizeH="0" baseline="0" dirty="0" err="1">
+                <a:ln>
+                  <a:noFill/>
+                </a:ln>
+                <a:solidFill>
+                  <a:srgbClr val="A9B7C6"/>
+                </a:solidFill>
+                <a:effectLst/>
+                <a:latin typeface="Courier New" panose="02070309020205020404" pitchFamily="49" charset="0"/>
+                <a:cs typeface="Courier New" panose="02070309020205020404" pitchFamily="49" charset="0"/>
+              </a:rPr>
+              <a:t>fns</a:t>
+            </a:r>
+            <a:r>
+              <a:rPr kumimoji="0" lang="en-US" altLang="en-US" sz="1400" b="0" i="0" u="none" strike="noStrike" cap="none" normalizeH="0" baseline="0" dirty="0">
+                <a:ln>
+                  <a:noFill/>
+                </a:ln>
+                <a:solidFill>
+                  <a:srgbClr val="CC7832"/>
+                </a:solidFill>
+                <a:effectLst/>
+                <a:latin typeface="Courier New" panose="02070309020205020404" pitchFamily="49" charset="0"/>
+                <a:cs typeface="Courier New" panose="02070309020205020404" pitchFamily="49" charset="0"/>
+              </a:rPr>
+              <a:t>, </a:t>
+            </a:r>
+            <a:r>
+              <a:rPr kumimoji="0" lang="en-US" altLang="en-US" sz="1400" b="0" i="0" u="none" strike="noStrike" cap="none" normalizeH="0" baseline="0" dirty="0">
+                <a:ln>
+                  <a:noFill/>
+                </a:ln>
+                <a:solidFill>
+                  <a:srgbClr val="A9B7C6"/>
+                </a:solidFill>
+                <a:effectLst/>
+                <a:latin typeface="Courier New" panose="02070309020205020404" pitchFamily="49" charset="0"/>
+                <a:cs typeface="Courier New" panose="02070309020205020404" pitchFamily="49" charset="0"/>
+              </a:rPr>
+              <a:t>start</a:t>
+            </a:r>
+            <a:r>
+              <a:rPr kumimoji="0" lang="en-US" altLang="en-US" sz="1400" b="0" i="0" u="none" strike="noStrike" cap="none" normalizeH="0" baseline="0" dirty="0">
+                <a:ln>
+                  <a:noFill/>
+                </a:ln>
+                <a:solidFill>
+                  <a:srgbClr val="CC7832"/>
+                </a:solidFill>
+                <a:effectLst/>
+                <a:latin typeface="Courier New" panose="02070309020205020404" pitchFamily="49" charset="0"/>
+                <a:cs typeface="Courier New" panose="02070309020205020404" pitchFamily="49" charset="0"/>
+              </a:rPr>
+              <a:t>, </a:t>
+            </a:r>
+            <a:r>
+              <a:rPr kumimoji="0" lang="en-US" altLang="en-US" sz="1400" b="0" i="0" u="none" strike="noStrike" cap="none" normalizeH="0" baseline="0" dirty="0">
+                <a:ln>
+                  <a:noFill/>
+                </a:ln>
+                <a:solidFill>
+                  <a:srgbClr val="A9B7C6"/>
+                </a:solidFill>
+                <a:effectLst/>
+                <a:latin typeface="Courier New" panose="02070309020205020404" pitchFamily="49" charset="0"/>
+                <a:cs typeface="Courier New" panose="02070309020205020404" pitchFamily="49" charset="0"/>
+              </a:rPr>
+              <a:t>end)</a:t>
+            </a:r>
+            <a:endParaRPr kumimoji="0" lang="en-US" altLang="en-US" sz="3600" b="0" i="0" u="none" strike="noStrike" cap="none" normalizeH="0" baseline="0" dirty="0">
+              <a:ln>
+                <a:noFill/>
+              </a:ln>
+              <a:solidFill>
+                <a:schemeClr val="tx1"/>
+              </a:solidFill>
+              <a:effectLst/>
+              <a:latin typeface="Arial" panose="020B0604020202020204" pitchFamily="34" charset="0"/>
+            </a:endParaRPr>
+          </a:p>
+        </p:txBody>
+      </p:sp>
+      <p:sp>
+        <p:nvSpPr>
+          <p:cNvPr id="7" name="TextBox 6">
+            <a:extLst>
+              <a:ext uri="{FF2B5EF4-FFF2-40B4-BE49-F238E27FC236}">
+                <a16:creationId xmlns:a16="http://schemas.microsoft.com/office/drawing/2014/main" id="{B449DEAD-930F-49F3-9592-CEACBA4E707B}"/>
+              </a:ext>
+            </a:extLst>
+          </p:cNvPr>
+          <p:cNvSpPr txBox="1"/>
+          <p:nvPr/>
+        </p:nvSpPr>
+        <p:spPr>
+          <a:xfrm>
+            <a:off x="3963088" y="2744185"/>
+            <a:ext cx="1021524" cy="2215991"/>
+          </a:xfrm>
+          <a:prstGeom prst="rect">
+            <a:avLst/>
+          </a:prstGeom>
+          <a:noFill/>
+        </p:spPr>
+        <p:txBody>
+          <a:bodyPr wrap="square" rtlCol="0">
+            <a:spAutoFit/>
+          </a:bodyPr>
+          <a:lstStyle/>
+          <a:p>
+            <a:pPr algn="ctr"/>
+            <a:r>
+              <a:rPr lang="en-US" sz="13800" b="1" dirty="0"/>
+              <a:t>=</a:t>
+            </a:r>
+          </a:p>
+        </p:txBody>
+      </p:sp>
+      <p:pic>
+        <p:nvPicPr>
+          <p:cNvPr id="8" name="Picture 7">
+            <a:extLst>
+              <a:ext uri="{FF2B5EF4-FFF2-40B4-BE49-F238E27FC236}">
+                <a16:creationId xmlns:a16="http://schemas.microsoft.com/office/drawing/2014/main" id="{28951019-4346-42F3-AA60-35BE09EA2653}"/>
+              </a:ext>
+            </a:extLst>
+          </p:cNvPr>
+          <p:cNvPicPr>
+            <a:picLocks noChangeAspect="1"/>
+          </p:cNvPicPr>
+          <p:nvPr/>
+        </p:nvPicPr>
+        <p:blipFill>
+          <a:blip r:embed="rId2"/>
+          <a:stretch>
+            <a:fillRect/>
+          </a:stretch>
+        </p:blipFill>
+        <p:spPr>
+          <a:xfrm>
+            <a:off x="1677933" y="1325649"/>
+            <a:ext cx="1156708" cy="1156706"/>
+          </a:xfrm>
+          <a:prstGeom prst="rect">
+            <a:avLst/>
+          </a:prstGeom>
+        </p:spPr>
+      </p:pic>
+      <p:sp>
+        <p:nvSpPr>
+          <p:cNvPr id="9" name="TextBox 8">
+            <a:extLst>
+              <a:ext uri="{FF2B5EF4-FFF2-40B4-BE49-F238E27FC236}">
+                <a16:creationId xmlns:a16="http://schemas.microsoft.com/office/drawing/2014/main" id="{27626166-F6D6-4870-9252-49E76DDCDD90}"/>
+              </a:ext>
+            </a:extLst>
+          </p:cNvPr>
+          <p:cNvSpPr txBox="1"/>
+          <p:nvPr/>
+        </p:nvSpPr>
+        <p:spPr>
+          <a:xfrm>
+            <a:off x="1155962" y="2306042"/>
+            <a:ext cx="2200647" cy="276999"/>
+          </a:xfrm>
+          <a:prstGeom prst="rect">
+            <a:avLst/>
+          </a:prstGeom>
+          <a:noFill/>
+        </p:spPr>
+        <p:txBody>
+          <a:bodyPr wrap="square" rtlCol="0">
+            <a:spAutoFit/>
+          </a:bodyPr>
+          <a:lstStyle/>
+          <a:p>
+            <a:pPr algn="ctr"/>
+            <a:r>
+              <a:rPr lang="en-US" sz="1200" b="1" dirty="0"/>
+              <a:t>Video Capture</a:t>
+            </a:r>
+          </a:p>
+        </p:txBody>
+      </p:sp>
+      <p:pic>
+        <p:nvPicPr>
+          <p:cNvPr id="10" name="Picture 2" descr="Image result for traffic surveillance camera">
+            <a:extLst>
+              <a:ext uri="{FF2B5EF4-FFF2-40B4-BE49-F238E27FC236}">
+                <a16:creationId xmlns:a16="http://schemas.microsoft.com/office/drawing/2014/main" id="{95C2C771-8EA7-48E8-9EB7-187AABDD2AFF}"/>
+              </a:ext>
+            </a:extLst>
+          </p:cNvPr>
+          <p:cNvPicPr>
+            <a:picLocks noChangeAspect="1" noChangeArrowheads="1"/>
+          </p:cNvPicPr>
+          <p:nvPr/>
+        </p:nvPicPr>
+        <p:blipFill rotWithShape="1">
+          <a:blip r:embed="rId3">
+            <a:extLst>
+              <a:ext uri="{BEBA8EAE-BF5A-486C-A8C5-ECC9F3942E4B}">
+                <a14:imgProps xmlns:a14="http://schemas.microsoft.com/office/drawing/2010/main">
+                  <a14:imgLayer r:embed="rId4">
+                    <a14:imgEffect>
+                      <a14:artisticPencilSketch/>
+                    </a14:imgEffect>
+                  </a14:imgLayer>
+                </a14:imgProps>
+              </a:ext>
+              <a:ext uri="{28A0092B-C50C-407E-A947-70E740481C1C}">
+                <a14:useLocalDpi xmlns:a14="http://schemas.microsoft.com/office/drawing/2010/main" val="0"/>
+              </a:ext>
+            </a:extLst>
+          </a:blip>
+          <a:srcRect r="51943"/>
+          <a:stretch/>
+        </p:blipFill>
+        <p:spPr bwMode="auto">
+          <a:xfrm>
+            <a:off x="1611522" y="2932510"/>
+            <a:ext cx="1289526" cy="992979"/>
+          </a:xfrm>
+          <a:prstGeom prst="rect">
+            <a:avLst/>
+          </a:prstGeom>
+          <a:noFill/>
+          <a:extLst>
+            <a:ext uri="{909E8E84-426E-40DD-AFC4-6F175D3DCCD1}">
+              <a14:hiddenFill xmlns:a14="http://schemas.microsoft.com/office/drawing/2010/main">
+                <a:solidFill>
+                  <a:srgbClr val="FFFFFF"/>
+                </a:solidFill>
+              </a14:hiddenFill>
+            </a:ext>
+          </a:extLst>
+        </p:spPr>
+      </p:pic>
+      <p:pic>
+        <p:nvPicPr>
+          <p:cNvPr id="11" name="Picture 4" descr="Image result for neural network">
+            <a:extLst>
+              <a:ext uri="{FF2B5EF4-FFF2-40B4-BE49-F238E27FC236}">
+                <a16:creationId xmlns:a16="http://schemas.microsoft.com/office/drawing/2014/main" id="{232E7092-6CBF-406C-A7C2-DEAA3749D693}"/>
+              </a:ext>
+            </a:extLst>
+          </p:cNvPr>
+          <p:cNvPicPr>
+            <a:picLocks noChangeAspect="1" noChangeArrowheads="1"/>
+          </p:cNvPicPr>
+          <p:nvPr/>
+        </p:nvPicPr>
+        <p:blipFill rotWithShape="1">
+          <a:blip r:embed="rId5">
+            <a:extLst>
+              <a:ext uri="{28A0092B-C50C-407E-A947-70E740481C1C}">
+                <a14:useLocalDpi xmlns:a14="http://schemas.microsoft.com/office/drawing/2010/main" val="0"/>
+              </a:ext>
+            </a:extLst>
+          </a:blip>
+          <a:srcRect b="9669"/>
+          <a:stretch/>
+        </p:blipFill>
+        <p:spPr bwMode="auto">
+          <a:xfrm>
+            <a:off x="1593343" y="4485172"/>
+            <a:ext cx="1431372" cy="845661"/>
+          </a:xfrm>
+          <a:prstGeom prst="rect">
+            <a:avLst/>
+          </a:prstGeom>
+          <a:noFill/>
+          <a:extLst>
+            <a:ext uri="{909E8E84-426E-40DD-AFC4-6F175D3DCCD1}">
+              <a14:hiddenFill xmlns:a14="http://schemas.microsoft.com/office/drawing/2010/main">
+                <a:solidFill>
+                  <a:srgbClr val="FFFFFF"/>
+                </a:solidFill>
+              </a14:hiddenFill>
+            </a:ext>
+          </a:extLst>
+        </p:spPr>
+      </p:pic>
+      <p:sp>
+        <p:nvSpPr>
+          <p:cNvPr id="14" name="Arrow: Right 13">
+            <a:extLst>
+              <a:ext uri="{FF2B5EF4-FFF2-40B4-BE49-F238E27FC236}">
+                <a16:creationId xmlns:a16="http://schemas.microsoft.com/office/drawing/2014/main" id="{DDDB663B-6298-4976-AE51-9893FE95D9D9}"/>
+              </a:ext>
+            </a:extLst>
+          </p:cNvPr>
+          <p:cNvSpPr/>
+          <p:nvPr/>
+        </p:nvSpPr>
+        <p:spPr>
+          <a:xfrm rot="5400000">
+            <a:off x="2134998" y="2559639"/>
+            <a:ext cx="276999" cy="351799"/>
+          </a:xfrm>
+          <a:prstGeom prst="rightArrow">
+            <a:avLst>
+              <a:gd name="adj1" fmla="val 40967"/>
+              <a:gd name="adj2" fmla="val 36245"/>
+            </a:avLst>
+          </a:prstGeom>
+        </p:spPr>
+        <p:style>
+          <a:lnRef idx="2">
+            <a:schemeClr val="accent1">
+              <a:shade val="50000"/>
+            </a:schemeClr>
+          </a:lnRef>
+          <a:fillRef idx="1">
+            <a:schemeClr val="accent1"/>
+          </a:fillRef>
+          <a:effectRef idx="0">
+            <a:schemeClr val="accent1"/>
+          </a:effectRef>
+          <a:fontRef idx="minor">
+            <a:schemeClr val="lt1"/>
+          </a:fontRef>
+        </p:style>
+        <p:txBody>
+          <a:bodyPr rtlCol="0" anchor="ctr"/>
+          <a:lstStyle/>
+          <a:p>
+            <a:pPr algn="ctr"/>
+            <a:endParaRPr lang="en-US"/>
+          </a:p>
+        </p:txBody>
+      </p:sp>
+      <p:pic>
+        <p:nvPicPr>
+          <p:cNvPr id="17" name="Picture 16">
+            <a:extLst>
+              <a:ext uri="{FF2B5EF4-FFF2-40B4-BE49-F238E27FC236}">
+                <a16:creationId xmlns:a16="http://schemas.microsoft.com/office/drawing/2014/main" id="{3C040FB0-5290-4C26-9997-E917ACE81405}"/>
+              </a:ext>
+            </a:extLst>
+          </p:cNvPr>
+          <p:cNvPicPr>
+            <a:picLocks noChangeAspect="1"/>
+          </p:cNvPicPr>
+          <p:nvPr/>
+        </p:nvPicPr>
+        <p:blipFill>
+          <a:blip r:embed="rId6">
+            <a:extLst>
+              <a:ext uri="{28A0092B-C50C-407E-A947-70E740481C1C}">
+                <a14:useLocalDpi xmlns:a14="http://schemas.microsoft.com/office/drawing/2010/main" val="0"/>
+              </a:ext>
+            </a:extLst>
+          </a:blip>
+          <a:stretch>
+            <a:fillRect/>
+          </a:stretch>
+        </p:blipFill>
+        <p:spPr>
+          <a:xfrm>
+            <a:off x="1970427" y="5907445"/>
+            <a:ext cx="571712" cy="571712"/>
+          </a:xfrm>
+          <a:prstGeom prst="rect">
+            <a:avLst/>
+          </a:prstGeom>
+        </p:spPr>
+      </p:pic>
+      <p:sp>
+        <p:nvSpPr>
+          <p:cNvPr id="18" name="TextBox 17">
+            <a:extLst>
+              <a:ext uri="{FF2B5EF4-FFF2-40B4-BE49-F238E27FC236}">
+                <a16:creationId xmlns:a16="http://schemas.microsoft.com/office/drawing/2014/main" id="{C242A23F-76BE-4931-9CD9-278A5E38BBE1}"/>
+              </a:ext>
+            </a:extLst>
+          </p:cNvPr>
+          <p:cNvSpPr txBox="1"/>
+          <p:nvPr/>
+        </p:nvSpPr>
+        <p:spPr>
+          <a:xfrm>
+            <a:off x="1135605" y="3921342"/>
+            <a:ext cx="2200647" cy="276999"/>
+          </a:xfrm>
+          <a:prstGeom prst="rect">
+            <a:avLst/>
+          </a:prstGeom>
+          <a:noFill/>
+        </p:spPr>
+        <p:txBody>
+          <a:bodyPr wrap="square" rtlCol="0">
+            <a:spAutoFit/>
+          </a:bodyPr>
+          <a:lstStyle/>
+          <a:p>
+            <a:pPr algn="ctr"/>
+            <a:r>
+              <a:rPr lang="en-US" sz="1200" b="1" dirty="0"/>
+              <a:t>Preprocessing</a:t>
+            </a:r>
+          </a:p>
+        </p:txBody>
+      </p:sp>
+      <p:sp>
+        <p:nvSpPr>
+          <p:cNvPr id="19" name="TextBox 18">
+            <a:extLst>
+              <a:ext uri="{FF2B5EF4-FFF2-40B4-BE49-F238E27FC236}">
+                <a16:creationId xmlns:a16="http://schemas.microsoft.com/office/drawing/2014/main" id="{5E8FDD70-9938-41A6-9732-4B10F0358E12}"/>
+              </a:ext>
+            </a:extLst>
+          </p:cNvPr>
+          <p:cNvSpPr txBox="1"/>
+          <p:nvPr/>
+        </p:nvSpPr>
+        <p:spPr>
+          <a:xfrm>
+            <a:off x="1117687" y="5287984"/>
+            <a:ext cx="2200647" cy="276999"/>
+          </a:xfrm>
+          <a:prstGeom prst="rect">
+            <a:avLst/>
+          </a:prstGeom>
+          <a:noFill/>
+        </p:spPr>
+        <p:txBody>
+          <a:bodyPr wrap="square" rtlCol="0">
+            <a:spAutoFit/>
+          </a:bodyPr>
+          <a:lstStyle/>
+          <a:p>
+            <a:pPr algn="ctr"/>
+            <a:r>
+              <a:rPr lang="en-US" sz="1200" b="1" dirty="0"/>
+              <a:t>Inference</a:t>
+            </a:r>
+          </a:p>
+        </p:txBody>
+      </p:sp>
+      <p:sp>
+        <p:nvSpPr>
+          <p:cNvPr id="20" name="TextBox 19">
+            <a:extLst>
+              <a:ext uri="{FF2B5EF4-FFF2-40B4-BE49-F238E27FC236}">
+                <a16:creationId xmlns:a16="http://schemas.microsoft.com/office/drawing/2014/main" id="{C6E15DAA-B7E2-482D-A106-450659A3BE7D}"/>
+              </a:ext>
+            </a:extLst>
+          </p:cNvPr>
+          <p:cNvSpPr txBox="1"/>
+          <p:nvPr/>
+        </p:nvSpPr>
+        <p:spPr>
+          <a:xfrm>
+            <a:off x="1155959" y="6479157"/>
+            <a:ext cx="2200647" cy="276999"/>
+          </a:xfrm>
+          <a:prstGeom prst="rect">
+            <a:avLst/>
+          </a:prstGeom>
+          <a:noFill/>
+        </p:spPr>
+        <p:txBody>
+          <a:bodyPr wrap="square" rtlCol="0">
+            <a:spAutoFit/>
+          </a:bodyPr>
+          <a:lstStyle/>
+          <a:p>
+            <a:pPr algn="ctr"/>
+            <a:r>
+              <a:rPr lang="en-US" sz="1200" b="1" dirty="0"/>
+              <a:t>Write Result</a:t>
+            </a:r>
+          </a:p>
+        </p:txBody>
+      </p:sp>
+      <p:sp>
+        <p:nvSpPr>
+          <p:cNvPr id="21" name="Arrow: Right 20">
+            <a:extLst>
+              <a:ext uri="{FF2B5EF4-FFF2-40B4-BE49-F238E27FC236}">
+                <a16:creationId xmlns:a16="http://schemas.microsoft.com/office/drawing/2014/main" id="{C79454A1-A36D-4A27-8812-4927152C9497}"/>
+              </a:ext>
+            </a:extLst>
+          </p:cNvPr>
+          <p:cNvSpPr/>
+          <p:nvPr/>
+        </p:nvSpPr>
+        <p:spPr>
+          <a:xfrm rot="5400000">
+            <a:off x="2131445" y="4148797"/>
+            <a:ext cx="276999" cy="351799"/>
+          </a:xfrm>
+          <a:prstGeom prst="rightArrow">
+            <a:avLst>
+              <a:gd name="adj1" fmla="val 40967"/>
+              <a:gd name="adj2" fmla="val 36245"/>
+            </a:avLst>
+          </a:prstGeom>
+        </p:spPr>
+        <p:style>
+          <a:lnRef idx="2">
+            <a:schemeClr val="accent1">
+              <a:shade val="50000"/>
+            </a:schemeClr>
+          </a:lnRef>
+          <a:fillRef idx="1">
+            <a:schemeClr val="accent1"/>
+          </a:fillRef>
+          <a:effectRef idx="0">
+            <a:schemeClr val="accent1"/>
+          </a:effectRef>
+          <a:fontRef idx="minor">
+            <a:schemeClr val="lt1"/>
+          </a:fontRef>
+        </p:style>
+        <p:txBody>
+          <a:bodyPr rtlCol="0" anchor="ctr"/>
+          <a:lstStyle/>
+          <a:p>
+            <a:pPr algn="ctr"/>
+            <a:endParaRPr lang="en-US"/>
+          </a:p>
+        </p:txBody>
+      </p:sp>
+      <p:sp>
+        <p:nvSpPr>
+          <p:cNvPr id="22" name="Arrow: Right 21">
+            <a:extLst>
+              <a:ext uri="{FF2B5EF4-FFF2-40B4-BE49-F238E27FC236}">
+                <a16:creationId xmlns:a16="http://schemas.microsoft.com/office/drawing/2014/main" id="{E4836033-E16E-45FE-B137-F70026AE179D}"/>
+              </a:ext>
+            </a:extLst>
+          </p:cNvPr>
+          <p:cNvSpPr/>
+          <p:nvPr/>
+        </p:nvSpPr>
+        <p:spPr>
+          <a:xfrm rot="5400000">
+            <a:off x="2117784" y="5500079"/>
+            <a:ext cx="276999" cy="351799"/>
+          </a:xfrm>
+          <a:prstGeom prst="rightArrow">
+            <a:avLst>
+              <a:gd name="adj1" fmla="val 40967"/>
+              <a:gd name="adj2" fmla="val 36245"/>
+            </a:avLst>
+          </a:prstGeom>
+        </p:spPr>
+        <p:style>
+          <a:lnRef idx="2">
+            <a:schemeClr val="accent1">
+              <a:shade val="50000"/>
+            </a:schemeClr>
+          </a:lnRef>
+          <a:fillRef idx="1">
+            <a:schemeClr val="accent1"/>
+          </a:fillRef>
+          <a:effectRef idx="0">
+            <a:schemeClr val="accent1"/>
+          </a:effectRef>
+          <a:fontRef idx="minor">
+            <a:schemeClr val="lt1"/>
+          </a:fontRef>
+        </p:style>
+        <p:txBody>
+          <a:bodyPr rtlCol="0" anchor="ctr"/>
+          <a:lstStyle/>
+          <a:p>
+            <a:pPr algn="ctr"/>
+            <a:endParaRPr lang="en-US"/>
+          </a:p>
+        </p:txBody>
+      </p:sp>
+    </p:spTree>
+    <p:extLst>
+      <p:ext uri="{BB962C8B-B14F-4D97-AF65-F5344CB8AC3E}">
+        <p14:creationId xmlns:p14="http://schemas.microsoft.com/office/powerpoint/2010/main" val="3545561649"/>
+      </p:ext>
+    </p:extLst>
+  </p:cSld>
+  <p:clrMapOvr>
+    <a:masterClrMapping/>
+  </p:clrMapOvr>
+</p:sld>
+</file>
+
+<file path=ppt/slides/slide8.xml><?xml version="1.0" encoding="utf-8"?>
 <p:sld xmlns:a="http://schemas.openxmlformats.org/drawingml/2006/main" xmlns:r="http://schemas.openxmlformats.org/officeDocument/2006/relationships" xmlns:p="http://schemas.openxmlformats.org/presentationml/2006/main">
   <p:cSld>
     <p:spTree>
@@ -14569,1935 +19265,6 @@
 </p:sld>
 </file>
 
-<file path=ppt/slides/slide8.xml><?xml version="1.0" encoding="utf-8"?>
-<p:sld xmlns:a="http://schemas.openxmlformats.org/drawingml/2006/main" xmlns:r="http://schemas.openxmlformats.org/officeDocument/2006/relationships" xmlns:p="http://schemas.openxmlformats.org/presentationml/2006/main">
-  <p:cSld>
-    <p:spTree>
-      <p:nvGrpSpPr>
-        <p:cNvPr id="1" name=""/>
-        <p:cNvGrpSpPr/>
-        <p:nvPr/>
-      </p:nvGrpSpPr>
-      <p:grpSpPr>
-        <a:xfrm>
-          <a:off x="0" y="0"/>
-          <a:ext cx="0" cy="0"/>
-          <a:chOff x="0" y="0"/>
-          <a:chExt cx="0" cy="0"/>
-        </a:xfrm>
-      </p:grpSpPr>
-      <p:sp>
-        <p:nvSpPr>
-          <p:cNvPr id="2" name="Title 1">
-            <a:extLst>
-              <a:ext uri="{FF2B5EF4-FFF2-40B4-BE49-F238E27FC236}">
-                <a16:creationId xmlns:a16="http://schemas.microsoft.com/office/drawing/2014/main" id="{458EF2CD-DF73-4C86-BAC3-9CA6192C52E3}"/>
-              </a:ext>
-            </a:extLst>
-          </p:cNvPr>
-          <p:cNvSpPr>
-            <a:spLocks noGrp="1"/>
-          </p:cNvSpPr>
-          <p:nvPr>
-            <p:ph type="title"/>
-          </p:nvPr>
-        </p:nvSpPr>
-        <p:spPr>
-          <a:xfrm>
-            <a:off x="838200" y="211019"/>
-            <a:ext cx="10515600" cy="1325563"/>
-          </a:xfrm>
-        </p:spPr>
-        <p:txBody>
-          <a:bodyPr/>
-          <a:lstStyle/>
-          <a:p>
-            <a:r>
-              <a:rPr lang="en-US" dirty="0"/>
-              <a:t>Programming Model</a:t>
-            </a:r>
-          </a:p>
-        </p:txBody>
-      </p:sp>
-      <p:sp>
-        <p:nvSpPr>
-          <p:cNvPr id="4" name="Rectangle 1">
-            <a:extLst>
-              <a:ext uri="{FF2B5EF4-FFF2-40B4-BE49-F238E27FC236}">
-                <a16:creationId xmlns:a16="http://schemas.microsoft.com/office/drawing/2014/main" id="{C69C063C-B467-41A9-95F0-78FF4173121B}"/>
-              </a:ext>
-            </a:extLst>
-          </p:cNvPr>
-          <p:cNvSpPr>
-            <a:spLocks noChangeArrowheads="1"/>
-          </p:cNvSpPr>
-          <p:nvPr/>
-        </p:nvSpPr>
-        <p:spPr bwMode="auto">
-          <a:xfrm>
-            <a:off x="5875020" y="1407111"/>
-            <a:ext cx="6073140" cy="5262979"/>
-          </a:xfrm>
-          <a:prstGeom prst="rect">
-            <a:avLst/>
-          </a:prstGeom>
-          <a:solidFill>
-            <a:srgbClr val="2B2B2B"/>
-          </a:solidFill>
-          <a:ln>
-            <a:noFill/>
-          </a:ln>
-          <a:effectLst/>
-          <a:extLst>
-            <a:ext uri="{91240B29-F687-4F45-9708-019B960494DF}">
-              <a14:hiddenLine xmlns:a14="http://schemas.microsoft.com/office/drawing/2010/main" w="9525">
-                <a:solidFill>
-                  <a:schemeClr val="tx1"/>
-                </a:solidFill>
-                <a:miter lim="800000"/>
-                <a:headEnd/>
-                <a:tailEnd/>
-              </a14:hiddenLine>
-            </a:ext>
-            <a:ext uri="{AF507438-7753-43E0-B8FC-AC1667EBCBE1}">
-              <a14:hiddenEffects xmlns:a14="http://schemas.microsoft.com/office/drawing/2010/main">
-                <a:effectLst>
-                  <a:outerShdw dist="35921" dir="2700000" algn="ctr" rotWithShape="0">
-                    <a:schemeClr val="bg2"/>
-                  </a:outerShdw>
-                </a:effectLst>
-              </a14:hiddenEffects>
-            </a:ext>
-          </a:extLst>
-        </p:spPr>
-        <p:txBody>
-          <a:bodyPr vert="horz" wrap="square" lIns="91440" tIns="45720" rIns="91440" bIns="45720" numCol="1" anchor="ctr" anchorCtr="0" compatLnSpc="1">
-            <a:prstTxWarp prst="textNoShape">
-              <a:avLst/>
-            </a:prstTxWarp>
-            <a:spAutoFit/>
-          </a:bodyPr>
-          <a:lstStyle/>
-          <a:p>
-            <a:pPr lvl="0" eaLnBrk="0" fontAlgn="base" hangingPunct="0">
-              <a:spcBef>
-                <a:spcPct val="0"/>
-              </a:spcBef>
-              <a:spcAft>
-                <a:spcPct val="0"/>
-              </a:spcAft>
-            </a:pPr>
-            <a:r>
-              <a:rPr kumimoji="0" lang="en-US" altLang="en-US" sz="1400" b="0" i="0" u="none" strike="noStrike" cap="none" normalizeH="0" baseline="0" dirty="0">
-                <a:ln>
-                  <a:noFill/>
-                </a:ln>
-                <a:solidFill>
-                  <a:srgbClr val="CC7832"/>
-                </a:solidFill>
-                <a:effectLst/>
-                <a:latin typeface="Courier New" panose="02070309020205020404" pitchFamily="49" charset="0"/>
-                <a:cs typeface="Courier New" panose="02070309020205020404" pitchFamily="49" charset="0"/>
-              </a:rPr>
-              <a:t>import nomad</a:t>
-            </a:r>
-            <a:br>
-              <a:rPr kumimoji="0" lang="en-US" altLang="en-US" sz="1400" b="0" i="0" u="none" strike="noStrike" cap="none" normalizeH="0" baseline="0" dirty="0">
-                <a:ln>
-                  <a:noFill/>
-                </a:ln>
-                <a:solidFill>
-                  <a:srgbClr val="A9B7C6"/>
-                </a:solidFill>
-                <a:effectLst/>
-                <a:latin typeface="Courier New" panose="02070309020205020404" pitchFamily="49" charset="0"/>
-                <a:cs typeface="Courier New" panose="02070309020205020404" pitchFamily="49" charset="0"/>
-              </a:rPr>
-            </a:br>
-            <a:br>
-              <a:rPr kumimoji="0" lang="en-US" altLang="en-US" sz="1400" b="0" i="0" u="none" strike="noStrike" cap="none" normalizeH="0" baseline="0" dirty="0">
-                <a:ln>
-                  <a:noFill/>
-                </a:ln>
-                <a:solidFill>
-                  <a:srgbClr val="A9B7C6"/>
-                </a:solidFill>
-                <a:effectLst/>
-                <a:latin typeface="Courier New" panose="02070309020205020404" pitchFamily="49" charset="0"/>
-                <a:cs typeface="Courier New" panose="02070309020205020404" pitchFamily="49" charset="0"/>
-              </a:rPr>
-            </a:br>
-            <a:r>
-              <a:rPr kumimoji="0" lang="en-US" altLang="en-US" sz="1400" b="0" i="0" u="none" strike="noStrike" cap="none" normalizeH="0" baseline="0" dirty="0">
-                <a:ln>
-                  <a:noFill/>
-                </a:ln>
-                <a:solidFill>
-                  <a:srgbClr val="CC7832"/>
-                </a:solidFill>
-                <a:effectLst/>
-                <a:latin typeface="Courier New" panose="02070309020205020404" pitchFamily="49" charset="0"/>
-                <a:cs typeface="Courier New" panose="02070309020205020404" pitchFamily="49" charset="0"/>
-              </a:rPr>
-              <a:t>def </a:t>
-            </a:r>
-            <a:r>
-              <a:rPr kumimoji="0" lang="en-US" altLang="en-US" sz="1400" b="0" i="0" u="none" strike="noStrike" cap="none" normalizeH="0" baseline="0" dirty="0" err="1">
-                <a:ln>
-                  <a:noFill/>
-                </a:ln>
-                <a:solidFill>
-                  <a:srgbClr val="FFC66D"/>
-                </a:solidFill>
-                <a:effectLst/>
-                <a:latin typeface="Courier New" panose="02070309020205020404" pitchFamily="49" charset="0"/>
-                <a:cs typeface="Courier New" panose="02070309020205020404" pitchFamily="49" charset="0"/>
-              </a:rPr>
-              <a:t>read_sensor</a:t>
-            </a:r>
-            <a:r>
-              <a:rPr kumimoji="0" lang="en-US" altLang="en-US" sz="1400" b="0" i="0" u="none" strike="noStrike" cap="none" normalizeH="0" baseline="0" dirty="0">
-                <a:ln>
-                  <a:noFill/>
-                </a:ln>
-                <a:solidFill>
-                  <a:srgbClr val="A9B7C6"/>
-                </a:solidFill>
-                <a:effectLst/>
-                <a:latin typeface="Courier New" panose="02070309020205020404" pitchFamily="49" charset="0"/>
-                <a:cs typeface="Courier New" panose="02070309020205020404" pitchFamily="49" charset="0"/>
-              </a:rPr>
-              <a:t>():</a:t>
-            </a:r>
-            <a:br>
-              <a:rPr kumimoji="0" lang="en-US" altLang="en-US" sz="1400" b="0" i="0" u="none" strike="noStrike" cap="none" normalizeH="0" baseline="0" dirty="0">
-                <a:ln>
-                  <a:noFill/>
-                </a:ln>
-                <a:solidFill>
-                  <a:srgbClr val="A9B7C6"/>
-                </a:solidFill>
-                <a:effectLst/>
-                <a:latin typeface="Courier New" panose="02070309020205020404" pitchFamily="49" charset="0"/>
-                <a:cs typeface="Courier New" panose="02070309020205020404" pitchFamily="49" charset="0"/>
-              </a:rPr>
-            </a:br>
-            <a:r>
-              <a:rPr kumimoji="0" lang="en-US" altLang="en-US" sz="1400" b="0" i="0" u="none" strike="noStrike" cap="none" normalizeH="0" baseline="0" dirty="0">
-                <a:ln>
-                  <a:noFill/>
-                </a:ln>
-                <a:solidFill>
-                  <a:srgbClr val="A9B7C6"/>
-                </a:solidFill>
-                <a:effectLst/>
-                <a:latin typeface="Courier New" panose="02070309020205020404" pitchFamily="49" charset="0"/>
-                <a:cs typeface="Courier New" panose="02070309020205020404" pitchFamily="49" charset="0"/>
-              </a:rPr>
-              <a:t>    </a:t>
-            </a:r>
-            <a:r>
-              <a:rPr kumimoji="0" lang="en-US" altLang="en-US" sz="1400" b="0" i="0" u="none" strike="noStrike" cap="none" normalizeH="0" baseline="0" dirty="0">
-                <a:ln>
-                  <a:noFill/>
-                </a:ln>
-                <a:solidFill>
-                  <a:srgbClr val="CC7832"/>
-                </a:solidFill>
-                <a:effectLst/>
-                <a:latin typeface="Courier New" panose="02070309020205020404" pitchFamily="49" charset="0"/>
-                <a:cs typeface="Courier New" panose="02070309020205020404" pitchFamily="49" charset="0"/>
-              </a:rPr>
-              <a:t>import </a:t>
-            </a:r>
-            <a:r>
-              <a:rPr kumimoji="0" lang="en-US" altLang="en-US" sz="1400" b="0" i="0" u="none" strike="noStrike" cap="none" normalizeH="0" baseline="0" dirty="0">
-                <a:ln>
-                  <a:noFill/>
-                </a:ln>
-                <a:solidFill>
-                  <a:srgbClr val="A9B7C6"/>
-                </a:solidFill>
-                <a:effectLst/>
-                <a:latin typeface="Courier New" panose="02070309020205020404" pitchFamily="49" charset="0"/>
-                <a:cs typeface="Courier New" panose="02070309020205020404" pitchFamily="49" charset="0"/>
-              </a:rPr>
-              <a:t>random</a:t>
-            </a:r>
-            <a:br>
-              <a:rPr kumimoji="0" lang="en-US" altLang="en-US" sz="1400" b="0" i="0" u="none" strike="noStrike" cap="none" normalizeH="0" baseline="0" dirty="0">
-                <a:ln>
-                  <a:noFill/>
-                </a:ln>
-                <a:solidFill>
-                  <a:srgbClr val="A9B7C6"/>
-                </a:solidFill>
-                <a:effectLst/>
-                <a:latin typeface="Courier New" panose="02070309020205020404" pitchFamily="49" charset="0"/>
-                <a:cs typeface="Courier New" panose="02070309020205020404" pitchFamily="49" charset="0"/>
-              </a:rPr>
-            </a:br>
-            <a:r>
-              <a:rPr kumimoji="0" lang="en-US" altLang="en-US" sz="1400" b="0" i="0" u="none" strike="noStrike" cap="none" normalizeH="0" baseline="0" dirty="0">
-                <a:ln>
-                  <a:noFill/>
-                </a:ln>
-                <a:solidFill>
-                  <a:srgbClr val="A9B7C6"/>
-                </a:solidFill>
-                <a:effectLst/>
-                <a:latin typeface="Courier New" panose="02070309020205020404" pitchFamily="49" charset="0"/>
-                <a:cs typeface="Courier New" panose="02070309020205020404" pitchFamily="49" charset="0"/>
-              </a:rPr>
-              <a:t>    </a:t>
-            </a:r>
-            <a:r>
-              <a:rPr kumimoji="0" lang="en-US" altLang="en-US" sz="1400" b="0" i="0" u="none" strike="noStrike" cap="none" normalizeH="0" baseline="0" dirty="0">
-                <a:ln>
-                  <a:noFill/>
-                </a:ln>
-                <a:solidFill>
-                  <a:srgbClr val="CC7832"/>
-                </a:solidFill>
-                <a:effectLst/>
-                <a:latin typeface="Courier New" panose="02070309020205020404" pitchFamily="49" charset="0"/>
-                <a:cs typeface="Courier New" panose="02070309020205020404" pitchFamily="49" charset="0"/>
-              </a:rPr>
-              <a:t>return </a:t>
-            </a:r>
-            <a:r>
-              <a:rPr kumimoji="0" lang="en-US" altLang="en-US" sz="1400" b="0" i="0" u="none" strike="noStrike" cap="none" normalizeH="0" baseline="0" dirty="0" err="1">
-                <a:ln>
-                  <a:noFill/>
-                </a:ln>
-                <a:solidFill>
-                  <a:srgbClr val="A9B7C6"/>
-                </a:solidFill>
-                <a:effectLst/>
-                <a:latin typeface="Courier New" panose="02070309020205020404" pitchFamily="49" charset="0"/>
-                <a:cs typeface="Courier New" panose="02070309020205020404" pitchFamily="49" charset="0"/>
-              </a:rPr>
-              <a:t>random.get_image</a:t>
-            </a:r>
-            <a:r>
-              <a:rPr kumimoji="0" lang="en-US" altLang="en-US" sz="1400" b="0" i="0" u="none" strike="noStrike" cap="none" normalizeH="0" baseline="0" dirty="0">
-                <a:ln>
-                  <a:noFill/>
-                </a:ln>
-                <a:solidFill>
-                  <a:srgbClr val="A9B7C6"/>
-                </a:solidFill>
-                <a:effectLst/>
-                <a:latin typeface="Courier New" panose="02070309020205020404" pitchFamily="49" charset="0"/>
-                <a:cs typeface="Courier New" panose="02070309020205020404" pitchFamily="49" charset="0"/>
-              </a:rPr>
-              <a:t>()</a:t>
-            </a:r>
-            <a:br>
-              <a:rPr kumimoji="0" lang="en-US" altLang="en-US" sz="1400" b="0" i="0" u="none" strike="noStrike" cap="none" normalizeH="0" baseline="0" dirty="0">
-                <a:ln>
-                  <a:noFill/>
-                </a:ln>
-                <a:solidFill>
-                  <a:srgbClr val="A9B7C6"/>
-                </a:solidFill>
-                <a:effectLst/>
-                <a:latin typeface="Courier New" panose="02070309020205020404" pitchFamily="49" charset="0"/>
-                <a:cs typeface="Courier New" panose="02070309020205020404" pitchFamily="49" charset="0"/>
-              </a:rPr>
-            </a:br>
-            <a:br>
-              <a:rPr kumimoji="0" lang="en-US" altLang="en-US" sz="1400" b="0" i="0" u="none" strike="noStrike" cap="none" normalizeH="0" baseline="0" dirty="0">
-                <a:ln>
-                  <a:noFill/>
-                </a:ln>
-                <a:solidFill>
-                  <a:srgbClr val="A9B7C6"/>
-                </a:solidFill>
-                <a:effectLst/>
-                <a:latin typeface="Courier New" panose="02070309020205020404" pitchFamily="49" charset="0"/>
-                <a:cs typeface="Courier New" panose="02070309020205020404" pitchFamily="49" charset="0"/>
-              </a:rPr>
-            </a:br>
-            <a:r>
-              <a:rPr kumimoji="0" lang="en-US" altLang="en-US" sz="1400" b="0" i="0" u="none" strike="noStrike" cap="none" normalizeH="0" baseline="0" dirty="0">
-                <a:ln>
-                  <a:noFill/>
-                </a:ln>
-                <a:solidFill>
-                  <a:srgbClr val="CC7832"/>
-                </a:solidFill>
-                <a:effectLst/>
-                <a:latin typeface="Courier New" panose="02070309020205020404" pitchFamily="49" charset="0"/>
-                <a:cs typeface="Courier New" panose="02070309020205020404" pitchFamily="49" charset="0"/>
-              </a:rPr>
-              <a:t>def </a:t>
-            </a:r>
-            <a:r>
-              <a:rPr kumimoji="0" lang="en-US" altLang="en-US" sz="1400" b="0" i="0" u="none" strike="noStrike" cap="none" normalizeH="0" baseline="0" dirty="0">
-                <a:ln>
-                  <a:noFill/>
-                </a:ln>
-                <a:solidFill>
-                  <a:srgbClr val="FFC66D"/>
-                </a:solidFill>
-                <a:effectLst/>
-                <a:latin typeface="Courier New" panose="02070309020205020404" pitchFamily="49" charset="0"/>
-                <a:cs typeface="Courier New" panose="02070309020205020404" pitchFamily="49" charset="0"/>
-              </a:rPr>
-              <a:t>preprocess</a:t>
-            </a:r>
-            <a:r>
-              <a:rPr kumimoji="0" lang="en-US" altLang="en-US" sz="1400" b="0" i="0" u="none" strike="noStrike" cap="none" normalizeH="0" baseline="0" dirty="0">
-                <a:ln>
-                  <a:noFill/>
-                </a:ln>
-                <a:solidFill>
-                  <a:srgbClr val="A9B7C6"/>
-                </a:solidFill>
-                <a:effectLst/>
-                <a:latin typeface="Courier New" panose="02070309020205020404" pitchFamily="49" charset="0"/>
-                <a:cs typeface="Courier New" panose="02070309020205020404" pitchFamily="49" charset="0"/>
-              </a:rPr>
-              <a:t>(x):</a:t>
-            </a:r>
-            <a:br>
-              <a:rPr kumimoji="0" lang="en-US" altLang="en-US" sz="1400" b="0" i="0" u="none" strike="noStrike" cap="none" normalizeH="0" baseline="0" dirty="0">
-                <a:ln>
-                  <a:noFill/>
-                </a:ln>
-                <a:solidFill>
-                  <a:srgbClr val="A9B7C6"/>
-                </a:solidFill>
-                <a:effectLst/>
-                <a:latin typeface="Courier New" panose="02070309020205020404" pitchFamily="49" charset="0"/>
-                <a:cs typeface="Courier New" panose="02070309020205020404" pitchFamily="49" charset="0"/>
-              </a:rPr>
-            </a:br>
-            <a:r>
-              <a:rPr kumimoji="0" lang="en-US" altLang="en-US" sz="1400" b="0" i="0" u="none" strike="noStrike" cap="none" normalizeH="0" baseline="0" dirty="0">
-                <a:ln>
-                  <a:noFill/>
-                </a:ln>
-                <a:solidFill>
-                  <a:srgbClr val="A9B7C6"/>
-                </a:solidFill>
-                <a:effectLst/>
-                <a:latin typeface="Courier New" panose="02070309020205020404" pitchFamily="49" charset="0"/>
-                <a:cs typeface="Courier New" panose="02070309020205020404" pitchFamily="49" charset="0"/>
-              </a:rPr>
-              <a:t>    </a:t>
-            </a:r>
-            <a:r>
-              <a:rPr kumimoji="0" lang="en-US" altLang="en-US" sz="1400" b="0" i="0" u="none" strike="noStrike" cap="none" normalizeH="0" baseline="0" dirty="0">
-                <a:ln>
-                  <a:noFill/>
-                </a:ln>
-                <a:solidFill>
-                  <a:srgbClr val="CC7832"/>
-                </a:solidFill>
-                <a:effectLst/>
-                <a:latin typeface="Courier New" panose="02070309020205020404" pitchFamily="49" charset="0"/>
-                <a:cs typeface="Courier New" panose="02070309020205020404" pitchFamily="49" charset="0"/>
-              </a:rPr>
-              <a:t>import </a:t>
-            </a:r>
-            <a:r>
-              <a:rPr kumimoji="0" lang="en-US" altLang="en-US" sz="1400" b="0" i="0" u="none" strike="noStrike" cap="none" normalizeH="0" baseline="0" dirty="0">
-                <a:ln>
-                  <a:noFill/>
-                </a:ln>
-                <a:solidFill>
-                  <a:srgbClr val="A9B7C6"/>
-                </a:solidFill>
-                <a:effectLst/>
-                <a:latin typeface="Courier New" panose="02070309020205020404" pitchFamily="49" charset="0"/>
-                <a:cs typeface="Courier New" panose="02070309020205020404" pitchFamily="49" charset="0"/>
-              </a:rPr>
-              <a:t>cv2</a:t>
-            </a:r>
-            <a:br>
-              <a:rPr kumimoji="0" lang="en-US" altLang="en-US" sz="1400" b="0" i="0" u="none" strike="noStrike" cap="none" normalizeH="0" baseline="0" dirty="0">
-                <a:ln>
-                  <a:noFill/>
-                </a:ln>
-                <a:solidFill>
-                  <a:srgbClr val="A9B7C6"/>
-                </a:solidFill>
-                <a:effectLst/>
-                <a:latin typeface="Courier New" panose="02070309020205020404" pitchFamily="49" charset="0"/>
-                <a:cs typeface="Courier New" panose="02070309020205020404" pitchFamily="49" charset="0"/>
-              </a:rPr>
-            </a:br>
-            <a:r>
-              <a:rPr kumimoji="0" lang="en-US" altLang="en-US" sz="1400" b="0" i="0" u="none" strike="noStrike" cap="none" normalizeH="0" baseline="0" dirty="0">
-                <a:ln>
-                  <a:noFill/>
-                </a:ln>
-                <a:solidFill>
-                  <a:srgbClr val="A9B7C6"/>
-                </a:solidFill>
-                <a:effectLst/>
-                <a:latin typeface="Courier New" panose="02070309020205020404" pitchFamily="49" charset="0"/>
-                <a:cs typeface="Courier New" panose="02070309020205020404" pitchFamily="49" charset="0"/>
-              </a:rPr>
-              <a:t>    </a:t>
-            </a:r>
-            <a:r>
-              <a:rPr kumimoji="0" lang="en-US" altLang="en-US" sz="1400" b="0" i="0" u="none" strike="noStrike" cap="none" normalizeH="0" baseline="0" dirty="0" err="1">
-                <a:ln>
-                  <a:noFill/>
-                </a:ln>
-                <a:solidFill>
-                  <a:srgbClr val="A9B7C6"/>
-                </a:solidFill>
-                <a:effectLst/>
-                <a:latin typeface="Courier New" panose="02070309020205020404" pitchFamily="49" charset="0"/>
-                <a:cs typeface="Courier New" panose="02070309020205020404" pitchFamily="49" charset="0"/>
-              </a:rPr>
-              <a:t>new_image</a:t>
-            </a:r>
-            <a:r>
-              <a:rPr kumimoji="0" lang="en-US" altLang="en-US" sz="1400" b="0" i="0" u="none" strike="noStrike" cap="none" normalizeH="0" baseline="0" dirty="0">
-                <a:ln>
-                  <a:noFill/>
-                </a:ln>
-                <a:solidFill>
-                  <a:srgbClr val="A9B7C6"/>
-                </a:solidFill>
-                <a:effectLst/>
-                <a:latin typeface="Courier New" panose="02070309020205020404" pitchFamily="49" charset="0"/>
-                <a:cs typeface="Courier New" panose="02070309020205020404" pitchFamily="49" charset="0"/>
-              </a:rPr>
-              <a:t> = cv2.resize(x)</a:t>
-            </a:r>
-            <a:br>
-              <a:rPr kumimoji="0" lang="en-US" altLang="en-US" sz="1400" b="0" i="0" u="none" strike="noStrike" cap="none" normalizeH="0" baseline="0" dirty="0">
-                <a:ln>
-                  <a:noFill/>
-                </a:ln>
-                <a:solidFill>
-                  <a:srgbClr val="A9B7C6"/>
-                </a:solidFill>
-                <a:effectLst/>
-                <a:latin typeface="Courier New" panose="02070309020205020404" pitchFamily="49" charset="0"/>
-                <a:cs typeface="Courier New" panose="02070309020205020404" pitchFamily="49" charset="0"/>
-              </a:rPr>
-            </a:br>
-            <a:r>
-              <a:rPr kumimoji="0" lang="en-US" altLang="en-US" sz="1400" b="0" i="0" u="none" strike="noStrike" cap="none" normalizeH="0" baseline="0" dirty="0">
-                <a:ln>
-                  <a:noFill/>
-                </a:ln>
-                <a:solidFill>
-                  <a:srgbClr val="A9B7C6"/>
-                </a:solidFill>
-                <a:effectLst/>
-                <a:latin typeface="Courier New" panose="02070309020205020404" pitchFamily="49" charset="0"/>
-                <a:cs typeface="Courier New" panose="02070309020205020404" pitchFamily="49" charset="0"/>
-              </a:rPr>
-              <a:t>    </a:t>
-            </a:r>
-            <a:r>
-              <a:rPr kumimoji="0" lang="en-US" altLang="en-US" sz="1400" b="0" i="0" u="none" strike="noStrike" cap="none" normalizeH="0" baseline="0" dirty="0">
-                <a:ln>
-                  <a:noFill/>
-                </a:ln>
-                <a:solidFill>
-                  <a:srgbClr val="CC7832"/>
-                </a:solidFill>
-                <a:effectLst/>
-                <a:latin typeface="Courier New" panose="02070309020205020404" pitchFamily="49" charset="0"/>
-                <a:cs typeface="Courier New" panose="02070309020205020404" pitchFamily="49" charset="0"/>
-              </a:rPr>
-              <a:t>return </a:t>
-            </a:r>
-            <a:r>
-              <a:rPr kumimoji="0" lang="en-US" altLang="en-US" sz="1400" b="0" i="0" u="none" strike="noStrike" cap="none" normalizeH="0" baseline="0" dirty="0" err="1">
-                <a:ln>
-                  <a:noFill/>
-                </a:ln>
-                <a:solidFill>
-                  <a:srgbClr val="A9B7C6"/>
-                </a:solidFill>
-                <a:effectLst/>
-                <a:latin typeface="Courier New" panose="02070309020205020404" pitchFamily="49" charset="0"/>
-                <a:cs typeface="Courier New" panose="02070309020205020404" pitchFamily="49" charset="0"/>
-              </a:rPr>
-              <a:t>new_image</a:t>
-            </a:r>
-            <a:br>
-              <a:rPr kumimoji="0" lang="en-US" altLang="en-US" sz="1400" b="0" i="0" u="none" strike="noStrike" cap="none" normalizeH="0" baseline="0" dirty="0">
-                <a:ln>
-                  <a:noFill/>
-                </a:ln>
-                <a:solidFill>
-                  <a:srgbClr val="A9B7C6"/>
-                </a:solidFill>
-                <a:effectLst/>
-                <a:latin typeface="Courier New" panose="02070309020205020404" pitchFamily="49" charset="0"/>
-                <a:cs typeface="Courier New" panose="02070309020205020404" pitchFamily="49" charset="0"/>
-              </a:rPr>
-            </a:br>
-            <a:br>
-              <a:rPr kumimoji="0" lang="en-US" altLang="en-US" sz="1400" b="0" i="0" u="none" strike="noStrike" cap="none" normalizeH="0" baseline="0" dirty="0">
-                <a:ln>
-                  <a:noFill/>
-                </a:ln>
-                <a:solidFill>
-                  <a:srgbClr val="A9B7C6"/>
-                </a:solidFill>
-                <a:effectLst/>
-                <a:latin typeface="Courier New" panose="02070309020205020404" pitchFamily="49" charset="0"/>
-                <a:cs typeface="Courier New" panose="02070309020205020404" pitchFamily="49" charset="0"/>
-              </a:rPr>
-            </a:br>
-            <a:r>
-              <a:rPr kumimoji="0" lang="en-US" altLang="en-US" sz="1400" b="0" i="0" u="none" strike="noStrike" cap="none" normalizeH="0" baseline="0" dirty="0">
-                <a:ln>
-                  <a:noFill/>
-                </a:ln>
-                <a:solidFill>
-                  <a:srgbClr val="CC7832"/>
-                </a:solidFill>
-                <a:effectLst/>
-                <a:latin typeface="Courier New" panose="02070309020205020404" pitchFamily="49" charset="0"/>
-                <a:cs typeface="Courier New" panose="02070309020205020404" pitchFamily="49" charset="0"/>
-              </a:rPr>
-              <a:t>def </a:t>
-            </a:r>
-            <a:r>
-              <a:rPr kumimoji="0" lang="en-US" altLang="en-US" sz="1400" b="0" i="0" u="none" strike="noStrike" cap="none" normalizeH="0" baseline="0" dirty="0" err="1">
-                <a:ln>
-                  <a:noFill/>
-                </a:ln>
-                <a:solidFill>
-                  <a:srgbClr val="FFC66D"/>
-                </a:solidFill>
-                <a:effectLst/>
-                <a:latin typeface="Courier New" panose="02070309020205020404" pitchFamily="49" charset="0"/>
-                <a:cs typeface="Courier New" panose="02070309020205020404" pitchFamily="49" charset="0"/>
-              </a:rPr>
-              <a:t>run_nnet</a:t>
-            </a:r>
-            <a:r>
-              <a:rPr kumimoji="0" lang="en-US" altLang="en-US" sz="1400" b="0" i="0" u="none" strike="noStrike" cap="none" normalizeH="0" baseline="0" dirty="0">
-                <a:ln>
-                  <a:noFill/>
-                </a:ln>
-                <a:solidFill>
-                  <a:srgbClr val="A9B7C6"/>
-                </a:solidFill>
-                <a:effectLst/>
-                <a:latin typeface="Courier New" panose="02070309020205020404" pitchFamily="49" charset="0"/>
-                <a:cs typeface="Courier New" panose="02070309020205020404" pitchFamily="49" charset="0"/>
-              </a:rPr>
-              <a:t>(x):</a:t>
-            </a:r>
-            <a:br>
-              <a:rPr kumimoji="0" lang="en-US" altLang="en-US" sz="1400" b="0" i="0" u="none" strike="noStrike" cap="none" normalizeH="0" baseline="0" dirty="0">
-                <a:ln>
-                  <a:noFill/>
-                </a:ln>
-                <a:solidFill>
-                  <a:srgbClr val="A9B7C6"/>
-                </a:solidFill>
-                <a:effectLst/>
-                <a:latin typeface="Courier New" panose="02070309020205020404" pitchFamily="49" charset="0"/>
-                <a:cs typeface="Courier New" panose="02070309020205020404" pitchFamily="49" charset="0"/>
-              </a:rPr>
-            </a:br>
-            <a:r>
-              <a:rPr kumimoji="0" lang="en-US" altLang="en-US" sz="1400" b="0" i="0" u="none" strike="noStrike" cap="none" normalizeH="0" baseline="0" dirty="0">
-                <a:ln>
-                  <a:noFill/>
-                </a:ln>
-                <a:solidFill>
-                  <a:srgbClr val="A9B7C6"/>
-                </a:solidFill>
-                <a:effectLst/>
-                <a:latin typeface="Courier New" panose="02070309020205020404" pitchFamily="49" charset="0"/>
-                <a:cs typeface="Courier New" panose="02070309020205020404" pitchFamily="49" charset="0"/>
-              </a:rPr>
-              <a:t>    </a:t>
-            </a:r>
-            <a:r>
-              <a:rPr kumimoji="0" lang="en-US" altLang="en-US" sz="1400" b="0" i="0" u="none" strike="noStrike" cap="none" normalizeH="0" baseline="0" dirty="0">
-                <a:ln>
-                  <a:noFill/>
-                </a:ln>
-                <a:solidFill>
-                  <a:srgbClr val="CC7832"/>
-                </a:solidFill>
-                <a:effectLst/>
-                <a:latin typeface="Courier New" panose="02070309020205020404" pitchFamily="49" charset="0"/>
-                <a:cs typeface="Courier New" panose="02070309020205020404" pitchFamily="49" charset="0"/>
-              </a:rPr>
-              <a:t>import </a:t>
-            </a:r>
-            <a:r>
-              <a:rPr kumimoji="0" lang="en-US" altLang="en-US" sz="1400" b="0" i="0" u="none" strike="noStrike" cap="none" normalizeH="0" baseline="0" dirty="0" err="1">
-                <a:ln>
-                  <a:noFill/>
-                </a:ln>
-                <a:solidFill>
-                  <a:srgbClr val="A9B7C6"/>
-                </a:solidFill>
-                <a:effectLst/>
-                <a:latin typeface="Courier New" panose="02070309020205020404" pitchFamily="49" charset="0"/>
-                <a:cs typeface="Courier New" panose="02070309020205020404" pitchFamily="49" charset="0"/>
-              </a:rPr>
-              <a:t>nnet_model</a:t>
-            </a:r>
-            <a:br>
-              <a:rPr kumimoji="0" lang="en-US" altLang="en-US" sz="1400" b="0" i="0" u="none" strike="noStrike" cap="none" normalizeH="0" baseline="0" dirty="0">
-                <a:ln>
-                  <a:noFill/>
-                </a:ln>
-                <a:solidFill>
-                  <a:srgbClr val="A9B7C6"/>
-                </a:solidFill>
-                <a:effectLst/>
-                <a:latin typeface="Courier New" panose="02070309020205020404" pitchFamily="49" charset="0"/>
-                <a:cs typeface="Courier New" panose="02070309020205020404" pitchFamily="49" charset="0"/>
-              </a:rPr>
-            </a:br>
-            <a:r>
-              <a:rPr kumimoji="0" lang="en-US" altLang="en-US" sz="1400" b="0" i="0" u="none" strike="noStrike" cap="none" normalizeH="0" baseline="0" dirty="0">
-                <a:ln>
-                  <a:noFill/>
-                </a:ln>
-                <a:solidFill>
-                  <a:srgbClr val="A9B7C6"/>
-                </a:solidFill>
-                <a:effectLst/>
-                <a:latin typeface="Courier New" panose="02070309020205020404" pitchFamily="49" charset="0"/>
-                <a:cs typeface="Courier New" panose="02070309020205020404" pitchFamily="49" charset="0"/>
-              </a:rPr>
-              <a:t>    </a:t>
-            </a:r>
-            <a:r>
-              <a:rPr kumimoji="0" lang="en-US" altLang="en-US" sz="1400" b="0" i="0" u="none" strike="noStrike" cap="none" normalizeH="0" baseline="0" dirty="0" err="1">
-                <a:ln>
-                  <a:noFill/>
-                </a:ln>
-                <a:solidFill>
-                  <a:srgbClr val="A9B7C6"/>
-                </a:solidFill>
-                <a:effectLst/>
-                <a:latin typeface="Courier New" panose="02070309020205020404" pitchFamily="49" charset="0"/>
-                <a:cs typeface="Courier New" panose="02070309020205020404" pitchFamily="49" charset="0"/>
-              </a:rPr>
-              <a:t>nnet_model.run</a:t>
-            </a:r>
-            <a:r>
-              <a:rPr kumimoji="0" lang="en-US" altLang="en-US" sz="1400" b="0" i="0" u="none" strike="noStrike" cap="none" normalizeH="0" baseline="0" dirty="0">
-                <a:ln>
-                  <a:noFill/>
-                </a:ln>
-                <a:solidFill>
-                  <a:srgbClr val="A9B7C6"/>
-                </a:solidFill>
-                <a:effectLst/>
-                <a:latin typeface="Courier New" panose="02070309020205020404" pitchFamily="49" charset="0"/>
-                <a:cs typeface="Courier New" panose="02070309020205020404" pitchFamily="49" charset="0"/>
-              </a:rPr>
-              <a:t>(x)</a:t>
-            </a:r>
-            <a:br>
-              <a:rPr kumimoji="0" lang="en-US" altLang="en-US" sz="1400" b="0" i="0" u="none" strike="noStrike" cap="none" normalizeH="0" baseline="0" dirty="0">
-                <a:ln>
-                  <a:noFill/>
-                </a:ln>
-                <a:solidFill>
-                  <a:srgbClr val="A9B7C6"/>
-                </a:solidFill>
-                <a:effectLst/>
-                <a:latin typeface="Courier New" panose="02070309020205020404" pitchFamily="49" charset="0"/>
-                <a:cs typeface="Courier New" panose="02070309020205020404" pitchFamily="49" charset="0"/>
-              </a:rPr>
-            </a:br>
-            <a:br>
-              <a:rPr kumimoji="0" lang="en-US" altLang="en-US" sz="1400" b="0" i="0" u="none" strike="noStrike" cap="none" normalizeH="0" baseline="0" dirty="0">
-                <a:ln>
-                  <a:noFill/>
-                </a:ln>
-                <a:solidFill>
-                  <a:srgbClr val="A9B7C6"/>
-                </a:solidFill>
-                <a:effectLst/>
-                <a:latin typeface="Courier New" panose="02070309020205020404" pitchFamily="49" charset="0"/>
-                <a:cs typeface="Courier New" panose="02070309020205020404" pitchFamily="49" charset="0"/>
-              </a:rPr>
-            </a:br>
-            <a:r>
-              <a:rPr kumimoji="0" lang="en-US" altLang="en-US" sz="1400" b="0" i="0" u="none" strike="noStrike" cap="none" normalizeH="0" baseline="0" dirty="0">
-                <a:ln>
-                  <a:noFill/>
-                </a:ln>
-                <a:solidFill>
-                  <a:srgbClr val="CC7832"/>
-                </a:solidFill>
-                <a:effectLst/>
-                <a:latin typeface="Courier New" panose="02070309020205020404" pitchFamily="49" charset="0"/>
-                <a:cs typeface="Courier New" panose="02070309020205020404" pitchFamily="49" charset="0"/>
-              </a:rPr>
-              <a:t>def </a:t>
-            </a:r>
-            <a:r>
-              <a:rPr kumimoji="0" lang="en-US" altLang="en-US" sz="1400" b="0" i="0" u="none" strike="noStrike" cap="none" normalizeH="0" baseline="0" dirty="0" err="1">
-                <a:ln>
-                  <a:noFill/>
-                </a:ln>
-                <a:solidFill>
-                  <a:srgbClr val="FFC66D"/>
-                </a:solidFill>
-                <a:effectLst/>
-                <a:latin typeface="Courier New" panose="02070309020205020404" pitchFamily="49" charset="0"/>
-                <a:cs typeface="Courier New" panose="02070309020205020404" pitchFamily="49" charset="0"/>
-              </a:rPr>
-              <a:t>write_result</a:t>
-            </a:r>
-            <a:r>
-              <a:rPr kumimoji="0" lang="en-US" altLang="en-US" sz="1400" b="0" i="0" u="none" strike="noStrike" cap="none" normalizeH="0" baseline="0" dirty="0">
-                <a:ln>
-                  <a:noFill/>
-                </a:ln>
-                <a:solidFill>
-                  <a:srgbClr val="A9B7C6"/>
-                </a:solidFill>
-                <a:effectLst/>
-                <a:latin typeface="Courier New" panose="02070309020205020404" pitchFamily="49" charset="0"/>
-                <a:cs typeface="Courier New" panose="02070309020205020404" pitchFamily="49" charset="0"/>
-              </a:rPr>
-              <a:t>(x):</a:t>
-            </a:r>
-            <a:br>
-              <a:rPr kumimoji="0" lang="en-US" altLang="en-US" sz="1400" b="0" i="0" u="none" strike="noStrike" cap="none" normalizeH="0" baseline="0" dirty="0">
-                <a:ln>
-                  <a:noFill/>
-                </a:ln>
-                <a:solidFill>
-                  <a:srgbClr val="A9B7C6"/>
-                </a:solidFill>
-                <a:effectLst/>
-                <a:latin typeface="Courier New" panose="02070309020205020404" pitchFamily="49" charset="0"/>
-                <a:cs typeface="Courier New" panose="02070309020205020404" pitchFamily="49" charset="0"/>
-              </a:rPr>
-            </a:br>
-            <a:r>
-              <a:rPr kumimoji="0" lang="en-US" altLang="en-US" sz="1400" b="0" i="0" u="none" strike="noStrike" cap="none" normalizeH="0" baseline="0" dirty="0">
-                <a:ln>
-                  <a:noFill/>
-                </a:ln>
-                <a:solidFill>
-                  <a:srgbClr val="A9B7C6"/>
-                </a:solidFill>
-                <a:effectLst/>
-                <a:latin typeface="Courier New" panose="02070309020205020404" pitchFamily="49" charset="0"/>
-                <a:cs typeface="Courier New" panose="02070309020205020404" pitchFamily="49" charset="0"/>
-              </a:rPr>
-              <a:t>    </a:t>
-            </a:r>
-            <a:r>
-              <a:rPr kumimoji="0" lang="en-US" altLang="en-US" sz="1400" b="0" i="0" u="none" strike="noStrike" cap="none" normalizeH="0" baseline="0" dirty="0">
-                <a:ln>
-                  <a:noFill/>
-                </a:ln>
-                <a:solidFill>
-                  <a:srgbClr val="CC7832"/>
-                </a:solidFill>
-                <a:effectLst/>
-                <a:latin typeface="Courier New" panose="02070309020205020404" pitchFamily="49" charset="0"/>
-                <a:cs typeface="Courier New" panose="02070309020205020404" pitchFamily="49" charset="0"/>
-              </a:rPr>
-              <a:t>import </a:t>
-            </a:r>
-            <a:r>
-              <a:rPr kumimoji="0" lang="en-US" altLang="en-US" sz="1400" b="0" i="0" u="none" strike="noStrike" cap="none" normalizeH="0" baseline="0" dirty="0" err="1">
-                <a:ln>
-                  <a:noFill/>
-                </a:ln>
-                <a:solidFill>
-                  <a:srgbClr val="A9B7C6"/>
-                </a:solidFill>
-                <a:effectLst/>
-                <a:latin typeface="Courier New" panose="02070309020205020404" pitchFamily="49" charset="0"/>
-                <a:cs typeface="Courier New" panose="02070309020205020404" pitchFamily="49" charset="0"/>
-              </a:rPr>
-              <a:t>redis</a:t>
-            </a:r>
-            <a:br>
-              <a:rPr kumimoji="0" lang="en-US" altLang="en-US" sz="1400" b="0" i="0" u="none" strike="noStrike" cap="none" normalizeH="0" baseline="0" dirty="0">
-                <a:ln>
-                  <a:noFill/>
-                </a:ln>
-                <a:solidFill>
-                  <a:srgbClr val="A9B7C6"/>
-                </a:solidFill>
-                <a:effectLst/>
-                <a:latin typeface="Courier New" panose="02070309020205020404" pitchFamily="49" charset="0"/>
-                <a:cs typeface="Courier New" panose="02070309020205020404" pitchFamily="49" charset="0"/>
-              </a:rPr>
-            </a:br>
-            <a:r>
-              <a:rPr kumimoji="0" lang="en-US" altLang="en-US" sz="1400" b="0" i="0" u="none" strike="noStrike" cap="none" normalizeH="0" baseline="0" dirty="0">
-                <a:ln>
-                  <a:noFill/>
-                </a:ln>
-                <a:solidFill>
-                  <a:srgbClr val="A9B7C6"/>
-                </a:solidFill>
-                <a:effectLst/>
-                <a:latin typeface="Courier New" panose="02070309020205020404" pitchFamily="49" charset="0"/>
-                <a:cs typeface="Courier New" panose="02070309020205020404" pitchFamily="49" charset="0"/>
-              </a:rPr>
-              <a:t>    </a:t>
-            </a:r>
-            <a:r>
-              <a:rPr kumimoji="0" lang="en-US" altLang="en-US" sz="1400" b="0" i="0" u="none" strike="noStrike" cap="none" normalizeH="0" baseline="0" dirty="0" err="1">
-                <a:ln>
-                  <a:noFill/>
-                </a:ln>
-                <a:solidFill>
-                  <a:srgbClr val="A9B7C6"/>
-                </a:solidFill>
-                <a:effectLst/>
-                <a:latin typeface="Courier New" panose="02070309020205020404" pitchFamily="49" charset="0"/>
-                <a:cs typeface="Courier New" panose="02070309020205020404" pitchFamily="49" charset="0"/>
-              </a:rPr>
-              <a:t>redis.write</a:t>
-            </a:r>
-            <a:r>
-              <a:rPr kumimoji="0" lang="en-US" altLang="en-US" sz="1400" b="0" i="0" u="none" strike="noStrike" cap="none" normalizeH="0" baseline="0" dirty="0">
-                <a:ln>
-                  <a:noFill/>
-                </a:ln>
-                <a:solidFill>
-                  <a:srgbClr val="A9B7C6"/>
-                </a:solidFill>
-                <a:effectLst/>
-                <a:latin typeface="Courier New" panose="02070309020205020404" pitchFamily="49" charset="0"/>
-                <a:cs typeface="Courier New" panose="02070309020205020404" pitchFamily="49" charset="0"/>
-              </a:rPr>
-              <a:t>(</a:t>
-            </a:r>
-            <a:r>
-              <a:rPr kumimoji="0" lang="en-US" altLang="en-US" sz="1400" b="0" i="0" u="none" strike="noStrike" cap="none" normalizeH="0" baseline="0" dirty="0">
-                <a:ln>
-                  <a:noFill/>
-                </a:ln>
-                <a:solidFill>
-                  <a:srgbClr val="6A8759"/>
-                </a:solidFill>
-                <a:effectLst/>
-                <a:latin typeface="Courier New" panose="02070309020205020404" pitchFamily="49" charset="0"/>
-                <a:cs typeface="Courier New" panose="02070309020205020404" pitchFamily="49" charset="0"/>
-              </a:rPr>
-              <a:t>"result"</a:t>
-            </a:r>
-            <a:r>
-              <a:rPr kumimoji="0" lang="en-US" altLang="en-US" sz="1400" b="0" i="0" u="none" strike="noStrike" cap="none" normalizeH="0" baseline="0" dirty="0">
-                <a:ln>
-                  <a:noFill/>
-                </a:ln>
-                <a:solidFill>
-                  <a:srgbClr val="CC7832"/>
-                </a:solidFill>
-                <a:effectLst/>
-                <a:latin typeface="Courier New" panose="02070309020205020404" pitchFamily="49" charset="0"/>
-                <a:cs typeface="Courier New" panose="02070309020205020404" pitchFamily="49" charset="0"/>
-              </a:rPr>
-              <a:t>, </a:t>
-            </a:r>
-            <a:r>
-              <a:rPr kumimoji="0" lang="en-US" altLang="en-US" sz="1400" b="0" i="0" u="none" strike="noStrike" cap="none" normalizeH="0" baseline="0" dirty="0">
-                <a:ln>
-                  <a:noFill/>
-                </a:ln>
-                <a:solidFill>
-                  <a:srgbClr val="A9B7C6"/>
-                </a:solidFill>
-                <a:effectLst/>
-                <a:latin typeface="Courier New" panose="02070309020205020404" pitchFamily="49" charset="0"/>
-                <a:cs typeface="Courier New" panose="02070309020205020404" pitchFamily="49" charset="0"/>
-              </a:rPr>
-              <a:t>x)</a:t>
-            </a:r>
-            <a:br>
-              <a:rPr kumimoji="0" lang="en-US" altLang="en-US" sz="1400" b="0" i="0" u="none" strike="noStrike" cap="none" normalizeH="0" baseline="0" dirty="0">
-                <a:ln>
-                  <a:noFill/>
-                </a:ln>
-                <a:solidFill>
-                  <a:srgbClr val="A9B7C6"/>
-                </a:solidFill>
-                <a:effectLst/>
-                <a:latin typeface="Courier New" panose="02070309020205020404" pitchFamily="49" charset="0"/>
-                <a:cs typeface="Courier New" panose="02070309020205020404" pitchFamily="49" charset="0"/>
-              </a:rPr>
-            </a:br>
-            <a:br>
-              <a:rPr kumimoji="0" lang="en-US" altLang="en-US" sz="1400" b="0" i="0" u="none" strike="noStrike" cap="none" normalizeH="0" baseline="0" dirty="0">
-                <a:ln>
-                  <a:noFill/>
-                </a:ln>
-                <a:solidFill>
-                  <a:srgbClr val="A9B7C6"/>
-                </a:solidFill>
-                <a:effectLst/>
-                <a:latin typeface="Courier New" panose="02070309020205020404" pitchFamily="49" charset="0"/>
-                <a:cs typeface="Courier New" panose="02070309020205020404" pitchFamily="49" charset="0"/>
-              </a:rPr>
-            </a:br>
-            <a:r>
-              <a:rPr kumimoji="0" lang="en-US" altLang="en-US" sz="1400" b="0" i="0" u="none" strike="noStrike" cap="none" normalizeH="0" baseline="0" dirty="0" err="1">
-                <a:ln>
-                  <a:noFill/>
-                </a:ln>
-                <a:solidFill>
-                  <a:srgbClr val="A9B7C6"/>
-                </a:solidFill>
-                <a:effectLst/>
-                <a:latin typeface="Courier New" panose="02070309020205020404" pitchFamily="49" charset="0"/>
-                <a:cs typeface="Courier New" panose="02070309020205020404" pitchFamily="49" charset="0"/>
-              </a:rPr>
-              <a:t>fns</a:t>
-            </a:r>
-            <a:r>
-              <a:rPr kumimoji="0" lang="en-US" altLang="en-US" sz="1400" b="0" i="0" u="none" strike="noStrike" cap="none" normalizeH="0" baseline="0" dirty="0">
-                <a:ln>
-                  <a:noFill/>
-                </a:ln>
-                <a:solidFill>
-                  <a:srgbClr val="A9B7C6"/>
-                </a:solidFill>
-                <a:effectLst/>
-                <a:latin typeface="Courier New" panose="02070309020205020404" pitchFamily="49" charset="0"/>
-                <a:cs typeface="Courier New" panose="02070309020205020404" pitchFamily="49" charset="0"/>
-              </a:rPr>
-              <a:t> = [</a:t>
-            </a:r>
-            <a:r>
-              <a:rPr kumimoji="0" lang="en-US" altLang="en-US" sz="1400" b="0" i="0" u="none" strike="noStrike" cap="none" normalizeH="0" baseline="0" dirty="0" err="1">
-                <a:ln>
-                  <a:noFill/>
-                </a:ln>
-                <a:solidFill>
-                  <a:srgbClr val="A9B7C6"/>
-                </a:solidFill>
-                <a:effectLst/>
-                <a:latin typeface="Courier New" panose="02070309020205020404" pitchFamily="49" charset="0"/>
-                <a:cs typeface="Courier New" panose="02070309020205020404" pitchFamily="49" charset="0"/>
-              </a:rPr>
-              <a:t>read_sensor</a:t>
-            </a:r>
-            <a:r>
-              <a:rPr kumimoji="0" lang="en-US" altLang="en-US" sz="1400" b="0" i="0" u="none" strike="noStrike" cap="none" normalizeH="0" baseline="0" dirty="0">
-                <a:ln>
-                  <a:noFill/>
-                </a:ln>
-                <a:solidFill>
-                  <a:srgbClr val="CC7832"/>
-                </a:solidFill>
-                <a:effectLst/>
-                <a:latin typeface="Courier New" panose="02070309020205020404" pitchFamily="49" charset="0"/>
-                <a:cs typeface="Courier New" panose="02070309020205020404" pitchFamily="49" charset="0"/>
-              </a:rPr>
-              <a:t>, </a:t>
-            </a:r>
-            <a:r>
-              <a:rPr kumimoji="0" lang="en-US" altLang="en-US" sz="1400" b="0" i="0" u="none" strike="noStrike" cap="none" normalizeH="0" baseline="0" dirty="0">
-                <a:ln>
-                  <a:noFill/>
-                </a:ln>
-                <a:solidFill>
-                  <a:srgbClr val="A9B7C6"/>
-                </a:solidFill>
-                <a:effectLst/>
-                <a:latin typeface="Courier New" panose="02070309020205020404" pitchFamily="49" charset="0"/>
-                <a:cs typeface="Courier New" panose="02070309020205020404" pitchFamily="49" charset="0"/>
-              </a:rPr>
-              <a:t>preprocess</a:t>
-            </a:r>
-            <a:r>
-              <a:rPr kumimoji="0" lang="en-US" altLang="en-US" sz="1400" b="0" i="0" u="none" strike="noStrike" cap="none" normalizeH="0" baseline="0" dirty="0">
-                <a:ln>
-                  <a:noFill/>
-                </a:ln>
-                <a:solidFill>
-                  <a:srgbClr val="CC7832"/>
-                </a:solidFill>
-                <a:effectLst/>
-                <a:latin typeface="Courier New" panose="02070309020205020404" pitchFamily="49" charset="0"/>
-                <a:cs typeface="Courier New" panose="02070309020205020404" pitchFamily="49" charset="0"/>
-              </a:rPr>
-              <a:t>, </a:t>
-            </a:r>
-            <a:r>
-              <a:rPr kumimoji="0" lang="en-US" altLang="en-US" sz="1400" b="0" i="0" u="none" strike="noStrike" cap="none" normalizeH="0" baseline="0" dirty="0" err="1">
-                <a:ln>
-                  <a:noFill/>
-                </a:ln>
-                <a:solidFill>
-                  <a:srgbClr val="A9B7C6"/>
-                </a:solidFill>
-                <a:effectLst/>
-                <a:latin typeface="Courier New" panose="02070309020205020404" pitchFamily="49" charset="0"/>
-                <a:cs typeface="Courier New" panose="02070309020205020404" pitchFamily="49" charset="0"/>
-              </a:rPr>
-              <a:t>run_nnet</a:t>
-            </a:r>
-            <a:r>
-              <a:rPr kumimoji="0" lang="en-US" altLang="en-US" sz="1400" b="0" i="0" u="none" strike="noStrike" cap="none" normalizeH="0" baseline="0" dirty="0">
-                <a:ln>
-                  <a:noFill/>
-                </a:ln>
-                <a:solidFill>
-                  <a:srgbClr val="CC7832"/>
-                </a:solidFill>
-                <a:effectLst/>
-                <a:latin typeface="Courier New" panose="02070309020205020404" pitchFamily="49" charset="0"/>
-                <a:cs typeface="Courier New" panose="02070309020205020404" pitchFamily="49" charset="0"/>
-              </a:rPr>
-              <a:t>, </a:t>
-            </a:r>
-            <a:r>
-              <a:rPr kumimoji="0" lang="en-US" altLang="en-US" sz="1400" b="0" i="0" u="none" strike="noStrike" cap="none" normalizeH="0" baseline="0" dirty="0" err="1">
-                <a:ln>
-                  <a:noFill/>
-                </a:ln>
-                <a:solidFill>
-                  <a:srgbClr val="A9B7C6"/>
-                </a:solidFill>
-                <a:effectLst/>
-                <a:latin typeface="Courier New" panose="02070309020205020404" pitchFamily="49" charset="0"/>
-                <a:cs typeface="Courier New" panose="02070309020205020404" pitchFamily="49" charset="0"/>
-              </a:rPr>
-              <a:t>write_result</a:t>
-            </a:r>
-            <a:r>
-              <a:rPr kumimoji="0" lang="en-US" altLang="en-US" sz="1400" b="0" i="0" u="none" strike="noStrike" cap="none" normalizeH="0" baseline="0" dirty="0">
-                <a:ln>
-                  <a:noFill/>
-                </a:ln>
-                <a:solidFill>
-                  <a:srgbClr val="A9B7C6"/>
-                </a:solidFill>
-                <a:effectLst/>
-                <a:latin typeface="Courier New" panose="02070309020205020404" pitchFamily="49" charset="0"/>
-                <a:cs typeface="Courier New" panose="02070309020205020404" pitchFamily="49" charset="0"/>
-              </a:rPr>
-              <a:t>]</a:t>
-            </a:r>
-            <a:br>
-              <a:rPr kumimoji="0" lang="en-US" altLang="en-US" sz="1400" b="0" i="0" u="none" strike="noStrike" cap="none" normalizeH="0" baseline="0" dirty="0">
-                <a:ln>
-                  <a:noFill/>
-                </a:ln>
-                <a:solidFill>
-                  <a:srgbClr val="A9B7C6"/>
-                </a:solidFill>
-                <a:effectLst/>
-                <a:latin typeface="Courier New" panose="02070309020205020404" pitchFamily="49" charset="0"/>
-                <a:cs typeface="Courier New" panose="02070309020205020404" pitchFamily="49" charset="0"/>
-              </a:rPr>
-            </a:br>
-            <a:br>
-              <a:rPr kumimoji="0" lang="en-US" altLang="en-US" sz="1400" b="0" i="0" u="none" strike="noStrike" cap="none" normalizeH="0" baseline="0" dirty="0">
-                <a:ln>
-                  <a:noFill/>
-                </a:ln>
-                <a:solidFill>
-                  <a:srgbClr val="A9B7C6"/>
-                </a:solidFill>
-                <a:effectLst/>
-                <a:latin typeface="Courier New" panose="02070309020205020404" pitchFamily="49" charset="0"/>
-                <a:cs typeface="Courier New" panose="02070309020205020404" pitchFamily="49" charset="0"/>
-              </a:rPr>
-            </a:br>
-            <a:r>
-              <a:rPr kumimoji="0" lang="en-US" altLang="en-US" sz="1400" b="0" i="0" u="none" strike="noStrike" cap="none" normalizeH="0" baseline="0" dirty="0">
-                <a:ln>
-                  <a:noFill/>
-                </a:ln>
-                <a:solidFill>
-                  <a:srgbClr val="A9B7C6"/>
-                </a:solidFill>
-                <a:effectLst/>
-                <a:latin typeface="Courier New" panose="02070309020205020404" pitchFamily="49" charset="0"/>
-                <a:cs typeface="Courier New" panose="02070309020205020404" pitchFamily="49" charset="0"/>
-              </a:rPr>
-              <a:t>start = </a:t>
-            </a:r>
-            <a:r>
-              <a:rPr kumimoji="0" lang="en-US" altLang="en-US" sz="1400" b="0" i="0" u="none" strike="noStrike" cap="none" normalizeH="0" baseline="0" dirty="0">
-                <a:ln>
-                  <a:noFill/>
-                </a:ln>
-                <a:solidFill>
-                  <a:srgbClr val="6A8759"/>
-                </a:solidFill>
-                <a:effectLst/>
-                <a:latin typeface="Courier New" panose="02070309020205020404" pitchFamily="49" charset="0"/>
-                <a:cs typeface="Courier New" panose="02070309020205020404" pitchFamily="49" charset="0"/>
-              </a:rPr>
-              <a:t>"</a:t>
-            </a:r>
-            <a:r>
-              <a:rPr kumimoji="0" lang="en-US" altLang="en-US" sz="1400" b="0" i="0" u="none" strike="noStrike" cap="none" normalizeH="0" baseline="0" dirty="0" err="1">
-                <a:ln>
-                  <a:noFill/>
-                </a:ln>
-                <a:solidFill>
-                  <a:srgbClr val="6A8759"/>
-                </a:solidFill>
-                <a:effectLst/>
-                <a:latin typeface="Courier New" panose="02070309020205020404" pitchFamily="49" charset="0"/>
-                <a:cs typeface="Courier New" panose="02070309020205020404" pitchFamily="49" charset="0"/>
-              </a:rPr>
-              <a:t>my_edge</a:t>
-            </a:r>
-            <a:r>
-              <a:rPr kumimoji="0" lang="en-US" altLang="en-US" sz="1400" b="0" i="0" u="none" strike="noStrike" cap="none" normalizeH="0" baseline="0" dirty="0">
-                <a:ln>
-                  <a:noFill/>
-                </a:ln>
-                <a:solidFill>
-                  <a:srgbClr val="6A8759"/>
-                </a:solidFill>
-                <a:effectLst/>
-                <a:latin typeface="Courier New" panose="02070309020205020404" pitchFamily="49" charset="0"/>
-                <a:cs typeface="Courier New" panose="02070309020205020404" pitchFamily="49" charset="0"/>
-              </a:rPr>
-              <a:t>"</a:t>
-            </a:r>
-            <a:br>
-              <a:rPr kumimoji="0" lang="en-US" altLang="en-US" sz="1400" b="0" i="0" u="none" strike="noStrike" cap="none" normalizeH="0" baseline="0" dirty="0">
-                <a:ln>
-                  <a:noFill/>
-                </a:ln>
-                <a:solidFill>
-                  <a:srgbClr val="6A8759"/>
-                </a:solidFill>
-                <a:effectLst/>
-                <a:latin typeface="Courier New" panose="02070309020205020404" pitchFamily="49" charset="0"/>
-                <a:cs typeface="Courier New" panose="02070309020205020404" pitchFamily="49" charset="0"/>
-              </a:rPr>
-            </a:br>
-            <a:r>
-              <a:rPr kumimoji="0" lang="en-US" altLang="en-US" sz="1400" b="0" i="0" u="none" strike="noStrike" cap="none" normalizeH="0" baseline="0" dirty="0">
-                <a:ln>
-                  <a:noFill/>
-                </a:ln>
-                <a:solidFill>
-                  <a:srgbClr val="A9B7C6"/>
-                </a:solidFill>
-                <a:effectLst/>
-                <a:latin typeface="Courier New" panose="02070309020205020404" pitchFamily="49" charset="0"/>
-                <a:cs typeface="Courier New" panose="02070309020205020404" pitchFamily="49" charset="0"/>
-              </a:rPr>
-              <a:t>end = </a:t>
-            </a:r>
-            <a:r>
-              <a:rPr kumimoji="0" lang="en-US" altLang="en-US" sz="1400" b="0" i="0" u="none" strike="noStrike" cap="none" normalizeH="0" baseline="0" dirty="0">
-                <a:ln>
-                  <a:noFill/>
-                </a:ln>
-                <a:solidFill>
-                  <a:srgbClr val="6A8759"/>
-                </a:solidFill>
-                <a:effectLst/>
-                <a:latin typeface="Courier New" panose="02070309020205020404" pitchFamily="49" charset="0"/>
-                <a:cs typeface="Courier New" panose="02070309020205020404" pitchFamily="49" charset="0"/>
-              </a:rPr>
-              <a:t>"</a:t>
-            </a:r>
-            <a:r>
-              <a:rPr kumimoji="0" lang="en-US" altLang="en-US" sz="1400" b="0" i="0" u="none" strike="noStrike" cap="none" normalizeH="0" baseline="0" dirty="0" err="1">
-                <a:ln>
-                  <a:noFill/>
-                </a:ln>
-                <a:solidFill>
-                  <a:srgbClr val="6A8759"/>
-                </a:solidFill>
-                <a:effectLst/>
-                <a:latin typeface="Courier New" panose="02070309020205020404" pitchFamily="49" charset="0"/>
-                <a:cs typeface="Courier New" panose="02070309020205020404" pitchFamily="49" charset="0"/>
-              </a:rPr>
-              <a:t>my_cloud</a:t>
-            </a:r>
-            <a:r>
-              <a:rPr kumimoji="0" lang="en-US" altLang="en-US" sz="1400" b="0" i="0" u="none" strike="noStrike" cap="none" normalizeH="0" baseline="0" dirty="0">
-                <a:ln>
-                  <a:noFill/>
-                </a:ln>
-                <a:solidFill>
-                  <a:srgbClr val="6A8759"/>
-                </a:solidFill>
-                <a:effectLst/>
-                <a:latin typeface="Courier New" panose="02070309020205020404" pitchFamily="49" charset="0"/>
-                <a:cs typeface="Courier New" panose="02070309020205020404" pitchFamily="49" charset="0"/>
-              </a:rPr>
-              <a:t>"</a:t>
-            </a:r>
-            <a:br>
-              <a:rPr kumimoji="0" lang="en-US" altLang="en-US" sz="1400" b="0" i="0" u="none" strike="noStrike" cap="none" normalizeH="0" baseline="0" dirty="0">
-                <a:ln>
-                  <a:noFill/>
-                </a:ln>
-                <a:solidFill>
-                  <a:srgbClr val="6A8759"/>
-                </a:solidFill>
-                <a:effectLst/>
-                <a:latin typeface="Courier New" panose="02070309020205020404" pitchFamily="49" charset="0"/>
-                <a:cs typeface="Courier New" panose="02070309020205020404" pitchFamily="49" charset="0"/>
-              </a:rPr>
-            </a:br>
-            <a:r>
-              <a:rPr kumimoji="0" lang="en-US" altLang="en-US" sz="1400" b="0" i="0" u="none" strike="noStrike" cap="none" normalizeH="0" baseline="0" dirty="0" err="1">
-                <a:ln>
-                  <a:noFill/>
-                </a:ln>
-                <a:solidFill>
-                  <a:srgbClr val="CC7832"/>
-                </a:solidFill>
-                <a:effectLst/>
-                <a:latin typeface="Courier New" panose="02070309020205020404" pitchFamily="49" charset="0"/>
-                <a:cs typeface="Courier New" panose="02070309020205020404" pitchFamily="49" charset="0"/>
-              </a:rPr>
-              <a:t>nomad</a:t>
-            </a:r>
-            <a:r>
-              <a:rPr kumimoji="0" lang="en-US" altLang="en-US" sz="1400" b="0" i="0" u="none" strike="noStrike" cap="none" normalizeH="0" baseline="0" dirty="0" err="1">
-                <a:ln>
-                  <a:noFill/>
-                </a:ln>
-                <a:solidFill>
-                  <a:srgbClr val="6A8759"/>
-                </a:solidFill>
-                <a:effectLst/>
-                <a:latin typeface="Courier New" panose="02070309020205020404" pitchFamily="49" charset="0"/>
-                <a:cs typeface="Courier New" panose="02070309020205020404" pitchFamily="49" charset="0"/>
-              </a:rPr>
-              <a:t>.</a:t>
-            </a:r>
-            <a:r>
-              <a:rPr kumimoji="0" lang="en-US" altLang="en-US" sz="1400" b="0" i="0" u="none" strike="noStrike" cap="none" normalizeH="0" baseline="0" dirty="0" err="1">
-                <a:ln>
-                  <a:noFill/>
-                </a:ln>
-                <a:solidFill>
-                  <a:srgbClr val="A9B7C6"/>
-                </a:solidFill>
-                <a:effectLst/>
-                <a:latin typeface="Courier New" panose="02070309020205020404" pitchFamily="49" charset="0"/>
-                <a:cs typeface="Courier New" panose="02070309020205020404" pitchFamily="49" charset="0"/>
-              </a:rPr>
-              <a:t>submit_pipeline</a:t>
-            </a:r>
-            <a:r>
-              <a:rPr kumimoji="0" lang="en-US" altLang="en-US" sz="1400" b="0" i="0" u="none" strike="noStrike" cap="none" normalizeH="0" baseline="0" dirty="0">
-                <a:ln>
-                  <a:noFill/>
-                </a:ln>
-                <a:solidFill>
-                  <a:srgbClr val="A9B7C6"/>
-                </a:solidFill>
-                <a:effectLst/>
-                <a:latin typeface="Courier New" panose="02070309020205020404" pitchFamily="49" charset="0"/>
-                <a:cs typeface="Courier New" panose="02070309020205020404" pitchFamily="49" charset="0"/>
-              </a:rPr>
-              <a:t>(</a:t>
-            </a:r>
-            <a:r>
-              <a:rPr kumimoji="0" lang="en-US" altLang="en-US" sz="1400" b="0" i="0" u="none" strike="noStrike" cap="none" normalizeH="0" baseline="0" dirty="0" err="1">
-                <a:ln>
-                  <a:noFill/>
-                </a:ln>
-                <a:solidFill>
-                  <a:srgbClr val="A9B7C6"/>
-                </a:solidFill>
-                <a:effectLst/>
-                <a:latin typeface="Courier New" panose="02070309020205020404" pitchFamily="49" charset="0"/>
-                <a:cs typeface="Courier New" panose="02070309020205020404" pitchFamily="49" charset="0"/>
-              </a:rPr>
-              <a:t>fns</a:t>
-            </a:r>
-            <a:r>
-              <a:rPr kumimoji="0" lang="en-US" altLang="en-US" sz="1400" b="0" i="0" u="none" strike="noStrike" cap="none" normalizeH="0" baseline="0" dirty="0">
-                <a:ln>
-                  <a:noFill/>
-                </a:ln>
-                <a:solidFill>
-                  <a:srgbClr val="CC7832"/>
-                </a:solidFill>
-                <a:effectLst/>
-                <a:latin typeface="Courier New" panose="02070309020205020404" pitchFamily="49" charset="0"/>
-                <a:cs typeface="Courier New" panose="02070309020205020404" pitchFamily="49" charset="0"/>
-              </a:rPr>
-              <a:t>, </a:t>
-            </a:r>
-            <a:r>
-              <a:rPr kumimoji="0" lang="en-US" altLang="en-US" sz="1400" b="0" i="0" u="none" strike="noStrike" cap="none" normalizeH="0" baseline="0" dirty="0">
-                <a:ln>
-                  <a:noFill/>
-                </a:ln>
-                <a:solidFill>
-                  <a:srgbClr val="A9B7C6"/>
-                </a:solidFill>
-                <a:effectLst/>
-                <a:latin typeface="Courier New" panose="02070309020205020404" pitchFamily="49" charset="0"/>
-                <a:cs typeface="Courier New" panose="02070309020205020404" pitchFamily="49" charset="0"/>
-              </a:rPr>
-              <a:t>start</a:t>
-            </a:r>
-            <a:r>
-              <a:rPr kumimoji="0" lang="en-US" altLang="en-US" sz="1400" b="0" i="0" u="none" strike="noStrike" cap="none" normalizeH="0" baseline="0" dirty="0">
-                <a:ln>
-                  <a:noFill/>
-                </a:ln>
-                <a:solidFill>
-                  <a:srgbClr val="CC7832"/>
-                </a:solidFill>
-                <a:effectLst/>
-                <a:latin typeface="Courier New" panose="02070309020205020404" pitchFamily="49" charset="0"/>
-                <a:cs typeface="Courier New" panose="02070309020205020404" pitchFamily="49" charset="0"/>
-              </a:rPr>
-              <a:t>, </a:t>
-            </a:r>
-            <a:r>
-              <a:rPr kumimoji="0" lang="en-US" altLang="en-US" sz="1400" b="0" i="0" u="none" strike="noStrike" cap="none" normalizeH="0" baseline="0" dirty="0">
-                <a:ln>
-                  <a:noFill/>
-                </a:ln>
-                <a:solidFill>
-                  <a:srgbClr val="A9B7C6"/>
-                </a:solidFill>
-                <a:effectLst/>
-                <a:latin typeface="Courier New" panose="02070309020205020404" pitchFamily="49" charset="0"/>
-                <a:cs typeface="Courier New" panose="02070309020205020404" pitchFamily="49" charset="0"/>
-              </a:rPr>
-              <a:t>end)</a:t>
-            </a:r>
-            <a:endParaRPr kumimoji="0" lang="en-US" altLang="en-US" sz="3600" b="0" i="0" u="none" strike="noStrike" cap="none" normalizeH="0" baseline="0" dirty="0">
-              <a:ln>
-                <a:noFill/>
-              </a:ln>
-              <a:solidFill>
-                <a:schemeClr val="tx1"/>
-              </a:solidFill>
-              <a:effectLst/>
-              <a:latin typeface="Arial" panose="020B0604020202020204" pitchFamily="34" charset="0"/>
-            </a:endParaRPr>
-          </a:p>
-        </p:txBody>
-      </p:sp>
-      <p:sp>
-        <p:nvSpPr>
-          <p:cNvPr id="7" name="TextBox 6">
-            <a:extLst>
-              <a:ext uri="{FF2B5EF4-FFF2-40B4-BE49-F238E27FC236}">
-                <a16:creationId xmlns:a16="http://schemas.microsoft.com/office/drawing/2014/main" id="{B449DEAD-930F-49F3-9592-CEACBA4E707B}"/>
-              </a:ext>
-            </a:extLst>
-          </p:cNvPr>
-          <p:cNvSpPr txBox="1"/>
-          <p:nvPr/>
-        </p:nvSpPr>
-        <p:spPr>
-          <a:xfrm>
-            <a:off x="3963088" y="2744185"/>
-            <a:ext cx="1021524" cy="2215991"/>
-          </a:xfrm>
-          <a:prstGeom prst="rect">
-            <a:avLst/>
-          </a:prstGeom>
-          <a:noFill/>
-        </p:spPr>
-        <p:txBody>
-          <a:bodyPr wrap="square" rtlCol="0">
-            <a:spAutoFit/>
-          </a:bodyPr>
-          <a:lstStyle/>
-          <a:p>
-            <a:pPr algn="ctr"/>
-            <a:r>
-              <a:rPr lang="en-US" sz="13800" b="1" dirty="0"/>
-              <a:t>=</a:t>
-            </a:r>
-          </a:p>
-        </p:txBody>
-      </p:sp>
-      <p:pic>
-        <p:nvPicPr>
-          <p:cNvPr id="8" name="Picture 7">
-            <a:extLst>
-              <a:ext uri="{FF2B5EF4-FFF2-40B4-BE49-F238E27FC236}">
-                <a16:creationId xmlns:a16="http://schemas.microsoft.com/office/drawing/2014/main" id="{28951019-4346-42F3-AA60-35BE09EA2653}"/>
-              </a:ext>
-            </a:extLst>
-          </p:cNvPr>
-          <p:cNvPicPr>
-            <a:picLocks noChangeAspect="1"/>
-          </p:cNvPicPr>
-          <p:nvPr/>
-        </p:nvPicPr>
-        <p:blipFill>
-          <a:blip r:embed="rId2"/>
-          <a:stretch>
-            <a:fillRect/>
-          </a:stretch>
-        </p:blipFill>
-        <p:spPr>
-          <a:xfrm>
-            <a:off x="1677933" y="1325649"/>
-            <a:ext cx="1156708" cy="1156706"/>
-          </a:xfrm>
-          <a:prstGeom prst="rect">
-            <a:avLst/>
-          </a:prstGeom>
-        </p:spPr>
-      </p:pic>
-      <p:sp>
-        <p:nvSpPr>
-          <p:cNvPr id="9" name="TextBox 8">
-            <a:extLst>
-              <a:ext uri="{FF2B5EF4-FFF2-40B4-BE49-F238E27FC236}">
-                <a16:creationId xmlns:a16="http://schemas.microsoft.com/office/drawing/2014/main" id="{27626166-F6D6-4870-9252-49E76DDCDD90}"/>
-              </a:ext>
-            </a:extLst>
-          </p:cNvPr>
-          <p:cNvSpPr txBox="1"/>
-          <p:nvPr/>
-        </p:nvSpPr>
-        <p:spPr>
-          <a:xfrm>
-            <a:off x="1155962" y="2306042"/>
-            <a:ext cx="2200647" cy="276999"/>
-          </a:xfrm>
-          <a:prstGeom prst="rect">
-            <a:avLst/>
-          </a:prstGeom>
-          <a:noFill/>
-        </p:spPr>
-        <p:txBody>
-          <a:bodyPr wrap="square" rtlCol="0">
-            <a:spAutoFit/>
-          </a:bodyPr>
-          <a:lstStyle/>
-          <a:p>
-            <a:pPr algn="ctr"/>
-            <a:r>
-              <a:rPr lang="en-US" sz="1200" b="1" dirty="0"/>
-              <a:t>Video Capture</a:t>
-            </a:r>
-          </a:p>
-        </p:txBody>
-      </p:sp>
-      <p:pic>
-        <p:nvPicPr>
-          <p:cNvPr id="10" name="Picture 2" descr="Image result for traffic surveillance camera">
-            <a:extLst>
-              <a:ext uri="{FF2B5EF4-FFF2-40B4-BE49-F238E27FC236}">
-                <a16:creationId xmlns:a16="http://schemas.microsoft.com/office/drawing/2014/main" id="{95C2C771-8EA7-48E8-9EB7-187AABDD2AFF}"/>
-              </a:ext>
-            </a:extLst>
-          </p:cNvPr>
-          <p:cNvPicPr>
-            <a:picLocks noChangeAspect="1" noChangeArrowheads="1"/>
-          </p:cNvPicPr>
-          <p:nvPr/>
-        </p:nvPicPr>
-        <p:blipFill rotWithShape="1">
-          <a:blip r:embed="rId3">
-            <a:extLst>
-              <a:ext uri="{BEBA8EAE-BF5A-486C-A8C5-ECC9F3942E4B}">
-                <a14:imgProps xmlns:a14="http://schemas.microsoft.com/office/drawing/2010/main">
-                  <a14:imgLayer r:embed="rId4">
-                    <a14:imgEffect>
-                      <a14:artisticPencilSketch/>
-                    </a14:imgEffect>
-                  </a14:imgLayer>
-                </a14:imgProps>
-              </a:ext>
-              <a:ext uri="{28A0092B-C50C-407E-A947-70E740481C1C}">
-                <a14:useLocalDpi xmlns:a14="http://schemas.microsoft.com/office/drawing/2010/main" val="0"/>
-              </a:ext>
-            </a:extLst>
-          </a:blip>
-          <a:srcRect r="51943"/>
-          <a:stretch/>
-        </p:blipFill>
-        <p:spPr bwMode="auto">
-          <a:xfrm>
-            <a:off x="1611522" y="2932510"/>
-            <a:ext cx="1289526" cy="992979"/>
-          </a:xfrm>
-          <a:prstGeom prst="rect">
-            <a:avLst/>
-          </a:prstGeom>
-          <a:noFill/>
-          <a:extLst>
-            <a:ext uri="{909E8E84-426E-40DD-AFC4-6F175D3DCCD1}">
-              <a14:hiddenFill xmlns:a14="http://schemas.microsoft.com/office/drawing/2010/main">
-                <a:solidFill>
-                  <a:srgbClr val="FFFFFF"/>
-                </a:solidFill>
-              </a14:hiddenFill>
-            </a:ext>
-          </a:extLst>
-        </p:spPr>
-      </p:pic>
-      <p:pic>
-        <p:nvPicPr>
-          <p:cNvPr id="11" name="Picture 4" descr="Image result for neural network">
-            <a:extLst>
-              <a:ext uri="{FF2B5EF4-FFF2-40B4-BE49-F238E27FC236}">
-                <a16:creationId xmlns:a16="http://schemas.microsoft.com/office/drawing/2014/main" id="{232E7092-6CBF-406C-A7C2-DEAA3749D693}"/>
-              </a:ext>
-            </a:extLst>
-          </p:cNvPr>
-          <p:cNvPicPr>
-            <a:picLocks noChangeAspect="1" noChangeArrowheads="1"/>
-          </p:cNvPicPr>
-          <p:nvPr/>
-        </p:nvPicPr>
-        <p:blipFill rotWithShape="1">
-          <a:blip r:embed="rId5">
-            <a:extLst>
-              <a:ext uri="{28A0092B-C50C-407E-A947-70E740481C1C}">
-                <a14:useLocalDpi xmlns:a14="http://schemas.microsoft.com/office/drawing/2010/main" val="0"/>
-              </a:ext>
-            </a:extLst>
-          </a:blip>
-          <a:srcRect b="9669"/>
-          <a:stretch/>
-        </p:blipFill>
-        <p:spPr bwMode="auto">
-          <a:xfrm>
-            <a:off x="1593343" y="4485172"/>
-            <a:ext cx="1431372" cy="845661"/>
-          </a:xfrm>
-          <a:prstGeom prst="rect">
-            <a:avLst/>
-          </a:prstGeom>
-          <a:noFill/>
-          <a:extLst>
-            <a:ext uri="{909E8E84-426E-40DD-AFC4-6F175D3DCCD1}">
-              <a14:hiddenFill xmlns:a14="http://schemas.microsoft.com/office/drawing/2010/main">
-                <a:solidFill>
-                  <a:srgbClr val="FFFFFF"/>
-                </a:solidFill>
-              </a14:hiddenFill>
-            </a:ext>
-          </a:extLst>
-        </p:spPr>
-      </p:pic>
-      <p:sp>
-        <p:nvSpPr>
-          <p:cNvPr id="14" name="Arrow: Right 13">
-            <a:extLst>
-              <a:ext uri="{FF2B5EF4-FFF2-40B4-BE49-F238E27FC236}">
-                <a16:creationId xmlns:a16="http://schemas.microsoft.com/office/drawing/2014/main" id="{DDDB663B-6298-4976-AE51-9893FE95D9D9}"/>
-              </a:ext>
-            </a:extLst>
-          </p:cNvPr>
-          <p:cNvSpPr/>
-          <p:nvPr/>
-        </p:nvSpPr>
-        <p:spPr>
-          <a:xfrm rot="5400000">
-            <a:off x="2134998" y="2559639"/>
-            <a:ext cx="276999" cy="351799"/>
-          </a:xfrm>
-          <a:prstGeom prst="rightArrow">
-            <a:avLst>
-              <a:gd name="adj1" fmla="val 40967"/>
-              <a:gd name="adj2" fmla="val 36245"/>
-            </a:avLst>
-          </a:prstGeom>
-        </p:spPr>
-        <p:style>
-          <a:lnRef idx="2">
-            <a:schemeClr val="accent1">
-              <a:shade val="50000"/>
-            </a:schemeClr>
-          </a:lnRef>
-          <a:fillRef idx="1">
-            <a:schemeClr val="accent1"/>
-          </a:fillRef>
-          <a:effectRef idx="0">
-            <a:schemeClr val="accent1"/>
-          </a:effectRef>
-          <a:fontRef idx="minor">
-            <a:schemeClr val="lt1"/>
-          </a:fontRef>
-        </p:style>
-        <p:txBody>
-          <a:bodyPr rtlCol="0" anchor="ctr"/>
-          <a:lstStyle/>
-          <a:p>
-            <a:pPr algn="ctr"/>
-            <a:endParaRPr lang="en-US"/>
-          </a:p>
-        </p:txBody>
-      </p:sp>
-      <p:pic>
-        <p:nvPicPr>
-          <p:cNvPr id="17" name="Picture 16">
-            <a:extLst>
-              <a:ext uri="{FF2B5EF4-FFF2-40B4-BE49-F238E27FC236}">
-                <a16:creationId xmlns:a16="http://schemas.microsoft.com/office/drawing/2014/main" id="{3C040FB0-5290-4C26-9997-E917ACE81405}"/>
-              </a:ext>
-            </a:extLst>
-          </p:cNvPr>
-          <p:cNvPicPr>
-            <a:picLocks noChangeAspect="1"/>
-          </p:cNvPicPr>
-          <p:nvPr/>
-        </p:nvPicPr>
-        <p:blipFill>
-          <a:blip r:embed="rId6">
-            <a:extLst>
-              <a:ext uri="{28A0092B-C50C-407E-A947-70E740481C1C}">
-                <a14:useLocalDpi xmlns:a14="http://schemas.microsoft.com/office/drawing/2010/main" val="0"/>
-              </a:ext>
-            </a:extLst>
-          </a:blip>
-          <a:stretch>
-            <a:fillRect/>
-          </a:stretch>
-        </p:blipFill>
-        <p:spPr>
-          <a:xfrm>
-            <a:off x="1970427" y="5907445"/>
-            <a:ext cx="571712" cy="571712"/>
-          </a:xfrm>
-          <a:prstGeom prst="rect">
-            <a:avLst/>
-          </a:prstGeom>
-        </p:spPr>
-      </p:pic>
-      <p:sp>
-        <p:nvSpPr>
-          <p:cNvPr id="18" name="TextBox 17">
-            <a:extLst>
-              <a:ext uri="{FF2B5EF4-FFF2-40B4-BE49-F238E27FC236}">
-                <a16:creationId xmlns:a16="http://schemas.microsoft.com/office/drawing/2014/main" id="{C242A23F-76BE-4931-9CD9-278A5E38BBE1}"/>
-              </a:ext>
-            </a:extLst>
-          </p:cNvPr>
-          <p:cNvSpPr txBox="1"/>
-          <p:nvPr/>
-        </p:nvSpPr>
-        <p:spPr>
-          <a:xfrm>
-            <a:off x="1135605" y="3921342"/>
-            <a:ext cx="2200647" cy="276999"/>
-          </a:xfrm>
-          <a:prstGeom prst="rect">
-            <a:avLst/>
-          </a:prstGeom>
-          <a:noFill/>
-        </p:spPr>
-        <p:txBody>
-          <a:bodyPr wrap="square" rtlCol="0">
-            <a:spAutoFit/>
-          </a:bodyPr>
-          <a:lstStyle/>
-          <a:p>
-            <a:pPr algn="ctr"/>
-            <a:r>
-              <a:rPr lang="en-US" sz="1200" b="1" dirty="0"/>
-              <a:t>Preprocessing</a:t>
-            </a:r>
-          </a:p>
-        </p:txBody>
-      </p:sp>
-      <p:sp>
-        <p:nvSpPr>
-          <p:cNvPr id="19" name="TextBox 18">
-            <a:extLst>
-              <a:ext uri="{FF2B5EF4-FFF2-40B4-BE49-F238E27FC236}">
-                <a16:creationId xmlns:a16="http://schemas.microsoft.com/office/drawing/2014/main" id="{5E8FDD70-9938-41A6-9732-4B10F0358E12}"/>
-              </a:ext>
-            </a:extLst>
-          </p:cNvPr>
-          <p:cNvSpPr txBox="1"/>
-          <p:nvPr/>
-        </p:nvSpPr>
-        <p:spPr>
-          <a:xfrm>
-            <a:off x="1117687" y="5287984"/>
-            <a:ext cx="2200647" cy="276999"/>
-          </a:xfrm>
-          <a:prstGeom prst="rect">
-            <a:avLst/>
-          </a:prstGeom>
-          <a:noFill/>
-        </p:spPr>
-        <p:txBody>
-          <a:bodyPr wrap="square" rtlCol="0">
-            <a:spAutoFit/>
-          </a:bodyPr>
-          <a:lstStyle/>
-          <a:p>
-            <a:pPr algn="ctr"/>
-            <a:r>
-              <a:rPr lang="en-US" sz="1200" b="1" dirty="0"/>
-              <a:t>Inference</a:t>
-            </a:r>
-          </a:p>
-        </p:txBody>
-      </p:sp>
-      <p:sp>
-        <p:nvSpPr>
-          <p:cNvPr id="20" name="TextBox 19">
-            <a:extLst>
-              <a:ext uri="{FF2B5EF4-FFF2-40B4-BE49-F238E27FC236}">
-                <a16:creationId xmlns:a16="http://schemas.microsoft.com/office/drawing/2014/main" id="{C6E15DAA-B7E2-482D-A106-450659A3BE7D}"/>
-              </a:ext>
-            </a:extLst>
-          </p:cNvPr>
-          <p:cNvSpPr txBox="1"/>
-          <p:nvPr/>
-        </p:nvSpPr>
-        <p:spPr>
-          <a:xfrm>
-            <a:off x="1155959" y="6479157"/>
-            <a:ext cx="2200647" cy="276999"/>
-          </a:xfrm>
-          <a:prstGeom prst="rect">
-            <a:avLst/>
-          </a:prstGeom>
-          <a:noFill/>
-        </p:spPr>
-        <p:txBody>
-          <a:bodyPr wrap="square" rtlCol="0">
-            <a:spAutoFit/>
-          </a:bodyPr>
-          <a:lstStyle/>
-          <a:p>
-            <a:pPr algn="ctr"/>
-            <a:r>
-              <a:rPr lang="en-US" sz="1200" b="1" dirty="0"/>
-              <a:t>Write Result</a:t>
-            </a:r>
-          </a:p>
-        </p:txBody>
-      </p:sp>
-      <p:sp>
-        <p:nvSpPr>
-          <p:cNvPr id="21" name="Arrow: Right 20">
-            <a:extLst>
-              <a:ext uri="{FF2B5EF4-FFF2-40B4-BE49-F238E27FC236}">
-                <a16:creationId xmlns:a16="http://schemas.microsoft.com/office/drawing/2014/main" id="{C79454A1-A36D-4A27-8812-4927152C9497}"/>
-              </a:ext>
-            </a:extLst>
-          </p:cNvPr>
-          <p:cNvSpPr/>
-          <p:nvPr/>
-        </p:nvSpPr>
-        <p:spPr>
-          <a:xfrm rot="5400000">
-            <a:off x="2131445" y="4148797"/>
-            <a:ext cx="276999" cy="351799"/>
-          </a:xfrm>
-          <a:prstGeom prst="rightArrow">
-            <a:avLst>
-              <a:gd name="adj1" fmla="val 40967"/>
-              <a:gd name="adj2" fmla="val 36245"/>
-            </a:avLst>
-          </a:prstGeom>
-        </p:spPr>
-        <p:style>
-          <a:lnRef idx="2">
-            <a:schemeClr val="accent1">
-              <a:shade val="50000"/>
-            </a:schemeClr>
-          </a:lnRef>
-          <a:fillRef idx="1">
-            <a:schemeClr val="accent1"/>
-          </a:fillRef>
-          <a:effectRef idx="0">
-            <a:schemeClr val="accent1"/>
-          </a:effectRef>
-          <a:fontRef idx="minor">
-            <a:schemeClr val="lt1"/>
-          </a:fontRef>
-        </p:style>
-        <p:txBody>
-          <a:bodyPr rtlCol="0" anchor="ctr"/>
-          <a:lstStyle/>
-          <a:p>
-            <a:pPr algn="ctr"/>
-            <a:endParaRPr lang="en-US"/>
-          </a:p>
-        </p:txBody>
-      </p:sp>
-      <p:sp>
-        <p:nvSpPr>
-          <p:cNvPr id="22" name="Arrow: Right 21">
-            <a:extLst>
-              <a:ext uri="{FF2B5EF4-FFF2-40B4-BE49-F238E27FC236}">
-                <a16:creationId xmlns:a16="http://schemas.microsoft.com/office/drawing/2014/main" id="{E4836033-E16E-45FE-B137-F70026AE179D}"/>
-              </a:ext>
-            </a:extLst>
-          </p:cNvPr>
-          <p:cNvSpPr/>
-          <p:nvPr/>
-        </p:nvSpPr>
-        <p:spPr>
-          <a:xfrm rot="5400000">
-            <a:off x="2117784" y="5500079"/>
-            <a:ext cx="276999" cy="351799"/>
-          </a:xfrm>
-          <a:prstGeom prst="rightArrow">
-            <a:avLst>
-              <a:gd name="adj1" fmla="val 40967"/>
-              <a:gd name="adj2" fmla="val 36245"/>
-            </a:avLst>
-          </a:prstGeom>
-        </p:spPr>
-        <p:style>
-          <a:lnRef idx="2">
-            <a:schemeClr val="accent1">
-              <a:shade val="50000"/>
-            </a:schemeClr>
-          </a:lnRef>
-          <a:fillRef idx="1">
-            <a:schemeClr val="accent1"/>
-          </a:fillRef>
-          <a:effectRef idx="0">
-            <a:schemeClr val="accent1"/>
-          </a:effectRef>
-          <a:fontRef idx="minor">
-            <a:schemeClr val="lt1"/>
-          </a:fontRef>
-        </p:style>
-        <p:txBody>
-          <a:bodyPr rtlCol="0" anchor="ctr"/>
-          <a:lstStyle/>
-          <a:p>
-            <a:pPr algn="ctr"/>
-            <a:endParaRPr lang="en-US"/>
-          </a:p>
-        </p:txBody>
-      </p:sp>
-    </p:spTree>
-    <p:extLst>
-      <p:ext uri="{BB962C8B-B14F-4D97-AF65-F5344CB8AC3E}">
-        <p14:creationId xmlns:p14="http://schemas.microsoft.com/office/powerpoint/2010/main" val="3545561649"/>
-      </p:ext>
-    </p:extLst>
-  </p:cSld>
-  <p:clrMapOvr>
-    <a:masterClrMapping/>
-  </p:clrMapOvr>
-</p:sld>
-</file>
-
 <file path=ppt/slides/slide9.xml><?xml version="1.0" encoding="utf-8"?>
 <p:sld xmlns:a="http://schemas.openxmlformats.org/drawingml/2006/main" xmlns:r="http://schemas.openxmlformats.org/officeDocument/2006/relationships" xmlns:p="http://schemas.openxmlformats.org/presentationml/2006/main">
   <p:cSld>
@@ -16543,7 +19310,7 @@
           <a:p>
             <a:r>
               <a:rPr lang="en-US" dirty="0"/>
-              <a:t>Demo</a:t>
+              <a:t>Tutorial</a:t>
             </a:r>
           </a:p>
         </p:txBody>

--- a/tutorial/Nomad Bootcamp.pptx
+++ b/tutorial/Nomad Bootcamp.pptx
@@ -5,7 +5,7 @@
     <p:sldMasterId id="2147483648" r:id="rId1"/>
   </p:sldMasterIdLst>
   <p:notesMasterIdLst>
-    <p:notesMasterId r:id="rId13"/>
+    <p:notesMasterId r:id="rId12"/>
   </p:notesMasterIdLst>
   <p:sldIdLst>
     <p:sldId id="256" r:id="rId2"/>
@@ -16,9 +16,8 @@
     <p:sldId id="258" r:id="rId7"/>
     <p:sldId id="259" r:id="rId8"/>
     <p:sldId id="261" r:id="rId9"/>
-    <p:sldId id="268" r:id="rId10"/>
-    <p:sldId id="270" r:id="rId11"/>
-    <p:sldId id="269" r:id="rId12"/>
+    <p:sldId id="270" r:id="rId10"/>
+    <p:sldId id="268" r:id="rId11"/>
   </p:sldIdLst>
   <p:sldSz cx="12192000" cy="6858000"/>
   <p:notesSz cx="6858000" cy="9144000"/>
@@ -207,7 +206,7 @@
           <a:p>
             <a:fld id="{EB77A74B-FAF8-47A5-87AC-B1BD182C0A0E}" type="datetimeFigureOut">
               <a:rPr lang="en-US" smtClean="0"/>
-              <a:t>3/6/2019</a:t>
+              <a:t>3/11/2019</a:t>
             </a:fld>
             <a:endParaRPr lang="en-US"/>
           </a:p>
@@ -795,7 +794,7 @@
           <a:p>
             <a:fld id="{B9AB83B5-296D-4126-8B45-4FCD773400CF}" type="datetimeFigureOut">
               <a:rPr lang="en-US" smtClean="0"/>
-              <a:t>3/6/2019</a:t>
+              <a:t>3/11/2019</a:t>
             </a:fld>
             <a:endParaRPr lang="en-US"/>
           </a:p>
@@ -993,7 +992,7 @@
           <a:p>
             <a:fld id="{B9AB83B5-296D-4126-8B45-4FCD773400CF}" type="datetimeFigureOut">
               <a:rPr lang="en-US" smtClean="0"/>
-              <a:t>3/6/2019</a:t>
+              <a:t>3/11/2019</a:t>
             </a:fld>
             <a:endParaRPr lang="en-US"/>
           </a:p>
@@ -1201,7 +1200,7 @@
           <a:p>
             <a:fld id="{B9AB83B5-296D-4126-8B45-4FCD773400CF}" type="datetimeFigureOut">
               <a:rPr lang="en-US" smtClean="0"/>
-              <a:t>3/6/2019</a:t>
+              <a:t>3/11/2019</a:t>
             </a:fld>
             <a:endParaRPr lang="en-US"/>
           </a:p>
@@ -1399,7 +1398,7 @@
           <a:p>
             <a:fld id="{B9AB83B5-296D-4126-8B45-4FCD773400CF}" type="datetimeFigureOut">
               <a:rPr lang="en-US" smtClean="0"/>
-              <a:t>3/6/2019</a:t>
+              <a:t>3/11/2019</a:t>
             </a:fld>
             <a:endParaRPr lang="en-US"/>
           </a:p>
@@ -1674,7 +1673,7 @@
           <a:p>
             <a:fld id="{B9AB83B5-296D-4126-8B45-4FCD773400CF}" type="datetimeFigureOut">
               <a:rPr lang="en-US" smtClean="0"/>
-              <a:t>3/6/2019</a:t>
+              <a:t>3/11/2019</a:t>
             </a:fld>
             <a:endParaRPr lang="en-US"/>
           </a:p>
@@ -1939,7 +1938,7 @@
           <a:p>
             <a:fld id="{B9AB83B5-296D-4126-8B45-4FCD773400CF}" type="datetimeFigureOut">
               <a:rPr lang="en-US" smtClean="0"/>
-              <a:t>3/6/2019</a:t>
+              <a:t>3/11/2019</a:t>
             </a:fld>
             <a:endParaRPr lang="en-US"/>
           </a:p>
@@ -2351,7 +2350,7 @@
           <a:p>
             <a:fld id="{B9AB83B5-296D-4126-8B45-4FCD773400CF}" type="datetimeFigureOut">
               <a:rPr lang="en-US" smtClean="0"/>
-              <a:t>3/6/2019</a:t>
+              <a:t>3/11/2019</a:t>
             </a:fld>
             <a:endParaRPr lang="en-US"/>
           </a:p>
@@ -2492,7 +2491,7 @@
           <a:p>
             <a:fld id="{B9AB83B5-296D-4126-8B45-4FCD773400CF}" type="datetimeFigureOut">
               <a:rPr lang="en-US" smtClean="0"/>
-              <a:t>3/6/2019</a:t>
+              <a:t>3/11/2019</a:t>
             </a:fld>
             <a:endParaRPr lang="en-US"/>
           </a:p>
@@ -2605,7 +2604,7 @@
           <a:p>
             <a:fld id="{B9AB83B5-296D-4126-8B45-4FCD773400CF}" type="datetimeFigureOut">
               <a:rPr lang="en-US" smtClean="0"/>
-              <a:t>3/6/2019</a:t>
+              <a:t>3/11/2019</a:t>
             </a:fld>
             <a:endParaRPr lang="en-US"/>
           </a:p>
@@ -2916,7 +2915,7 @@
           <a:p>
             <a:fld id="{B9AB83B5-296D-4126-8B45-4FCD773400CF}" type="datetimeFigureOut">
               <a:rPr lang="en-US" smtClean="0"/>
-              <a:t>3/6/2019</a:t>
+              <a:t>3/11/2019</a:t>
             </a:fld>
             <a:endParaRPr lang="en-US"/>
           </a:p>
@@ -3204,7 +3203,7 @@
           <a:p>
             <a:fld id="{B9AB83B5-296D-4126-8B45-4FCD773400CF}" type="datetimeFigureOut">
               <a:rPr lang="en-US" smtClean="0"/>
-              <a:t>3/6/2019</a:t>
+              <a:t>3/11/2019</a:t>
             </a:fld>
             <a:endParaRPr lang="en-US"/>
           </a:p>
@@ -3445,7 +3444,7 @@
           <a:p>
             <a:fld id="{B9AB83B5-296D-4126-8B45-4FCD773400CF}" type="datetimeFigureOut">
               <a:rPr lang="en-US" smtClean="0"/>
-              <a:t>3/6/2019</a:t>
+              <a:t>3/11/2019</a:t>
             </a:fld>
             <a:endParaRPr lang="en-US"/>
           </a:p>
@@ -3878,14 +3877,21 @@
             <p:ph type="ctrTitle"/>
           </p:nvPr>
         </p:nvSpPr>
-        <p:spPr/>
+        <p:spPr>
+          <a:xfrm>
+            <a:off x="1524000" y="1021968"/>
+            <a:ext cx="9144000" cy="2387600"/>
+          </a:xfrm>
+        </p:spPr>
         <p:txBody>
-          <a:bodyPr/>
+          <a:bodyPr>
+            <a:normAutofit/>
+          </a:bodyPr>
           <a:lstStyle/>
           <a:p>
             <a:r>
-              <a:rPr lang="en-US" dirty="0"/>
-              <a:t>Nomad Bootcamp</a:t>
+              <a:rPr lang="en-US" sz="8000" b="1" dirty="0"/>
+              <a:t>Nomad Tutorial</a:t>
             </a:r>
           </a:p>
         </p:txBody>
@@ -3906,22 +3912,330 @@
             <p:ph type="subTitle" idx="1"/>
           </p:nvPr>
         </p:nvSpPr>
-        <p:spPr/>
+        <p:spPr>
+          <a:xfrm>
+            <a:off x="1524000" y="3501643"/>
+            <a:ext cx="9144000" cy="1655762"/>
+          </a:xfrm>
+        </p:spPr>
         <p:txBody>
           <a:bodyPr/>
           <a:lstStyle/>
           <a:p>
             <a:r>
+              <a:rPr lang="en-US" b="1" dirty="0"/>
+              <a:t>Romil Bhardwaj</a:t>
+            </a:r>
+            <a:r>
               <a:rPr lang="en-US" dirty="0"/>
-              <a:t>26</a:t>
-            </a:r>
-            <a:r>
-              <a:rPr lang="en-US" baseline="30000" dirty="0"/>
-              <a:t>th</a:t>
+              <a:t>, Alvin </a:t>
+            </a:r>
+            <a:r>
+              <a:rPr lang="en-US" dirty="0" err="1"/>
+              <a:t>Ghouas</a:t>
             </a:r>
             <a:r>
               <a:rPr lang="en-US" dirty="0"/>
-              <a:t> Feb 2019</a:t>
+              <a:t>, Prabal Dutta</a:t>
+            </a:r>
+          </a:p>
+        </p:txBody>
+      </p:sp>
+      <p:pic>
+        <p:nvPicPr>
+          <p:cNvPr id="1026" name="Picture 2" descr="http://lab11.eecs.berkeley.edu/images/lab11_1000px.jpg">
+            <a:extLst>
+              <a:ext uri="{FF2B5EF4-FFF2-40B4-BE49-F238E27FC236}">
+                <a16:creationId xmlns:a16="http://schemas.microsoft.com/office/drawing/2014/main" id="{E7EAD142-B0CC-4945-8420-2FCF1C17DC30}"/>
+              </a:ext>
+            </a:extLst>
+          </p:cNvPr>
+          <p:cNvPicPr>
+            <a:picLocks noChangeAspect="1" noChangeArrowheads="1"/>
+          </p:cNvPicPr>
+          <p:nvPr/>
+        </p:nvPicPr>
+        <p:blipFill>
+          <a:blip r:embed="rId2">
+            <a:extLst>
+              <a:ext uri="{28A0092B-C50C-407E-A947-70E740481C1C}">
+                <a14:useLocalDpi xmlns:a14="http://schemas.microsoft.com/office/drawing/2010/main" val="0"/>
+              </a:ext>
+            </a:extLst>
+          </a:blip>
+          <a:srcRect/>
+          <a:stretch>
+            <a:fillRect/>
+          </a:stretch>
+        </p:blipFill>
+        <p:spPr bwMode="auto">
+          <a:xfrm>
+            <a:off x="3924024" y="4471492"/>
+            <a:ext cx="1114211" cy="1086054"/>
+          </a:xfrm>
+          <a:prstGeom prst="rect">
+            <a:avLst/>
+          </a:prstGeom>
+          <a:noFill/>
+          <a:extLst>
+            <a:ext uri="{909E8E84-426E-40DD-AFC4-6F175D3DCCD1}">
+              <a14:hiddenFill xmlns:a14="http://schemas.microsoft.com/office/drawing/2010/main">
+                <a:solidFill>
+                  <a:srgbClr val="FFFFFF"/>
+                </a:solidFill>
+              </a14:hiddenFill>
+            </a:ext>
+          </a:extLst>
+        </p:spPr>
+      </p:pic>
+      <p:pic>
+        <p:nvPicPr>
+          <p:cNvPr id="1028" name="Picture 4" descr="https://www.logolynx.com/images/logolynx/fd/fd5cd789fa13d2bc2017e43668ce0836.png">
+            <a:extLst>
+              <a:ext uri="{FF2B5EF4-FFF2-40B4-BE49-F238E27FC236}">
+                <a16:creationId xmlns:a16="http://schemas.microsoft.com/office/drawing/2014/main" id="{1B11AB13-211A-4058-886A-B9AC144D3ABB}"/>
+              </a:ext>
+            </a:extLst>
+          </p:cNvPr>
+          <p:cNvPicPr>
+            <a:picLocks noChangeAspect="1" noChangeArrowheads="1"/>
+          </p:cNvPicPr>
+          <p:nvPr/>
+        </p:nvPicPr>
+        <p:blipFill>
+          <a:blip r:embed="rId3">
+            <a:extLst>
+              <a:ext uri="{28A0092B-C50C-407E-A947-70E740481C1C}">
+                <a14:useLocalDpi xmlns:a14="http://schemas.microsoft.com/office/drawing/2010/main" val="0"/>
+              </a:ext>
+            </a:extLst>
+          </a:blip>
+          <a:srcRect/>
+          <a:stretch>
+            <a:fillRect/>
+          </a:stretch>
+        </p:blipFill>
+        <p:spPr bwMode="auto">
+          <a:xfrm>
+            <a:off x="5416598" y="4642232"/>
+            <a:ext cx="3061204" cy="744574"/>
+          </a:xfrm>
+          <a:prstGeom prst="rect">
+            <a:avLst/>
+          </a:prstGeom>
+          <a:noFill/>
+          <a:extLst>
+            <a:ext uri="{909E8E84-426E-40DD-AFC4-6F175D3DCCD1}">
+              <a14:hiddenFill xmlns:a14="http://schemas.microsoft.com/office/drawing/2010/main">
+                <a:solidFill>
+                  <a:srgbClr val="FFFFFF"/>
+                </a:solidFill>
+              </a14:hiddenFill>
+            </a:ext>
+          </a:extLst>
+        </p:spPr>
+      </p:pic>
+      <p:sp>
+        <p:nvSpPr>
+          <p:cNvPr id="6" name="Subtitle 2">
+            <a:extLst>
+              <a:ext uri="{FF2B5EF4-FFF2-40B4-BE49-F238E27FC236}">
+                <a16:creationId xmlns:a16="http://schemas.microsoft.com/office/drawing/2014/main" id="{A9D3B26A-4E6C-4255-93F9-AA009BD928F5}"/>
+              </a:ext>
+            </a:extLst>
+          </p:cNvPr>
+          <p:cNvSpPr txBox="1">
+            <a:spLocks/>
+          </p:cNvSpPr>
+          <p:nvPr/>
+        </p:nvSpPr>
+        <p:spPr>
+          <a:xfrm>
+            <a:off x="1524000" y="6480888"/>
+            <a:ext cx="9144000" cy="906412"/>
+          </a:xfrm>
+          <a:prstGeom prst="rect">
+            <a:avLst/>
+          </a:prstGeom>
+        </p:spPr>
+        <p:txBody>
+          <a:bodyPr vert="horz" lIns="91440" tIns="45720" rIns="91440" bIns="45720" rtlCol="0">
+            <a:normAutofit/>
+          </a:bodyPr>
+          <a:lstStyle>
+            <a:lvl1pPr marL="0" indent="0" algn="ctr" defTabSz="914400" rtl="0" eaLnBrk="1" latinLnBrk="0" hangingPunct="1">
+              <a:lnSpc>
+                <a:spcPct val="90000"/>
+              </a:lnSpc>
+              <a:spcBef>
+                <a:spcPts val="1000"/>
+              </a:spcBef>
+              <a:buFont typeface="Arial" panose="020B0604020202020204" pitchFamily="34" charset="0"/>
+              <a:buNone/>
+              <a:defRPr sz="2400" kern="1200">
+                <a:solidFill>
+                  <a:schemeClr val="tx1"/>
+                </a:solidFill>
+                <a:latin typeface="+mn-lt"/>
+                <a:ea typeface="+mn-ea"/>
+                <a:cs typeface="+mn-cs"/>
+              </a:defRPr>
+            </a:lvl1pPr>
+            <a:lvl2pPr marL="457200" indent="0" algn="ctr" defTabSz="914400" rtl="0" eaLnBrk="1" latinLnBrk="0" hangingPunct="1">
+              <a:lnSpc>
+                <a:spcPct val="90000"/>
+              </a:lnSpc>
+              <a:spcBef>
+                <a:spcPts val="500"/>
+              </a:spcBef>
+              <a:buFont typeface="Arial" panose="020B0604020202020204" pitchFamily="34" charset="0"/>
+              <a:buNone/>
+              <a:defRPr sz="2000" kern="1200">
+                <a:solidFill>
+                  <a:schemeClr val="tx1"/>
+                </a:solidFill>
+                <a:latin typeface="+mn-lt"/>
+                <a:ea typeface="+mn-ea"/>
+                <a:cs typeface="+mn-cs"/>
+              </a:defRPr>
+            </a:lvl2pPr>
+            <a:lvl3pPr marL="914400" indent="0" algn="ctr" defTabSz="914400" rtl="0" eaLnBrk="1" latinLnBrk="0" hangingPunct="1">
+              <a:lnSpc>
+                <a:spcPct val="90000"/>
+              </a:lnSpc>
+              <a:spcBef>
+                <a:spcPts val="500"/>
+              </a:spcBef>
+              <a:buFont typeface="Arial" panose="020B0604020202020204" pitchFamily="34" charset="0"/>
+              <a:buNone/>
+              <a:defRPr sz="1800" kern="1200">
+                <a:solidFill>
+                  <a:schemeClr val="tx1"/>
+                </a:solidFill>
+                <a:latin typeface="+mn-lt"/>
+                <a:ea typeface="+mn-ea"/>
+                <a:cs typeface="+mn-cs"/>
+              </a:defRPr>
+            </a:lvl3pPr>
+            <a:lvl4pPr marL="1371600" indent="0" algn="ctr" defTabSz="914400" rtl="0" eaLnBrk="1" latinLnBrk="0" hangingPunct="1">
+              <a:lnSpc>
+                <a:spcPct val="90000"/>
+              </a:lnSpc>
+              <a:spcBef>
+                <a:spcPts val="500"/>
+              </a:spcBef>
+              <a:buFont typeface="Arial" panose="020B0604020202020204" pitchFamily="34" charset="0"/>
+              <a:buNone/>
+              <a:defRPr sz="1600" kern="1200">
+                <a:solidFill>
+                  <a:schemeClr val="tx1"/>
+                </a:solidFill>
+                <a:latin typeface="+mn-lt"/>
+                <a:ea typeface="+mn-ea"/>
+                <a:cs typeface="+mn-cs"/>
+              </a:defRPr>
+            </a:lvl4pPr>
+            <a:lvl5pPr marL="1828800" indent="0" algn="ctr" defTabSz="914400" rtl="0" eaLnBrk="1" latinLnBrk="0" hangingPunct="1">
+              <a:lnSpc>
+                <a:spcPct val="90000"/>
+              </a:lnSpc>
+              <a:spcBef>
+                <a:spcPts val="500"/>
+              </a:spcBef>
+              <a:buFont typeface="Arial" panose="020B0604020202020204" pitchFamily="34" charset="0"/>
+              <a:buNone/>
+              <a:defRPr sz="1600" kern="1200">
+                <a:solidFill>
+                  <a:schemeClr val="tx1"/>
+                </a:solidFill>
+                <a:latin typeface="+mn-lt"/>
+                <a:ea typeface="+mn-ea"/>
+                <a:cs typeface="+mn-cs"/>
+              </a:defRPr>
+            </a:lvl5pPr>
+            <a:lvl6pPr marL="2286000" indent="0" algn="ctr" defTabSz="914400" rtl="0" eaLnBrk="1" latinLnBrk="0" hangingPunct="1">
+              <a:lnSpc>
+                <a:spcPct val="90000"/>
+              </a:lnSpc>
+              <a:spcBef>
+                <a:spcPts val="500"/>
+              </a:spcBef>
+              <a:buFont typeface="Arial" panose="020B0604020202020204" pitchFamily="34" charset="0"/>
+              <a:buNone/>
+              <a:defRPr sz="1600" kern="1200">
+                <a:solidFill>
+                  <a:schemeClr val="tx1"/>
+                </a:solidFill>
+                <a:latin typeface="+mn-lt"/>
+                <a:ea typeface="+mn-ea"/>
+                <a:cs typeface="+mn-cs"/>
+              </a:defRPr>
+            </a:lvl6pPr>
+            <a:lvl7pPr marL="2743200" indent="0" algn="ctr" defTabSz="914400" rtl="0" eaLnBrk="1" latinLnBrk="0" hangingPunct="1">
+              <a:lnSpc>
+                <a:spcPct val="90000"/>
+              </a:lnSpc>
+              <a:spcBef>
+                <a:spcPts val="500"/>
+              </a:spcBef>
+              <a:buFont typeface="Arial" panose="020B0604020202020204" pitchFamily="34" charset="0"/>
+              <a:buNone/>
+              <a:defRPr sz="1600" kern="1200">
+                <a:solidFill>
+                  <a:schemeClr val="tx1"/>
+                </a:solidFill>
+                <a:latin typeface="+mn-lt"/>
+                <a:ea typeface="+mn-ea"/>
+                <a:cs typeface="+mn-cs"/>
+              </a:defRPr>
+            </a:lvl7pPr>
+            <a:lvl8pPr marL="3200400" indent="0" algn="ctr" defTabSz="914400" rtl="0" eaLnBrk="1" latinLnBrk="0" hangingPunct="1">
+              <a:lnSpc>
+                <a:spcPct val="90000"/>
+              </a:lnSpc>
+              <a:spcBef>
+                <a:spcPts val="500"/>
+              </a:spcBef>
+              <a:buFont typeface="Arial" panose="020B0604020202020204" pitchFamily="34" charset="0"/>
+              <a:buNone/>
+              <a:defRPr sz="1600" kern="1200">
+                <a:solidFill>
+                  <a:schemeClr val="tx1"/>
+                </a:solidFill>
+                <a:latin typeface="+mn-lt"/>
+                <a:ea typeface="+mn-ea"/>
+                <a:cs typeface="+mn-cs"/>
+              </a:defRPr>
+            </a:lvl8pPr>
+            <a:lvl9pPr marL="3657600" indent="0" algn="ctr" defTabSz="914400" rtl="0" eaLnBrk="1" latinLnBrk="0" hangingPunct="1">
+              <a:lnSpc>
+                <a:spcPct val="90000"/>
+              </a:lnSpc>
+              <a:spcBef>
+                <a:spcPts val="500"/>
+              </a:spcBef>
+              <a:buFont typeface="Arial" panose="020B0604020202020204" pitchFamily="34" charset="0"/>
+              <a:buNone/>
+              <a:defRPr sz="1600" kern="1200">
+                <a:solidFill>
+                  <a:schemeClr val="tx1"/>
+                </a:solidFill>
+                <a:latin typeface="+mn-lt"/>
+                <a:ea typeface="+mn-ea"/>
+                <a:cs typeface="+mn-cs"/>
+              </a:defRPr>
+            </a:lvl9pPr>
+          </a:lstStyle>
+          <a:p>
+            <a:r>
+              <a:rPr lang="en-US" sz="1800" b="1" dirty="0">
+                <a:solidFill>
+                  <a:schemeClr val="bg1">
+                    <a:lumMod val="50000"/>
+                  </a:schemeClr>
+                </a:solidFill>
+              </a:rPr>
+              <a:t>Please install Docker if you haven’t already</a:t>
             </a:r>
           </a:p>
         </p:txBody>
@@ -3961,7 +4275,7 @@
           <p:cNvPr id="2" name="Title 1">
             <a:extLst>
               <a:ext uri="{FF2B5EF4-FFF2-40B4-BE49-F238E27FC236}">
-                <a16:creationId xmlns:a16="http://schemas.microsoft.com/office/drawing/2014/main" id="{42E6FE64-2A95-4A31-A4C3-8CDAF2BB942D}"/>
+                <a16:creationId xmlns:a16="http://schemas.microsoft.com/office/drawing/2014/main" id="{458EF2CD-DF73-4C86-BAC3-9CA6192C52E3}"/>
               </a:ext>
             </a:extLst>
           </p:cNvPr>
@@ -3979,103 +4293,17 @@
           <a:p>
             <a:r>
               <a:rPr lang="en-US" dirty="0"/>
-              <a:t>Limitations</a:t>
+              <a:t>Tutorial</a:t>
             </a:r>
           </a:p>
         </p:txBody>
       </p:sp>
       <p:sp>
         <p:nvSpPr>
-          <p:cNvPr id="3" name="Content Placeholder 2">
+          <p:cNvPr id="4" name="Content Placeholder 3">
             <a:extLst>
               <a:ext uri="{FF2B5EF4-FFF2-40B4-BE49-F238E27FC236}">
-                <a16:creationId xmlns:a16="http://schemas.microsoft.com/office/drawing/2014/main" id="{146D6FED-C20E-4521-B21C-9260059D15FB}"/>
-              </a:ext>
-            </a:extLst>
-          </p:cNvPr>
-          <p:cNvSpPr>
-            <a:spLocks noGrp="1"/>
-          </p:cNvSpPr>
-          <p:nvPr>
-            <p:ph idx="1"/>
-          </p:nvPr>
-        </p:nvSpPr>
-        <p:spPr/>
-        <p:txBody>
-          <a:bodyPr/>
-          <a:lstStyle/>
-          <a:p>
-            <a:r>
-              <a:rPr lang="en-US" dirty="0"/>
-              <a:t>DAGs/Trees/Arbitrary Graphs</a:t>
-            </a:r>
-          </a:p>
-        </p:txBody>
-      </p:sp>
-    </p:spTree>
-    <p:extLst>
-      <p:ext uri="{BB962C8B-B14F-4D97-AF65-F5344CB8AC3E}">
-        <p14:creationId xmlns:p14="http://schemas.microsoft.com/office/powerpoint/2010/main" val="2016342584"/>
-      </p:ext>
-    </p:extLst>
-  </p:cSld>
-  <p:clrMapOvr>
-    <a:masterClrMapping/>
-  </p:clrMapOvr>
-</p:sld>
-</file>
-
-<file path=ppt/slides/slide11.xml><?xml version="1.0" encoding="utf-8"?>
-<p:sld xmlns:a="http://schemas.openxmlformats.org/drawingml/2006/main" xmlns:r="http://schemas.openxmlformats.org/officeDocument/2006/relationships" xmlns:p="http://schemas.openxmlformats.org/presentationml/2006/main">
-  <p:cSld>
-    <p:spTree>
-      <p:nvGrpSpPr>
-        <p:cNvPr id="1" name=""/>
-        <p:cNvGrpSpPr/>
-        <p:nvPr/>
-      </p:nvGrpSpPr>
-      <p:grpSpPr>
-        <a:xfrm>
-          <a:off x="0" y="0"/>
-          <a:ext cx="0" cy="0"/>
-          <a:chOff x="0" y="0"/>
-          <a:chExt cx="0" cy="0"/>
-        </a:xfrm>
-      </p:grpSpPr>
-      <p:sp>
-        <p:nvSpPr>
-          <p:cNvPr id="2" name="Title 1">
-            <a:extLst>
-              <a:ext uri="{FF2B5EF4-FFF2-40B4-BE49-F238E27FC236}">
-                <a16:creationId xmlns:a16="http://schemas.microsoft.com/office/drawing/2014/main" id="{072ECC6E-4889-48F7-B136-32B00A8E98E2}"/>
-              </a:ext>
-            </a:extLst>
-          </p:cNvPr>
-          <p:cNvSpPr>
-            <a:spLocks noGrp="1"/>
-          </p:cNvSpPr>
-          <p:nvPr>
-            <p:ph type="title"/>
-          </p:nvPr>
-        </p:nvSpPr>
-        <p:spPr/>
-        <p:txBody>
-          <a:bodyPr/>
-          <a:lstStyle/>
-          <a:p>
-            <a:r>
-              <a:rPr lang="en-US" dirty="0"/>
-              <a:t>Problems During tutorial</a:t>
-            </a:r>
-          </a:p>
-        </p:txBody>
-      </p:sp>
-      <p:sp>
-        <p:nvSpPr>
-          <p:cNvPr id="3" name="Content Placeholder 2">
-            <a:extLst>
-              <a:ext uri="{FF2B5EF4-FFF2-40B4-BE49-F238E27FC236}">
-                <a16:creationId xmlns:a16="http://schemas.microsoft.com/office/drawing/2014/main" id="{156CA470-3BAD-4AFF-9A0E-210A2EF8C2B3}"/>
+                <a16:creationId xmlns:a16="http://schemas.microsoft.com/office/drawing/2014/main" id="{C25CB256-3111-4A60-BD06-BCE25984DA4B}"/>
               </a:ext>
             </a:extLst>
           </p:cNvPr>
@@ -4089,228 +4317,30 @@
         <p:spPr/>
         <p:txBody>
           <a:bodyPr>
-            <a:normAutofit fontScale="25000" lnSpcReduction="20000"/>
+            <a:normAutofit/>
           </a:bodyPr>
           <a:lstStyle/>
           <a:p>
-            <a:r>
-              <a:rPr lang="en-US" dirty="0"/>
-              <a:t>Mac </a:t>
-            </a:r>
-            <a:r>
-              <a:rPr lang="en-US" dirty="0" err="1"/>
-              <a:t>OSx</a:t>
-            </a:r>
-            <a:r>
-              <a:rPr lang="en-US" dirty="0"/>
-              <a:t> – Brew install problems</a:t>
-            </a:r>
+            <a:pPr marL="0" indent="0">
+              <a:buNone/>
+            </a:pPr>
+            <a:r>
+              <a:rPr lang="en-US" sz="2400" dirty="0">
+                <a:hlinkClick r:id="rId2"/>
+              </a:rPr>
+              <a:t>https://github.com/romilbhardwaj/nomad/blob/master/tutorial/tutorial.md</a:t>
+            </a:r>
+            <a:endParaRPr lang="en-US" sz="2400" dirty="0"/>
           </a:p>
           <a:p>
-            <a:pPr lvl="1"/>
-            <a:r>
-              <a:rPr lang="en-US" dirty="0"/>
-              <a:t>Fix: Run the Graphical UI first</a:t>
-            </a:r>
-          </a:p>
-          <a:p>
-            <a:pPr lvl="1"/>
-            <a:r>
-              <a:rPr lang="en-US" dirty="0"/>
-              <a:t>Brew install md5sha1sum</a:t>
-            </a:r>
-          </a:p>
-          <a:p>
-            <a:pPr lvl="1"/>
-            <a:r>
-              <a:rPr lang="en-US" dirty="0" err="1"/>
-              <a:t>Bashrc</a:t>
-            </a:r>
-            <a:r>
-              <a:rPr lang="en-US" dirty="0"/>
-              <a:t> belongs somewhere else in mac</a:t>
-            </a:r>
-          </a:p>
-          <a:p>
-            <a:r>
-              <a:rPr lang="en-US" dirty="0" err="1"/>
-              <a:t>Explaination</a:t>
-            </a:r>
-            <a:r>
-              <a:rPr lang="en-US" dirty="0"/>
-              <a:t> of docker and </a:t>
-            </a:r>
-            <a:r>
-              <a:rPr lang="en-US" dirty="0" err="1"/>
-              <a:t>kubernetes</a:t>
-            </a:r>
-            <a:r>
-              <a:rPr lang="en-US" dirty="0"/>
-              <a:t> – what are pods</a:t>
-            </a:r>
-          </a:p>
-          <a:p>
-            <a:r>
-              <a:rPr lang="en-US" dirty="0"/>
-              <a:t>Move clean to the end</a:t>
-            </a:r>
-          </a:p>
-          <a:p>
-            <a:r>
-              <a:rPr lang="en-US" dirty="0" err="1"/>
-              <a:t>Bashrc</a:t>
-            </a:r>
-            <a:r>
-              <a:rPr lang="en-US" dirty="0"/>
-              <a:t> remove </a:t>
-            </a:r>
-          </a:p>
-          <a:p>
-            <a:r>
-              <a:rPr lang="en-US" dirty="0"/>
-              <a:t>Outputs along with the code insets</a:t>
-            </a:r>
-          </a:p>
-          <a:p>
-            <a:r>
-              <a:rPr lang="en-US" dirty="0"/>
-              <a:t>Add shebang to </a:t>
-            </a:r>
-            <a:r>
-              <a:rPr lang="en-US" dirty="0" err="1"/>
-              <a:t>sh</a:t>
-            </a:r>
-            <a:endParaRPr lang="en-US" dirty="0"/>
-          </a:p>
-          <a:p>
-            <a:r>
-              <a:rPr lang="en-US" dirty="0"/>
-              <a:t>Commit with +x</a:t>
-            </a:r>
-          </a:p>
-          <a:p>
-            <a:r>
-              <a:rPr lang="en-US" dirty="0"/>
-              <a:t>Expected output for </a:t>
-            </a:r>
-            <a:r>
-              <a:rPr lang="en-US" dirty="0" err="1"/>
-              <a:t>kubectl</a:t>
-            </a:r>
-            <a:r>
-              <a:rPr lang="en-US" dirty="0"/>
-              <a:t> describe pod</a:t>
-            </a:r>
-          </a:p>
-          <a:p>
-            <a:r>
-              <a:rPr lang="en-US" dirty="0"/>
-              <a:t>Break main nomad script into blocks and explain each bit</a:t>
-            </a:r>
-          </a:p>
-          <a:p>
-            <a:r>
-              <a:rPr lang="en-US" dirty="0"/>
-              <a:t>Put a warning for the time taken to submit the task</a:t>
-            </a:r>
-          </a:p>
-          <a:p>
-            <a:r>
-              <a:rPr lang="en-US" dirty="0"/>
-              <a:t>Put </a:t>
-            </a:r>
-            <a:r>
-              <a:rPr lang="en-US" dirty="0" err="1"/>
-              <a:t>acomment</a:t>
-            </a:r>
-            <a:r>
-              <a:rPr lang="en-US" dirty="0"/>
-              <a:t> for global </a:t>
-            </a:r>
-          </a:p>
-          <a:p>
-            <a:r>
-              <a:rPr lang="en-US" dirty="0"/>
-              <a:t>Make Kubernetes assign the same name to pods</a:t>
-            </a:r>
-          </a:p>
-          <a:p>
-            <a:r>
-              <a:rPr lang="en-US" dirty="0"/>
-              <a:t>Put comment where to run the command</a:t>
-            </a:r>
-          </a:p>
-          <a:p>
-            <a:r>
-              <a:rPr lang="en-US" dirty="0"/>
-              <a:t>Change instruction to point to last operator of the pipeline</a:t>
-            </a:r>
-          </a:p>
-          <a:p>
-            <a:r>
-              <a:rPr lang="en-US" dirty="0"/>
-              <a:t>Better nomenclature for nodes</a:t>
-            </a:r>
-          </a:p>
-          <a:p>
-            <a:r>
-              <a:rPr lang="en-US" dirty="0"/>
-              <a:t>Remove - Python 3 or above</a:t>
-            </a:r>
-          </a:p>
-          <a:p>
-            <a:r>
-              <a:rPr lang="en-US" dirty="0"/>
-              <a:t>Disclaimer: Cleanup if you don’t care about docker anymore</a:t>
-            </a:r>
-          </a:p>
-          <a:p>
-            <a:r>
-              <a:rPr lang="en-US" dirty="0"/>
-              <a:t>Pre-pull images</a:t>
-            </a:r>
-          </a:p>
-          <a:p>
-            <a:r>
-              <a:rPr lang="en-US" dirty="0"/>
-              <a:t>Nomad – Issues on </a:t>
-            </a:r>
-            <a:r>
-              <a:rPr lang="en-US" dirty="0" err="1"/>
-              <a:t>Github</a:t>
-            </a:r>
-            <a:r>
-              <a:rPr lang="en-US" dirty="0"/>
-              <a:t> for feedback</a:t>
-            </a:r>
-          </a:p>
-          <a:p>
-            <a:r>
-              <a:rPr lang="en-US" dirty="0"/>
-              <a:t>Limitations – Topologies </a:t>
-            </a:r>
-          </a:p>
-          <a:p>
-            <a:r>
-              <a:rPr lang="en-US" dirty="0"/>
-              <a:t>Overall vision</a:t>
-            </a:r>
-          </a:p>
-          <a:p>
-            <a:r>
-              <a:rPr lang="en-US" dirty="0"/>
-              <a:t>Synchronous tutorial</a:t>
-            </a:r>
-          </a:p>
-          <a:p>
-            <a:endParaRPr lang="en-US" dirty="0"/>
+            <a:endParaRPr lang="en-US" sz="2400" dirty="0"/>
           </a:p>
         </p:txBody>
       </p:sp>
     </p:spTree>
     <p:extLst>
       <p:ext uri="{BB962C8B-B14F-4D97-AF65-F5344CB8AC3E}">
-        <p14:creationId xmlns:p14="http://schemas.microsoft.com/office/powerpoint/2010/main" val="2794574360"/>
+        <p14:creationId xmlns:p14="http://schemas.microsoft.com/office/powerpoint/2010/main" val="1338126339"/>
       </p:ext>
     </p:extLst>
   </p:cSld>
@@ -4364,7 +4394,7 @@
           <a:lstStyle/>
           <a:p>
             <a:r>
-              <a:rPr lang="en-US" dirty="0"/>
+              <a:rPr lang="en-US" b="1" dirty="0"/>
               <a:t>IoT Applications</a:t>
             </a:r>
           </a:p>
@@ -6040,7 +6070,7 @@
           <a:lstStyle/>
           <a:p>
             <a:r>
-              <a:rPr lang="en-US" dirty="0"/>
+              <a:rPr lang="en-US" b="1" dirty="0"/>
               <a:t>IoT Application Deployments</a:t>
             </a:r>
           </a:p>
@@ -7095,7 +7125,7 @@
           <a:lstStyle/>
           <a:p>
             <a:r>
-              <a:rPr lang="en-US" dirty="0"/>
+              <a:rPr lang="en-US" b="1" dirty="0"/>
               <a:t>But the Infrastructure is diverse</a:t>
             </a:r>
           </a:p>
@@ -8862,7 +8892,7 @@
           <a:lstStyle/>
           <a:p>
             <a:r>
-              <a:rPr lang="en-US" dirty="0"/>
+              <a:rPr lang="en-US" b="1" dirty="0"/>
               <a:t>Introducing Nomad</a:t>
             </a:r>
           </a:p>
@@ -9647,13 +9677,6 @@
         </p:nvPicPr>
         <p:blipFill>
           <a:blip r:embed="rId8">
-            <a:duotone>
-              <a:schemeClr val="accent1">
-                <a:shade val="45000"/>
-                <a:satMod val="135000"/>
-              </a:schemeClr>
-              <a:prstClr val="white"/>
-            </a:duotone>
             <a:extLst>
               <a:ext uri="{28A0092B-C50C-407E-A947-70E740481C1C}">
                 <a14:useLocalDpi xmlns:a14="http://schemas.microsoft.com/office/drawing/2010/main" val="0"/>
@@ -10052,17 +10075,12 @@
         <p:spPr>
           <a:xfrm>
             <a:off x="8730740" y="2024798"/>
-            <a:ext cx="2079737" cy="369332"/>
+            <a:ext cx="2090765" cy="369332"/>
           </a:xfrm>
           <a:prstGeom prst="rect">
             <a:avLst/>
           </a:prstGeom>
-          <a:solidFill>
-            <a:schemeClr val="accent4">
-              <a:lumMod val="60000"/>
-              <a:lumOff val="40000"/>
-            </a:schemeClr>
-          </a:solidFill>
+          <a:noFill/>
         </p:spPr>
         <p:txBody>
           <a:bodyPr wrap="none">
@@ -10072,7 +10090,7 @@
           <a:p>
             <a:r>
               <a:rPr lang="en-US" b="1" dirty="0"/>
-              <a:t>Partitioned Pipeline</a:t>
+              <a:t>Monolithic Program</a:t>
             </a:r>
             <a:endParaRPr lang="en-US" dirty="0"/>
           </a:p>
@@ -10114,6 +10132,93 @@
             <a:r>
               <a:rPr lang="en-US" b="1" dirty="0"/>
               <a:t>Reduced network load</a:t>
+            </a:r>
+            <a:endParaRPr lang="en-US" dirty="0"/>
+          </a:p>
+        </p:txBody>
+      </p:sp>
+      <p:pic>
+        <p:nvPicPr>
+          <p:cNvPr id="51" name="Picture 50">
+            <a:extLst>
+              <a:ext uri="{FF2B5EF4-FFF2-40B4-BE49-F238E27FC236}">
+                <a16:creationId xmlns:a16="http://schemas.microsoft.com/office/drawing/2014/main" id="{F06CD01B-BF3D-4BC4-94C6-20B8EA55E34D}"/>
+              </a:ext>
+            </a:extLst>
+          </p:cNvPr>
+          <p:cNvPicPr>
+            <a:picLocks noChangeAspect="1"/>
+          </p:cNvPicPr>
+          <p:nvPr/>
+        </p:nvPicPr>
+        <p:blipFill>
+          <a:blip r:embed="rId8">
+            <a:duotone>
+              <a:schemeClr val="accent1">
+                <a:shade val="45000"/>
+                <a:satMod val="135000"/>
+              </a:schemeClr>
+              <a:prstClr val="white"/>
+            </a:duotone>
+            <a:extLst>
+              <a:ext uri="{28A0092B-C50C-407E-A947-70E740481C1C}">
+                <a14:useLocalDpi xmlns:a14="http://schemas.microsoft.com/office/drawing/2010/main" val="0"/>
+              </a:ext>
+            </a:extLst>
+          </a:blip>
+          <a:stretch>
+            <a:fillRect/>
+          </a:stretch>
+        </p:blipFill>
+        <p:spPr>
+          <a:xfrm>
+            <a:off x="9472534" y="2415571"/>
+            <a:ext cx="633619" cy="633619"/>
+          </a:xfrm>
+          <a:prstGeom prst="rect">
+            <a:avLst/>
+          </a:prstGeom>
+          <a:solidFill>
+            <a:schemeClr val="bg1"/>
+          </a:solidFill>
+        </p:spPr>
+      </p:pic>
+      <p:sp>
+        <p:nvSpPr>
+          <p:cNvPr id="53" name="Rectangle 52">
+            <a:extLst>
+              <a:ext uri="{FF2B5EF4-FFF2-40B4-BE49-F238E27FC236}">
+                <a16:creationId xmlns:a16="http://schemas.microsoft.com/office/drawing/2014/main" id="{161C1D85-0130-4270-974D-0FCE7CBE2A13}"/>
+              </a:ext>
+            </a:extLst>
+          </p:cNvPr>
+          <p:cNvSpPr/>
+          <p:nvPr/>
+        </p:nvSpPr>
+        <p:spPr>
+          <a:xfrm>
+            <a:off x="8730740" y="2022307"/>
+            <a:ext cx="2079737" cy="369332"/>
+          </a:xfrm>
+          <a:prstGeom prst="rect">
+            <a:avLst/>
+          </a:prstGeom>
+          <a:solidFill>
+            <a:schemeClr val="accent4">
+              <a:lumMod val="60000"/>
+              <a:lumOff val="40000"/>
+            </a:schemeClr>
+          </a:solidFill>
+        </p:spPr>
+        <p:txBody>
+          <a:bodyPr wrap="none">
+            <a:spAutoFit/>
+          </a:bodyPr>
+          <a:lstStyle/>
+          <a:p>
+            <a:r>
+              <a:rPr lang="en-US" b="1" dirty="0"/>
+              <a:t>Partitioned Pipeline</a:t>
             </a:r>
             <a:endParaRPr lang="en-US" dirty="0"/>
           </a:p>
@@ -10163,7 +10268,7 @@
                                           </p:stCondLst>
                                         </p:cTn>
                                         <p:tgtEl>
-                                          <p:spTgt spid="36"/>
+                                          <p:spTgt spid="51"/>
                                         </p:tgtEl>
                                         <p:attrNameLst>
                                           <p:attrName>style.visibility</p:attrName>
@@ -10177,7 +10282,7 @@
                                 </p:cTn>
                               </p:par>
                               <p:par>
-                                <p:cTn id="7" presetID="1" presetClass="entr" presetSubtype="0" fill="hold" nodeType="withEffect">
+                                <p:cTn id="7" presetID="1" presetClass="entr" presetSubtype="0" fill="hold" grpId="0" nodeType="withEffect">
                                   <p:stCondLst>
                                     <p:cond delay="0"/>
                                   </p:stCondLst>
@@ -10190,7 +10295,7 @@
                                           </p:stCondLst>
                                         </p:cTn>
                                         <p:tgtEl>
-                                          <p:spTgt spid="46"/>
+                                          <p:spTgt spid="53"/>
                                         </p:tgtEl>
                                         <p:attrNameLst>
                                           <p:attrName>style.visibility</p:attrName>
@@ -10217,7 +10322,7 @@
                                           </p:stCondLst>
                                         </p:cTn>
                                         <p:tgtEl>
-                                          <p:spTgt spid="25"/>
+                                          <p:spTgt spid="46"/>
                                         </p:tgtEl>
                                         <p:attrNameLst>
                                           <p:attrName>style.visibility</p:attrName>
@@ -10244,7 +10349,7 @@
                                           </p:stCondLst>
                                         </p:cTn>
                                         <p:tgtEl>
-                                          <p:spTgt spid="48"/>
+                                          <p:spTgt spid="25"/>
                                         </p:tgtEl>
                                         <p:attrNameLst>
                                           <p:attrName>style.visibility</p:attrName>
@@ -10271,7 +10376,7 @@
                                           </p:stCondLst>
                                         </p:cTn>
                                         <p:tgtEl>
-                                          <p:spTgt spid="45"/>
+                                          <p:spTgt spid="48"/>
                                         </p:tgtEl>
                                         <p:attrNameLst>
                                           <p:attrName>style.visibility</p:attrName>
@@ -10298,7 +10403,7 @@
                                           </p:stCondLst>
                                         </p:cTn>
                                         <p:tgtEl>
-                                          <p:spTgt spid="43"/>
+                                          <p:spTgt spid="45"/>
                                         </p:tgtEl>
                                         <p:attrNameLst>
                                           <p:attrName>style.visibility</p:attrName>
@@ -10325,7 +10430,7 @@
                                           </p:stCondLst>
                                         </p:cTn>
                                         <p:tgtEl>
-                                          <p:spTgt spid="40"/>
+                                          <p:spTgt spid="43"/>
                                         </p:tgtEl>
                                         <p:attrNameLst>
                                           <p:attrName>style.visibility</p:attrName>
@@ -10352,7 +10457,7 @@
                                           </p:stCondLst>
                                         </p:cTn>
                                         <p:tgtEl>
-                                          <p:spTgt spid="39"/>
+                                          <p:spTgt spid="40"/>
                                         </p:tgtEl>
                                         <p:attrNameLst>
                                           <p:attrName>style.visibility</p:attrName>
@@ -10379,7 +10484,7 @@
                                           </p:stCondLst>
                                         </p:cTn>
                                         <p:tgtEl>
-                                          <p:spTgt spid="42"/>
+                                          <p:spTgt spid="39"/>
                                         </p:tgtEl>
                                         <p:attrNameLst>
                                           <p:attrName>style.visibility</p:attrName>
@@ -10393,7 +10498,7 @@
                                 </p:cTn>
                               </p:par>
                               <p:par>
-                                <p:cTn id="23" presetID="1" presetClass="entr" presetSubtype="0" fill="hold" grpId="0" nodeType="withEffect">
+                                <p:cTn id="23" presetID="1" presetClass="entr" presetSubtype="0" fill="hold" nodeType="withEffect">
                                   <p:stCondLst>
                                     <p:cond delay="0"/>
                                   </p:stCondLst>
@@ -10406,7 +10511,7 @@
                                           </p:stCondLst>
                                         </p:cTn>
                                         <p:tgtEl>
-                                          <p:spTgt spid="49"/>
+                                          <p:spTgt spid="42"/>
                                         </p:tgtEl>
                                         <p:attrNameLst>
                                           <p:attrName>style.visibility</p:attrName>
@@ -10546,8 +10651,8 @@
       </p:par>
     </p:tnLst>
     <p:bldLst>
-      <p:bldP spid="49" grpId="0" animBg="1"/>
       <p:bldP spid="52" grpId="0" animBg="1"/>
+      <p:bldP spid="53" grpId="0" animBg="1"/>
     </p:bldLst>
   </p:timing>
 </p:sld>
@@ -10832,8 +10937,8 @@
         </p:nvSpPr>
         <p:spPr>
           <a:xfrm>
-            <a:off x="1130785" y="2589637"/>
-            <a:ext cx="4839572" cy="3720420"/>
+            <a:off x="1130785" y="2645832"/>
+            <a:ext cx="4839572" cy="3664223"/>
           </a:xfrm>
           <a:prstGeom prst="rect">
             <a:avLst/>
@@ -10885,7 +10990,7 @@
             </a:pPr>
             <a:r>
               <a:rPr lang="en-US" sz="2800" dirty="0"/>
-              <a:t>Run across architectures</a:t>
+              <a:t>Run across machines</a:t>
             </a:r>
           </a:p>
           <a:p>
@@ -10933,7 +11038,7 @@
         <p:spPr>
           <a:xfrm>
             <a:off x="6555527" y="2589637"/>
-            <a:ext cx="4839572" cy="3720420"/>
+            <a:ext cx="4839572" cy="3720419"/>
           </a:xfrm>
           <a:prstGeom prst="rect">
             <a:avLst/>
@@ -12760,7 +12865,7 @@
         </p:nvSpPr>
         <p:spPr>
           <a:xfrm>
-            <a:off x="1135605" y="3921342"/>
+            <a:off x="1169620" y="3921342"/>
             <a:ext cx="2200647" cy="276999"/>
           </a:xfrm>
           <a:prstGeom prst="rect">
@@ -13005,12 +13110,14 @@
           </a:xfrm>
         </p:spPr>
         <p:txBody>
-          <a:bodyPr/>
+          <a:bodyPr>
+            <a:normAutofit/>
+          </a:bodyPr>
           <a:lstStyle/>
           <a:p>
             <a:r>
-              <a:rPr lang="en-US" dirty="0"/>
-              <a:t>Scheduling</a:t>
+              <a:rPr lang="en-US" sz="4000" b="1" dirty="0"/>
+              <a:t>Infrastructure Aware Scheduling</a:t>
             </a:r>
           </a:p>
         </p:txBody>
@@ -13029,7 +13136,7 @@
         </p:nvGrpSpPr>
         <p:grpSpPr>
           <a:xfrm>
-            <a:off x="7742261" y="3041490"/>
+            <a:off x="7742261" y="3284776"/>
             <a:ext cx="3217315" cy="2838382"/>
             <a:chOff x="12111572" y="7373776"/>
             <a:chExt cx="6055557" cy="5342339"/>
@@ -16121,7 +16228,7 @@
         </p:nvGrpSpPr>
         <p:grpSpPr>
           <a:xfrm>
-            <a:off x="7070702" y="929378"/>
+            <a:off x="7070702" y="1517823"/>
             <a:ext cx="4606641" cy="1122665"/>
             <a:chOff x="7070702" y="929378"/>
             <a:chExt cx="4606641" cy="1122665"/>
@@ -19194,7 +19301,7 @@
         </p:nvSpPr>
         <p:spPr>
           <a:xfrm>
-            <a:off x="7603370" y="2059203"/>
+            <a:off x="7603370" y="2563456"/>
             <a:ext cx="3495096" cy="307777"/>
           </a:xfrm>
           <a:prstGeom prst="rect">
@@ -19287,7 +19394,7 @@
           <p:cNvPr id="2" name="Title 1">
             <a:extLst>
               <a:ext uri="{FF2B5EF4-FFF2-40B4-BE49-F238E27FC236}">
-                <a16:creationId xmlns:a16="http://schemas.microsoft.com/office/drawing/2014/main" id="{458EF2CD-DF73-4C86-BAC3-9CA6192C52E3}"/>
+                <a16:creationId xmlns:a16="http://schemas.microsoft.com/office/drawing/2014/main" id="{42E6FE64-2A95-4A31-A4C3-8CDAF2BB942D}"/>
               </a:ext>
             </a:extLst>
           </p:cNvPr>
@@ -19298,19 +19405,126 @@
             <p:ph type="title"/>
           </p:nvPr>
         </p:nvSpPr>
-        <p:spPr>
-          <a:xfrm>
-            <a:off x="838200" y="211019"/>
-            <a:ext cx="10515600" cy="1325563"/>
-          </a:xfrm>
-        </p:spPr>
+        <p:spPr/>
         <p:txBody>
           <a:bodyPr/>
           <a:lstStyle/>
           <a:p>
             <a:r>
               <a:rPr lang="en-US" dirty="0"/>
-              <a:t>Tutorial</a:t>
+              <a:t>Notes</a:t>
+            </a:r>
+          </a:p>
+        </p:txBody>
+      </p:sp>
+      <p:sp>
+        <p:nvSpPr>
+          <p:cNvPr id="3" name="Content Placeholder 2">
+            <a:extLst>
+              <a:ext uri="{FF2B5EF4-FFF2-40B4-BE49-F238E27FC236}">
+                <a16:creationId xmlns:a16="http://schemas.microsoft.com/office/drawing/2014/main" id="{146D6FED-C20E-4521-B21C-9260059D15FB}"/>
+              </a:ext>
+            </a:extLst>
+          </p:cNvPr>
+          <p:cNvSpPr>
+            <a:spLocks noGrp="1"/>
+          </p:cNvSpPr>
+          <p:nvPr>
+            <p:ph idx="1"/>
+          </p:nvPr>
+        </p:nvSpPr>
+        <p:spPr>
+          <a:xfrm>
+            <a:off x="838200" y="1620095"/>
+            <a:ext cx="10515600" cy="4351338"/>
+          </a:xfrm>
+        </p:spPr>
+        <p:txBody>
+          <a:bodyPr>
+            <a:normAutofit/>
+          </a:bodyPr>
+          <a:lstStyle/>
+          <a:p>
+            <a:pPr>
+              <a:lnSpc>
+                <a:spcPct val="150000"/>
+              </a:lnSpc>
+            </a:pPr>
+            <a:r>
+              <a:rPr lang="en-US" dirty="0"/>
+              <a:t>Supports linear dataflow graphs</a:t>
+            </a:r>
+          </a:p>
+          <a:p>
+            <a:pPr lvl="1">
+              <a:lnSpc>
+                <a:spcPct val="150000"/>
+              </a:lnSpc>
+            </a:pPr>
+            <a:r>
+              <a:rPr lang="en-US" dirty="0"/>
+              <a:t>Trees, DAGs coming soon</a:t>
+            </a:r>
+          </a:p>
+          <a:p>
+            <a:pPr>
+              <a:lnSpc>
+                <a:spcPct val="150000"/>
+              </a:lnSpc>
+            </a:pPr>
+            <a:r>
+              <a:rPr lang="en-US" dirty="0"/>
+              <a:t>Supports stateless operators</a:t>
+            </a:r>
+          </a:p>
+          <a:p>
+            <a:pPr>
+              <a:lnSpc>
+                <a:spcPct val="150000"/>
+              </a:lnSpc>
+            </a:pPr>
+            <a:r>
+              <a:rPr lang="en-US" dirty="0"/>
+              <a:t>We’re still developing Nomad and would love to hear your feedback</a:t>
+            </a:r>
+          </a:p>
+          <a:p>
+            <a:pPr lvl="1">
+              <a:lnSpc>
+                <a:spcPct val="150000"/>
+              </a:lnSpc>
+            </a:pPr>
+            <a:r>
+              <a:rPr lang="en-US" dirty="0"/>
+              <a:t>Feel free to file issues at </a:t>
+            </a:r>
+            <a:r>
+              <a:rPr lang="en-US" dirty="0">
+                <a:hlinkClick r:id="rId2"/>
+              </a:rPr>
+              <a:t>https://github.com/romilbhardwaj/nomad</a:t>
+            </a:r>
+            <a:endParaRPr lang="en-US" dirty="0"/>
+          </a:p>
+          <a:p>
+            <a:pPr lvl="2">
+              <a:lnSpc>
+                <a:spcPct val="150000"/>
+              </a:lnSpc>
+            </a:pPr>
+            <a:r>
+              <a:rPr lang="en-US" dirty="0"/>
+              <a:t>Or send an email to </a:t>
+            </a:r>
+            <a:r>
+              <a:rPr lang="en-US" dirty="0">
+                <a:hlinkClick r:id="rId3"/>
+              </a:rPr>
+              <a:t>romilb@eecs.berkeley.edu</a:t>
+            </a:r>
+            <a:r>
+              <a:rPr lang="en-US" dirty="0"/>
+              <a:t>.</a:t>
             </a:r>
           </a:p>
         </p:txBody>
@@ -19318,7 +19532,7 @@
     </p:spTree>
     <p:extLst>
       <p:ext uri="{BB962C8B-B14F-4D97-AF65-F5344CB8AC3E}">
-        <p14:creationId xmlns:p14="http://schemas.microsoft.com/office/powerpoint/2010/main" val="1338126339"/>
+        <p14:creationId xmlns:p14="http://schemas.microsoft.com/office/powerpoint/2010/main" val="2016342584"/>
       </p:ext>
     </p:extLst>
   </p:cSld>

--- a/tutorial/Nomad Bootcamp.pptx
+++ b/tutorial/Nomad Bootcamp.pptx
@@ -792,7 +792,7 @@
           <a:bodyPr/>
           <a:lstStyle/>
           <a:p>
-            <a:fld id="{B9AB83B5-296D-4126-8B45-4FCD773400CF}" type="datetimeFigureOut">
+            <a:fld id="{0089D95D-7EAC-4BA7-A275-A02DACE25243}" type="datetime1">
               <a:rPr lang="en-US" smtClean="0"/>
               <a:t>3/11/2019</a:t>
             </a:fld>
@@ -990,7 +990,7 @@
           <a:bodyPr/>
           <a:lstStyle/>
           <a:p>
-            <a:fld id="{B9AB83B5-296D-4126-8B45-4FCD773400CF}" type="datetimeFigureOut">
+            <a:fld id="{6D3B48B5-F254-4FC5-8CB6-F7262C665025}" type="datetime1">
               <a:rPr lang="en-US" smtClean="0"/>
               <a:t>3/11/2019</a:t>
             </a:fld>
@@ -1198,7 +1198,7 @@
           <a:bodyPr/>
           <a:lstStyle/>
           <a:p>
-            <a:fld id="{B9AB83B5-296D-4126-8B45-4FCD773400CF}" type="datetimeFigureOut">
+            <a:fld id="{A08FFE4B-4226-43F9-B02D-A30F5787A97F}" type="datetime1">
               <a:rPr lang="en-US" smtClean="0"/>
               <a:t>3/11/2019</a:t>
             </a:fld>
@@ -1396,7 +1396,7 @@
           <a:bodyPr/>
           <a:lstStyle/>
           <a:p>
-            <a:fld id="{B9AB83B5-296D-4126-8B45-4FCD773400CF}" type="datetimeFigureOut">
+            <a:fld id="{C016C0B4-3068-4C5C-8BC4-94242F21AAE1}" type="datetime1">
               <a:rPr lang="en-US" smtClean="0"/>
               <a:t>3/11/2019</a:t>
             </a:fld>
@@ -1671,7 +1671,7 @@
           <a:bodyPr/>
           <a:lstStyle/>
           <a:p>
-            <a:fld id="{B9AB83B5-296D-4126-8B45-4FCD773400CF}" type="datetimeFigureOut">
+            <a:fld id="{2B236932-912E-4E90-A90C-C90008504E3B}" type="datetime1">
               <a:rPr lang="en-US" smtClean="0"/>
               <a:t>3/11/2019</a:t>
             </a:fld>
@@ -1936,7 +1936,7 @@
           <a:bodyPr/>
           <a:lstStyle/>
           <a:p>
-            <a:fld id="{B9AB83B5-296D-4126-8B45-4FCD773400CF}" type="datetimeFigureOut">
+            <a:fld id="{1241A6D3-A591-4F34-9ABC-359621D67319}" type="datetime1">
               <a:rPr lang="en-US" smtClean="0"/>
               <a:t>3/11/2019</a:t>
             </a:fld>
@@ -2348,7 +2348,7 @@
           <a:bodyPr/>
           <a:lstStyle/>
           <a:p>
-            <a:fld id="{B9AB83B5-296D-4126-8B45-4FCD773400CF}" type="datetimeFigureOut">
+            <a:fld id="{7E6C2495-4C0F-470D-B1C4-83B4E15ADBC9}" type="datetime1">
               <a:rPr lang="en-US" smtClean="0"/>
               <a:t>3/11/2019</a:t>
             </a:fld>
@@ -2489,7 +2489,7 @@
           <a:bodyPr/>
           <a:lstStyle/>
           <a:p>
-            <a:fld id="{B9AB83B5-296D-4126-8B45-4FCD773400CF}" type="datetimeFigureOut">
+            <a:fld id="{25599FAA-EA32-48A7-9C81-842DF4AD9D37}" type="datetime1">
               <a:rPr lang="en-US" smtClean="0"/>
               <a:t>3/11/2019</a:t>
             </a:fld>
@@ -2602,7 +2602,7 @@
           <a:bodyPr/>
           <a:lstStyle/>
           <a:p>
-            <a:fld id="{B9AB83B5-296D-4126-8B45-4FCD773400CF}" type="datetimeFigureOut">
+            <a:fld id="{9765FF4D-F339-4874-AF4C-5F90C48AAC05}" type="datetime1">
               <a:rPr lang="en-US" smtClean="0"/>
               <a:t>3/11/2019</a:t>
             </a:fld>
@@ -2913,7 +2913,7 @@
           <a:bodyPr/>
           <a:lstStyle/>
           <a:p>
-            <a:fld id="{B9AB83B5-296D-4126-8B45-4FCD773400CF}" type="datetimeFigureOut">
+            <a:fld id="{555C94FC-4ABA-4182-994A-621730632065}" type="datetime1">
               <a:rPr lang="en-US" smtClean="0"/>
               <a:t>3/11/2019</a:t>
             </a:fld>
@@ -3201,7 +3201,7 @@
           <a:bodyPr/>
           <a:lstStyle/>
           <a:p>
-            <a:fld id="{B9AB83B5-296D-4126-8B45-4FCD773400CF}" type="datetimeFigureOut">
+            <a:fld id="{F132F570-70EF-4715-9D66-78E7EA05F514}" type="datetime1">
               <a:rPr lang="en-US" smtClean="0"/>
               <a:t>3/11/2019</a:t>
             </a:fld>
@@ -3442,7 +3442,7 @@
             </a:lvl1pPr>
           </a:lstStyle>
           <a:p>
-            <a:fld id="{B9AB83B5-296D-4126-8B45-4FCD773400CF}" type="datetimeFigureOut">
+            <a:fld id="{45B93F35-AED6-493B-AACC-26552E6D5A0B}" type="datetime1">
               <a:rPr lang="en-US" smtClean="0"/>
               <a:t>3/11/2019</a:t>
             </a:fld>
@@ -3561,6 +3561,7 @@
     <p:sldLayoutId id="2147483658" r:id="rId10"/>
     <p:sldLayoutId id="2147483659" r:id="rId11"/>
   </p:sldLayoutIdLst>
+  <p:hf hdr="0" ftr="0" dt="0"/>
   <p:txStyles>
     <p:titleStyle>
       <a:lvl1pPr algn="l" defTabSz="914400" rtl="0" eaLnBrk="1" latinLnBrk="0" hangingPunct="1">
@@ -4240,6 +4241,35 @@
           </a:p>
         </p:txBody>
       </p:sp>
+      <p:sp>
+        <p:nvSpPr>
+          <p:cNvPr id="4" name="Slide Number Placeholder 3">
+            <a:extLst>
+              <a:ext uri="{FF2B5EF4-FFF2-40B4-BE49-F238E27FC236}">
+                <a16:creationId xmlns:a16="http://schemas.microsoft.com/office/drawing/2014/main" id="{C8B908B8-AFB1-4261-B26C-84FFEA65FDA2}"/>
+              </a:ext>
+            </a:extLst>
+          </p:cNvPr>
+          <p:cNvSpPr>
+            <a:spLocks noGrp="1"/>
+          </p:cNvSpPr>
+          <p:nvPr>
+            <p:ph type="sldNum" sz="quarter" idx="12"/>
+          </p:nvPr>
+        </p:nvSpPr>
+        <p:spPr/>
+        <p:txBody>
+          <a:bodyPr/>
+          <a:lstStyle/>
+          <a:p>
+            <a:fld id="{298EC0E5-27BB-4B98-A049-4ABBDEC963D6}" type="slidenum">
+              <a:rPr lang="en-US" smtClean="0"/>
+              <a:t>1</a:t>
+            </a:fld>
+            <a:endParaRPr lang="en-US"/>
+          </a:p>
+        </p:txBody>
+      </p:sp>
     </p:spTree>
     <p:extLst>
       <p:ext uri="{BB962C8B-B14F-4D97-AF65-F5344CB8AC3E}">
@@ -4314,7 +4344,12 @@
             <p:ph idx="1"/>
           </p:nvPr>
         </p:nvSpPr>
-        <p:spPr/>
+        <p:spPr>
+          <a:xfrm>
+            <a:off x="838200" y="5864211"/>
+            <a:ext cx="10515600" cy="526978"/>
+          </a:xfrm>
+        </p:spPr>
         <p:txBody>
           <a:bodyPr>
             <a:normAutofit/>
@@ -4334,6 +4369,1079 @@
           </a:p>
           <a:p>
             <a:endParaRPr lang="en-US" sz="2400" dirty="0"/>
+          </a:p>
+        </p:txBody>
+      </p:sp>
+      <p:sp>
+        <p:nvSpPr>
+          <p:cNvPr id="3" name="Slide Number Placeholder 2">
+            <a:extLst>
+              <a:ext uri="{FF2B5EF4-FFF2-40B4-BE49-F238E27FC236}">
+                <a16:creationId xmlns:a16="http://schemas.microsoft.com/office/drawing/2014/main" id="{C450A441-683A-46AB-91BC-4EA951A94E93}"/>
+              </a:ext>
+            </a:extLst>
+          </p:cNvPr>
+          <p:cNvSpPr>
+            <a:spLocks noGrp="1"/>
+          </p:cNvSpPr>
+          <p:nvPr>
+            <p:ph type="sldNum" sz="quarter" idx="12"/>
+          </p:nvPr>
+        </p:nvSpPr>
+        <p:spPr/>
+        <p:txBody>
+          <a:bodyPr/>
+          <a:lstStyle/>
+          <a:p>
+            <a:fld id="{298EC0E5-27BB-4B98-A049-4ABBDEC963D6}" type="slidenum">
+              <a:rPr lang="en-US" smtClean="0"/>
+              <a:t>10</a:t>
+            </a:fld>
+            <a:endParaRPr lang="en-US"/>
+          </a:p>
+        </p:txBody>
+      </p:sp>
+      <p:cxnSp>
+        <p:nvCxnSpPr>
+          <p:cNvPr id="6" name="Straight Arrow Connector 5">
+            <a:extLst>
+              <a:ext uri="{FF2B5EF4-FFF2-40B4-BE49-F238E27FC236}">
+                <a16:creationId xmlns:a16="http://schemas.microsoft.com/office/drawing/2014/main" id="{8BC5D42B-F1C7-4FD9-8D3F-08D114E15E0F}"/>
+              </a:ext>
+            </a:extLst>
+          </p:cNvPr>
+          <p:cNvCxnSpPr>
+            <a:cxnSpLocks/>
+            <a:stCxn id="13" idx="3"/>
+            <a:endCxn id="14" idx="1"/>
+          </p:cNvCxnSpPr>
+          <p:nvPr/>
+        </p:nvCxnSpPr>
+        <p:spPr>
+          <a:xfrm flipV="1">
+            <a:off x="3764943" y="2528692"/>
+            <a:ext cx="1167431" cy="2921"/>
+          </a:xfrm>
+          <a:prstGeom prst="straightConnector1">
+            <a:avLst/>
+          </a:prstGeom>
+          <a:noFill/>
+          <a:ln w="123825" cap="flat" cmpd="sng" algn="ctr">
+            <a:solidFill>
+              <a:srgbClr val="E74C25"/>
+            </a:solidFill>
+            <a:prstDash val="solid"/>
+            <a:miter lim="800000"/>
+            <a:tailEnd type="triangle"/>
+          </a:ln>
+          <a:effectLst/>
+        </p:spPr>
+      </p:cxnSp>
+      <p:cxnSp>
+        <p:nvCxnSpPr>
+          <p:cNvPr id="7" name="Straight Arrow Connector 6">
+            <a:extLst>
+              <a:ext uri="{FF2B5EF4-FFF2-40B4-BE49-F238E27FC236}">
+                <a16:creationId xmlns:a16="http://schemas.microsoft.com/office/drawing/2014/main" id="{A0C240F6-EB28-410A-B5D9-D1F7DE8CE883}"/>
+              </a:ext>
+            </a:extLst>
+          </p:cNvPr>
+          <p:cNvCxnSpPr>
+            <a:cxnSpLocks/>
+            <a:stCxn id="14" idx="3"/>
+            <a:endCxn id="15" idx="1"/>
+          </p:cNvCxnSpPr>
+          <p:nvPr/>
+        </p:nvCxnSpPr>
+        <p:spPr>
+          <a:xfrm>
+            <a:off x="6712084" y="2528692"/>
+            <a:ext cx="1339405" cy="0"/>
+          </a:xfrm>
+          <a:prstGeom prst="straightConnector1">
+            <a:avLst/>
+          </a:prstGeom>
+          <a:noFill/>
+          <a:ln w="123825" cap="flat" cmpd="sng" algn="ctr">
+            <a:solidFill>
+              <a:srgbClr val="E74C25"/>
+            </a:solidFill>
+            <a:prstDash val="solid"/>
+            <a:miter lim="800000"/>
+            <a:tailEnd type="triangle"/>
+          </a:ln>
+          <a:effectLst/>
+        </p:spPr>
+      </p:cxnSp>
+      <p:sp>
+        <p:nvSpPr>
+          <p:cNvPr id="13" name="Rectangle 12">
+            <a:extLst>
+              <a:ext uri="{FF2B5EF4-FFF2-40B4-BE49-F238E27FC236}">
+                <a16:creationId xmlns:a16="http://schemas.microsoft.com/office/drawing/2014/main" id="{BC380429-0D09-4BDD-8D1C-E21E46A9EEE7}"/>
+              </a:ext>
+            </a:extLst>
+          </p:cNvPr>
+          <p:cNvSpPr/>
+          <p:nvPr/>
+        </p:nvSpPr>
+        <p:spPr>
+          <a:xfrm>
+            <a:off x="1985233" y="1909425"/>
+            <a:ext cx="1779710" cy="1244376"/>
+          </a:xfrm>
+          <a:prstGeom prst="rect">
+            <a:avLst/>
+          </a:prstGeom>
+          <a:solidFill>
+            <a:schemeClr val="accent5">
+              <a:lumMod val="20000"/>
+              <a:lumOff val="80000"/>
+            </a:schemeClr>
+          </a:solidFill>
+          <a:ln w="28575" cap="flat" cmpd="sng" algn="ctr">
+            <a:solidFill>
+              <a:schemeClr val="tx2"/>
+            </a:solidFill>
+            <a:prstDash val="solid"/>
+            <a:miter lim="800000"/>
+          </a:ln>
+          <a:effectLst/>
+        </p:spPr>
+        <p:txBody>
+          <a:bodyPr rtlCol="0" anchor="ctr"/>
+          <a:lstStyle>
+            <a:defPPr marR="0" lvl="0" algn="l" rtl="0">
+              <a:lnSpc>
+                <a:spcPct val="100000"/>
+              </a:lnSpc>
+              <a:spcBef>
+                <a:spcPts val="0"/>
+              </a:spcBef>
+              <a:spcAft>
+                <a:spcPts val="0"/>
+              </a:spcAft>
+            </a:defPPr>
+            <a:lvl1pPr marR="0" lvl="0" algn="l" rtl="0">
+              <a:lnSpc>
+                <a:spcPct val="100000"/>
+              </a:lnSpc>
+              <a:spcBef>
+                <a:spcPts val="0"/>
+              </a:spcBef>
+              <a:spcAft>
+                <a:spcPts val="0"/>
+              </a:spcAft>
+              <a:buClr>
+                <a:srgbClr val="000000"/>
+              </a:buClr>
+              <a:buFont typeface="Arial"/>
+              <a:defRPr sz="1400" b="0" i="0" u="none" strike="noStrike" cap="none">
+                <a:solidFill>
+                  <a:srgbClr val="000000"/>
+                </a:solidFill>
+                <a:latin typeface="Arial"/>
+                <a:ea typeface="Arial"/>
+                <a:cs typeface="Arial"/>
+                <a:sym typeface="Arial"/>
+              </a:defRPr>
+            </a:lvl1pPr>
+            <a:lvl2pPr marR="0" lvl="1" algn="l" rtl="0">
+              <a:lnSpc>
+                <a:spcPct val="100000"/>
+              </a:lnSpc>
+              <a:spcBef>
+                <a:spcPts val="0"/>
+              </a:spcBef>
+              <a:spcAft>
+                <a:spcPts val="0"/>
+              </a:spcAft>
+              <a:buClr>
+                <a:srgbClr val="000000"/>
+              </a:buClr>
+              <a:buFont typeface="Arial"/>
+              <a:defRPr sz="1400" b="0" i="0" u="none" strike="noStrike" cap="none">
+                <a:solidFill>
+                  <a:srgbClr val="000000"/>
+                </a:solidFill>
+                <a:latin typeface="Arial"/>
+                <a:ea typeface="Arial"/>
+                <a:cs typeface="Arial"/>
+                <a:sym typeface="Arial"/>
+              </a:defRPr>
+            </a:lvl2pPr>
+            <a:lvl3pPr marR="0" lvl="2" algn="l" rtl="0">
+              <a:lnSpc>
+                <a:spcPct val="100000"/>
+              </a:lnSpc>
+              <a:spcBef>
+                <a:spcPts val="0"/>
+              </a:spcBef>
+              <a:spcAft>
+                <a:spcPts val="0"/>
+              </a:spcAft>
+              <a:buClr>
+                <a:srgbClr val="000000"/>
+              </a:buClr>
+              <a:buFont typeface="Arial"/>
+              <a:defRPr sz="1400" b="0" i="0" u="none" strike="noStrike" cap="none">
+                <a:solidFill>
+                  <a:srgbClr val="000000"/>
+                </a:solidFill>
+                <a:latin typeface="Arial"/>
+                <a:ea typeface="Arial"/>
+                <a:cs typeface="Arial"/>
+                <a:sym typeface="Arial"/>
+              </a:defRPr>
+            </a:lvl3pPr>
+            <a:lvl4pPr marR="0" lvl="3" algn="l" rtl="0">
+              <a:lnSpc>
+                <a:spcPct val="100000"/>
+              </a:lnSpc>
+              <a:spcBef>
+                <a:spcPts val="0"/>
+              </a:spcBef>
+              <a:spcAft>
+                <a:spcPts val="0"/>
+              </a:spcAft>
+              <a:buClr>
+                <a:srgbClr val="000000"/>
+              </a:buClr>
+              <a:buFont typeface="Arial"/>
+              <a:defRPr sz="1400" b="0" i="0" u="none" strike="noStrike" cap="none">
+                <a:solidFill>
+                  <a:srgbClr val="000000"/>
+                </a:solidFill>
+                <a:latin typeface="Arial"/>
+                <a:ea typeface="Arial"/>
+                <a:cs typeface="Arial"/>
+                <a:sym typeface="Arial"/>
+              </a:defRPr>
+            </a:lvl4pPr>
+            <a:lvl5pPr marR="0" lvl="4" algn="l" rtl="0">
+              <a:lnSpc>
+                <a:spcPct val="100000"/>
+              </a:lnSpc>
+              <a:spcBef>
+                <a:spcPts val="0"/>
+              </a:spcBef>
+              <a:spcAft>
+                <a:spcPts val="0"/>
+              </a:spcAft>
+              <a:buClr>
+                <a:srgbClr val="000000"/>
+              </a:buClr>
+              <a:buFont typeface="Arial"/>
+              <a:defRPr sz="1400" b="0" i="0" u="none" strike="noStrike" cap="none">
+                <a:solidFill>
+                  <a:srgbClr val="000000"/>
+                </a:solidFill>
+                <a:latin typeface="Arial"/>
+                <a:ea typeface="Arial"/>
+                <a:cs typeface="Arial"/>
+                <a:sym typeface="Arial"/>
+              </a:defRPr>
+            </a:lvl5pPr>
+            <a:lvl6pPr marR="0" lvl="5" algn="l" rtl="0">
+              <a:lnSpc>
+                <a:spcPct val="100000"/>
+              </a:lnSpc>
+              <a:spcBef>
+                <a:spcPts val="0"/>
+              </a:spcBef>
+              <a:spcAft>
+                <a:spcPts val="0"/>
+              </a:spcAft>
+              <a:buClr>
+                <a:srgbClr val="000000"/>
+              </a:buClr>
+              <a:buFont typeface="Arial"/>
+              <a:defRPr sz="1400" b="0" i="0" u="none" strike="noStrike" cap="none">
+                <a:solidFill>
+                  <a:srgbClr val="000000"/>
+                </a:solidFill>
+                <a:latin typeface="Arial"/>
+                <a:ea typeface="Arial"/>
+                <a:cs typeface="Arial"/>
+                <a:sym typeface="Arial"/>
+              </a:defRPr>
+            </a:lvl6pPr>
+            <a:lvl7pPr marR="0" lvl="6" algn="l" rtl="0">
+              <a:lnSpc>
+                <a:spcPct val="100000"/>
+              </a:lnSpc>
+              <a:spcBef>
+                <a:spcPts val="0"/>
+              </a:spcBef>
+              <a:spcAft>
+                <a:spcPts val="0"/>
+              </a:spcAft>
+              <a:buClr>
+                <a:srgbClr val="000000"/>
+              </a:buClr>
+              <a:buFont typeface="Arial"/>
+              <a:defRPr sz="1400" b="0" i="0" u="none" strike="noStrike" cap="none">
+                <a:solidFill>
+                  <a:srgbClr val="000000"/>
+                </a:solidFill>
+                <a:latin typeface="Arial"/>
+                <a:ea typeface="Arial"/>
+                <a:cs typeface="Arial"/>
+                <a:sym typeface="Arial"/>
+              </a:defRPr>
+            </a:lvl7pPr>
+            <a:lvl8pPr marR="0" lvl="7" algn="l" rtl="0">
+              <a:lnSpc>
+                <a:spcPct val="100000"/>
+              </a:lnSpc>
+              <a:spcBef>
+                <a:spcPts val="0"/>
+              </a:spcBef>
+              <a:spcAft>
+                <a:spcPts val="0"/>
+              </a:spcAft>
+              <a:buClr>
+                <a:srgbClr val="000000"/>
+              </a:buClr>
+              <a:buFont typeface="Arial"/>
+              <a:defRPr sz="1400" b="0" i="0" u="none" strike="noStrike" cap="none">
+                <a:solidFill>
+                  <a:srgbClr val="000000"/>
+                </a:solidFill>
+                <a:latin typeface="Arial"/>
+                <a:ea typeface="Arial"/>
+                <a:cs typeface="Arial"/>
+                <a:sym typeface="Arial"/>
+              </a:defRPr>
+            </a:lvl8pPr>
+            <a:lvl9pPr marR="0" lvl="8" algn="l" rtl="0">
+              <a:lnSpc>
+                <a:spcPct val="100000"/>
+              </a:lnSpc>
+              <a:spcBef>
+                <a:spcPts val="0"/>
+              </a:spcBef>
+              <a:spcAft>
+                <a:spcPts val="0"/>
+              </a:spcAft>
+              <a:buClr>
+                <a:srgbClr val="000000"/>
+              </a:buClr>
+              <a:buFont typeface="Arial"/>
+              <a:defRPr sz="1400" b="0" i="0" u="none" strike="noStrike" cap="none">
+                <a:solidFill>
+                  <a:srgbClr val="000000"/>
+                </a:solidFill>
+                <a:latin typeface="Arial"/>
+                <a:ea typeface="Arial"/>
+                <a:cs typeface="Arial"/>
+                <a:sym typeface="Arial"/>
+              </a:defRPr>
+            </a:lvl9pPr>
+          </a:lstStyle>
+          <a:p>
+            <a:pPr marL="0" marR="0" lvl="0" indent="0" algn="ctr" defTabSz="457200" eaLnBrk="1" fontAlgn="auto" latinLnBrk="0" hangingPunct="1">
+              <a:lnSpc>
+                <a:spcPct val="100000"/>
+              </a:lnSpc>
+              <a:spcBef>
+                <a:spcPts val="0"/>
+              </a:spcBef>
+              <a:spcAft>
+                <a:spcPts val="0"/>
+              </a:spcAft>
+              <a:buClrTx/>
+              <a:buSzTx/>
+              <a:buFontTx/>
+              <a:buNone/>
+              <a:tabLst/>
+              <a:defRPr/>
+            </a:pPr>
+            <a:r>
+              <a:rPr kumimoji="0" lang="en-US" sz="1600" b="1" i="0" u="none" strike="noStrike" kern="1200" cap="none" spc="0" normalizeH="0" baseline="0" noProof="0" dirty="0">
+                <a:ln>
+                  <a:noFill/>
+                </a:ln>
+                <a:solidFill>
+                  <a:prstClr val="black">
+                    <a:lumMod val="75000"/>
+                    <a:lumOff val="25000"/>
+                  </a:prstClr>
+                </a:solidFill>
+                <a:effectLst/>
+                <a:uLnTx/>
+                <a:uFillTx/>
+                <a:latin typeface="Roboto" panose="020B0604020202020204" charset="0"/>
+                <a:ea typeface="Roboto" panose="020B0604020202020204" charset="0"/>
+                <a:cs typeface="+mn-cs"/>
+              </a:rPr>
+              <a:t>Random Int Generator</a:t>
+            </a:r>
+          </a:p>
+        </p:txBody>
+      </p:sp>
+      <p:sp>
+        <p:nvSpPr>
+          <p:cNvPr id="14" name="Rectangle 13">
+            <a:extLst>
+              <a:ext uri="{FF2B5EF4-FFF2-40B4-BE49-F238E27FC236}">
+                <a16:creationId xmlns:a16="http://schemas.microsoft.com/office/drawing/2014/main" id="{6C29945D-C231-48E8-9866-E0C1ABB75CFB}"/>
+              </a:ext>
+            </a:extLst>
+          </p:cNvPr>
+          <p:cNvSpPr/>
+          <p:nvPr/>
+        </p:nvSpPr>
+        <p:spPr>
+          <a:xfrm>
+            <a:off x="4932374" y="1906504"/>
+            <a:ext cx="1779710" cy="1244376"/>
+          </a:xfrm>
+          <a:prstGeom prst="rect">
+            <a:avLst/>
+          </a:prstGeom>
+          <a:solidFill>
+            <a:schemeClr val="accent5">
+              <a:lumMod val="20000"/>
+              <a:lumOff val="80000"/>
+            </a:schemeClr>
+          </a:solidFill>
+          <a:ln w="28575" cap="flat" cmpd="sng" algn="ctr">
+            <a:solidFill>
+              <a:schemeClr val="tx2"/>
+            </a:solidFill>
+            <a:prstDash val="solid"/>
+            <a:miter lim="800000"/>
+          </a:ln>
+          <a:effectLst/>
+        </p:spPr>
+        <p:txBody>
+          <a:bodyPr rtlCol="0" anchor="ctr"/>
+          <a:lstStyle>
+            <a:defPPr marR="0" lvl="0" algn="l" rtl="0">
+              <a:lnSpc>
+                <a:spcPct val="100000"/>
+              </a:lnSpc>
+              <a:spcBef>
+                <a:spcPts val="0"/>
+              </a:spcBef>
+              <a:spcAft>
+                <a:spcPts val="0"/>
+              </a:spcAft>
+            </a:defPPr>
+            <a:lvl1pPr marR="0" lvl="0" algn="l" rtl="0">
+              <a:lnSpc>
+                <a:spcPct val="100000"/>
+              </a:lnSpc>
+              <a:spcBef>
+                <a:spcPts val="0"/>
+              </a:spcBef>
+              <a:spcAft>
+                <a:spcPts val="0"/>
+              </a:spcAft>
+              <a:buClr>
+                <a:srgbClr val="000000"/>
+              </a:buClr>
+              <a:buFont typeface="Arial"/>
+              <a:defRPr sz="1400" b="0" i="0" u="none" strike="noStrike" cap="none">
+                <a:solidFill>
+                  <a:srgbClr val="000000"/>
+                </a:solidFill>
+                <a:latin typeface="Arial"/>
+                <a:ea typeface="Arial"/>
+                <a:cs typeface="Arial"/>
+                <a:sym typeface="Arial"/>
+              </a:defRPr>
+            </a:lvl1pPr>
+            <a:lvl2pPr marR="0" lvl="1" algn="l" rtl="0">
+              <a:lnSpc>
+                <a:spcPct val="100000"/>
+              </a:lnSpc>
+              <a:spcBef>
+                <a:spcPts val="0"/>
+              </a:spcBef>
+              <a:spcAft>
+                <a:spcPts val="0"/>
+              </a:spcAft>
+              <a:buClr>
+                <a:srgbClr val="000000"/>
+              </a:buClr>
+              <a:buFont typeface="Arial"/>
+              <a:defRPr sz="1400" b="0" i="0" u="none" strike="noStrike" cap="none">
+                <a:solidFill>
+                  <a:srgbClr val="000000"/>
+                </a:solidFill>
+                <a:latin typeface="Arial"/>
+                <a:ea typeface="Arial"/>
+                <a:cs typeface="Arial"/>
+                <a:sym typeface="Arial"/>
+              </a:defRPr>
+            </a:lvl2pPr>
+            <a:lvl3pPr marR="0" lvl="2" algn="l" rtl="0">
+              <a:lnSpc>
+                <a:spcPct val="100000"/>
+              </a:lnSpc>
+              <a:spcBef>
+                <a:spcPts val="0"/>
+              </a:spcBef>
+              <a:spcAft>
+                <a:spcPts val="0"/>
+              </a:spcAft>
+              <a:buClr>
+                <a:srgbClr val="000000"/>
+              </a:buClr>
+              <a:buFont typeface="Arial"/>
+              <a:defRPr sz="1400" b="0" i="0" u="none" strike="noStrike" cap="none">
+                <a:solidFill>
+                  <a:srgbClr val="000000"/>
+                </a:solidFill>
+                <a:latin typeface="Arial"/>
+                <a:ea typeface="Arial"/>
+                <a:cs typeface="Arial"/>
+                <a:sym typeface="Arial"/>
+              </a:defRPr>
+            </a:lvl3pPr>
+            <a:lvl4pPr marR="0" lvl="3" algn="l" rtl="0">
+              <a:lnSpc>
+                <a:spcPct val="100000"/>
+              </a:lnSpc>
+              <a:spcBef>
+                <a:spcPts val="0"/>
+              </a:spcBef>
+              <a:spcAft>
+                <a:spcPts val="0"/>
+              </a:spcAft>
+              <a:buClr>
+                <a:srgbClr val="000000"/>
+              </a:buClr>
+              <a:buFont typeface="Arial"/>
+              <a:defRPr sz="1400" b="0" i="0" u="none" strike="noStrike" cap="none">
+                <a:solidFill>
+                  <a:srgbClr val="000000"/>
+                </a:solidFill>
+                <a:latin typeface="Arial"/>
+                <a:ea typeface="Arial"/>
+                <a:cs typeface="Arial"/>
+                <a:sym typeface="Arial"/>
+              </a:defRPr>
+            </a:lvl4pPr>
+            <a:lvl5pPr marR="0" lvl="4" algn="l" rtl="0">
+              <a:lnSpc>
+                <a:spcPct val="100000"/>
+              </a:lnSpc>
+              <a:spcBef>
+                <a:spcPts val="0"/>
+              </a:spcBef>
+              <a:spcAft>
+                <a:spcPts val="0"/>
+              </a:spcAft>
+              <a:buClr>
+                <a:srgbClr val="000000"/>
+              </a:buClr>
+              <a:buFont typeface="Arial"/>
+              <a:defRPr sz="1400" b="0" i="0" u="none" strike="noStrike" cap="none">
+                <a:solidFill>
+                  <a:srgbClr val="000000"/>
+                </a:solidFill>
+                <a:latin typeface="Arial"/>
+                <a:ea typeface="Arial"/>
+                <a:cs typeface="Arial"/>
+                <a:sym typeface="Arial"/>
+              </a:defRPr>
+            </a:lvl5pPr>
+            <a:lvl6pPr marR="0" lvl="5" algn="l" rtl="0">
+              <a:lnSpc>
+                <a:spcPct val="100000"/>
+              </a:lnSpc>
+              <a:spcBef>
+                <a:spcPts val="0"/>
+              </a:spcBef>
+              <a:spcAft>
+                <a:spcPts val="0"/>
+              </a:spcAft>
+              <a:buClr>
+                <a:srgbClr val="000000"/>
+              </a:buClr>
+              <a:buFont typeface="Arial"/>
+              <a:defRPr sz="1400" b="0" i="0" u="none" strike="noStrike" cap="none">
+                <a:solidFill>
+                  <a:srgbClr val="000000"/>
+                </a:solidFill>
+                <a:latin typeface="Arial"/>
+                <a:ea typeface="Arial"/>
+                <a:cs typeface="Arial"/>
+                <a:sym typeface="Arial"/>
+              </a:defRPr>
+            </a:lvl6pPr>
+            <a:lvl7pPr marR="0" lvl="6" algn="l" rtl="0">
+              <a:lnSpc>
+                <a:spcPct val="100000"/>
+              </a:lnSpc>
+              <a:spcBef>
+                <a:spcPts val="0"/>
+              </a:spcBef>
+              <a:spcAft>
+                <a:spcPts val="0"/>
+              </a:spcAft>
+              <a:buClr>
+                <a:srgbClr val="000000"/>
+              </a:buClr>
+              <a:buFont typeface="Arial"/>
+              <a:defRPr sz="1400" b="0" i="0" u="none" strike="noStrike" cap="none">
+                <a:solidFill>
+                  <a:srgbClr val="000000"/>
+                </a:solidFill>
+                <a:latin typeface="Arial"/>
+                <a:ea typeface="Arial"/>
+                <a:cs typeface="Arial"/>
+                <a:sym typeface="Arial"/>
+              </a:defRPr>
+            </a:lvl7pPr>
+            <a:lvl8pPr marR="0" lvl="7" algn="l" rtl="0">
+              <a:lnSpc>
+                <a:spcPct val="100000"/>
+              </a:lnSpc>
+              <a:spcBef>
+                <a:spcPts val="0"/>
+              </a:spcBef>
+              <a:spcAft>
+                <a:spcPts val="0"/>
+              </a:spcAft>
+              <a:buClr>
+                <a:srgbClr val="000000"/>
+              </a:buClr>
+              <a:buFont typeface="Arial"/>
+              <a:defRPr sz="1400" b="0" i="0" u="none" strike="noStrike" cap="none">
+                <a:solidFill>
+                  <a:srgbClr val="000000"/>
+                </a:solidFill>
+                <a:latin typeface="Arial"/>
+                <a:ea typeface="Arial"/>
+                <a:cs typeface="Arial"/>
+                <a:sym typeface="Arial"/>
+              </a:defRPr>
+            </a:lvl8pPr>
+            <a:lvl9pPr marR="0" lvl="8" algn="l" rtl="0">
+              <a:lnSpc>
+                <a:spcPct val="100000"/>
+              </a:lnSpc>
+              <a:spcBef>
+                <a:spcPts val="0"/>
+              </a:spcBef>
+              <a:spcAft>
+                <a:spcPts val="0"/>
+              </a:spcAft>
+              <a:buClr>
+                <a:srgbClr val="000000"/>
+              </a:buClr>
+              <a:buFont typeface="Arial"/>
+              <a:defRPr sz="1400" b="0" i="0" u="none" strike="noStrike" cap="none">
+                <a:solidFill>
+                  <a:srgbClr val="000000"/>
+                </a:solidFill>
+                <a:latin typeface="Arial"/>
+                <a:ea typeface="Arial"/>
+                <a:cs typeface="Arial"/>
+                <a:sym typeface="Arial"/>
+              </a:defRPr>
+            </a:lvl9pPr>
+          </a:lstStyle>
+          <a:p>
+            <a:pPr marL="0" marR="0" lvl="0" indent="0" algn="ctr" defTabSz="457200" eaLnBrk="1" fontAlgn="auto" latinLnBrk="0" hangingPunct="1">
+              <a:lnSpc>
+                <a:spcPct val="100000"/>
+              </a:lnSpc>
+              <a:spcBef>
+                <a:spcPts val="0"/>
+              </a:spcBef>
+              <a:spcAft>
+                <a:spcPts val="0"/>
+              </a:spcAft>
+              <a:buClrTx/>
+              <a:buSzTx/>
+              <a:buFontTx/>
+              <a:buNone/>
+              <a:tabLst/>
+              <a:defRPr/>
+            </a:pPr>
+            <a:r>
+              <a:rPr lang="en-US" sz="2000" b="1" dirty="0">
+                <a:solidFill>
+                  <a:prstClr val="black">
+                    <a:lumMod val="75000"/>
+                    <a:lumOff val="25000"/>
+                  </a:prstClr>
+                </a:solidFill>
+                <a:latin typeface="Roboto" panose="020B0604020202020204" charset="0"/>
+                <a:ea typeface="Roboto" panose="020B0604020202020204" charset="0"/>
+                <a:cs typeface="+mn-cs"/>
+              </a:rPr>
+              <a:t>f</a:t>
+            </a:r>
+            <a:r>
+              <a:rPr kumimoji="0" lang="en-US" sz="2000" b="1" i="0" u="none" strike="noStrike" kern="1200" cap="none" spc="0" normalizeH="0" baseline="0" noProof="0" dirty="0">
+                <a:ln>
+                  <a:noFill/>
+                </a:ln>
+                <a:solidFill>
+                  <a:prstClr val="black">
+                    <a:lumMod val="75000"/>
+                    <a:lumOff val="25000"/>
+                  </a:prstClr>
+                </a:solidFill>
+                <a:effectLst/>
+                <a:uLnTx/>
+                <a:uFillTx/>
+                <a:latin typeface="Roboto" panose="020B0604020202020204" charset="0"/>
+                <a:ea typeface="Roboto" panose="020B0604020202020204" charset="0"/>
+                <a:cs typeface="+mn-cs"/>
+              </a:rPr>
+              <a:t>(x) = x</a:t>
+            </a:r>
+            <a:r>
+              <a:rPr kumimoji="0" lang="en-US" sz="2000" b="1" i="0" u="none" strike="noStrike" kern="1200" cap="none" spc="0" normalizeH="0" baseline="30000" noProof="0" dirty="0">
+                <a:ln>
+                  <a:noFill/>
+                </a:ln>
+                <a:solidFill>
+                  <a:prstClr val="black">
+                    <a:lumMod val="75000"/>
+                    <a:lumOff val="25000"/>
+                  </a:prstClr>
+                </a:solidFill>
+                <a:effectLst/>
+                <a:uLnTx/>
+                <a:uFillTx/>
+                <a:latin typeface="Roboto" panose="020B0604020202020204" charset="0"/>
+                <a:ea typeface="Roboto" panose="020B0604020202020204" charset="0"/>
+                <a:cs typeface="+mn-cs"/>
+              </a:rPr>
+              <a:t>2</a:t>
+            </a:r>
+            <a:endParaRPr kumimoji="0" lang="en-US" sz="2000" b="1" i="0" u="none" strike="noStrike" kern="1200" cap="none" spc="0" normalizeH="0" baseline="0" noProof="0" dirty="0">
+              <a:ln>
+                <a:noFill/>
+              </a:ln>
+              <a:solidFill>
+                <a:prstClr val="black">
+                  <a:lumMod val="75000"/>
+                  <a:lumOff val="25000"/>
+                </a:prstClr>
+              </a:solidFill>
+              <a:effectLst/>
+              <a:uLnTx/>
+              <a:uFillTx/>
+              <a:latin typeface="Roboto" panose="020B0604020202020204" charset="0"/>
+              <a:ea typeface="Roboto" panose="020B0604020202020204" charset="0"/>
+              <a:cs typeface="+mn-cs"/>
+            </a:endParaRPr>
+          </a:p>
+        </p:txBody>
+      </p:sp>
+      <p:sp>
+        <p:nvSpPr>
+          <p:cNvPr id="15" name="Rectangle 14">
+            <a:extLst>
+              <a:ext uri="{FF2B5EF4-FFF2-40B4-BE49-F238E27FC236}">
+                <a16:creationId xmlns:a16="http://schemas.microsoft.com/office/drawing/2014/main" id="{58E39E4B-DAB7-4D29-BFB2-ED07860C2D4C}"/>
+              </a:ext>
+            </a:extLst>
+          </p:cNvPr>
+          <p:cNvSpPr/>
+          <p:nvPr/>
+        </p:nvSpPr>
+        <p:spPr>
+          <a:xfrm>
+            <a:off x="8051489" y="1906504"/>
+            <a:ext cx="1779710" cy="1244376"/>
+          </a:xfrm>
+          <a:prstGeom prst="rect">
+            <a:avLst/>
+          </a:prstGeom>
+          <a:solidFill>
+            <a:schemeClr val="accent5">
+              <a:lumMod val="20000"/>
+              <a:lumOff val="80000"/>
+            </a:schemeClr>
+          </a:solidFill>
+          <a:ln w="28575" cap="flat" cmpd="sng" algn="ctr">
+            <a:solidFill>
+              <a:schemeClr val="tx2"/>
+            </a:solidFill>
+            <a:prstDash val="solid"/>
+            <a:miter lim="800000"/>
+          </a:ln>
+          <a:effectLst/>
+        </p:spPr>
+        <p:txBody>
+          <a:bodyPr rtlCol="0" anchor="ctr"/>
+          <a:lstStyle>
+            <a:defPPr marR="0" lvl="0" algn="l" rtl="0">
+              <a:lnSpc>
+                <a:spcPct val="100000"/>
+              </a:lnSpc>
+              <a:spcBef>
+                <a:spcPts val="0"/>
+              </a:spcBef>
+              <a:spcAft>
+                <a:spcPts val="0"/>
+              </a:spcAft>
+            </a:defPPr>
+            <a:lvl1pPr marR="0" lvl="0" algn="l" rtl="0">
+              <a:lnSpc>
+                <a:spcPct val="100000"/>
+              </a:lnSpc>
+              <a:spcBef>
+                <a:spcPts val="0"/>
+              </a:spcBef>
+              <a:spcAft>
+                <a:spcPts val="0"/>
+              </a:spcAft>
+              <a:buClr>
+                <a:srgbClr val="000000"/>
+              </a:buClr>
+              <a:buFont typeface="Arial"/>
+              <a:defRPr sz="1400" b="0" i="0" u="none" strike="noStrike" cap="none">
+                <a:solidFill>
+                  <a:srgbClr val="000000"/>
+                </a:solidFill>
+                <a:latin typeface="Arial"/>
+                <a:ea typeface="Arial"/>
+                <a:cs typeface="Arial"/>
+                <a:sym typeface="Arial"/>
+              </a:defRPr>
+            </a:lvl1pPr>
+            <a:lvl2pPr marR="0" lvl="1" algn="l" rtl="0">
+              <a:lnSpc>
+                <a:spcPct val="100000"/>
+              </a:lnSpc>
+              <a:spcBef>
+                <a:spcPts val="0"/>
+              </a:spcBef>
+              <a:spcAft>
+                <a:spcPts val="0"/>
+              </a:spcAft>
+              <a:buClr>
+                <a:srgbClr val="000000"/>
+              </a:buClr>
+              <a:buFont typeface="Arial"/>
+              <a:defRPr sz="1400" b="0" i="0" u="none" strike="noStrike" cap="none">
+                <a:solidFill>
+                  <a:srgbClr val="000000"/>
+                </a:solidFill>
+                <a:latin typeface="Arial"/>
+                <a:ea typeface="Arial"/>
+                <a:cs typeface="Arial"/>
+                <a:sym typeface="Arial"/>
+              </a:defRPr>
+            </a:lvl2pPr>
+            <a:lvl3pPr marR="0" lvl="2" algn="l" rtl="0">
+              <a:lnSpc>
+                <a:spcPct val="100000"/>
+              </a:lnSpc>
+              <a:spcBef>
+                <a:spcPts val="0"/>
+              </a:spcBef>
+              <a:spcAft>
+                <a:spcPts val="0"/>
+              </a:spcAft>
+              <a:buClr>
+                <a:srgbClr val="000000"/>
+              </a:buClr>
+              <a:buFont typeface="Arial"/>
+              <a:defRPr sz="1400" b="0" i="0" u="none" strike="noStrike" cap="none">
+                <a:solidFill>
+                  <a:srgbClr val="000000"/>
+                </a:solidFill>
+                <a:latin typeface="Arial"/>
+                <a:ea typeface="Arial"/>
+                <a:cs typeface="Arial"/>
+                <a:sym typeface="Arial"/>
+              </a:defRPr>
+            </a:lvl3pPr>
+            <a:lvl4pPr marR="0" lvl="3" algn="l" rtl="0">
+              <a:lnSpc>
+                <a:spcPct val="100000"/>
+              </a:lnSpc>
+              <a:spcBef>
+                <a:spcPts val="0"/>
+              </a:spcBef>
+              <a:spcAft>
+                <a:spcPts val="0"/>
+              </a:spcAft>
+              <a:buClr>
+                <a:srgbClr val="000000"/>
+              </a:buClr>
+              <a:buFont typeface="Arial"/>
+              <a:defRPr sz="1400" b="0" i="0" u="none" strike="noStrike" cap="none">
+                <a:solidFill>
+                  <a:srgbClr val="000000"/>
+                </a:solidFill>
+                <a:latin typeface="Arial"/>
+                <a:ea typeface="Arial"/>
+                <a:cs typeface="Arial"/>
+                <a:sym typeface="Arial"/>
+              </a:defRPr>
+            </a:lvl4pPr>
+            <a:lvl5pPr marR="0" lvl="4" algn="l" rtl="0">
+              <a:lnSpc>
+                <a:spcPct val="100000"/>
+              </a:lnSpc>
+              <a:spcBef>
+                <a:spcPts val="0"/>
+              </a:spcBef>
+              <a:spcAft>
+                <a:spcPts val="0"/>
+              </a:spcAft>
+              <a:buClr>
+                <a:srgbClr val="000000"/>
+              </a:buClr>
+              <a:buFont typeface="Arial"/>
+              <a:defRPr sz="1400" b="0" i="0" u="none" strike="noStrike" cap="none">
+                <a:solidFill>
+                  <a:srgbClr val="000000"/>
+                </a:solidFill>
+                <a:latin typeface="Arial"/>
+                <a:ea typeface="Arial"/>
+                <a:cs typeface="Arial"/>
+                <a:sym typeface="Arial"/>
+              </a:defRPr>
+            </a:lvl5pPr>
+            <a:lvl6pPr marR="0" lvl="5" algn="l" rtl="0">
+              <a:lnSpc>
+                <a:spcPct val="100000"/>
+              </a:lnSpc>
+              <a:spcBef>
+                <a:spcPts val="0"/>
+              </a:spcBef>
+              <a:spcAft>
+                <a:spcPts val="0"/>
+              </a:spcAft>
+              <a:buClr>
+                <a:srgbClr val="000000"/>
+              </a:buClr>
+              <a:buFont typeface="Arial"/>
+              <a:defRPr sz="1400" b="0" i="0" u="none" strike="noStrike" cap="none">
+                <a:solidFill>
+                  <a:srgbClr val="000000"/>
+                </a:solidFill>
+                <a:latin typeface="Arial"/>
+                <a:ea typeface="Arial"/>
+                <a:cs typeface="Arial"/>
+                <a:sym typeface="Arial"/>
+              </a:defRPr>
+            </a:lvl6pPr>
+            <a:lvl7pPr marR="0" lvl="6" algn="l" rtl="0">
+              <a:lnSpc>
+                <a:spcPct val="100000"/>
+              </a:lnSpc>
+              <a:spcBef>
+                <a:spcPts val="0"/>
+              </a:spcBef>
+              <a:spcAft>
+                <a:spcPts val="0"/>
+              </a:spcAft>
+              <a:buClr>
+                <a:srgbClr val="000000"/>
+              </a:buClr>
+              <a:buFont typeface="Arial"/>
+              <a:defRPr sz="1400" b="0" i="0" u="none" strike="noStrike" cap="none">
+                <a:solidFill>
+                  <a:srgbClr val="000000"/>
+                </a:solidFill>
+                <a:latin typeface="Arial"/>
+                <a:ea typeface="Arial"/>
+                <a:cs typeface="Arial"/>
+                <a:sym typeface="Arial"/>
+              </a:defRPr>
+            </a:lvl7pPr>
+            <a:lvl8pPr marR="0" lvl="7" algn="l" rtl="0">
+              <a:lnSpc>
+                <a:spcPct val="100000"/>
+              </a:lnSpc>
+              <a:spcBef>
+                <a:spcPts val="0"/>
+              </a:spcBef>
+              <a:spcAft>
+                <a:spcPts val="0"/>
+              </a:spcAft>
+              <a:buClr>
+                <a:srgbClr val="000000"/>
+              </a:buClr>
+              <a:buFont typeface="Arial"/>
+              <a:defRPr sz="1400" b="0" i="0" u="none" strike="noStrike" cap="none">
+                <a:solidFill>
+                  <a:srgbClr val="000000"/>
+                </a:solidFill>
+                <a:latin typeface="Arial"/>
+                <a:ea typeface="Arial"/>
+                <a:cs typeface="Arial"/>
+                <a:sym typeface="Arial"/>
+              </a:defRPr>
+            </a:lvl8pPr>
+            <a:lvl9pPr marR="0" lvl="8" algn="l" rtl="0">
+              <a:lnSpc>
+                <a:spcPct val="100000"/>
+              </a:lnSpc>
+              <a:spcBef>
+                <a:spcPts val="0"/>
+              </a:spcBef>
+              <a:spcAft>
+                <a:spcPts val="0"/>
+              </a:spcAft>
+              <a:buClr>
+                <a:srgbClr val="000000"/>
+              </a:buClr>
+              <a:buFont typeface="Arial"/>
+              <a:defRPr sz="1400" b="0" i="0" u="none" strike="noStrike" cap="none">
+                <a:solidFill>
+                  <a:srgbClr val="000000"/>
+                </a:solidFill>
+                <a:latin typeface="Arial"/>
+                <a:ea typeface="Arial"/>
+                <a:cs typeface="Arial"/>
+                <a:sym typeface="Arial"/>
+              </a:defRPr>
+            </a:lvl9pPr>
+          </a:lstStyle>
+          <a:p>
+            <a:pPr marL="0" marR="0" lvl="0" indent="0" algn="ctr" defTabSz="457200" eaLnBrk="1" fontAlgn="auto" latinLnBrk="0" hangingPunct="1">
+              <a:lnSpc>
+                <a:spcPct val="100000"/>
+              </a:lnSpc>
+              <a:spcBef>
+                <a:spcPts val="0"/>
+              </a:spcBef>
+              <a:spcAft>
+                <a:spcPts val="0"/>
+              </a:spcAft>
+              <a:buClrTx/>
+              <a:buSzTx/>
+              <a:buFontTx/>
+              <a:buNone/>
+              <a:tabLst/>
+              <a:defRPr/>
+            </a:pPr>
+            <a:r>
+              <a:rPr kumimoji="0" lang="en-US" sz="2000" b="1" i="0" u="none" strike="noStrike" kern="1200" cap="none" spc="0" normalizeH="0" baseline="0" noProof="0" dirty="0">
+                <a:ln>
+                  <a:noFill/>
+                </a:ln>
+                <a:solidFill>
+                  <a:prstClr val="black">
+                    <a:lumMod val="75000"/>
+                    <a:lumOff val="25000"/>
+                  </a:prstClr>
+                </a:solidFill>
+                <a:effectLst/>
+                <a:uLnTx/>
+                <a:uFillTx/>
+                <a:latin typeface="Roboto" panose="020B0604020202020204" charset="0"/>
+                <a:ea typeface="Roboto" panose="020B0604020202020204" charset="0"/>
+                <a:cs typeface="+mn-cs"/>
+              </a:rPr>
+              <a:t>Write to DB</a:t>
+            </a:r>
           </a:p>
         </p:txBody>
       </p:sp>
@@ -5337,6 +6445,35 @@
           </a:prstGeom>
         </p:spPr>
       </p:pic>
+      <p:sp>
+        <p:nvSpPr>
+          <p:cNvPr id="3" name="Slide Number Placeholder 2">
+            <a:extLst>
+              <a:ext uri="{FF2B5EF4-FFF2-40B4-BE49-F238E27FC236}">
+                <a16:creationId xmlns:a16="http://schemas.microsoft.com/office/drawing/2014/main" id="{16728545-9C7A-4055-B70D-D82906A91B71}"/>
+              </a:ext>
+            </a:extLst>
+          </p:cNvPr>
+          <p:cNvSpPr>
+            <a:spLocks noGrp="1"/>
+          </p:cNvSpPr>
+          <p:nvPr>
+            <p:ph type="sldNum" sz="quarter" idx="12"/>
+          </p:nvPr>
+        </p:nvSpPr>
+        <p:spPr/>
+        <p:txBody>
+          <a:bodyPr/>
+          <a:lstStyle/>
+          <a:p>
+            <a:fld id="{298EC0E5-27BB-4B98-A049-4ABBDEC963D6}" type="slidenum">
+              <a:rPr lang="en-US" smtClean="0"/>
+              <a:t>2</a:t>
+            </a:fld>
+            <a:endParaRPr lang="en-US"/>
+          </a:p>
+        </p:txBody>
+      </p:sp>
     </p:spTree>
     <p:extLst>
       <p:ext uri="{BB962C8B-B14F-4D97-AF65-F5344CB8AC3E}">
@@ -6891,6 +8028,35 @@
           </a:p>
         </p:txBody>
       </p:sp>
+      <p:sp>
+        <p:nvSpPr>
+          <p:cNvPr id="6" name="Slide Number Placeholder 5">
+            <a:extLst>
+              <a:ext uri="{FF2B5EF4-FFF2-40B4-BE49-F238E27FC236}">
+                <a16:creationId xmlns:a16="http://schemas.microsoft.com/office/drawing/2014/main" id="{2697E387-6CEE-4131-86F9-82415D0910BE}"/>
+              </a:ext>
+            </a:extLst>
+          </p:cNvPr>
+          <p:cNvSpPr>
+            <a:spLocks noGrp="1"/>
+          </p:cNvSpPr>
+          <p:nvPr>
+            <p:ph type="sldNum" sz="quarter" idx="12"/>
+          </p:nvPr>
+        </p:nvSpPr>
+        <p:spPr/>
+        <p:txBody>
+          <a:bodyPr/>
+          <a:lstStyle/>
+          <a:p>
+            <a:fld id="{298EC0E5-27BB-4B98-A049-4ABBDEC963D6}" type="slidenum">
+              <a:rPr lang="en-US" smtClean="0"/>
+              <a:t>3</a:t>
+            </a:fld>
+            <a:endParaRPr lang="en-US"/>
+          </a:p>
+        </p:txBody>
+      </p:sp>
     </p:spTree>
     <p:extLst>
       <p:ext uri="{BB962C8B-B14F-4D97-AF65-F5344CB8AC3E}">
@@ -8115,6 +9281,35 @@
               <a:t>Monolithic Program</a:t>
             </a:r>
             <a:endParaRPr lang="en-US" dirty="0"/>
+          </a:p>
+        </p:txBody>
+      </p:sp>
+      <p:sp>
+        <p:nvSpPr>
+          <p:cNvPr id="3" name="Slide Number Placeholder 2">
+            <a:extLst>
+              <a:ext uri="{FF2B5EF4-FFF2-40B4-BE49-F238E27FC236}">
+                <a16:creationId xmlns:a16="http://schemas.microsoft.com/office/drawing/2014/main" id="{2E5D4339-ACF3-434A-92A5-F3C84501B7FB}"/>
+              </a:ext>
+            </a:extLst>
+          </p:cNvPr>
+          <p:cNvSpPr>
+            <a:spLocks noGrp="1"/>
+          </p:cNvSpPr>
+          <p:nvPr>
+            <p:ph type="sldNum" sz="quarter" idx="12"/>
+          </p:nvPr>
+        </p:nvSpPr>
+        <p:spPr/>
+        <p:txBody>
+          <a:bodyPr/>
+          <a:lstStyle/>
+          <a:p>
+            <a:fld id="{298EC0E5-27BB-4B98-A049-4ABBDEC963D6}" type="slidenum">
+              <a:rPr lang="en-US" smtClean="0"/>
+              <a:t>4</a:t>
+            </a:fld>
+            <a:endParaRPr lang="en-US"/>
           </a:p>
         </p:txBody>
       </p:sp>
@@ -10224,6 +11419,35 @@
           </a:p>
         </p:txBody>
       </p:sp>
+      <p:sp>
+        <p:nvSpPr>
+          <p:cNvPr id="3" name="Slide Number Placeholder 2">
+            <a:extLst>
+              <a:ext uri="{FF2B5EF4-FFF2-40B4-BE49-F238E27FC236}">
+                <a16:creationId xmlns:a16="http://schemas.microsoft.com/office/drawing/2014/main" id="{4629047C-B592-4138-8D8F-E8CF106FDF7C}"/>
+              </a:ext>
+            </a:extLst>
+          </p:cNvPr>
+          <p:cNvSpPr>
+            <a:spLocks noGrp="1"/>
+          </p:cNvSpPr>
+          <p:nvPr>
+            <p:ph type="sldNum" sz="quarter" idx="12"/>
+          </p:nvPr>
+        </p:nvSpPr>
+        <p:spPr/>
+        <p:txBody>
+          <a:bodyPr/>
+          <a:lstStyle/>
+          <a:p>
+            <a:fld id="{298EC0E5-27BB-4B98-A049-4ABBDEC963D6}" type="slidenum">
+              <a:rPr lang="en-US" smtClean="0"/>
+              <a:t>5</a:t>
+            </a:fld>
+            <a:endParaRPr lang="en-US"/>
+          </a:p>
+        </p:txBody>
+      </p:sp>
     </p:spTree>
     <p:extLst>
       <p:ext uri="{BB962C8B-B14F-4D97-AF65-F5344CB8AC3E}">
@@ -11128,6 +12352,35 @@
           </a:p>
         </p:txBody>
       </p:sp>
+      <p:sp>
+        <p:nvSpPr>
+          <p:cNvPr id="3" name="Slide Number Placeholder 2">
+            <a:extLst>
+              <a:ext uri="{FF2B5EF4-FFF2-40B4-BE49-F238E27FC236}">
+                <a16:creationId xmlns:a16="http://schemas.microsoft.com/office/drawing/2014/main" id="{E30042D5-27D3-4A18-9A06-48837FAF3628}"/>
+              </a:ext>
+            </a:extLst>
+          </p:cNvPr>
+          <p:cNvSpPr>
+            <a:spLocks noGrp="1"/>
+          </p:cNvSpPr>
+          <p:nvPr>
+            <p:ph type="sldNum" sz="quarter" idx="12"/>
+          </p:nvPr>
+        </p:nvSpPr>
+        <p:spPr/>
+        <p:txBody>
+          <a:bodyPr/>
+          <a:lstStyle/>
+          <a:p>
+            <a:fld id="{298EC0E5-27BB-4B98-A049-4ABBDEC963D6}" type="slidenum">
+              <a:rPr lang="en-US" smtClean="0"/>
+              <a:t>6</a:t>
+            </a:fld>
+            <a:endParaRPr lang="en-US"/>
+          </a:p>
+        </p:txBody>
+      </p:sp>
     </p:spTree>
     <p:extLst>
       <p:ext uri="{BB962C8B-B14F-4D97-AF65-F5344CB8AC3E}">
@@ -13053,6 +14306,35 @@
           <a:lstStyle/>
           <a:p>
             <a:pPr algn="ctr"/>
+            <a:endParaRPr lang="en-US"/>
+          </a:p>
+        </p:txBody>
+      </p:sp>
+      <p:sp>
+        <p:nvSpPr>
+          <p:cNvPr id="3" name="Slide Number Placeholder 2">
+            <a:extLst>
+              <a:ext uri="{FF2B5EF4-FFF2-40B4-BE49-F238E27FC236}">
+                <a16:creationId xmlns:a16="http://schemas.microsoft.com/office/drawing/2014/main" id="{618467D8-2D63-4928-A417-4822E93DFE7A}"/>
+              </a:ext>
+            </a:extLst>
+          </p:cNvPr>
+          <p:cNvSpPr>
+            <a:spLocks noGrp="1"/>
+          </p:cNvSpPr>
+          <p:nvPr>
+            <p:ph type="sldNum" sz="quarter" idx="12"/>
+          </p:nvPr>
+        </p:nvSpPr>
+        <p:spPr/>
+        <p:txBody>
+          <a:bodyPr/>
+          <a:lstStyle/>
+          <a:p>
+            <a:fld id="{298EC0E5-27BB-4B98-A049-4ABBDEC963D6}" type="slidenum">
+              <a:rPr lang="en-US" smtClean="0"/>
+              <a:t>7</a:t>
+            </a:fld>
             <a:endParaRPr lang="en-US"/>
           </a:p>
         </p:txBody>
@@ -19359,6 +20641,35 @@
           </a:p>
         </p:txBody>
       </p:sp>
+      <p:sp>
+        <p:nvSpPr>
+          <p:cNvPr id="3" name="Slide Number Placeholder 2">
+            <a:extLst>
+              <a:ext uri="{FF2B5EF4-FFF2-40B4-BE49-F238E27FC236}">
+                <a16:creationId xmlns:a16="http://schemas.microsoft.com/office/drawing/2014/main" id="{B0386510-4973-400D-8A0D-61F61A3E108C}"/>
+              </a:ext>
+            </a:extLst>
+          </p:cNvPr>
+          <p:cNvSpPr>
+            <a:spLocks noGrp="1"/>
+          </p:cNvSpPr>
+          <p:nvPr>
+            <p:ph type="sldNum" sz="quarter" idx="12"/>
+          </p:nvPr>
+        </p:nvSpPr>
+        <p:spPr/>
+        <p:txBody>
+          <a:bodyPr/>
+          <a:lstStyle/>
+          <a:p>
+            <a:fld id="{298EC0E5-27BB-4B98-A049-4ABBDEC963D6}" type="slidenum">
+              <a:rPr lang="en-US" smtClean="0"/>
+              <a:t>8</a:t>
+            </a:fld>
+            <a:endParaRPr lang="en-US"/>
+          </a:p>
+        </p:txBody>
+      </p:sp>
     </p:spTree>
     <p:extLst>
       <p:ext uri="{BB962C8B-B14F-4D97-AF65-F5344CB8AC3E}">
@@ -19526,6 +20837,35 @@
               <a:rPr lang="en-US" dirty="0"/>
               <a:t>.</a:t>
             </a:r>
+          </a:p>
+        </p:txBody>
+      </p:sp>
+      <p:sp>
+        <p:nvSpPr>
+          <p:cNvPr id="4" name="Slide Number Placeholder 3">
+            <a:extLst>
+              <a:ext uri="{FF2B5EF4-FFF2-40B4-BE49-F238E27FC236}">
+                <a16:creationId xmlns:a16="http://schemas.microsoft.com/office/drawing/2014/main" id="{37A4EC05-DB17-4926-AE5A-E4360ADDA7B6}"/>
+              </a:ext>
+            </a:extLst>
+          </p:cNvPr>
+          <p:cNvSpPr>
+            <a:spLocks noGrp="1"/>
+          </p:cNvSpPr>
+          <p:nvPr>
+            <p:ph type="sldNum" sz="quarter" idx="12"/>
+          </p:nvPr>
+        </p:nvSpPr>
+        <p:spPr/>
+        <p:txBody>
+          <a:bodyPr/>
+          <a:lstStyle/>
+          <a:p>
+            <a:fld id="{298EC0E5-27BB-4B98-A049-4ABBDEC963D6}" type="slidenum">
+              <a:rPr lang="en-US" smtClean="0"/>
+              <a:t>9</a:t>
+            </a:fld>
+            <a:endParaRPr lang="en-US"/>
           </a:p>
         </p:txBody>
       </p:sp>
